--- a/ai_content_modration/PPT/PID_0000_TG08001947_PresentationRound.pptx
+++ b/ai_content_modration/PPT/PID_0000_TG08001947_PresentationRound.pptx
@@ -5,7 +5,7 @@
     <p:sldMasterId id="2147483652" r:id="rId1"/>
   </p:sldMasterIdLst>
   <p:notesMasterIdLst>
-    <p:notesMasterId r:id="rId14"/>
+    <p:notesMasterId r:id="rId15"/>
   </p:notesMasterIdLst>
   <p:sldIdLst>
     <p:sldId id="735" r:id="rId2"/>
@@ -13,13 +13,14 @@
     <p:sldId id="737" r:id="rId4"/>
     <p:sldId id="738" r:id="rId5"/>
     <p:sldId id="739" r:id="rId6"/>
-    <p:sldId id="741" r:id="rId7"/>
-    <p:sldId id="742" r:id="rId8"/>
-    <p:sldId id="743" r:id="rId9"/>
-    <p:sldId id="744" r:id="rId10"/>
-    <p:sldId id="745" r:id="rId11"/>
-    <p:sldId id="740" r:id="rId12"/>
-    <p:sldId id="746" r:id="rId13"/>
+    <p:sldId id="747" r:id="rId7"/>
+    <p:sldId id="741" r:id="rId8"/>
+    <p:sldId id="742" r:id="rId9"/>
+    <p:sldId id="743" r:id="rId10"/>
+    <p:sldId id="744" r:id="rId11"/>
+    <p:sldId id="745" r:id="rId12"/>
+    <p:sldId id="740" r:id="rId13"/>
+    <p:sldId id="746" r:id="rId14"/>
   </p:sldIdLst>
   <p:sldSz cx="9144000" cy="5143500" type="screen16x9"/>
   <p:notesSz cx="6858000" cy="9144000"/>
@@ -28700,8 +28701,8 @@
         </p:blipFill>
         <p:spPr>
           <a:xfrm>
-            <a:off x="3231157" y="3184193"/>
-            <a:ext cx="709196" cy="720219"/>
+            <a:off x="3246961" y="3214236"/>
+            <a:ext cx="678465" cy="689010"/>
           </a:xfrm>
           <a:prstGeom prst="rect">
             <a:avLst/>
@@ -28730,8 +28731,8 @@
         </p:blipFill>
         <p:spPr>
           <a:xfrm>
-            <a:off x="1320152" y="3167732"/>
-            <a:ext cx="731258" cy="727111"/>
+            <a:off x="1356317" y="3200062"/>
+            <a:ext cx="668380" cy="670898"/>
           </a:xfrm>
           <a:prstGeom prst="rect">
             <a:avLst/>
@@ -28760,8 +28761,8 @@
         </p:blipFill>
         <p:spPr>
           <a:xfrm>
-            <a:off x="306323" y="3168935"/>
-            <a:ext cx="754801" cy="728357"/>
+            <a:off x="365760" y="3194981"/>
+            <a:ext cx="678425" cy="694781"/>
           </a:xfrm>
           <a:prstGeom prst="rect">
             <a:avLst/>
@@ -28789,8 +28790,8 @@
         </p:blipFill>
         <p:spPr>
           <a:xfrm>
-            <a:off x="2287951" y="3163694"/>
-            <a:ext cx="691517" cy="725454"/>
+            <a:off x="2280694" y="3200062"/>
+            <a:ext cx="691517" cy="694781"/>
           </a:xfrm>
           <a:prstGeom prst="rect">
             <a:avLst/>
@@ -28893,6 +28894,434 @@
           <a:lstStyle/>
           <a:p>
             <a:r>
+              <a:rPr lang="en-US" dirty="0">
+                <a:latin typeface="Calibri" panose="020F0502020204030204" pitchFamily="34" charset="0"/>
+              </a:rPr>
+              <a:t>Assumptions</a:t>
+            </a:r>
+            <a:endParaRPr lang="en-IN" dirty="0"/>
+          </a:p>
+        </p:txBody>
+      </p:sp>
+      <p:sp>
+        <p:nvSpPr>
+          <p:cNvPr id="3" name="Content Placeholder 2">
+            <a:extLst>
+              <a:ext uri="{FF2B5EF4-FFF2-40B4-BE49-F238E27FC236}">
+                <a16:creationId xmlns:a16="http://schemas.microsoft.com/office/drawing/2014/main" id="{E9BCFC67-F5AA-8E05-39EC-73CBF3865066}"/>
+              </a:ext>
+            </a:extLst>
+          </p:cNvPr>
+          <p:cNvSpPr>
+            <a:spLocks noGrp="1"/>
+          </p:cNvSpPr>
+          <p:nvPr>
+            <p:ph idx="1"/>
+          </p:nvPr>
+        </p:nvSpPr>
+        <p:spPr/>
+        <p:txBody>
+          <a:bodyPr>
+            <a:normAutofit fontScale="77500" lnSpcReduction="20000"/>
+          </a:bodyPr>
+          <a:lstStyle/>
+          <a:p>
+            <a:pPr algn="l">
+              <a:buFont typeface="+mj-lt"/>
+              <a:buAutoNum type="arabicPeriod"/>
+            </a:pPr>
+            <a:r>
+              <a:rPr lang="en-GB" b="1" i="0" dirty="0">
+                <a:solidFill>
+                  <a:schemeClr val="tx1"/>
+                </a:solidFill>
+                <a:effectLst/>
+                <a:latin typeface="ui-sans-serif"/>
+              </a:rPr>
+              <a:t>Improved Content Quality</a:t>
+            </a:r>
+            <a:r>
+              <a:rPr lang="en-GB" b="0" i="0" dirty="0">
+                <a:solidFill>
+                  <a:schemeClr val="tx1"/>
+                </a:solidFill>
+                <a:effectLst/>
+                <a:latin typeface="ui-sans-serif"/>
+              </a:rPr>
+              <a:t>:</a:t>
+            </a:r>
+          </a:p>
+          <a:p>
+            <a:pPr marL="742950" lvl="1" indent="-285750" algn="l">
+              <a:buFont typeface="+mj-lt"/>
+              <a:buAutoNum type="arabicPeriod"/>
+            </a:pPr>
+            <a:r>
+              <a:rPr lang="en-GB" b="0" i="0" dirty="0">
+                <a:solidFill>
+                  <a:schemeClr val="tx1"/>
+                </a:solidFill>
+                <a:effectLst/>
+                <a:latin typeface="ui-sans-serif"/>
+              </a:rPr>
+              <a:t>Reduction in harmful, offensive, or misleading content across the platform.</a:t>
+            </a:r>
+          </a:p>
+          <a:p>
+            <a:pPr algn="l">
+              <a:buFont typeface="+mj-lt"/>
+              <a:buAutoNum type="arabicPeriod"/>
+            </a:pPr>
+            <a:r>
+              <a:rPr lang="en-GB" b="1" i="0" dirty="0">
+                <a:solidFill>
+                  <a:schemeClr val="tx1"/>
+                </a:solidFill>
+                <a:effectLst/>
+                <a:latin typeface="ui-sans-serif"/>
+              </a:rPr>
+              <a:t>Enhanced User Experience</a:t>
+            </a:r>
+            <a:r>
+              <a:rPr lang="en-GB" b="0" i="0" dirty="0">
+                <a:solidFill>
+                  <a:schemeClr val="tx1"/>
+                </a:solidFill>
+                <a:effectLst/>
+                <a:latin typeface="ui-sans-serif"/>
+              </a:rPr>
+              <a:t>:</a:t>
+            </a:r>
+          </a:p>
+          <a:p>
+            <a:pPr marL="742950" lvl="1" indent="-285750" algn="l">
+              <a:buFont typeface="+mj-lt"/>
+              <a:buAutoNum type="arabicPeriod"/>
+            </a:pPr>
+            <a:r>
+              <a:rPr lang="en-GB" b="0" i="0" dirty="0">
+                <a:solidFill>
+                  <a:schemeClr val="tx1"/>
+                </a:solidFill>
+                <a:effectLst/>
+                <a:latin typeface="ui-sans-serif"/>
+              </a:rPr>
+              <a:t>Clean, positive, and inclusive media fosters a safe and engaging environment for users.</a:t>
+            </a:r>
+          </a:p>
+          <a:p>
+            <a:pPr algn="l">
+              <a:buFont typeface="+mj-lt"/>
+              <a:buAutoNum type="arabicPeriod"/>
+            </a:pPr>
+            <a:r>
+              <a:rPr lang="en-GB" b="1" i="0" dirty="0">
+                <a:solidFill>
+                  <a:schemeClr val="tx1"/>
+                </a:solidFill>
+                <a:effectLst/>
+                <a:latin typeface="ui-sans-serif"/>
+              </a:rPr>
+              <a:t>Higher Moderation Efficiency</a:t>
+            </a:r>
+            <a:r>
+              <a:rPr lang="en-GB" b="0" i="0" dirty="0">
+                <a:solidFill>
+                  <a:schemeClr val="tx1"/>
+                </a:solidFill>
+                <a:effectLst/>
+                <a:latin typeface="ui-sans-serif"/>
+              </a:rPr>
+              <a:t>:</a:t>
+            </a:r>
+          </a:p>
+          <a:p>
+            <a:pPr marL="742950" lvl="1" indent="-285750" algn="l">
+              <a:buFont typeface="+mj-lt"/>
+              <a:buAutoNum type="arabicPeriod"/>
+            </a:pPr>
+            <a:r>
+              <a:rPr lang="en-GB" b="0" i="0" dirty="0">
+                <a:solidFill>
+                  <a:schemeClr val="tx1"/>
+                </a:solidFill>
+                <a:effectLst/>
+                <a:latin typeface="ui-sans-serif"/>
+              </a:rPr>
+              <a:t>AI automates bulk moderation, reducing manual effort and speeding up content review.</a:t>
+            </a:r>
+          </a:p>
+          <a:p>
+            <a:pPr algn="l">
+              <a:buFont typeface="+mj-lt"/>
+              <a:buAutoNum type="arabicPeriod"/>
+            </a:pPr>
+            <a:r>
+              <a:rPr lang="en-GB" b="1" i="0" dirty="0">
+                <a:solidFill>
+                  <a:schemeClr val="tx1"/>
+                </a:solidFill>
+                <a:effectLst/>
+                <a:latin typeface="ui-sans-serif"/>
+              </a:rPr>
+              <a:t>Better Compliance</a:t>
+            </a:r>
+            <a:r>
+              <a:rPr lang="en-GB" b="0" i="0" dirty="0">
+                <a:solidFill>
+                  <a:schemeClr val="tx1"/>
+                </a:solidFill>
+                <a:effectLst/>
+                <a:latin typeface="ui-sans-serif"/>
+              </a:rPr>
+              <a:t>:</a:t>
+            </a:r>
+          </a:p>
+          <a:p>
+            <a:pPr marL="742950" lvl="1" indent="-285750" algn="l">
+              <a:buFont typeface="+mj-lt"/>
+              <a:buAutoNum type="arabicPeriod"/>
+            </a:pPr>
+            <a:r>
+              <a:rPr lang="en-GB" b="0" i="0" dirty="0">
+                <a:solidFill>
+                  <a:schemeClr val="tx1"/>
+                </a:solidFill>
+                <a:effectLst/>
+                <a:latin typeface="ui-sans-serif"/>
+              </a:rPr>
+              <a:t>Adherence to legal and ethical standards like GDPR ensures regulatory compliance.</a:t>
+            </a:r>
+          </a:p>
+          <a:p>
+            <a:pPr algn="l">
+              <a:buFont typeface="+mj-lt"/>
+              <a:buAutoNum type="arabicPeriod"/>
+            </a:pPr>
+            <a:r>
+              <a:rPr lang="en-GB" b="1" i="0" dirty="0">
+                <a:solidFill>
+                  <a:schemeClr val="tx1"/>
+                </a:solidFill>
+                <a:effectLst/>
+                <a:latin typeface="ui-sans-serif"/>
+              </a:rPr>
+              <a:t>Adaptability</a:t>
+            </a:r>
+            <a:r>
+              <a:rPr lang="en-GB" b="0" i="0" dirty="0">
+                <a:solidFill>
+                  <a:schemeClr val="tx1"/>
+                </a:solidFill>
+                <a:effectLst/>
+                <a:latin typeface="ui-sans-serif"/>
+              </a:rPr>
+              <a:t>:</a:t>
+            </a:r>
+          </a:p>
+          <a:p>
+            <a:pPr marL="742950" lvl="1" indent="-285750" algn="l">
+              <a:buFont typeface="+mj-lt"/>
+              <a:buAutoNum type="arabicPeriod"/>
+            </a:pPr>
+            <a:r>
+              <a:rPr lang="en-GB" b="0" i="0" dirty="0">
+                <a:solidFill>
+                  <a:schemeClr val="tx1"/>
+                </a:solidFill>
+                <a:effectLst/>
+                <a:latin typeface="ui-sans-serif"/>
+              </a:rPr>
+              <a:t>Continuous learning models keep the system effective against new threats like deepfakes or emerging harmful trends.</a:t>
+            </a:r>
+          </a:p>
+          <a:p>
+            <a:pPr algn="l">
+              <a:buFont typeface="+mj-lt"/>
+              <a:buAutoNum type="arabicPeriod"/>
+            </a:pPr>
+            <a:r>
+              <a:rPr lang="en-GB" b="1" i="0" dirty="0">
+                <a:solidFill>
+                  <a:schemeClr val="tx1"/>
+                </a:solidFill>
+                <a:effectLst/>
+                <a:latin typeface="ui-sans-serif"/>
+              </a:rPr>
+              <a:t>Increased Trust</a:t>
+            </a:r>
+            <a:r>
+              <a:rPr lang="en-GB" b="0" i="0" dirty="0">
+                <a:solidFill>
+                  <a:schemeClr val="tx1"/>
+                </a:solidFill>
+                <a:effectLst/>
+                <a:latin typeface="ui-sans-serif"/>
+              </a:rPr>
+              <a:t>:</a:t>
+            </a:r>
+          </a:p>
+          <a:p>
+            <a:pPr marL="742950" lvl="1" indent="-285750" algn="l">
+              <a:buFont typeface="+mj-lt"/>
+              <a:buAutoNum type="arabicPeriod"/>
+            </a:pPr>
+            <a:r>
+              <a:rPr lang="en-GB" b="0" i="0" dirty="0">
+                <a:solidFill>
+                  <a:schemeClr val="tx1"/>
+                </a:solidFill>
+                <a:effectLst/>
+                <a:latin typeface="ui-sans-serif"/>
+              </a:rPr>
+              <a:t>Transparent and explainable AI builds user trust in moderation decisions.</a:t>
+            </a:r>
+          </a:p>
+          <a:p>
+            <a:pPr algn="l">
+              <a:buFont typeface="+mj-lt"/>
+              <a:buAutoNum type="arabicPeriod"/>
+            </a:pPr>
+            <a:r>
+              <a:rPr lang="en-GB" b="1" i="0" dirty="0">
+                <a:solidFill>
+                  <a:schemeClr val="tx1"/>
+                </a:solidFill>
+                <a:effectLst/>
+                <a:latin typeface="ui-sans-serif"/>
+              </a:rPr>
+              <a:t>Cost Efficiency</a:t>
+            </a:r>
+            <a:r>
+              <a:rPr lang="en-GB" b="0" i="0" dirty="0">
+                <a:solidFill>
+                  <a:schemeClr val="tx1"/>
+                </a:solidFill>
+                <a:effectLst/>
+                <a:latin typeface="ui-sans-serif"/>
+              </a:rPr>
+              <a:t>:</a:t>
+            </a:r>
+          </a:p>
+          <a:p>
+            <a:pPr marL="742950" lvl="1" indent="-285750" algn="l">
+              <a:buFont typeface="+mj-lt"/>
+              <a:buAutoNum type="arabicPeriod"/>
+            </a:pPr>
+            <a:r>
+              <a:rPr lang="en-GB" b="0" i="0" dirty="0">
+                <a:solidFill>
+                  <a:schemeClr val="tx1"/>
+                </a:solidFill>
+                <a:effectLst/>
+                <a:latin typeface="ui-sans-serif"/>
+              </a:rPr>
+              <a:t>Automated moderation reduces long-term operational costs compared to manual-only systems.</a:t>
+            </a:r>
+          </a:p>
+          <a:p>
+            <a:pPr algn="l">
+              <a:buFont typeface="+mj-lt"/>
+              <a:buAutoNum type="arabicPeriod"/>
+            </a:pPr>
+            <a:r>
+              <a:rPr lang="en-GB" b="1" i="0" dirty="0">
+                <a:solidFill>
+                  <a:schemeClr val="tx1"/>
+                </a:solidFill>
+                <a:effectLst/>
+                <a:latin typeface="ui-sans-serif"/>
+              </a:rPr>
+              <a:t>Scalability</a:t>
+            </a:r>
+            <a:r>
+              <a:rPr lang="en-GB" b="0" i="0" dirty="0">
+                <a:solidFill>
+                  <a:schemeClr val="tx1"/>
+                </a:solidFill>
+                <a:effectLst/>
+                <a:latin typeface="ui-sans-serif"/>
+              </a:rPr>
+              <a:t>:</a:t>
+            </a:r>
+          </a:p>
+          <a:p>
+            <a:pPr marL="742950" lvl="1" indent="-285750" algn="l">
+              <a:buFont typeface="+mj-lt"/>
+              <a:buAutoNum type="arabicPeriod"/>
+            </a:pPr>
+            <a:r>
+              <a:rPr lang="en-GB" b="0" i="0" dirty="0">
+                <a:solidFill>
+                  <a:schemeClr val="tx1"/>
+                </a:solidFill>
+                <a:effectLst/>
+                <a:latin typeface="ui-sans-serif"/>
+              </a:rPr>
+              <a:t>The system efficiently handles growing content volumes, ensuring platform sustainability.</a:t>
+            </a:r>
+          </a:p>
+          <a:p>
+            <a:endParaRPr lang="en-IN" dirty="0">
+              <a:solidFill>
+                <a:schemeClr val="tx1"/>
+              </a:solidFill>
+            </a:endParaRPr>
+          </a:p>
+        </p:txBody>
+      </p:sp>
+    </p:spTree>
+    <p:extLst>
+      <p:ext uri="{BB962C8B-B14F-4D97-AF65-F5344CB8AC3E}">
+        <p14:creationId xmlns:p14="http://schemas.microsoft.com/office/powerpoint/2010/main" val="4115636624"/>
+      </p:ext>
+    </p:extLst>
+  </p:cSld>
+  <p:clrMapOvr>
+    <a:masterClrMapping/>
+  </p:clrMapOvr>
+</p:sld>
+</file>
+
+<file path=ppt/slides/slide11.xml><?xml version="1.0" encoding="utf-8"?>
+<p:sld xmlns:a="http://schemas.openxmlformats.org/drawingml/2006/main" xmlns:r="http://schemas.openxmlformats.org/officeDocument/2006/relationships" xmlns:p="http://schemas.openxmlformats.org/presentationml/2006/main">
+  <p:cSld>
+    <p:spTree>
+      <p:nvGrpSpPr>
+        <p:cNvPr id="1" name=""/>
+        <p:cNvGrpSpPr/>
+        <p:nvPr/>
+      </p:nvGrpSpPr>
+      <p:grpSpPr>
+        <a:xfrm>
+          <a:off x="0" y="0"/>
+          <a:ext cx="0" cy="0"/>
+          <a:chOff x="0" y="0"/>
+          <a:chExt cx="0" cy="0"/>
+        </a:xfrm>
+      </p:grpSpPr>
+      <p:sp>
+        <p:nvSpPr>
+          <p:cNvPr id="2" name="Title 1">
+            <a:extLst>
+              <a:ext uri="{FF2B5EF4-FFF2-40B4-BE49-F238E27FC236}">
+                <a16:creationId xmlns:a16="http://schemas.microsoft.com/office/drawing/2014/main" id="{8F7C98D4-CF48-00EA-1E5E-14178BC62886}"/>
+              </a:ext>
+            </a:extLst>
+          </p:cNvPr>
+          <p:cNvSpPr>
+            <a:spLocks noGrp="1"/>
+          </p:cNvSpPr>
+          <p:nvPr>
+            <p:ph type="title"/>
+          </p:nvPr>
+        </p:nvSpPr>
+        <p:spPr/>
+        <p:txBody>
+          <a:bodyPr/>
+          <a:lstStyle/>
+          <a:p>
+            <a:r>
               <a:rPr lang="en-IN" dirty="0"/>
               <a:t>References</a:t>
             </a:r>
@@ -28937,7 +29366,7 @@
 </p:sld>
 </file>
 
-<file path=ppt/slides/slide11.xml><?xml version="1.0" encoding="utf-8"?>
+<file path=ppt/slides/slide12.xml><?xml version="1.0" encoding="utf-8"?>
 <p:sld xmlns:a="http://schemas.openxmlformats.org/drawingml/2006/main" xmlns:r="http://schemas.openxmlformats.org/officeDocument/2006/relationships" xmlns:p="http://schemas.openxmlformats.org/presentationml/2006/main">
   <p:cSld>
     <p:spTree>
@@ -29017,7 +29446,7 @@
 </p:sld>
 </file>
 
-<file path=ppt/slides/slide12.xml><?xml version="1.0" encoding="utf-8"?>
+<file path=ppt/slides/slide13.xml><?xml version="1.0" encoding="utf-8"?>
 <p:sld xmlns:a="http://schemas.openxmlformats.org/drawingml/2006/main" xmlns:r="http://schemas.openxmlformats.org/officeDocument/2006/relationships" xmlns:p="http://schemas.openxmlformats.org/presentationml/2006/main">
   <p:cSld>
     <p:spTree>
@@ -29212,7 +29641,141 @@
           <a:bodyPr/>
           <a:lstStyle/>
           <a:p>
-            <a:endParaRPr lang="en-IN"/>
+            <a:r>
+              <a:rPr lang="en-GB" b="0" i="0" dirty="0">
+                <a:solidFill>
+                  <a:schemeClr val="tx1"/>
+                </a:solidFill>
+                <a:effectLst/>
+                <a:latin typeface="ui-sans-serif"/>
+              </a:rPr>
+              <a:t>Design and implement an </a:t>
+            </a:r>
+            <a:r>
+              <a:rPr lang="en-GB" b="1" i="0" dirty="0">
+                <a:solidFill>
+                  <a:schemeClr val="tx1"/>
+                </a:solidFill>
+                <a:effectLst/>
+                <a:latin typeface="ui-sans-serif"/>
+              </a:rPr>
+              <a:t>AI-powered content moderation system</a:t>
+            </a:r>
+            <a:r>
+              <a:rPr lang="en-GB" b="0" i="0" dirty="0">
+                <a:solidFill>
+                  <a:schemeClr val="tx1"/>
+                </a:solidFill>
+                <a:effectLst/>
+                <a:latin typeface="ui-sans-serif"/>
+              </a:rPr>
+              <a:t> capable of </a:t>
+            </a:r>
+            <a:r>
+              <a:rPr lang="en-GB" b="1" i="0" dirty="0">
+                <a:solidFill>
+                  <a:schemeClr val="tx1"/>
+                </a:solidFill>
+                <a:effectLst/>
+                <a:latin typeface="ui-sans-serif"/>
+              </a:rPr>
+              <a:t>real-time detection, analysis, and management of inappropriate, harmful, or restricted content</a:t>
+            </a:r>
+            <a:r>
+              <a:rPr lang="en-GB" b="0" i="0" dirty="0">
+                <a:solidFill>
+                  <a:schemeClr val="tx1"/>
+                </a:solidFill>
+                <a:effectLst/>
+                <a:latin typeface="ui-sans-serif"/>
+              </a:rPr>
+              <a:t> across </a:t>
+            </a:r>
+            <a:r>
+              <a:rPr lang="en-GB" b="1" i="0" dirty="0">
+                <a:solidFill>
+                  <a:schemeClr val="tx1"/>
+                </a:solidFill>
+                <a:effectLst/>
+                <a:latin typeface="ui-sans-serif"/>
+              </a:rPr>
+              <a:t>text, image, and video formats</a:t>
+            </a:r>
+            <a:r>
+              <a:rPr lang="en-GB" b="0" i="0" dirty="0">
+                <a:solidFill>
+                  <a:schemeClr val="tx1"/>
+                </a:solidFill>
+                <a:effectLst/>
+                <a:latin typeface="ui-sans-serif"/>
+              </a:rPr>
+              <a:t> on multimedia platforms. The system must harmonize the </a:t>
+            </a:r>
+            <a:r>
+              <a:rPr lang="en-GB" b="1" i="0" dirty="0">
+                <a:solidFill>
+                  <a:schemeClr val="tx1"/>
+                </a:solidFill>
+                <a:effectLst/>
+                <a:latin typeface="ui-sans-serif"/>
+              </a:rPr>
+              <a:t>precision of automated AI models</a:t>
+            </a:r>
+            <a:r>
+              <a:rPr lang="en-GB" b="0" i="0" dirty="0">
+                <a:solidFill>
+                  <a:schemeClr val="tx1"/>
+                </a:solidFill>
+                <a:effectLst/>
+                <a:latin typeface="ui-sans-serif"/>
+              </a:rPr>
+              <a:t> with the </a:t>
+            </a:r>
+            <a:r>
+              <a:rPr lang="en-GB" b="1" i="0" dirty="0">
+                <a:solidFill>
+                  <a:schemeClr val="tx1"/>
+                </a:solidFill>
+                <a:effectLst/>
+                <a:latin typeface="ui-sans-serif"/>
+              </a:rPr>
+              <a:t>contextual understanding of human oversight</a:t>
+            </a:r>
+            <a:r>
+              <a:rPr lang="en-GB" b="0" i="0" dirty="0">
+                <a:solidFill>
+                  <a:schemeClr val="tx1"/>
+                </a:solidFill>
+                <a:effectLst/>
+                <a:latin typeface="ui-sans-serif"/>
+              </a:rPr>
+              <a:t>, ensuring </a:t>
+            </a:r>
+            <a:r>
+              <a:rPr lang="en-GB" b="1" i="0" dirty="0">
+                <a:solidFill>
+                  <a:schemeClr val="tx1"/>
+                </a:solidFill>
+                <a:effectLst/>
+                <a:latin typeface="ui-sans-serif"/>
+              </a:rPr>
+              <a:t>compliance with international copyright laws, cultural norms, and community standards</a:t>
+            </a:r>
+            <a:r>
+              <a:rPr lang="en-GB" b="0" i="0" dirty="0">
+                <a:solidFill>
+                  <a:schemeClr val="tx1"/>
+                </a:solidFill>
+                <a:effectLst/>
+                <a:latin typeface="ui-sans-serif"/>
+              </a:rPr>
+              <a:t>.</a:t>
+            </a:r>
+            <a:endParaRPr lang="en-IN" dirty="0">
+              <a:solidFill>
+                <a:schemeClr val="tx1"/>
+              </a:solidFill>
+            </a:endParaRPr>
           </a:p>
         </p:txBody>
       </p:sp>
@@ -29292,10 +29855,280 @@
         </p:nvSpPr>
         <p:spPr/>
         <p:txBody>
-          <a:bodyPr/>
+          <a:bodyPr>
+            <a:noAutofit/>
+          </a:bodyPr>
           <a:lstStyle/>
           <a:p>
-            <a:endParaRPr lang="en-IN"/>
+            <a:pPr algn="l"/>
+            <a:r>
+              <a:rPr lang="en-GB" sz="1400" b="0" i="0" dirty="0">
+                <a:solidFill>
+                  <a:schemeClr val="tx1"/>
+                </a:solidFill>
+                <a:effectLst/>
+                <a:latin typeface="ui-sans-serif"/>
+              </a:rPr>
+              <a:t>The idea is to create a system that can automatically find and manage harmful or inappropriate content, like offensive language, violent images, or fake information, in posts, videos, and audio shared online. This system will also involve people for more complex decisions, ensuring fairness and understanding of cultural differences.</a:t>
+            </a:r>
+          </a:p>
+          <a:p>
+            <a:pPr lvl="1">
+              <a:buFont typeface="+mj-lt"/>
+              <a:buAutoNum type="arabicPeriod"/>
+            </a:pPr>
+            <a:r>
+              <a:rPr lang="en-GB" b="1" i="0" dirty="0">
+                <a:solidFill>
+                  <a:schemeClr val="tx1"/>
+                </a:solidFill>
+                <a:effectLst/>
+                <a:latin typeface="ui-sans-serif"/>
+              </a:rPr>
+              <a:t>What It Does</a:t>
+            </a:r>
+            <a:r>
+              <a:rPr lang="en-GB" b="0" i="0" dirty="0">
+                <a:solidFill>
+                  <a:schemeClr val="tx1"/>
+                </a:solidFill>
+                <a:effectLst/>
+                <a:latin typeface="ui-sans-serif"/>
+              </a:rPr>
+              <a:t>:</a:t>
+            </a:r>
+          </a:p>
+          <a:p>
+            <a:pPr marL="1085841" lvl="2" indent="-285750">
+              <a:buFont typeface="+mj-lt"/>
+              <a:buAutoNum type="arabicPeriod"/>
+            </a:pPr>
+            <a:r>
+              <a:rPr lang="en-GB" sz="1600" b="0" i="0" dirty="0">
+                <a:solidFill>
+                  <a:schemeClr val="tx1"/>
+                </a:solidFill>
+                <a:effectLst/>
+                <a:latin typeface="ui-sans-serif"/>
+              </a:rPr>
+              <a:t>The system reviews text to spot harmful words or misinformation.</a:t>
+            </a:r>
+          </a:p>
+          <a:p>
+            <a:pPr marL="1085841" lvl="2" indent="-285750">
+              <a:buFont typeface="+mj-lt"/>
+              <a:buAutoNum type="arabicPeriod"/>
+            </a:pPr>
+            <a:r>
+              <a:rPr lang="en-GB" sz="1600" b="0" i="0" dirty="0">
+                <a:solidFill>
+                  <a:schemeClr val="tx1"/>
+                </a:solidFill>
+                <a:effectLst/>
+                <a:latin typeface="ui-sans-serif"/>
+              </a:rPr>
+              <a:t>It looks at pictures and videos to find inappropriate visuals or actions.</a:t>
+            </a:r>
+          </a:p>
+          <a:p>
+            <a:pPr marL="1085841" lvl="2" indent="-285750">
+              <a:buFont typeface="+mj-lt"/>
+              <a:buAutoNum type="arabicPeriod"/>
+            </a:pPr>
+            <a:r>
+              <a:rPr lang="en-GB" sz="1600" b="0" i="0" dirty="0">
+                <a:solidFill>
+                  <a:schemeClr val="tx1"/>
+                </a:solidFill>
+                <a:effectLst/>
+                <a:latin typeface="ui-sans-serif"/>
+              </a:rPr>
+              <a:t>It listens to audio to identify offensive or harmful speech.</a:t>
+            </a:r>
+          </a:p>
+          <a:p>
+            <a:pPr lvl="1">
+              <a:buFont typeface="+mj-lt"/>
+              <a:buAutoNum type="arabicPeriod"/>
+            </a:pPr>
+            <a:r>
+              <a:rPr lang="en-GB" b="1" i="0" dirty="0">
+                <a:solidFill>
+                  <a:schemeClr val="tx1"/>
+                </a:solidFill>
+                <a:effectLst/>
+                <a:latin typeface="ui-sans-serif"/>
+              </a:rPr>
+              <a:t>How It Works</a:t>
+            </a:r>
+            <a:r>
+              <a:rPr lang="en-GB" b="0" i="0" dirty="0">
+                <a:solidFill>
+                  <a:schemeClr val="tx1"/>
+                </a:solidFill>
+                <a:effectLst/>
+                <a:latin typeface="ui-sans-serif"/>
+              </a:rPr>
+              <a:t>:</a:t>
+            </a:r>
+          </a:p>
+          <a:p>
+            <a:pPr marL="1085841" lvl="2" indent="-285750">
+              <a:buFont typeface="+mj-lt"/>
+              <a:buAutoNum type="arabicPeriod"/>
+            </a:pPr>
+            <a:r>
+              <a:rPr lang="en-GB" sz="1600" b="0" i="0" dirty="0">
+                <a:solidFill>
+                  <a:schemeClr val="tx1"/>
+                </a:solidFill>
+                <a:effectLst/>
+                <a:latin typeface="ui-sans-serif"/>
+              </a:rPr>
+              <a:t>The system handles most content automatically, quickly flagging anything inappropriate.</a:t>
+            </a:r>
+          </a:p>
+          <a:p>
+            <a:pPr marL="1085841" lvl="2" indent="-285750">
+              <a:buFont typeface="+mj-lt"/>
+              <a:buAutoNum type="arabicPeriod"/>
+            </a:pPr>
+            <a:r>
+              <a:rPr lang="en-GB" sz="1600" b="0" i="0" dirty="0">
+                <a:solidFill>
+                  <a:schemeClr val="tx1"/>
+                </a:solidFill>
+                <a:effectLst/>
+                <a:latin typeface="ui-sans-serif"/>
+              </a:rPr>
+              <a:t>If the content is unclear, human reviewers will decide.</a:t>
+            </a:r>
+          </a:p>
+          <a:p>
+            <a:pPr marL="1085841" lvl="2" indent="-285750">
+              <a:buFont typeface="+mj-lt"/>
+              <a:buAutoNum type="arabicPeriod"/>
+            </a:pPr>
+            <a:r>
+              <a:rPr lang="en-GB" sz="1600" b="0" i="0" dirty="0">
+                <a:solidFill>
+                  <a:schemeClr val="tx1"/>
+                </a:solidFill>
+                <a:effectLst/>
+                <a:latin typeface="ui-sans-serif"/>
+              </a:rPr>
+              <a:t>The system learns from human feedback to get better over time.</a:t>
+            </a:r>
+          </a:p>
+          <a:p>
+            <a:pPr lvl="1">
+              <a:buFont typeface="+mj-lt"/>
+              <a:buAutoNum type="arabicPeriod"/>
+            </a:pPr>
+            <a:r>
+              <a:rPr lang="en-GB" b="1" i="0" dirty="0">
+                <a:solidFill>
+                  <a:schemeClr val="tx1"/>
+                </a:solidFill>
+                <a:effectLst/>
+                <a:latin typeface="ui-sans-serif"/>
+              </a:rPr>
+              <a:t>Why It’s Better</a:t>
+            </a:r>
+            <a:r>
+              <a:rPr lang="en-GB" b="0" i="0" dirty="0">
+                <a:solidFill>
+                  <a:schemeClr val="tx1"/>
+                </a:solidFill>
+                <a:effectLst/>
+                <a:latin typeface="ui-sans-serif"/>
+              </a:rPr>
+              <a:t>:</a:t>
+            </a:r>
+          </a:p>
+          <a:p>
+            <a:pPr marL="1085841" lvl="2" indent="-285750">
+              <a:buFont typeface="+mj-lt"/>
+              <a:buAutoNum type="arabicPeriod"/>
+            </a:pPr>
+            <a:r>
+              <a:rPr lang="en-GB" sz="1600" b="0" i="0" dirty="0">
+                <a:solidFill>
+                  <a:schemeClr val="tx1"/>
+                </a:solidFill>
+                <a:effectLst/>
+                <a:latin typeface="ui-sans-serif"/>
+              </a:rPr>
+              <a:t>It explains why something is flagged, helping users understand and build trust.</a:t>
+            </a:r>
+          </a:p>
+          <a:p>
+            <a:pPr marL="1085841" lvl="2" indent="-285750">
+              <a:buFont typeface="+mj-lt"/>
+              <a:buAutoNum type="arabicPeriod"/>
+            </a:pPr>
+            <a:r>
+              <a:rPr lang="en-GB" sz="1600" b="0" i="0" dirty="0">
+                <a:solidFill>
+                  <a:schemeClr val="tx1"/>
+                </a:solidFill>
+                <a:effectLst/>
+                <a:latin typeface="ui-sans-serif"/>
+              </a:rPr>
+              <a:t>It suggests changes to flagged content so users can fix issues instead of just deleting it.</a:t>
+            </a:r>
+          </a:p>
+          <a:p>
+            <a:pPr marL="1085841" lvl="2" indent="-285750">
+              <a:buFont typeface="+mj-lt"/>
+              <a:buAutoNum type="arabicPeriod"/>
+            </a:pPr>
+            <a:r>
+              <a:rPr lang="en-GB" sz="1600" b="0" i="0" dirty="0">
+                <a:solidFill>
+                  <a:schemeClr val="tx1"/>
+                </a:solidFill>
+                <a:effectLst/>
+                <a:latin typeface="ui-sans-serif"/>
+              </a:rPr>
+              <a:t>It can also identify fake or edited content like deepfakes to ensure authenticity</a:t>
+            </a:r>
+            <a:r>
+              <a:rPr lang="en-GB" sz="1200" b="0" i="0" dirty="0">
+                <a:solidFill>
+                  <a:schemeClr val="tx1"/>
+                </a:solidFill>
+                <a:effectLst/>
+                <a:latin typeface="ui-sans-serif"/>
+              </a:rPr>
+              <a:t>.</a:t>
+            </a:r>
+          </a:p>
+          <a:p>
+            <a:pPr marL="0" indent="0">
+              <a:buNone/>
+            </a:pPr>
+            <a:br>
+              <a:rPr lang="en-IN" sz="1400" dirty="0">
+                <a:solidFill>
+                  <a:schemeClr val="tx1"/>
+                </a:solidFill>
+              </a:rPr>
+            </a:br>
+            <a:endParaRPr lang="en-GB" sz="1400" b="0" i="0" dirty="0">
+              <a:solidFill>
+                <a:schemeClr val="tx1"/>
+              </a:solidFill>
+              <a:effectLst/>
+              <a:latin typeface="ui-sans-serif"/>
+            </a:endParaRPr>
+          </a:p>
+          <a:p>
+            <a:endParaRPr lang="en-IN" sz="1400" dirty="0">
+              <a:solidFill>
+                <a:schemeClr val="tx1"/>
+              </a:solidFill>
+            </a:endParaRPr>
           </a:p>
         </p:txBody>
       </p:sp>
@@ -29360,10 +30193,10 @@
       </p:sp>
       <p:sp>
         <p:nvSpPr>
-          <p:cNvPr id="3" name="Content Placeholder 2">
+          <p:cNvPr id="18" name="Content Placeholder 17">
             <a:extLst>
               <a:ext uri="{FF2B5EF4-FFF2-40B4-BE49-F238E27FC236}">
-                <a16:creationId xmlns:a16="http://schemas.microsoft.com/office/drawing/2014/main" id="{D54F4CF2-BFFD-D01E-E3FA-11A16E764D7A}"/>
+                <a16:creationId xmlns:a16="http://schemas.microsoft.com/office/drawing/2014/main" id="{6F88D76C-6C23-3D56-7DD3-79A23C848AFF}"/>
               </a:ext>
             </a:extLst>
           </p:cNvPr>
@@ -29374,12 +30207,185 @@
             <p:ph idx="1"/>
           </p:nvPr>
         </p:nvSpPr>
-        <p:spPr/>
+        <p:spPr>
+          <a:xfrm>
+            <a:off x="348000" y="1051199"/>
+            <a:ext cx="8534400" cy="3999771"/>
+          </a:xfrm>
+        </p:spPr>
         <p:txBody>
-          <a:bodyPr/>
+          <a:bodyPr numCol="2">
+            <a:noAutofit/>
+          </a:bodyPr>
           <a:lstStyle/>
           <a:p>
-            <a:endParaRPr lang="en-IN"/>
+            <a:r>
+              <a:rPr lang="en-GB" sz="1200" b="1" dirty="0"/>
+              <a:t>Pros:</a:t>
+            </a:r>
+          </a:p>
+          <a:p>
+            <a:r>
+              <a:rPr lang="en-GB" sz="1200" dirty="0"/>
+              <a:t>Real-Time Efficiency:</a:t>
+            </a:r>
+          </a:p>
+          <a:p>
+            <a:pPr lvl="1"/>
+            <a:r>
+              <a:rPr lang="en-GB" sz="1000" dirty="0"/>
+              <a:t>Quickly detects and responds to inappropriate content.</a:t>
+            </a:r>
+          </a:p>
+          <a:p>
+            <a:r>
+              <a:rPr lang="en-GB" sz="1200" dirty="0"/>
+              <a:t>Multimodal Analysis:</a:t>
+            </a:r>
+          </a:p>
+          <a:p>
+            <a:pPr lvl="1"/>
+            <a:r>
+              <a:rPr lang="en-GB" sz="1000" dirty="0"/>
+              <a:t>Supports text, images, videos, and audio for comprehensive moderation.</a:t>
+            </a:r>
+          </a:p>
+          <a:p>
+            <a:r>
+              <a:rPr lang="en-GB" sz="1200" dirty="0"/>
+              <a:t>Scalability:</a:t>
+            </a:r>
+          </a:p>
+          <a:p>
+            <a:pPr lvl="1"/>
+            <a:r>
+              <a:rPr lang="en-GB" sz="1000" dirty="0"/>
+              <a:t>Handles high volumes of content across global platforms.</a:t>
+            </a:r>
+          </a:p>
+          <a:p>
+            <a:r>
+              <a:rPr lang="en-GB" sz="1200" dirty="0"/>
+              <a:t>Transparency:</a:t>
+            </a:r>
+          </a:p>
+          <a:p>
+            <a:pPr lvl="1"/>
+            <a:r>
+              <a:rPr lang="en-GB" sz="1000" dirty="0"/>
+              <a:t>Explainable AI provides clear reasons for flagged content, building trust.</a:t>
+            </a:r>
+          </a:p>
+          <a:p>
+            <a:r>
+              <a:rPr lang="en-GB" sz="1200" dirty="0"/>
+              <a:t>Human-AI Collaboration:</a:t>
+            </a:r>
+          </a:p>
+          <a:p>
+            <a:pPr lvl="1"/>
+            <a:r>
+              <a:rPr lang="en-GB" sz="1000" dirty="0"/>
+              <a:t>Reduces workload while leveraging human expertise for nuanced cases.</a:t>
+            </a:r>
+          </a:p>
+          <a:p>
+            <a:r>
+              <a:rPr lang="en-GB" sz="1200" dirty="0"/>
+              <a:t>Adaptability:</a:t>
+            </a:r>
+          </a:p>
+          <a:p>
+            <a:pPr lvl="1"/>
+            <a:r>
+              <a:rPr lang="en-GB" sz="1000" dirty="0"/>
+              <a:t>Customizable to cultural and regional standards.</a:t>
+            </a:r>
+          </a:p>
+          <a:p>
+            <a:r>
+              <a:rPr lang="en-GB" sz="1200" dirty="0"/>
+              <a:t>Generative AI:</a:t>
+            </a:r>
+          </a:p>
+          <a:p>
+            <a:pPr lvl="1"/>
+            <a:r>
+              <a:rPr lang="en-GB" sz="1000" dirty="0"/>
+              <a:t>Suggests corrective edits and detects synthetic media like deepfakes.</a:t>
+            </a:r>
+          </a:p>
+          <a:p>
+            <a:r>
+              <a:rPr lang="en-GB" sz="1200" b="1" dirty="0"/>
+              <a:t>Cons:</a:t>
+            </a:r>
+          </a:p>
+          <a:p>
+            <a:r>
+              <a:rPr lang="en-GB" sz="1200" dirty="0"/>
+              <a:t>False Positives/Negatives:</a:t>
+            </a:r>
+          </a:p>
+          <a:p>
+            <a:pPr lvl="1"/>
+            <a:r>
+              <a:rPr lang="en-GB" sz="1000" dirty="0"/>
+              <a:t>Automated systems may misclassify content, requiring refinement.</a:t>
+            </a:r>
+          </a:p>
+          <a:p>
+            <a:r>
+              <a:rPr lang="en-GB" sz="1200" dirty="0"/>
+              <a:t>High Costs:</a:t>
+            </a:r>
+          </a:p>
+          <a:p>
+            <a:pPr lvl="1"/>
+            <a:r>
+              <a:rPr lang="en-GB" sz="1000" dirty="0"/>
+              <a:t>Developing and maintaining AI infrastructure is expensive.</a:t>
+            </a:r>
+          </a:p>
+          <a:p>
+            <a:r>
+              <a:rPr lang="en-GB" sz="1200" dirty="0"/>
+              <a:t>Complex Cultural Sensitivity:</a:t>
+            </a:r>
+          </a:p>
+          <a:p>
+            <a:pPr lvl="1"/>
+            <a:r>
+              <a:rPr lang="en-GB" sz="1000" dirty="0"/>
+              <a:t>Adapting to diverse norms and laws is challenging.</a:t>
+            </a:r>
+          </a:p>
+          <a:p>
+            <a:r>
+              <a:rPr lang="en-GB" sz="1200" dirty="0"/>
+              <a:t>Computational Demands:</a:t>
+            </a:r>
+          </a:p>
+          <a:p>
+            <a:pPr lvl="1"/>
+            <a:r>
+              <a:rPr lang="en-GB" sz="1000" dirty="0"/>
+              <a:t>Requires significant resources for real-time analysis.</a:t>
+            </a:r>
+          </a:p>
+          <a:p>
+            <a:r>
+              <a:rPr lang="en-GB" sz="1200" dirty="0"/>
+              <a:t>User Backlash:</a:t>
+            </a:r>
+          </a:p>
+          <a:p>
+            <a:pPr lvl="1"/>
+            <a:r>
+              <a:rPr lang="en-GB" sz="1000" dirty="0"/>
+              <a:t>Users may feel unfairly targeted by automated decisions.</a:t>
+            </a:r>
+            <a:endParaRPr lang="en-IN" sz="1000" dirty="0"/>
           </a:p>
         </p:txBody>
       </p:sp>
@@ -29457,15 +30463,833 @@
             <p:ph idx="1"/>
           </p:nvPr>
         </p:nvSpPr>
-        <p:spPr/>
+        <p:spPr>
+          <a:xfrm>
+            <a:off x="348000" y="1051200"/>
+            <a:ext cx="4223999" cy="3806550"/>
+          </a:xfrm>
+        </p:spPr>
         <p:txBody>
-          <a:bodyPr/>
+          <a:bodyPr>
+            <a:normAutofit fontScale="70000" lnSpcReduction="20000"/>
+          </a:bodyPr>
           <a:lstStyle/>
           <a:p>
-            <a:endParaRPr lang="en-IN"/>
+            <a:pPr algn="l">
+              <a:buFont typeface="+mj-lt"/>
+              <a:buAutoNum type="arabicPeriod"/>
+            </a:pPr>
+            <a:r>
+              <a:rPr lang="en-IN" b="1" i="0" dirty="0">
+                <a:solidFill>
+                  <a:schemeClr val="tx1"/>
+                </a:solidFill>
+                <a:effectLst/>
+                <a:latin typeface="ui-sans-serif"/>
+              </a:rPr>
+              <a:t>Multimodal AI Integration</a:t>
+            </a:r>
+            <a:r>
+              <a:rPr lang="en-IN" b="0" i="0" dirty="0">
+                <a:solidFill>
+                  <a:schemeClr val="tx1"/>
+                </a:solidFill>
+                <a:effectLst/>
+                <a:latin typeface="ui-sans-serif"/>
+              </a:rPr>
+              <a:t>:</a:t>
+            </a:r>
+          </a:p>
+          <a:p>
+            <a:pPr marL="742950" lvl="1" indent="-285750" algn="l">
+              <a:buFont typeface="+mj-lt"/>
+              <a:buAutoNum type="arabicPeriod"/>
+            </a:pPr>
+            <a:r>
+              <a:rPr lang="en-IN" b="1" i="0" dirty="0">
+                <a:solidFill>
+                  <a:schemeClr val="tx1"/>
+                </a:solidFill>
+                <a:effectLst/>
+                <a:latin typeface="ui-sans-serif"/>
+              </a:rPr>
+              <a:t>Text Analysis</a:t>
+            </a:r>
+            <a:r>
+              <a:rPr lang="en-IN" b="0" i="0" dirty="0">
+                <a:solidFill>
+                  <a:schemeClr val="tx1"/>
+                </a:solidFill>
+                <a:effectLst/>
+                <a:latin typeface="ui-sans-serif"/>
+              </a:rPr>
+              <a:t>: Detect hate speech, misinformation, and threats using NLP.</a:t>
+            </a:r>
+          </a:p>
+          <a:p>
+            <a:pPr marL="742950" lvl="1" indent="-285750" algn="l">
+              <a:buFont typeface="+mj-lt"/>
+              <a:buAutoNum type="arabicPeriod"/>
+            </a:pPr>
+            <a:r>
+              <a:rPr lang="en-IN" b="1" i="0" dirty="0">
+                <a:solidFill>
+                  <a:schemeClr val="tx1"/>
+                </a:solidFill>
+                <a:effectLst/>
+                <a:latin typeface="ui-sans-serif"/>
+              </a:rPr>
+              <a:t>Image Processing</a:t>
+            </a:r>
+            <a:r>
+              <a:rPr lang="en-IN" b="0" i="0" dirty="0">
+                <a:solidFill>
+                  <a:schemeClr val="tx1"/>
+                </a:solidFill>
+                <a:effectLst/>
+                <a:latin typeface="ui-sans-serif"/>
+              </a:rPr>
+              <a:t>: Identify explicit imagery, violence, and copyright violations through Computer Vision (CV).</a:t>
+            </a:r>
+          </a:p>
+          <a:p>
+            <a:pPr marL="742950" lvl="1" indent="-285750" algn="l">
+              <a:buFont typeface="+mj-lt"/>
+              <a:buAutoNum type="arabicPeriod"/>
+            </a:pPr>
+            <a:r>
+              <a:rPr lang="en-IN" b="1" i="0" dirty="0">
+                <a:solidFill>
+                  <a:schemeClr val="tx1"/>
+                </a:solidFill>
+                <a:effectLst/>
+                <a:latin typeface="ui-sans-serif"/>
+              </a:rPr>
+              <a:t>Video Analysis</a:t>
+            </a:r>
+            <a:r>
+              <a:rPr lang="en-IN" b="0" i="0" dirty="0">
+                <a:solidFill>
+                  <a:schemeClr val="tx1"/>
+                </a:solidFill>
+                <a:effectLst/>
+                <a:latin typeface="ui-sans-serif"/>
+              </a:rPr>
+              <a:t>: Frame-by-frame evaluation to detect objectionable sequences and escalating patterns.</a:t>
+            </a:r>
+          </a:p>
+          <a:p>
+            <a:pPr marL="742950" lvl="1" indent="-285750" algn="l">
+              <a:buFont typeface="+mj-lt"/>
+              <a:buAutoNum type="arabicPeriod"/>
+            </a:pPr>
+            <a:r>
+              <a:rPr lang="en-IN" b="1" i="0" dirty="0">
+                <a:solidFill>
+                  <a:schemeClr val="tx1"/>
+                </a:solidFill>
+                <a:effectLst/>
+                <a:latin typeface="ui-sans-serif"/>
+              </a:rPr>
+              <a:t>Audio Analysis</a:t>
+            </a:r>
+            <a:r>
+              <a:rPr lang="en-IN" b="0" i="0" dirty="0">
+                <a:solidFill>
+                  <a:schemeClr val="tx1"/>
+                </a:solidFill>
+                <a:effectLst/>
+                <a:latin typeface="ui-sans-serif"/>
+              </a:rPr>
+              <a:t>: Speech-to-text conversion and tone analysis to identify offensive language.</a:t>
+            </a:r>
+          </a:p>
+          <a:p>
+            <a:pPr algn="l">
+              <a:buFont typeface="+mj-lt"/>
+              <a:buAutoNum type="arabicPeriod"/>
+            </a:pPr>
+            <a:r>
+              <a:rPr lang="en-IN" b="1" i="0" dirty="0">
+                <a:solidFill>
+                  <a:schemeClr val="tx1"/>
+                </a:solidFill>
+                <a:effectLst/>
+                <a:latin typeface="ui-sans-serif"/>
+              </a:rPr>
+              <a:t>Human-AI Collaboration</a:t>
+            </a:r>
+            <a:r>
+              <a:rPr lang="en-IN" b="0" i="0" dirty="0">
+                <a:solidFill>
+                  <a:schemeClr val="tx1"/>
+                </a:solidFill>
+                <a:effectLst/>
+                <a:latin typeface="ui-sans-serif"/>
+              </a:rPr>
+              <a:t>:</a:t>
+            </a:r>
+          </a:p>
+          <a:p>
+            <a:pPr marL="742950" lvl="1" indent="-285750" algn="l">
+              <a:buFont typeface="+mj-lt"/>
+              <a:buAutoNum type="arabicPeriod"/>
+            </a:pPr>
+            <a:r>
+              <a:rPr lang="en-IN" b="0" i="0" dirty="0">
+                <a:solidFill>
+                  <a:schemeClr val="tx1"/>
+                </a:solidFill>
+                <a:effectLst/>
+                <a:latin typeface="ui-sans-serif"/>
+              </a:rPr>
+              <a:t>AI automates bulk moderation.</a:t>
+            </a:r>
+          </a:p>
+          <a:p>
+            <a:pPr marL="742950" lvl="1" indent="-285750" algn="l">
+              <a:buFont typeface="+mj-lt"/>
+              <a:buAutoNum type="arabicPeriod"/>
+            </a:pPr>
+            <a:r>
+              <a:rPr lang="en-IN" b="0" i="0" dirty="0">
+                <a:solidFill>
+                  <a:schemeClr val="tx1"/>
+                </a:solidFill>
+                <a:effectLst/>
+                <a:latin typeface="ui-sans-serif"/>
+              </a:rPr>
+              <a:t>Human moderators handle complex or ambiguous cases.</a:t>
+            </a:r>
+          </a:p>
+          <a:p>
+            <a:pPr marL="742950" lvl="1" indent="-285750" algn="l">
+              <a:buFont typeface="+mj-lt"/>
+              <a:buAutoNum type="arabicPeriod"/>
+            </a:pPr>
+            <a:r>
+              <a:rPr lang="en-IN" b="0" i="0" dirty="0">
+                <a:solidFill>
+                  <a:schemeClr val="tx1"/>
+                </a:solidFill>
+                <a:effectLst/>
+                <a:latin typeface="ui-sans-serif"/>
+              </a:rPr>
+              <a:t>Feedback from moderators improves AI accuracy over time.</a:t>
+            </a:r>
+          </a:p>
+          <a:p>
+            <a:pPr algn="l">
+              <a:buFont typeface="+mj-lt"/>
+              <a:buAutoNum type="arabicPeriod"/>
+            </a:pPr>
+            <a:r>
+              <a:rPr lang="en-IN" b="1" i="0" dirty="0">
+                <a:solidFill>
+                  <a:schemeClr val="tx1"/>
+                </a:solidFill>
+                <a:effectLst/>
+                <a:latin typeface="ui-sans-serif"/>
+              </a:rPr>
+              <a:t>Explainable AI (</a:t>
+            </a:r>
+            <a:r>
+              <a:rPr lang="en-IN" b="1" i="0" dirty="0" err="1">
+                <a:solidFill>
+                  <a:schemeClr val="tx1"/>
+                </a:solidFill>
+                <a:effectLst/>
+                <a:latin typeface="ui-sans-serif"/>
+              </a:rPr>
+              <a:t>XAI</a:t>
+            </a:r>
+            <a:r>
+              <a:rPr lang="en-IN" b="1" i="0" dirty="0">
+                <a:solidFill>
+                  <a:schemeClr val="tx1"/>
+                </a:solidFill>
+                <a:effectLst/>
+                <a:latin typeface="ui-sans-serif"/>
+              </a:rPr>
+              <a:t>)</a:t>
+            </a:r>
+            <a:r>
+              <a:rPr lang="en-IN" b="0" i="0" dirty="0">
+                <a:solidFill>
+                  <a:schemeClr val="tx1"/>
+                </a:solidFill>
+                <a:effectLst/>
+                <a:latin typeface="ui-sans-serif"/>
+              </a:rPr>
+              <a:t>:</a:t>
+            </a:r>
+          </a:p>
+          <a:p>
+            <a:pPr marL="742950" lvl="1" indent="-285750" algn="l">
+              <a:buFont typeface="+mj-lt"/>
+              <a:buAutoNum type="arabicPeriod"/>
+            </a:pPr>
+            <a:r>
+              <a:rPr lang="en-IN" b="0" i="0" dirty="0">
+                <a:solidFill>
+                  <a:schemeClr val="tx1"/>
+                </a:solidFill>
+                <a:effectLst/>
+                <a:latin typeface="ui-sans-serif"/>
+              </a:rPr>
+              <a:t>Transparent decision-making with detailed explanations for flagged content.</a:t>
+            </a:r>
+          </a:p>
+          <a:p>
+            <a:pPr marL="742950" lvl="1" indent="-285750" algn="l">
+              <a:buFont typeface="+mj-lt"/>
+              <a:buAutoNum type="arabicPeriod"/>
+            </a:pPr>
+            <a:r>
+              <a:rPr lang="en-IN" b="0" i="0" dirty="0">
+                <a:solidFill>
+                  <a:schemeClr val="tx1"/>
+                </a:solidFill>
+                <a:effectLst/>
+                <a:latin typeface="ui-sans-serif"/>
+              </a:rPr>
+              <a:t>Builds user trust through clear, explainable moderation processes.</a:t>
+            </a:r>
+          </a:p>
+          <a:p>
+            <a:pPr algn="l">
+              <a:buFont typeface="+mj-lt"/>
+              <a:buAutoNum type="arabicPeriod"/>
+            </a:pPr>
+            <a:r>
+              <a:rPr lang="en-IN" b="1" i="0" dirty="0">
+                <a:solidFill>
+                  <a:schemeClr val="tx1"/>
+                </a:solidFill>
+                <a:effectLst/>
+                <a:latin typeface="ui-sans-serif"/>
+              </a:rPr>
+              <a:t>Generative AI</a:t>
+            </a:r>
+            <a:r>
+              <a:rPr lang="en-IN" b="0" i="0" dirty="0">
+                <a:solidFill>
+                  <a:schemeClr val="tx1"/>
+                </a:solidFill>
+                <a:effectLst/>
+                <a:latin typeface="ui-sans-serif"/>
+              </a:rPr>
+              <a:t>:</a:t>
+            </a:r>
+          </a:p>
+          <a:p>
+            <a:pPr marL="742950" lvl="1" indent="-285750" algn="l">
+              <a:buFont typeface="+mj-lt"/>
+              <a:buAutoNum type="arabicPeriod"/>
+            </a:pPr>
+            <a:r>
+              <a:rPr lang="en-IN" b="0" i="0" dirty="0">
+                <a:solidFill>
+                  <a:schemeClr val="tx1"/>
+                </a:solidFill>
+                <a:effectLst/>
+                <a:latin typeface="ui-sans-serif"/>
+              </a:rPr>
+              <a:t>Suggests edits for flagged content to help users meet guidelines.</a:t>
+            </a:r>
+          </a:p>
+          <a:p>
+            <a:pPr marL="742950" lvl="1" indent="-285750" algn="l">
+              <a:buFont typeface="+mj-lt"/>
+              <a:buAutoNum type="arabicPeriod"/>
+            </a:pPr>
+            <a:r>
+              <a:rPr lang="en-IN" b="0" i="0" dirty="0">
+                <a:solidFill>
+                  <a:schemeClr val="tx1"/>
+                </a:solidFill>
+                <a:effectLst/>
+                <a:latin typeface="ui-sans-serif"/>
+              </a:rPr>
+              <a:t>Detects and mitigates synthetic media like deepfakes.</a:t>
+            </a:r>
+          </a:p>
+          <a:p>
+            <a:endParaRPr lang="en-IN" dirty="0">
+              <a:solidFill>
+                <a:schemeClr val="tx1"/>
+              </a:solidFill>
+            </a:endParaRPr>
           </a:p>
         </p:txBody>
       </p:sp>
+      <p:graphicFrame>
+        <p:nvGraphicFramePr>
+          <p:cNvPr id="4" name="Table 3">
+            <a:extLst>
+              <a:ext uri="{FF2B5EF4-FFF2-40B4-BE49-F238E27FC236}">
+                <a16:creationId xmlns:a16="http://schemas.microsoft.com/office/drawing/2014/main" id="{D89DABB5-3181-9BD4-27D5-D760514EC1C4}"/>
+              </a:ext>
+            </a:extLst>
+          </p:cNvPr>
+          <p:cNvGraphicFramePr>
+            <a:graphicFrameLocks noGrp="1"/>
+          </p:cNvGraphicFramePr>
+          <p:nvPr>
+            <p:extLst>
+              <p:ext uri="{D42A27DB-BD31-4B8C-83A1-F6EECF244321}">
+                <p14:modId xmlns:p14="http://schemas.microsoft.com/office/powerpoint/2010/main" val="4154280360"/>
+              </p:ext>
+            </p:extLst>
+          </p:nvPr>
+        </p:nvGraphicFramePr>
+        <p:xfrm>
+          <a:off x="5138056" y="736170"/>
+          <a:ext cx="3657944" cy="3938700"/>
+        </p:xfrm>
+        <a:graphic>
+          <a:graphicData uri="http://schemas.openxmlformats.org/drawingml/2006/table">
+            <a:tbl>
+              <a:tblPr>
+                <a:tableStyleId>{5940675A-B579-460E-94D1-54222C63F5DA}</a:tableStyleId>
+              </a:tblPr>
+              <a:tblGrid>
+                <a:gridCol w="1828972">
+                  <a:extLst>
+                    <a:ext uri="{9D8B030D-6E8A-4147-A177-3AD203B41FA5}">
+                      <a16:colId xmlns:a16="http://schemas.microsoft.com/office/drawing/2014/main" val="2716961203"/>
+                    </a:ext>
+                  </a:extLst>
+                </a:gridCol>
+                <a:gridCol w="1828972">
+                  <a:extLst>
+                    <a:ext uri="{9D8B030D-6E8A-4147-A177-3AD203B41FA5}">
+                      <a16:colId xmlns:a16="http://schemas.microsoft.com/office/drawing/2014/main" val="2512636930"/>
+                    </a:ext>
+                  </a:extLst>
+                </a:gridCol>
+              </a:tblGrid>
+              <a:tr h="199615">
+                <a:tc>
+                  <a:txBody>
+                    <a:bodyPr/>
+                    <a:lstStyle/>
+                    <a:p>
+                      <a:pPr fontAlgn="b"/>
+                      <a:r>
+                        <a:rPr lang="en-IN" sz="1200" b="1">
+                          <a:effectLst/>
+                        </a:rPr>
+                        <a:t>Layer</a:t>
+                      </a:r>
+                    </a:p>
+                  </a:txBody>
+                  <a:tcPr marL="82973" marR="82973" marT="41487" marB="41487" anchor="b"/>
+                </a:tc>
+                <a:tc>
+                  <a:txBody>
+                    <a:bodyPr/>
+                    <a:lstStyle/>
+                    <a:p>
+                      <a:pPr fontAlgn="b"/>
+                      <a:r>
+                        <a:rPr lang="en-IN" sz="1200" b="1">
+                          <a:effectLst/>
+                        </a:rPr>
+                        <a:t>Technologies</a:t>
+                      </a:r>
+                    </a:p>
+                  </a:txBody>
+                  <a:tcPr marL="82973" marR="82973" marT="41487" marB="41487" anchor="b"/>
+                </a:tc>
+                <a:extLst>
+                  <a:ext uri="{0D108BD9-81ED-4DB2-BD59-A6C34878D82A}">
+                    <a16:rowId xmlns:a16="http://schemas.microsoft.com/office/drawing/2014/main" val="1502300614"/>
+                  </a:ext>
+                </a:extLst>
+              </a:tr>
+              <a:tr h="340307">
+                <a:tc>
+                  <a:txBody>
+                    <a:bodyPr/>
+                    <a:lstStyle/>
+                    <a:p>
+                      <a:pPr fontAlgn="base"/>
+                      <a:r>
+                        <a:rPr lang="en-IN" sz="1200" b="1" dirty="0">
+                          <a:effectLst/>
+                        </a:rPr>
+                        <a:t>Frontend</a:t>
+                      </a:r>
+                      <a:endParaRPr lang="en-IN" sz="1200" dirty="0">
+                        <a:effectLst/>
+                      </a:endParaRPr>
+                    </a:p>
+                  </a:txBody>
+                  <a:tcPr marL="82973" marR="82973" marT="41487" marB="41487" anchor="ctr"/>
+                </a:tc>
+                <a:tc>
+                  <a:txBody>
+                    <a:bodyPr/>
+                    <a:lstStyle/>
+                    <a:p>
+                      <a:pPr fontAlgn="base"/>
+                      <a:r>
+                        <a:rPr lang="en-GB" sz="1200">
+                          <a:effectLst/>
+                        </a:rPr>
+                        <a:t>React, Next.js, Tailwind CSS, Material-UI</a:t>
+                      </a:r>
+                    </a:p>
+                  </a:txBody>
+                  <a:tcPr marL="82973" marR="82973" marT="41487" marB="41487" anchor="ctr"/>
+                </a:tc>
+                <a:extLst>
+                  <a:ext uri="{0D108BD9-81ED-4DB2-BD59-A6C34878D82A}">
+                    <a16:rowId xmlns:a16="http://schemas.microsoft.com/office/drawing/2014/main" val="2098552479"/>
+                  </a:ext>
+                </a:extLst>
+              </a:tr>
+              <a:tr h="340307">
+                <a:tc>
+                  <a:txBody>
+                    <a:bodyPr/>
+                    <a:lstStyle/>
+                    <a:p>
+                      <a:pPr fontAlgn="base"/>
+                      <a:r>
+                        <a:rPr lang="en-IN" sz="1200" b="1">
+                          <a:effectLst/>
+                        </a:rPr>
+                        <a:t>Backend</a:t>
+                      </a:r>
+                      <a:endParaRPr lang="en-IN" sz="1200">
+                        <a:effectLst/>
+                      </a:endParaRPr>
+                    </a:p>
+                  </a:txBody>
+                  <a:tcPr marL="82973" marR="82973" marT="41487" marB="41487" anchor="ctr"/>
+                </a:tc>
+                <a:tc>
+                  <a:txBody>
+                    <a:bodyPr/>
+                    <a:lstStyle/>
+                    <a:p>
+                      <a:pPr fontAlgn="base"/>
+                      <a:r>
+                        <a:rPr lang="en-IN" sz="1200">
+                          <a:effectLst/>
+                        </a:rPr>
+                        <a:t>Python (Django, Flask), Node.js (Express.js)</a:t>
+                      </a:r>
+                    </a:p>
+                  </a:txBody>
+                  <a:tcPr marL="82973" marR="82973" marT="41487" marB="41487" anchor="ctr"/>
+                </a:tc>
+                <a:extLst>
+                  <a:ext uri="{0D108BD9-81ED-4DB2-BD59-A6C34878D82A}">
+                    <a16:rowId xmlns:a16="http://schemas.microsoft.com/office/drawing/2014/main" val="3501806066"/>
+                  </a:ext>
+                </a:extLst>
+              </a:tr>
+              <a:tr h="480998">
+                <a:tc>
+                  <a:txBody>
+                    <a:bodyPr/>
+                    <a:lstStyle/>
+                    <a:p>
+                      <a:pPr fontAlgn="base"/>
+                      <a:r>
+                        <a:rPr lang="en-IN" sz="1200" b="1">
+                          <a:effectLst/>
+                        </a:rPr>
+                        <a:t>AI Models</a:t>
+                      </a:r>
+                      <a:endParaRPr lang="en-IN" sz="1200">
+                        <a:effectLst/>
+                      </a:endParaRPr>
+                    </a:p>
+                  </a:txBody>
+                  <a:tcPr marL="82973" marR="82973" marT="41487" marB="41487" anchor="ctr"/>
+                </a:tc>
+                <a:tc>
+                  <a:txBody>
+                    <a:bodyPr/>
+                    <a:lstStyle/>
+                    <a:p>
+                      <a:pPr fontAlgn="base"/>
+                      <a:r>
+                        <a:rPr lang="en-IN" sz="1200">
+                          <a:effectLst/>
+                        </a:rPr>
+                        <a:t>NLP (BERT, GPT), Computer Vision (YOLO, Vision Transformers), OpenCV</a:t>
+                      </a:r>
+                    </a:p>
+                  </a:txBody>
+                  <a:tcPr marL="82973" marR="82973" marT="41487" marB="41487" anchor="ctr"/>
+                </a:tc>
+                <a:extLst>
+                  <a:ext uri="{0D108BD9-81ED-4DB2-BD59-A6C34878D82A}">
+                    <a16:rowId xmlns:a16="http://schemas.microsoft.com/office/drawing/2014/main" val="2711675739"/>
+                  </a:ext>
+                </a:extLst>
+              </a:tr>
+              <a:tr h="199615">
+                <a:tc>
+                  <a:txBody>
+                    <a:bodyPr/>
+                    <a:lstStyle/>
+                    <a:p>
+                      <a:pPr fontAlgn="base"/>
+                      <a:r>
+                        <a:rPr lang="en-IN" sz="1200" b="1">
+                          <a:effectLst/>
+                        </a:rPr>
+                        <a:t>LLMs</a:t>
+                      </a:r>
+                      <a:endParaRPr lang="en-IN" sz="1200">
+                        <a:effectLst/>
+                      </a:endParaRPr>
+                    </a:p>
+                  </a:txBody>
+                  <a:tcPr marL="82973" marR="82973" marT="41487" marB="41487" anchor="ctr"/>
+                </a:tc>
+                <a:tc>
+                  <a:txBody>
+                    <a:bodyPr/>
+                    <a:lstStyle/>
+                    <a:p>
+                      <a:pPr fontAlgn="base"/>
+                      <a:r>
+                        <a:rPr lang="en-IN" sz="1200">
+                          <a:effectLst/>
+                        </a:rPr>
+                        <a:t>OpenAI GPT, LangChain</a:t>
+                      </a:r>
+                    </a:p>
+                  </a:txBody>
+                  <a:tcPr marL="82973" marR="82973" marT="41487" marB="41487" anchor="ctr"/>
+                </a:tc>
+                <a:extLst>
+                  <a:ext uri="{0D108BD9-81ED-4DB2-BD59-A6C34878D82A}">
+                    <a16:rowId xmlns:a16="http://schemas.microsoft.com/office/drawing/2014/main" val="1436313006"/>
+                  </a:ext>
+                </a:extLst>
+              </a:tr>
+              <a:tr h="199615">
+                <a:tc>
+                  <a:txBody>
+                    <a:bodyPr/>
+                    <a:lstStyle/>
+                    <a:p>
+                      <a:pPr fontAlgn="base"/>
+                      <a:r>
+                        <a:rPr lang="en-IN" sz="1200" b="1">
+                          <a:effectLst/>
+                        </a:rPr>
+                        <a:t>Databases</a:t>
+                      </a:r>
+                      <a:endParaRPr lang="en-IN" sz="1200">
+                        <a:effectLst/>
+                      </a:endParaRPr>
+                    </a:p>
+                  </a:txBody>
+                  <a:tcPr marL="82973" marR="82973" marT="41487" marB="41487" anchor="ctr"/>
+                </a:tc>
+                <a:tc>
+                  <a:txBody>
+                    <a:bodyPr/>
+                    <a:lstStyle/>
+                    <a:p>
+                      <a:pPr fontAlgn="base"/>
+                      <a:r>
+                        <a:rPr lang="en-IN" sz="1200" dirty="0">
+                          <a:effectLst/>
+                        </a:rPr>
+                        <a:t>PostgreSQL, MongoDB</a:t>
+                      </a:r>
+                    </a:p>
+                  </a:txBody>
+                  <a:tcPr marL="82973" marR="82973" marT="41487" marB="41487" anchor="ctr"/>
+                </a:tc>
+                <a:extLst>
+                  <a:ext uri="{0D108BD9-81ED-4DB2-BD59-A6C34878D82A}">
+                    <a16:rowId xmlns:a16="http://schemas.microsoft.com/office/drawing/2014/main" val="1225620395"/>
+                  </a:ext>
+                </a:extLst>
+              </a:tr>
+              <a:tr h="340307">
+                <a:tc>
+                  <a:txBody>
+                    <a:bodyPr/>
+                    <a:lstStyle/>
+                    <a:p>
+                      <a:pPr fontAlgn="base"/>
+                      <a:r>
+                        <a:rPr lang="en-IN" sz="1200" b="1">
+                          <a:effectLst/>
+                        </a:rPr>
+                        <a:t>Cloud &amp; DevOps</a:t>
+                      </a:r>
+                      <a:endParaRPr lang="en-IN" sz="1200">
+                        <a:effectLst/>
+                      </a:endParaRPr>
+                    </a:p>
+                  </a:txBody>
+                  <a:tcPr marL="82973" marR="82973" marT="41487" marB="41487" anchor="ctr"/>
+                </a:tc>
+                <a:tc>
+                  <a:txBody>
+                    <a:bodyPr/>
+                    <a:lstStyle/>
+                    <a:p>
+                      <a:pPr fontAlgn="base"/>
+                      <a:r>
+                        <a:rPr lang="en-GB" sz="1200">
+                          <a:effectLst/>
+                        </a:rPr>
+                        <a:t>AWS, Google Cloud, Azure, Docker, Kubernetes</a:t>
+                      </a:r>
+                    </a:p>
+                  </a:txBody>
+                  <a:tcPr marL="82973" marR="82973" marT="41487" marB="41487" anchor="ctr"/>
+                </a:tc>
+                <a:extLst>
+                  <a:ext uri="{0D108BD9-81ED-4DB2-BD59-A6C34878D82A}">
+                    <a16:rowId xmlns:a16="http://schemas.microsoft.com/office/drawing/2014/main" val="2329716548"/>
+                  </a:ext>
+                </a:extLst>
+              </a:tr>
+              <a:tr h="199615">
+                <a:tc>
+                  <a:txBody>
+                    <a:bodyPr/>
+                    <a:lstStyle/>
+                    <a:p>
+                      <a:pPr fontAlgn="base"/>
+                      <a:r>
+                        <a:rPr lang="en-IN" sz="1200" b="1">
+                          <a:effectLst/>
+                        </a:rPr>
+                        <a:t>Explainable AI</a:t>
+                      </a:r>
+                      <a:endParaRPr lang="en-IN" sz="1200">
+                        <a:effectLst/>
+                      </a:endParaRPr>
+                    </a:p>
+                  </a:txBody>
+                  <a:tcPr marL="82973" marR="82973" marT="41487" marB="41487" anchor="ctr"/>
+                </a:tc>
+                <a:tc>
+                  <a:txBody>
+                    <a:bodyPr/>
+                    <a:lstStyle/>
+                    <a:p>
+                      <a:pPr fontAlgn="base"/>
+                      <a:r>
+                        <a:rPr lang="en-IN" sz="1200">
+                          <a:effectLst/>
+                        </a:rPr>
+                        <a:t>SHAP, LIME</a:t>
+                      </a:r>
+                    </a:p>
+                  </a:txBody>
+                  <a:tcPr marL="82973" marR="82973" marT="41487" marB="41487" anchor="ctr"/>
+                </a:tc>
+                <a:extLst>
+                  <a:ext uri="{0D108BD9-81ED-4DB2-BD59-A6C34878D82A}">
+                    <a16:rowId xmlns:a16="http://schemas.microsoft.com/office/drawing/2014/main" val="3341146638"/>
+                  </a:ext>
+                </a:extLst>
+              </a:tr>
+              <a:tr h="199615">
+                <a:tc>
+                  <a:txBody>
+                    <a:bodyPr/>
+                    <a:lstStyle/>
+                    <a:p>
+                      <a:pPr fontAlgn="base"/>
+                      <a:r>
+                        <a:rPr lang="en-IN" sz="1200" b="1">
+                          <a:effectLst/>
+                        </a:rPr>
+                        <a:t>Generative AI</a:t>
+                      </a:r>
+                      <a:endParaRPr lang="en-IN" sz="1200">
+                        <a:effectLst/>
+                      </a:endParaRPr>
+                    </a:p>
+                  </a:txBody>
+                  <a:tcPr marL="82973" marR="82973" marT="41487" marB="41487" anchor="ctr"/>
+                </a:tc>
+                <a:tc>
+                  <a:txBody>
+                    <a:bodyPr/>
+                    <a:lstStyle/>
+                    <a:p>
+                      <a:pPr fontAlgn="base"/>
+                      <a:r>
+                        <a:rPr lang="en-IN" sz="1200">
+                          <a:effectLst/>
+                        </a:rPr>
+                        <a:t>GPT, GANs</a:t>
+                      </a:r>
+                    </a:p>
+                  </a:txBody>
+                  <a:tcPr marL="82973" marR="82973" marT="41487" marB="41487" anchor="ctr"/>
+                </a:tc>
+                <a:extLst>
+                  <a:ext uri="{0D108BD9-81ED-4DB2-BD59-A6C34878D82A}">
+                    <a16:rowId xmlns:a16="http://schemas.microsoft.com/office/drawing/2014/main" val="2237195741"/>
+                  </a:ext>
+                </a:extLst>
+              </a:tr>
+              <a:tr h="340307">
+                <a:tc>
+                  <a:txBody>
+                    <a:bodyPr/>
+                    <a:lstStyle/>
+                    <a:p>
+                      <a:pPr fontAlgn="base"/>
+                      <a:r>
+                        <a:rPr lang="en-IN" sz="1200" b="1">
+                          <a:effectLst/>
+                        </a:rPr>
+                        <a:t>Analytics</a:t>
+                      </a:r>
+                      <a:endParaRPr lang="en-IN" sz="1200">
+                        <a:effectLst/>
+                      </a:endParaRPr>
+                    </a:p>
+                  </a:txBody>
+                  <a:tcPr marL="82973" marR="82973" marT="41487" marB="41487" anchor="ctr"/>
+                </a:tc>
+                <a:tc>
+                  <a:txBody>
+                    <a:bodyPr/>
+                    <a:lstStyle/>
+                    <a:p>
+                      <a:pPr fontAlgn="base"/>
+                      <a:r>
+                        <a:rPr lang="en-GB" sz="1200" dirty="0">
+                          <a:effectLst/>
+                        </a:rPr>
+                        <a:t>Tableau, Power BI, Google Analytics</a:t>
+                      </a:r>
+                    </a:p>
+                  </a:txBody>
+                  <a:tcPr marL="82973" marR="82973" marT="41487" marB="41487" anchor="ctr"/>
+                </a:tc>
+                <a:extLst>
+                  <a:ext uri="{0D108BD9-81ED-4DB2-BD59-A6C34878D82A}">
+                    <a16:rowId xmlns:a16="http://schemas.microsoft.com/office/drawing/2014/main" val="3639332989"/>
+                  </a:ext>
+                </a:extLst>
+              </a:tr>
+            </a:tbl>
+          </a:graphicData>
+        </a:graphic>
+      </p:graphicFrame>
     </p:spTree>
     <p:extLst>
       <p:ext uri="{BB962C8B-B14F-4D97-AF65-F5344CB8AC3E}">
@@ -29484,7 +31308,13 @@
   <p:cSld>
     <p:spTree>
       <p:nvGrpSpPr>
-        <p:cNvPr id="1" name=""/>
+        <p:cNvPr id="1" name="">
+          <a:extLst>
+            <a:ext uri="{FF2B5EF4-FFF2-40B4-BE49-F238E27FC236}">
+              <a16:creationId xmlns:a16="http://schemas.microsoft.com/office/drawing/2014/main" id="{78592A28-F619-D272-51F1-37629EC02B06}"/>
+            </a:ext>
+          </a:extLst>
+        </p:cNvPr>
         <p:cNvGrpSpPr/>
         <p:nvPr/>
       </p:nvGrpSpPr>
@@ -29501,7 +31331,7 @@
           <p:cNvPr id="2" name="Title 1">
             <a:extLst>
               <a:ext uri="{FF2B5EF4-FFF2-40B4-BE49-F238E27FC236}">
-                <a16:creationId xmlns:a16="http://schemas.microsoft.com/office/drawing/2014/main" id="{8F7C98D4-CF48-00EA-1E5E-14178BC62886}"/>
+                <a16:creationId xmlns:a16="http://schemas.microsoft.com/office/drawing/2014/main" id="{EF51918C-AB2F-9F09-A5C7-A664EE07FD64}"/>
               </a:ext>
             </a:extLst>
           </p:cNvPr>
@@ -29519,7 +31349,7 @@
           <a:p>
             <a:r>
               <a:rPr lang="en-IN" dirty="0"/>
-              <a:t>Implementation Plan</a:t>
+              <a:t>Technical Description</a:t>
             </a:r>
           </a:p>
         </p:txBody>
@@ -29529,7 +31359,7 @@
           <p:cNvPr id="3" name="Content Placeholder 2">
             <a:extLst>
               <a:ext uri="{FF2B5EF4-FFF2-40B4-BE49-F238E27FC236}">
-                <a16:creationId xmlns:a16="http://schemas.microsoft.com/office/drawing/2014/main" id="{E9BCFC67-F5AA-8E05-39EC-73CBF3865066}"/>
+                <a16:creationId xmlns:a16="http://schemas.microsoft.com/office/drawing/2014/main" id="{DD76373C-D922-8BFD-A819-26A3FF16E465}"/>
               </a:ext>
             </a:extLst>
           </p:cNvPr>
@@ -29540,19 +31370,381 @@
             <p:ph idx="1"/>
           </p:nvPr>
         </p:nvSpPr>
-        <p:spPr/>
+        <p:spPr>
+          <a:xfrm>
+            <a:off x="348000" y="1051200"/>
+            <a:ext cx="5740283" cy="3939900"/>
+          </a:xfrm>
+        </p:spPr>
         <p:txBody>
-          <a:bodyPr/>
+          <a:bodyPr numCol="2">
+            <a:noAutofit/>
+          </a:bodyPr>
           <a:lstStyle/>
           <a:p>
-            <a:endParaRPr lang="en-IN"/>
+            <a:pPr marL="0" indent="0">
+              <a:lnSpc>
+                <a:spcPct val="100000"/>
+              </a:lnSpc>
+              <a:buNone/>
+            </a:pPr>
+            <a:r>
+              <a:rPr lang="en-IN" sz="1050" b="1" dirty="0">
+                <a:solidFill>
+                  <a:schemeClr val="tx1"/>
+                </a:solidFill>
+              </a:rPr>
+              <a:t>1. Video Upload</a:t>
+            </a:r>
+          </a:p>
+          <a:p>
+            <a:pPr marL="0" indent="0">
+              <a:lnSpc>
+                <a:spcPct val="100000"/>
+              </a:lnSpc>
+              <a:buNone/>
+            </a:pPr>
+            <a:r>
+              <a:rPr lang="en-IN" sz="1050" dirty="0">
+                <a:solidFill>
+                  <a:schemeClr val="tx1"/>
+                </a:solidFill>
+              </a:rPr>
+              <a:t>Users upload videos via a frontend interface (React/Next.js).</a:t>
+            </a:r>
+          </a:p>
+          <a:p>
+            <a:pPr marL="0" indent="0">
+              <a:lnSpc>
+                <a:spcPct val="100000"/>
+              </a:lnSpc>
+              <a:buNone/>
+            </a:pPr>
+            <a:r>
+              <a:rPr lang="en-IN" sz="1050" dirty="0">
+                <a:solidFill>
+                  <a:schemeClr val="tx1"/>
+                </a:solidFill>
+              </a:rPr>
+              <a:t>Files are handled by APIs (Django/Flask or Node.js) and stored in cloud storage (e.g., AWS S3).</a:t>
+            </a:r>
+          </a:p>
+          <a:p>
+            <a:pPr marL="0" indent="0">
+              <a:lnSpc>
+                <a:spcPct val="100000"/>
+              </a:lnSpc>
+              <a:buNone/>
+            </a:pPr>
+            <a:r>
+              <a:rPr lang="en-IN" sz="1050" b="1" dirty="0">
+                <a:solidFill>
+                  <a:schemeClr val="tx1"/>
+                </a:solidFill>
+              </a:rPr>
+              <a:t>2. AI-Powered Analysis</a:t>
+            </a:r>
+          </a:p>
+          <a:p>
+            <a:pPr marL="0" indent="0">
+              <a:lnSpc>
+                <a:spcPct val="100000"/>
+              </a:lnSpc>
+              <a:buNone/>
+            </a:pPr>
+            <a:r>
+              <a:rPr lang="en-IN" sz="1050" dirty="0">
+                <a:solidFill>
+                  <a:schemeClr val="tx1"/>
+                </a:solidFill>
+              </a:rPr>
+              <a:t>Object Recognition: Detects inappropriate visuals (e.g., violence, explicit imagery) using YOLO or Vision Transformers.</a:t>
+            </a:r>
+          </a:p>
+          <a:p>
+            <a:pPr marL="0" indent="0">
+              <a:lnSpc>
+                <a:spcPct val="100000"/>
+              </a:lnSpc>
+              <a:buNone/>
+            </a:pPr>
+            <a:r>
+              <a:rPr lang="en-IN" sz="1050" dirty="0">
+                <a:solidFill>
+                  <a:schemeClr val="tx1"/>
+                </a:solidFill>
+              </a:rPr>
+              <a:t>Audio Analysis: Converts speech to text and identifies harmful language using tools like Whisper.</a:t>
+            </a:r>
+          </a:p>
+          <a:p>
+            <a:pPr marL="0" indent="0">
+              <a:lnSpc>
+                <a:spcPct val="100000"/>
+              </a:lnSpc>
+              <a:buNone/>
+            </a:pPr>
+            <a:r>
+              <a:rPr lang="en-IN" sz="1050" dirty="0">
+                <a:solidFill>
+                  <a:schemeClr val="tx1"/>
+                </a:solidFill>
+              </a:rPr>
+              <a:t>Cultural and Legal Adaptation: Customizes AI thresholds for regional compliance.</a:t>
+            </a:r>
+          </a:p>
+          <a:p>
+            <a:pPr marL="0" indent="0">
+              <a:lnSpc>
+                <a:spcPct val="100000"/>
+              </a:lnSpc>
+              <a:buNone/>
+            </a:pPr>
+            <a:r>
+              <a:rPr lang="en-IN" sz="1050" b="1" dirty="0">
+                <a:solidFill>
+                  <a:schemeClr val="tx1"/>
+                </a:solidFill>
+              </a:rPr>
+              <a:t>3. Content Flagging</a:t>
+            </a:r>
+          </a:p>
+          <a:p>
+            <a:pPr marL="0" indent="0">
+              <a:lnSpc>
+                <a:spcPct val="100000"/>
+              </a:lnSpc>
+              <a:buNone/>
+            </a:pPr>
+            <a:r>
+              <a:rPr lang="en-IN" sz="1050" dirty="0">
+                <a:solidFill>
+                  <a:schemeClr val="tx1"/>
+                </a:solidFill>
+              </a:rPr>
+              <a:t>Automated flagging based on AI confidence levels.</a:t>
+            </a:r>
+          </a:p>
+          <a:p>
+            <a:pPr marL="0" indent="0">
+              <a:lnSpc>
+                <a:spcPct val="100000"/>
+              </a:lnSpc>
+              <a:buNone/>
+            </a:pPr>
+            <a:r>
+              <a:rPr lang="en-IN" sz="1050" dirty="0">
+                <a:solidFill>
+                  <a:schemeClr val="tx1"/>
+                </a:solidFill>
+              </a:rPr>
+              <a:t>Content flagged for potential violations proceeds to human review.</a:t>
+            </a:r>
+          </a:p>
+          <a:p>
+            <a:pPr marL="0" indent="0">
+              <a:lnSpc>
+                <a:spcPct val="100000"/>
+              </a:lnSpc>
+              <a:buNone/>
+            </a:pPr>
+            <a:r>
+              <a:rPr lang="en-IN" sz="1050" b="1" dirty="0">
+                <a:solidFill>
+                  <a:schemeClr val="tx1"/>
+                </a:solidFill>
+              </a:rPr>
+              <a:t>4. Human Review</a:t>
+            </a:r>
+          </a:p>
+          <a:p>
+            <a:pPr marL="0" indent="0">
+              <a:lnSpc>
+                <a:spcPct val="100000"/>
+              </a:lnSpc>
+              <a:buNone/>
+            </a:pPr>
+            <a:r>
+              <a:rPr lang="en-IN" sz="1050" dirty="0">
+                <a:solidFill>
+                  <a:schemeClr val="tx1"/>
+                </a:solidFill>
+              </a:rPr>
+              <a:t>Ambiguous cases are reviewed by moderators via a dashboard (React/Next.js).</a:t>
+            </a:r>
+          </a:p>
+          <a:p>
+            <a:pPr marL="0" indent="0">
+              <a:lnSpc>
+                <a:spcPct val="100000"/>
+              </a:lnSpc>
+              <a:buNone/>
+            </a:pPr>
+            <a:r>
+              <a:rPr lang="en-IN" sz="1050" dirty="0">
+                <a:solidFill>
+                  <a:schemeClr val="tx1"/>
+                </a:solidFill>
+              </a:rPr>
+              <a:t>Decisions are logged for feedback and model refinement.</a:t>
+            </a:r>
+          </a:p>
+          <a:p>
+            <a:pPr marL="0" indent="0">
+              <a:lnSpc>
+                <a:spcPct val="100000"/>
+              </a:lnSpc>
+              <a:buNone/>
+            </a:pPr>
+            <a:r>
+              <a:rPr lang="en-IN" sz="1050" b="1" dirty="0">
+                <a:solidFill>
+                  <a:schemeClr val="tx1"/>
+                </a:solidFill>
+              </a:rPr>
+              <a:t>5. Feedback Loop</a:t>
+            </a:r>
+          </a:p>
+          <a:p>
+            <a:pPr marL="0" indent="0">
+              <a:lnSpc>
+                <a:spcPct val="100000"/>
+              </a:lnSpc>
+              <a:buNone/>
+            </a:pPr>
+            <a:r>
+              <a:rPr lang="en-IN" sz="1050" dirty="0">
+                <a:solidFill>
+                  <a:schemeClr val="tx1"/>
+                </a:solidFill>
+              </a:rPr>
+              <a:t>Human inputs refine AI models to improve accuracy and reduce false flags.</a:t>
+            </a:r>
+          </a:p>
+          <a:p>
+            <a:pPr marL="0" indent="0">
+              <a:lnSpc>
+                <a:spcPct val="100000"/>
+              </a:lnSpc>
+              <a:buNone/>
+            </a:pPr>
+            <a:r>
+              <a:rPr lang="en-IN" sz="1050" b="1" dirty="0">
+                <a:solidFill>
+                  <a:schemeClr val="tx1"/>
+                </a:solidFill>
+              </a:rPr>
+              <a:t>6. Decision Making</a:t>
+            </a:r>
+          </a:p>
+          <a:p>
+            <a:pPr marL="0" indent="0">
+              <a:lnSpc>
+                <a:spcPct val="100000"/>
+              </a:lnSpc>
+              <a:buNone/>
+            </a:pPr>
+            <a:r>
+              <a:rPr lang="en-IN" sz="1050" dirty="0">
+                <a:solidFill>
+                  <a:schemeClr val="tx1"/>
+                </a:solidFill>
+              </a:rPr>
+              <a:t>Final decisions route content for approval or removal based on AI and human inputs.</a:t>
+            </a:r>
+          </a:p>
+          <a:p>
+            <a:pPr marL="0" indent="0">
+              <a:lnSpc>
+                <a:spcPct val="100000"/>
+              </a:lnSpc>
+              <a:buNone/>
+            </a:pPr>
+            <a:r>
+              <a:rPr lang="en-IN" sz="1050" b="1" dirty="0">
+                <a:solidFill>
+                  <a:schemeClr val="tx1"/>
+                </a:solidFill>
+              </a:rPr>
+              <a:t>7. Reporting and Analytics</a:t>
+            </a:r>
+          </a:p>
+          <a:p>
+            <a:pPr marL="0" indent="0">
+              <a:lnSpc>
+                <a:spcPct val="100000"/>
+              </a:lnSpc>
+              <a:buNone/>
+            </a:pPr>
+            <a:r>
+              <a:rPr lang="en-IN" sz="1050" dirty="0">
+                <a:solidFill>
+                  <a:schemeClr val="tx1"/>
+                </a:solidFill>
+              </a:rPr>
+              <a:t>Dashboards (Tableau/Power BI) track flagged content trends, system performance, and reviewer efficiency.</a:t>
+            </a:r>
+          </a:p>
+          <a:p>
+            <a:pPr marL="0" indent="0">
+              <a:lnSpc>
+                <a:spcPct val="100000"/>
+              </a:lnSpc>
+              <a:buNone/>
+            </a:pPr>
+            <a:endParaRPr lang="en-IN" sz="1050" dirty="0">
+              <a:solidFill>
+                <a:schemeClr val="tx1"/>
+              </a:solidFill>
+            </a:endParaRPr>
           </a:p>
         </p:txBody>
       </p:sp>
+      <p:pic>
+        <p:nvPicPr>
+          <p:cNvPr id="46" name="Picture 45">
+            <a:extLst>
+              <a:ext uri="{FF2B5EF4-FFF2-40B4-BE49-F238E27FC236}">
+                <a16:creationId xmlns:a16="http://schemas.microsoft.com/office/drawing/2014/main" id="{8346058A-F565-5816-94BD-9EF3CF9D51F7}"/>
+              </a:ext>
+            </a:extLst>
+          </p:cNvPr>
+          <p:cNvPicPr>
+            <a:picLocks noChangeAspect="1"/>
+          </p:cNvPicPr>
+          <p:nvPr/>
+        </p:nvPicPr>
+        <p:blipFill>
+          <a:blip r:embed="rId2">
+            <a:extLst>
+              <a:ext uri="{28A0092B-C50C-407E-A947-70E740481C1C}">
+                <a14:useLocalDpi xmlns:a14="http://schemas.microsoft.com/office/drawing/2010/main" val="0"/>
+              </a:ext>
+            </a:extLst>
+          </a:blip>
+          <a:srcRect/>
+          <a:stretch>
+            <a:fillRect/>
+          </a:stretch>
+        </p:blipFill>
+        <p:spPr bwMode="auto">
+          <a:xfrm>
+            <a:off x="6368878" y="0"/>
+            <a:ext cx="2630342" cy="5143500"/>
+          </a:xfrm>
+          <a:prstGeom prst="rect">
+            <a:avLst/>
+          </a:prstGeom>
+          <a:noFill/>
+          <a:ln>
+            <a:noFill/>
+          </a:ln>
+        </p:spPr>
+      </p:pic>
     </p:spTree>
     <p:extLst>
       <p:ext uri="{BB962C8B-B14F-4D97-AF65-F5344CB8AC3E}">
-        <p14:creationId xmlns:p14="http://schemas.microsoft.com/office/powerpoint/2010/main" val="1503041079"/>
+        <p14:creationId xmlns:p14="http://schemas.microsoft.com/office/powerpoint/2010/main" val="247499714"/>
       </p:ext>
     </p:extLst>
   </p:cSld>
@@ -29601,10 +31793,9 @@
           <a:lstStyle/>
           <a:p>
             <a:r>
-              <a:rPr lang="en-US" dirty="0"/>
-              <a:t>Validation / Testing / Analysis</a:t>
-            </a:r>
-            <a:endParaRPr lang="en-IN" dirty="0"/>
+              <a:rPr lang="en-IN" dirty="0"/>
+              <a:t>Implementation Plan</a:t>
+            </a:r>
           </a:p>
         </p:txBody>
       </p:sp>
@@ -29624,19 +31815,578 @@
             <p:ph idx="1"/>
           </p:nvPr>
         </p:nvSpPr>
-        <p:spPr/>
+        <p:spPr>
+          <a:xfrm>
+            <a:off x="348000" y="982620"/>
+            <a:ext cx="8534400" cy="4092300"/>
+          </a:xfrm>
+        </p:spPr>
         <p:txBody>
-          <a:bodyPr/>
+          <a:bodyPr>
+            <a:normAutofit fontScale="92500" lnSpcReduction="20000"/>
+          </a:bodyPr>
           <a:lstStyle/>
           <a:p>
-            <a:endParaRPr lang="en-IN"/>
+            <a:pPr algn="l">
+              <a:buFont typeface="+mj-lt"/>
+              <a:buAutoNum type="arabicPeriod"/>
+            </a:pPr>
+            <a:r>
+              <a:rPr lang="en-IN" sz="1600" b="1" i="0" dirty="0">
+                <a:solidFill>
+                  <a:schemeClr val="tx1"/>
+                </a:solidFill>
+                <a:effectLst/>
+                <a:latin typeface="ui-sans-serif"/>
+              </a:rPr>
+              <a:t>Planning</a:t>
+            </a:r>
+            <a:r>
+              <a:rPr lang="en-IN" sz="1600" b="0" i="0" dirty="0">
+                <a:solidFill>
+                  <a:schemeClr val="tx1"/>
+                </a:solidFill>
+                <a:effectLst/>
+                <a:latin typeface="ui-sans-serif"/>
+              </a:rPr>
+              <a:t>:</a:t>
+            </a:r>
+          </a:p>
+          <a:p>
+            <a:pPr marL="742950" lvl="1" indent="-285750" algn="l">
+              <a:buFont typeface="+mj-lt"/>
+              <a:buAutoNum type="arabicPeriod"/>
+            </a:pPr>
+            <a:r>
+              <a:rPr lang="en-IN" sz="1400" b="0" i="0" dirty="0">
+                <a:solidFill>
+                  <a:schemeClr val="tx1"/>
+                </a:solidFill>
+                <a:effectLst/>
+                <a:latin typeface="ui-sans-serif"/>
+              </a:rPr>
+              <a:t>Define objectives (e.g., detecting hate speech, violence).</a:t>
+            </a:r>
+          </a:p>
+          <a:p>
+            <a:pPr marL="742950" lvl="1" indent="-285750" algn="l">
+              <a:buFont typeface="+mj-lt"/>
+              <a:buAutoNum type="arabicPeriod"/>
+            </a:pPr>
+            <a:r>
+              <a:rPr lang="en-IN" sz="1400" b="0" i="0" dirty="0">
+                <a:solidFill>
+                  <a:schemeClr val="tx1"/>
+                </a:solidFill>
+                <a:effectLst/>
+                <a:latin typeface="ui-sans-serif"/>
+              </a:rPr>
+              <a:t>Identify AI model needs and set ethical guidelines with stakeholders.</a:t>
+            </a:r>
+          </a:p>
+          <a:p>
+            <a:pPr algn="l">
+              <a:buFont typeface="+mj-lt"/>
+              <a:buAutoNum type="arabicPeriod"/>
+            </a:pPr>
+            <a:r>
+              <a:rPr lang="en-IN" sz="1600" b="1" i="0" dirty="0">
+                <a:solidFill>
+                  <a:schemeClr val="tx1"/>
+                </a:solidFill>
+                <a:effectLst/>
+                <a:latin typeface="ui-sans-serif"/>
+              </a:rPr>
+              <a:t>Data Collection</a:t>
+            </a:r>
+            <a:r>
+              <a:rPr lang="en-IN" sz="1600" b="0" i="0" dirty="0">
+                <a:solidFill>
+                  <a:schemeClr val="tx1"/>
+                </a:solidFill>
+                <a:effectLst/>
+                <a:latin typeface="ui-sans-serif"/>
+              </a:rPr>
+              <a:t>:</a:t>
+            </a:r>
+          </a:p>
+          <a:p>
+            <a:pPr marL="742950" lvl="1" indent="-285750" algn="l">
+              <a:buFont typeface="+mj-lt"/>
+              <a:buAutoNum type="arabicPeriod"/>
+            </a:pPr>
+            <a:r>
+              <a:rPr lang="en-IN" sz="1400" b="0" i="0" dirty="0">
+                <a:solidFill>
+                  <a:schemeClr val="tx1"/>
+                </a:solidFill>
+                <a:effectLst/>
+                <a:latin typeface="ui-sans-serif"/>
+              </a:rPr>
+              <a:t>Gather public datasets and anonymized user content.</a:t>
+            </a:r>
+          </a:p>
+          <a:p>
+            <a:pPr marL="742950" lvl="1" indent="-285750" algn="l">
+              <a:buFont typeface="+mj-lt"/>
+              <a:buAutoNum type="arabicPeriod"/>
+            </a:pPr>
+            <a:r>
+              <a:rPr lang="en-IN" sz="1400" b="0" i="0" dirty="0">
+                <a:solidFill>
+                  <a:schemeClr val="tx1"/>
+                </a:solidFill>
+                <a:effectLst/>
+                <a:latin typeface="ui-sans-serif"/>
+              </a:rPr>
+              <a:t>Categorize (text, images, videos, audio) and annotate using tools like Label box.</a:t>
+            </a:r>
+          </a:p>
+          <a:p>
+            <a:pPr algn="l">
+              <a:buFont typeface="+mj-lt"/>
+              <a:buAutoNum type="arabicPeriod"/>
+            </a:pPr>
+            <a:r>
+              <a:rPr lang="en-IN" sz="1600" b="1" i="0" dirty="0">
+                <a:solidFill>
+                  <a:schemeClr val="tx1"/>
+                </a:solidFill>
+                <a:effectLst/>
+                <a:latin typeface="ui-sans-serif"/>
+              </a:rPr>
+              <a:t>Preprocessing</a:t>
+            </a:r>
+            <a:r>
+              <a:rPr lang="en-IN" sz="1600" b="0" i="0" dirty="0">
+                <a:solidFill>
+                  <a:schemeClr val="tx1"/>
+                </a:solidFill>
+                <a:effectLst/>
+                <a:latin typeface="ui-sans-serif"/>
+              </a:rPr>
+              <a:t>:</a:t>
+            </a:r>
+          </a:p>
+          <a:p>
+            <a:pPr marL="742950" lvl="1" indent="-285750" algn="l">
+              <a:buFont typeface="+mj-lt"/>
+              <a:buAutoNum type="arabicPeriod"/>
+            </a:pPr>
+            <a:r>
+              <a:rPr lang="en-IN" sz="1400" b="0" i="0" dirty="0">
+                <a:solidFill>
+                  <a:schemeClr val="tx1"/>
+                </a:solidFill>
+                <a:effectLst/>
+                <a:latin typeface="ui-sans-serif"/>
+              </a:rPr>
+              <a:t>Clean, normalize, and split data (70% training, 20% validation, 10% testing).</a:t>
+            </a:r>
+          </a:p>
+          <a:p>
+            <a:pPr algn="l">
+              <a:buFont typeface="+mj-lt"/>
+              <a:buAutoNum type="arabicPeriod"/>
+            </a:pPr>
+            <a:r>
+              <a:rPr lang="en-IN" sz="1600" b="1" i="0" dirty="0">
+                <a:solidFill>
+                  <a:schemeClr val="tx1"/>
+                </a:solidFill>
+                <a:effectLst/>
+                <a:latin typeface="ui-sans-serif"/>
+              </a:rPr>
+              <a:t>Model Training</a:t>
+            </a:r>
+            <a:r>
+              <a:rPr lang="en-IN" sz="1600" b="0" i="0" dirty="0">
+                <a:solidFill>
+                  <a:schemeClr val="tx1"/>
+                </a:solidFill>
+                <a:effectLst/>
+                <a:latin typeface="ui-sans-serif"/>
+              </a:rPr>
+              <a:t>:</a:t>
+            </a:r>
+          </a:p>
+          <a:p>
+            <a:pPr lvl="1">
+              <a:buFont typeface="Arial" panose="020B0604020202020204" pitchFamily="34" charset="0"/>
+              <a:buChar char="•"/>
+            </a:pPr>
+            <a:r>
+              <a:rPr lang="en-IN" sz="1400" b="1" i="0" dirty="0">
+                <a:solidFill>
+                  <a:schemeClr val="tx1"/>
+                </a:solidFill>
+                <a:effectLst/>
+                <a:latin typeface="ui-sans-serif"/>
+              </a:rPr>
+              <a:t>Text Analysis</a:t>
+            </a:r>
+            <a:r>
+              <a:rPr lang="en-IN" sz="1400" b="0" i="0" dirty="0">
+                <a:solidFill>
+                  <a:schemeClr val="tx1"/>
+                </a:solidFill>
+                <a:effectLst/>
+                <a:latin typeface="ui-sans-serif"/>
+              </a:rPr>
+              <a:t>: Fine-tune </a:t>
+            </a:r>
+            <a:r>
+              <a:rPr lang="en-IN" sz="1400" b="0" i="0" dirty="0" err="1">
+                <a:solidFill>
+                  <a:schemeClr val="tx1"/>
+                </a:solidFill>
+                <a:effectLst/>
+                <a:latin typeface="ui-sans-serif"/>
+              </a:rPr>
+              <a:t>GPT</a:t>
+            </a:r>
+            <a:r>
+              <a:rPr lang="en-IN" sz="1400" b="0" i="0" dirty="0">
+                <a:solidFill>
+                  <a:schemeClr val="tx1"/>
+                </a:solidFill>
+                <a:effectLst/>
+                <a:latin typeface="ui-sans-serif"/>
+              </a:rPr>
+              <a:t>/BERT on </a:t>
+            </a:r>
+            <a:r>
+              <a:rPr lang="en-IN" sz="1400" b="0" i="0" dirty="0" err="1">
+                <a:solidFill>
+                  <a:schemeClr val="tx1"/>
+                </a:solidFill>
+                <a:effectLst/>
+                <a:latin typeface="ui-sans-serif"/>
+              </a:rPr>
+              <a:t>labeled</a:t>
+            </a:r>
+            <a:r>
+              <a:rPr lang="en-IN" sz="1400" b="0" i="0" dirty="0">
+                <a:solidFill>
+                  <a:schemeClr val="tx1"/>
+                </a:solidFill>
+                <a:effectLst/>
+                <a:latin typeface="ui-sans-serif"/>
+              </a:rPr>
+              <a:t> datasets for offensive language and misinformation detection.</a:t>
+            </a:r>
+          </a:p>
+          <a:p>
+            <a:pPr lvl="1">
+              <a:buFont typeface="Arial" panose="020B0604020202020204" pitchFamily="34" charset="0"/>
+              <a:buChar char="•"/>
+            </a:pPr>
+            <a:r>
+              <a:rPr lang="en-IN" sz="1400" b="1" i="0" dirty="0">
+                <a:solidFill>
+                  <a:schemeClr val="tx1"/>
+                </a:solidFill>
+                <a:effectLst/>
+                <a:latin typeface="ui-sans-serif"/>
+              </a:rPr>
+              <a:t>Image Analysis</a:t>
+            </a:r>
+            <a:r>
+              <a:rPr lang="en-IN" sz="1400" b="0" i="0" dirty="0">
+                <a:solidFill>
+                  <a:schemeClr val="tx1"/>
+                </a:solidFill>
+                <a:effectLst/>
+                <a:latin typeface="ui-sans-serif"/>
+              </a:rPr>
+              <a:t>: Fine-tune YOLO on custom image datasets for explicit content and violence detection.</a:t>
+            </a:r>
+          </a:p>
+          <a:p>
+            <a:pPr lvl="1">
+              <a:buFont typeface="Arial" panose="020B0604020202020204" pitchFamily="34" charset="0"/>
+              <a:buChar char="•"/>
+            </a:pPr>
+            <a:r>
+              <a:rPr lang="en-IN" sz="1400" b="1" i="0" dirty="0">
+                <a:solidFill>
+                  <a:schemeClr val="tx1"/>
+                </a:solidFill>
+                <a:effectLst/>
+                <a:latin typeface="ui-sans-serif"/>
+              </a:rPr>
+              <a:t>Audio Analysis</a:t>
+            </a:r>
+            <a:r>
+              <a:rPr lang="en-IN" sz="1400" b="0" i="0" dirty="0">
+                <a:solidFill>
+                  <a:schemeClr val="tx1"/>
+                </a:solidFill>
+                <a:effectLst/>
+                <a:latin typeface="ui-sans-serif"/>
+              </a:rPr>
+              <a:t>: Fine-tune Whisper with harmful speech and transcription datasets.</a:t>
+            </a:r>
+          </a:p>
+          <a:p>
+            <a:pPr lvl="1">
+              <a:buFont typeface="Arial" panose="020B0604020202020204" pitchFamily="34" charset="0"/>
+              <a:buChar char="•"/>
+            </a:pPr>
+            <a:r>
+              <a:rPr lang="en-IN" sz="1400" b="1" i="0" dirty="0">
+                <a:solidFill>
+                  <a:schemeClr val="tx1"/>
+                </a:solidFill>
+                <a:effectLst/>
+                <a:latin typeface="ui-sans-serif"/>
+              </a:rPr>
+              <a:t>Video Analysis</a:t>
+            </a:r>
+            <a:r>
+              <a:rPr lang="en-IN" sz="1400" b="0" i="0" dirty="0">
+                <a:solidFill>
+                  <a:schemeClr val="tx1"/>
+                </a:solidFill>
+                <a:effectLst/>
+                <a:latin typeface="ui-sans-serif"/>
+              </a:rPr>
+              <a:t>: Fine-tune 3D </a:t>
+            </a:r>
+            <a:r>
+              <a:rPr lang="en-IN" sz="1400" b="0" i="0" dirty="0" err="1">
+                <a:solidFill>
+                  <a:schemeClr val="tx1"/>
+                </a:solidFill>
+                <a:effectLst/>
+                <a:latin typeface="ui-sans-serif"/>
+              </a:rPr>
+              <a:t>CNNs</a:t>
+            </a:r>
+            <a:r>
+              <a:rPr lang="en-IN" sz="1400" b="0" i="0" dirty="0">
+                <a:solidFill>
+                  <a:schemeClr val="tx1"/>
+                </a:solidFill>
+                <a:effectLst/>
+                <a:latin typeface="ui-sans-serif"/>
+              </a:rPr>
+              <a:t> (I3D/C3D) using objectionable video sequences for frame-level detection.</a:t>
+            </a:r>
+          </a:p>
+          <a:p>
+            <a:pPr lvl="1">
+              <a:buFont typeface="Arial" panose="020B0604020202020204" pitchFamily="34" charset="0"/>
+              <a:buChar char="•"/>
+            </a:pPr>
+            <a:r>
+              <a:rPr lang="en-IN" sz="1400" b="0" i="0" dirty="0">
+                <a:solidFill>
+                  <a:schemeClr val="tx1"/>
+                </a:solidFill>
+                <a:effectLst/>
+                <a:latin typeface="ui-sans-serif"/>
+              </a:rPr>
+              <a:t>Train all models on </a:t>
+            </a:r>
+            <a:r>
+              <a:rPr lang="en-IN" sz="1400" b="1" i="0" dirty="0">
+                <a:solidFill>
+                  <a:schemeClr val="tx1"/>
+                </a:solidFill>
+                <a:effectLst/>
+                <a:latin typeface="ui-sans-serif"/>
+              </a:rPr>
+              <a:t>GPUs/TPUs</a:t>
+            </a:r>
+            <a:r>
+              <a:rPr lang="en-IN" sz="1400" b="0" i="0" dirty="0">
+                <a:solidFill>
+                  <a:schemeClr val="tx1"/>
+                </a:solidFill>
+                <a:effectLst/>
+                <a:latin typeface="ui-sans-serif"/>
+              </a:rPr>
+              <a:t> and validate with </a:t>
+            </a:r>
+            <a:r>
+              <a:rPr lang="en-IN" sz="1400" b="1" i="0" dirty="0">
+                <a:solidFill>
+                  <a:schemeClr val="tx1"/>
+                </a:solidFill>
+                <a:effectLst/>
+                <a:latin typeface="ui-sans-serif"/>
+              </a:rPr>
+              <a:t>F1-score</a:t>
+            </a:r>
+            <a:r>
+              <a:rPr lang="en-IN" sz="1400" b="0" i="0" dirty="0">
+                <a:solidFill>
+                  <a:schemeClr val="tx1"/>
+                </a:solidFill>
+                <a:effectLst/>
+                <a:latin typeface="ui-sans-serif"/>
+              </a:rPr>
+              <a:t>, </a:t>
+            </a:r>
+            <a:r>
+              <a:rPr lang="en-IN" sz="1400" b="1" i="0" dirty="0">
+                <a:solidFill>
+                  <a:schemeClr val="tx1"/>
+                </a:solidFill>
+                <a:effectLst/>
+                <a:latin typeface="ui-sans-serif"/>
+              </a:rPr>
+              <a:t>precision</a:t>
+            </a:r>
+            <a:r>
+              <a:rPr lang="en-IN" sz="1400" b="0" i="0" dirty="0">
+                <a:solidFill>
+                  <a:schemeClr val="tx1"/>
+                </a:solidFill>
+                <a:effectLst/>
+                <a:latin typeface="ui-sans-serif"/>
+              </a:rPr>
+              <a:t>, and </a:t>
+            </a:r>
+            <a:r>
+              <a:rPr lang="en-IN" sz="1400" b="1" i="0" dirty="0">
+                <a:solidFill>
+                  <a:schemeClr val="tx1"/>
+                </a:solidFill>
+                <a:effectLst/>
+                <a:latin typeface="ui-sans-serif"/>
+              </a:rPr>
+              <a:t>recall</a:t>
+            </a:r>
+            <a:r>
+              <a:rPr lang="en-IN" sz="1400" b="0" i="0" dirty="0">
+                <a:solidFill>
+                  <a:schemeClr val="tx1"/>
+                </a:solidFill>
+                <a:effectLst/>
+                <a:latin typeface="ui-sans-serif"/>
+              </a:rPr>
+              <a:t> metrics.</a:t>
+            </a:r>
+          </a:p>
+          <a:p>
+            <a:pPr algn="l">
+              <a:buFont typeface="+mj-lt"/>
+              <a:buAutoNum type="arabicPeriod"/>
+            </a:pPr>
+            <a:r>
+              <a:rPr lang="en-IN" sz="1600" b="1" i="0" dirty="0">
+                <a:solidFill>
+                  <a:schemeClr val="tx1"/>
+                </a:solidFill>
+                <a:effectLst/>
+                <a:latin typeface="ui-sans-serif"/>
+              </a:rPr>
+              <a:t>Deployment</a:t>
+            </a:r>
+            <a:r>
+              <a:rPr lang="en-IN" sz="1600" b="0" i="0" dirty="0">
+                <a:solidFill>
+                  <a:schemeClr val="tx1"/>
+                </a:solidFill>
+                <a:effectLst/>
+                <a:latin typeface="ui-sans-serif"/>
+              </a:rPr>
+              <a:t>:</a:t>
+            </a:r>
+          </a:p>
+          <a:p>
+            <a:pPr marL="742950" lvl="1" indent="-285750" algn="l">
+              <a:buFont typeface="+mj-lt"/>
+              <a:buAutoNum type="arabicPeriod"/>
+            </a:pPr>
+            <a:r>
+              <a:rPr lang="en-IN" sz="1400" b="0" i="0" dirty="0">
+                <a:solidFill>
+                  <a:schemeClr val="tx1"/>
+                </a:solidFill>
+                <a:effectLst/>
+                <a:latin typeface="ui-sans-serif"/>
+              </a:rPr>
+              <a:t>Deploy models using TensorFlow or </a:t>
+            </a:r>
+            <a:r>
+              <a:rPr lang="en-IN" sz="1400" b="0" i="0" dirty="0" err="1">
+                <a:solidFill>
+                  <a:schemeClr val="tx1"/>
+                </a:solidFill>
+                <a:effectLst/>
+                <a:latin typeface="ui-sans-serif"/>
+              </a:rPr>
+              <a:t>PyTorch</a:t>
+            </a:r>
+            <a:r>
+              <a:rPr lang="en-IN" sz="1400" b="0" i="0" dirty="0">
+                <a:solidFill>
+                  <a:schemeClr val="tx1"/>
+                </a:solidFill>
+                <a:effectLst/>
+                <a:latin typeface="ui-sans-serif"/>
+              </a:rPr>
+              <a:t> and scale with AWS/Kubernetes.</a:t>
+            </a:r>
+          </a:p>
+          <a:p>
+            <a:pPr algn="l">
+              <a:buFont typeface="+mj-lt"/>
+              <a:buAutoNum type="arabicPeriod"/>
+            </a:pPr>
+            <a:r>
+              <a:rPr lang="en-IN" sz="1600" b="1" i="0" dirty="0">
+                <a:solidFill>
+                  <a:schemeClr val="tx1"/>
+                </a:solidFill>
+                <a:effectLst/>
+                <a:latin typeface="ui-sans-serif"/>
+              </a:rPr>
+              <a:t>Continuous Improvement</a:t>
+            </a:r>
+            <a:r>
+              <a:rPr lang="en-IN" sz="1600" b="0" i="0" dirty="0">
+                <a:solidFill>
+                  <a:schemeClr val="tx1"/>
+                </a:solidFill>
+                <a:effectLst/>
+                <a:latin typeface="ui-sans-serif"/>
+              </a:rPr>
+              <a:t>:</a:t>
+            </a:r>
+          </a:p>
+          <a:p>
+            <a:pPr marL="742950" lvl="1" indent="-285750" algn="l">
+              <a:buFont typeface="+mj-lt"/>
+              <a:buAutoNum type="arabicPeriod"/>
+            </a:pPr>
+            <a:r>
+              <a:rPr lang="en-IN" sz="1400" b="0" i="0" dirty="0">
+                <a:solidFill>
+                  <a:schemeClr val="tx1"/>
+                </a:solidFill>
+                <a:effectLst/>
+                <a:latin typeface="ui-sans-serif"/>
+              </a:rPr>
+              <a:t>Retrain models using feedback and monitor performance for updates.</a:t>
+            </a:r>
+          </a:p>
+          <a:p>
+            <a:endParaRPr lang="en-IN" sz="1600" dirty="0">
+              <a:solidFill>
+                <a:schemeClr val="tx1"/>
+              </a:solidFill>
+            </a:endParaRPr>
           </a:p>
         </p:txBody>
       </p:sp>
     </p:spTree>
     <p:extLst>
       <p:ext uri="{BB962C8B-B14F-4D97-AF65-F5344CB8AC3E}">
-        <p14:creationId xmlns:p14="http://schemas.microsoft.com/office/powerpoint/2010/main" val="2288670748"/>
+        <p14:creationId xmlns:p14="http://schemas.microsoft.com/office/powerpoint/2010/main" val="1503041079"/>
       </p:ext>
     </p:extLst>
   </p:cSld>
@@ -29685,10 +32435,8 @@
           <a:lstStyle/>
           <a:p>
             <a:r>
-              <a:rPr lang="en-US" dirty="0">
-                <a:latin typeface="Calibri" panose="020F0502020204030204" pitchFamily="34" charset="0"/>
-              </a:rPr>
-              <a:t>Cost Estimate</a:t>
+              <a:rPr lang="en-US" dirty="0"/>
+              <a:t>Validation / Testing / Analysis</a:t>
             </a:r>
             <a:endParaRPr lang="en-IN" dirty="0"/>
           </a:p>
@@ -29712,17 +32460,324 @@
         </p:nvSpPr>
         <p:spPr/>
         <p:txBody>
-          <a:bodyPr/>
+          <a:bodyPr numCol="1">
+            <a:normAutofit/>
+          </a:bodyPr>
           <a:lstStyle/>
           <a:p>
-            <a:endParaRPr lang="en-IN"/>
+            <a:pPr algn="l">
+              <a:buFont typeface="+mj-lt"/>
+              <a:buAutoNum type="arabicPeriod"/>
+            </a:pPr>
+            <a:r>
+              <a:rPr lang="en-GB" b="1" i="0" dirty="0">
+                <a:solidFill>
+                  <a:schemeClr val="tx1"/>
+                </a:solidFill>
+                <a:effectLst/>
+                <a:latin typeface="ui-sans-serif"/>
+              </a:rPr>
+              <a:t>Validation</a:t>
+            </a:r>
+            <a:r>
+              <a:rPr lang="en-GB" b="0" i="0" dirty="0">
+                <a:solidFill>
+                  <a:schemeClr val="tx1"/>
+                </a:solidFill>
+                <a:effectLst/>
+                <a:latin typeface="ui-sans-serif"/>
+              </a:rPr>
+              <a:t>:</a:t>
+            </a:r>
+          </a:p>
+          <a:p>
+            <a:pPr marL="742950" lvl="1" indent="-285750" algn="l">
+              <a:buFont typeface="+mj-lt"/>
+              <a:buAutoNum type="arabicPeriod"/>
+            </a:pPr>
+            <a:r>
+              <a:rPr lang="en-GB" b="0" i="0" dirty="0">
+                <a:solidFill>
+                  <a:schemeClr val="tx1"/>
+                </a:solidFill>
+                <a:effectLst/>
+                <a:latin typeface="ui-sans-serif"/>
+              </a:rPr>
+              <a:t>Use metrics like Precision, Recall, F1-Score, and Accuracy.</a:t>
+            </a:r>
+          </a:p>
+          <a:p>
+            <a:pPr marL="742950" lvl="1" indent="-285750" algn="l">
+              <a:buFont typeface="+mj-lt"/>
+              <a:buAutoNum type="arabicPeriod"/>
+            </a:pPr>
+            <a:r>
+              <a:rPr lang="en-GB" b="0" i="0" dirty="0">
+                <a:solidFill>
+                  <a:schemeClr val="tx1"/>
+                </a:solidFill>
+                <a:effectLst/>
+                <a:latin typeface="ui-sans-serif"/>
+              </a:rPr>
+              <a:t>Validate models on 20% unseen data to ensure accuracy and reliability.</a:t>
+            </a:r>
+          </a:p>
+          <a:p>
+            <a:pPr algn="l">
+              <a:buFont typeface="+mj-lt"/>
+              <a:buAutoNum type="arabicPeriod"/>
+            </a:pPr>
+            <a:r>
+              <a:rPr lang="en-GB" b="1" i="0" dirty="0">
+                <a:solidFill>
+                  <a:schemeClr val="tx1"/>
+                </a:solidFill>
+                <a:effectLst/>
+                <a:latin typeface="ui-sans-serif"/>
+              </a:rPr>
+              <a:t>Testing</a:t>
+            </a:r>
+            <a:r>
+              <a:rPr lang="en-GB" b="0" i="0" dirty="0">
+                <a:solidFill>
+                  <a:schemeClr val="tx1"/>
+                </a:solidFill>
+                <a:effectLst/>
+                <a:latin typeface="ui-sans-serif"/>
+              </a:rPr>
+              <a:t>:</a:t>
+            </a:r>
+          </a:p>
+          <a:p>
+            <a:pPr marL="742950" lvl="1" indent="-285750" algn="l">
+              <a:buFont typeface="+mj-lt"/>
+              <a:buAutoNum type="arabicPeriod"/>
+            </a:pPr>
+            <a:r>
+              <a:rPr lang="en-GB" b="1" i="0" dirty="0">
+                <a:solidFill>
+                  <a:schemeClr val="tx1"/>
+                </a:solidFill>
+                <a:effectLst/>
+                <a:latin typeface="ui-sans-serif"/>
+              </a:rPr>
+              <a:t>Unit Testing</a:t>
+            </a:r>
+            <a:r>
+              <a:rPr lang="en-GB" b="0" i="0" dirty="0">
+                <a:solidFill>
+                  <a:schemeClr val="tx1"/>
+                </a:solidFill>
+                <a:effectLst/>
+                <a:latin typeface="ui-sans-serif"/>
+              </a:rPr>
+              <a:t>: Test individual components (e.g., text, image, audio, video models).</a:t>
+            </a:r>
+          </a:p>
+          <a:p>
+            <a:pPr marL="742950" lvl="1" indent="-285750" algn="l">
+              <a:buFont typeface="+mj-lt"/>
+              <a:buAutoNum type="arabicPeriod"/>
+            </a:pPr>
+            <a:r>
+              <a:rPr lang="en-GB" b="1" i="0" dirty="0">
+                <a:solidFill>
+                  <a:schemeClr val="tx1"/>
+                </a:solidFill>
+                <a:effectLst/>
+                <a:latin typeface="ui-sans-serif"/>
+              </a:rPr>
+              <a:t>Integration Testing</a:t>
+            </a:r>
+            <a:r>
+              <a:rPr lang="en-GB" b="0" i="0" dirty="0">
+                <a:solidFill>
+                  <a:schemeClr val="tx1"/>
+                </a:solidFill>
+                <a:effectLst/>
+                <a:latin typeface="ui-sans-serif"/>
+              </a:rPr>
+              <a:t>: Verify interaction between AI models and APIs.</a:t>
+            </a:r>
+          </a:p>
+          <a:p>
+            <a:pPr marL="742950" lvl="1" indent="-285750" algn="l">
+              <a:buFont typeface="+mj-lt"/>
+              <a:buAutoNum type="arabicPeriod"/>
+            </a:pPr>
+            <a:r>
+              <a:rPr lang="en-GB" b="1" i="0" dirty="0">
+                <a:solidFill>
+                  <a:schemeClr val="tx1"/>
+                </a:solidFill>
+                <a:effectLst/>
+                <a:latin typeface="ui-sans-serif"/>
+              </a:rPr>
+              <a:t>System Testing</a:t>
+            </a:r>
+            <a:r>
+              <a:rPr lang="en-GB" b="0" i="0" dirty="0">
+                <a:solidFill>
+                  <a:schemeClr val="tx1"/>
+                </a:solidFill>
+                <a:effectLst/>
+                <a:latin typeface="ui-sans-serif"/>
+              </a:rPr>
+              <a:t>: Check the full moderation workflow from upload to decision-making.</a:t>
+            </a:r>
+          </a:p>
+          <a:p>
+            <a:pPr marL="742950" lvl="1" indent="-285750" algn="l">
+              <a:buFont typeface="+mj-lt"/>
+              <a:buAutoNum type="arabicPeriod"/>
+            </a:pPr>
+            <a:r>
+              <a:rPr lang="en-GB" b="1" i="0" dirty="0">
+                <a:solidFill>
+                  <a:schemeClr val="tx1"/>
+                </a:solidFill>
+                <a:effectLst/>
+                <a:latin typeface="ui-sans-serif"/>
+              </a:rPr>
+              <a:t>Stress Testing</a:t>
+            </a:r>
+            <a:r>
+              <a:rPr lang="en-GB" b="0" i="0" dirty="0">
+                <a:solidFill>
+                  <a:schemeClr val="tx1"/>
+                </a:solidFill>
+                <a:effectLst/>
+                <a:latin typeface="ui-sans-serif"/>
+              </a:rPr>
+              <a:t>: Simulate high upload volumes to evaluate scalability.</a:t>
+            </a:r>
+          </a:p>
+          <a:p>
+            <a:pPr marL="742950" lvl="1" indent="-285750" algn="l">
+              <a:buFont typeface="+mj-lt"/>
+              <a:buAutoNum type="arabicPeriod"/>
+            </a:pPr>
+            <a:r>
+              <a:rPr lang="en-GB" b="1" i="0" dirty="0">
+                <a:solidFill>
+                  <a:schemeClr val="tx1"/>
+                </a:solidFill>
+                <a:effectLst/>
+                <a:latin typeface="ui-sans-serif"/>
+              </a:rPr>
+              <a:t>Edge Case Testing</a:t>
+            </a:r>
+            <a:r>
+              <a:rPr lang="en-GB" b="0" i="0" dirty="0">
+                <a:solidFill>
+                  <a:schemeClr val="tx1"/>
+                </a:solidFill>
+                <a:effectLst/>
+                <a:latin typeface="ui-sans-serif"/>
+              </a:rPr>
+              <a:t>: Test ambiguous or borderline content for robustness.</a:t>
+            </a:r>
+          </a:p>
+          <a:p>
+            <a:pPr algn="l">
+              <a:buFont typeface="+mj-lt"/>
+              <a:buAutoNum type="arabicPeriod"/>
+            </a:pPr>
+            <a:r>
+              <a:rPr lang="en-GB" b="1" i="0" dirty="0">
+                <a:solidFill>
+                  <a:schemeClr val="tx1"/>
+                </a:solidFill>
+                <a:effectLst/>
+                <a:latin typeface="ui-sans-serif"/>
+              </a:rPr>
+              <a:t>Analysis</a:t>
+            </a:r>
+            <a:r>
+              <a:rPr lang="en-GB" b="0" i="0" dirty="0">
+                <a:solidFill>
+                  <a:schemeClr val="tx1"/>
+                </a:solidFill>
+                <a:effectLst/>
+                <a:latin typeface="ui-sans-serif"/>
+              </a:rPr>
+              <a:t>:</a:t>
+            </a:r>
+          </a:p>
+          <a:p>
+            <a:pPr marL="742950" lvl="1" indent="-285750" algn="l">
+              <a:buFont typeface="+mj-lt"/>
+              <a:buAutoNum type="arabicPeriod"/>
+            </a:pPr>
+            <a:r>
+              <a:rPr lang="en-GB" b="0" i="0" dirty="0">
+                <a:solidFill>
+                  <a:schemeClr val="tx1"/>
+                </a:solidFill>
+                <a:effectLst/>
+                <a:latin typeface="ui-sans-serif"/>
+              </a:rPr>
+              <a:t>Review False Positives/Negatives and refine thresholds.</a:t>
+            </a:r>
+          </a:p>
+          <a:p>
+            <a:pPr marL="742950" lvl="1" indent="-285750" algn="l">
+              <a:buFont typeface="+mj-lt"/>
+              <a:buAutoNum type="arabicPeriod"/>
+            </a:pPr>
+            <a:r>
+              <a:rPr lang="en-GB" b="0" i="0" dirty="0">
+                <a:solidFill>
+                  <a:schemeClr val="tx1"/>
+                </a:solidFill>
+                <a:effectLst/>
+                <a:latin typeface="ui-sans-serif"/>
+              </a:rPr>
+              <a:t>Incorporate flagged content for retraining models.</a:t>
+            </a:r>
+          </a:p>
+          <a:p>
+            <a:pPr marL="742950" lvl="1" indent="-285750" algn="l">
+              <a:buFont typeface="+mj-lt"/>
+              <a:buAutoNum type="arabicPeriod"/>
+            </a:pPr>
+            <a:r>
+              <a:rPr lang="en-GB" b="0" i="0" dirty="0">
+                <a:solidFill>
+                  <a:schemeClr val="tx1"/>
+                </a:solidFill>
+                <a:effectLst/>
+                <a:latin typeface="ui-sans-serif"/>
+              </a:rPr>
+              <a:t>Monitor and </a:t>
+            </a:r>
+            <a:r>
+              <a:rPr lang="en-GB" b="0" i="0" dirty="0" err="1">
+                <a:solidFill>
+                  <a:schemeClr val="tx1"/>
+                </a:solidFill>
+                <a:effectLst/>
+                <a:latin typeface="ui-sans-serif"/>
+              </a:rPr>
+              <a:t>analyze</a:t>
+            </a:r>
+            <a:r>
+              <a:rPr lang="en-GB" b="0" i="0" dirty="0">
+                <a:solidFill>
+                  <a:schemeClr val="tx1"/>
+                </a:solidFill>
+                <a:effectLst/>
+                <a:latin typeface="ui-sans-serif"/>
+              </a:rPr>
+              <a:t> performance trends to enhance future iterations.</a:t>
+            </a:r>
           </a:p>
         </p:txBody>
       </p:sp>
     </p:spTree>
     <p:extLst>
       <p:ext uri="{BB962C8B-B14F-4D97-AF65-F5344CB8AC3E}">
-        <p14:creationId xmlns:p14="http://schemas.microsoft.com/office/powerpoint/2010/main" val="3120119541"/>
+        <p14:creationId xmlns:p14="http://schemas.microsoft.com/office/powerpoint/2010/main" val="2288670748"/>
       </p:ext>
     </p:extLst>
   </p:cSld>
@@ -29774,41 +32829,835 @@
               <a:rPr lang="en-US" dirty="0">
                 <a:latin typeface="Calibri" panose="020F0502020204030204" pitchFamily="34" charset="0"/>
               </a:rPr>
-              <a:t>Assumptions</a:t>
+              <a:t>Cost Estimate</a:t>
             </a:r>
             <a:endParaRPr lang="en-IN" dirty="0"/>
           </a:p>
         </p:txBody>
       </p:sp>
-      <p:sp>
-        <p:nvSpPr>
-          <p:cNvPr id="3" name="Content Placeholder 2">
+      <p:graphicFrame>
+        <p:nvGraphicFramePr>
+          <p:cNvPr id="4" name="Content Placeholder 3">
             <a:extLst>
               <a:ext uri="{FF2B5EF4-FFF2-40B4-BE49-F238E27FC236}">
-                <a16:creationId xmlns:a16="http://schemas.microsoft.com/office/drawing/2014/main" id="{E9BCFC67-F5AA-8E05-39EC-73CBF3865066}"/>
+                <a16:creationId xmlns:a16="http://schemas.microsoft.com/office/drawing/2014/main" id="{5E1C346C-8D1F-1452-8CEA-930ADEC80C28}"/>
               </a:ext>
             </a:extLst>
           </p:cNvPr>
-          <p:cNvSpPr>
-            <a:spLocks noGrp="1"/>
-          </p:cNvSpPr>
+          <p:cNvGraphicFramePr>
+            <a:graphicFrameLocks noGrp="1"/>
+          </p:cNvGraphicFramePr>
           <p:nvPr>
             <p:ph idx="1"/>
+            <p:extLst>
+              <p:ext uri="{D42A27DB-BD31-4B8C-83A1-F6EECF244321}">
+                <p14:modId xmlns:p14="http://schemas.microsoft.com/office/powerpoint/2010/main" val="3982113112"/>
+              </p:ext>
+            </p:extLst>
           </p:nvPr>
-        </p:nvSpPr>
-        <p:spPr/>
-        <p:txBody>
-          <a:bodyPr/>
-          <a:lstStyle/>
-          <a:p>
-            <a:endParaRPr lang="en-IN"/>
-          </a:p>
-        </p:txBody>
-      </p:sp>
+        </p:nvGraphicFramePr>
+        <p:xfrm>
+          <a:off x="510540" y="1002624"/>
+          <a:ext cx="7703820" cy="4013339"/>
+        </p:xfrm>
+        <a:graphic>
+          <a:graphicData uri="http://schemas.openxmlformats.org/drawingml/2006/table">
+            <a:tbl>
+              <a:tblPr>
+                <a:tableStyleId>{5940675A-B579-460E-94D1-54222C63F5DA}</a:tableStyleId>
+              </a:tblPr>
+              <a:tblGrid>
+                <a:gridCol w="2567940">
+                  <a:extLst>
+                    <a:ext uri="{9D8B030D-6E8A-4147-A177-3AD203B41FA5}">
+                      <a16:colId xmlns:a16="http://schemas.microsoft.com/office/drawing/2014/main" val="3737103544"/>
+                    </a:ext>
+                  </a:extLst>
+                </a:gridCol>
+                <a:gridCol w="2567940">
+                  <a:extLst>
+                    <a:ext uri="{9D8B030D-6E8A-4147-A177-3AD203B41FA5}">
+                      <a16:colId xmlns:a16="http://schemas.microsoft.com/office/drawing/2014/main" val="3150753863"/>
+                    </a:ext>
+                  </a:extLst>
+                </a:gridCol>
+                <a:gridCol w="2567940">
+                  <a:extLst>
+                    <a:ext uri="{9D8B030D-6E8A-4147-A177-3AD203B41FA5}">
+                      <a16:colId xmlns:a16="http://schemas.microsoft.com/office/drawing/2014/main" val="2305210383"/>
+                    </a:ext>
+                  </a:extLst>
+                </a:gridCol>
+              </a:tblGrid>
+              <a:tr h="204516">
+                <a:tc>
+                  <a:txBody>
+                    <a:bodyPr/>
+                    <a:lstStyle/>
+                    <a:p>
+                      <a:pPr fontAlgn="b"/>
+                      <a:r>
+                        <a:rPr lang="en-IN" sz="1100" b="1">
+                          <a:effectLst/>
+                        </a:rPr>
+                        <a:t>Category</a:t>
+                      </a:r>
+                    </a:p>
+                  </a:txBody>
+                  <a:tcPr marL="47985" marR="47985" marT="23993" marB="23993" anchor="b"/>
+                </a:tc>
+                <a:tc>
+                  <a:txBody>
+                    <a:bodyPr/>
+                    <a:lstStyle/>
+                    <a:p>
+                      <a:pPr fontAlgn="b"/>
+                      <a:r>
+                        <a:rPr lang="en-IN" sz="1100" b="1">
+                          <a:effectLst/>
+                        </a:rPr>
+                        <a:t>Task</a:t>
+                      </a:r>
+                    </a:p>
+                  </a:txBody>
+                  <a:tcPr marL="47985" marR="47985" marT="23993" marB="23993" anchor="b"/>
+                </a:tc>
+                <a:tc>
+                  <a:txBody>
+                    <a:bodyPr/>
+                    <a:lstStyle/>
+                    <a:p>
+                      <a:pPr fontAlgn="b"/>
+                      <a:r>
+                        <a:rPr lang="en-IN" sz="1100" b="1">
+                          <a:effectLst/>
+                        </a:rPr>
+                        <a:t>Optimized Cost</a:t>
+                      </a:r>
+                    </a:p>
+                  </a:txBody>
+                  <a:tcPr marL="47985" marR="47985" marT="23993" marB="23993" anchor="b"/>
+                </a:tc>
+                <a:extLst>
+                  <a:ext uri="{0D108BD9-81ED-4DB2-BD59-A6C34878D82A}">
+                    <a16:rowId xmlns:a16="http://schemas.microsoft.com/office/drawing/2014/main" val="941654105"/>
+                  </a:ext>
+                </a:extLst>
+              </a:tr>
+              <a:tr h="257905">
+                <a:tc>
+                  <a:txBody>
+                    <a:bodyPr/>
+                    <a:lstStyle/>
+                    <a:p>
+                      <a:pPr fontAlgn="base"/>
+                      <a:r>
+                        <a:rPr lang="en-IN" sz="1100" b="1">
+                          <a:effectLst/>
+                        </a:rPr>
+                        <a:t>Development Costs</a:t>
+                      </a:r>
+                      <a:endParaRPr lang="en-IN" sz="1100">
+                        <a:effectLst/>
+                      </a:endParaRPr>
+                    </a:p>
+                  </a:txBody>
+                  <a:tcPr marL="47985" marR="47985" marT="23993" marB="23993" anchor="ctr"/>
+                </a:tc>
+                <a:tc>
+                  <a:txBody>
+                    <a:bodyPr/>
+                    <a:lstStyle/>
+                    <a:p>
+                      <a:pPr fontAlgn="base"/>
+                      <a:r>
+                        <a:rPr lang="en-IN" sz="1100">
+                          <a:effectLst/>
+                        </a:rPr>
+                        <a:t>Data Collection &amp; Annotation</a:t>
+                      </a:r>
+                    </a:p>
+                  </a:txBody>
+                  <a:tcPr marL="47985" marR="47985" marT="23993" marB="23993" anchor="ctr"/>
+                </a:tc>
+                <a:tc>
+                  <a:txBody>
+                    <a:bodyPr/>
+                    <a:lstStyle/>
+                    <a:p>
+                      <a:pPr fontAlgn="base"/>
+                      <a:r>
+                        <a:rPr lang="en-GB" sz="1100" dirty="0">
+                          <a:effectLst/>
+                        </a:rPr>
+                        <a:t>$2,000 - $5,000 (use open datasets)</a:t>
+                      </a:r>
+                    </a:p>
+                  </a:txBody>
+                  <a:tcPr marL="47985" marR="47985" marT="23993" marB="23993" anchor="ctr"/>
+                </a:tc>
+                <a:extLst>
+                  <a:ext uri="{0D108BD9-81ED-4DB2-BD59-A6C34878D82A}">
+                    <a16:rowId xmlns:a16="http://schemas.microsoft.com/office/drawing/2014/main" val="1784563593"/>
+                  </a:ext>
+                </a:extLst>
+              </a:tr>
+              <a:tr h="364101">
+                <a:tc>
+                  <a:txBody>
+                    <a:bodyPr/>
+                    <a:lstStyle/>
+                    <a:p>
+                      <a:pPr fontAlgn="base"/>
+                      <a:endParaRPr lang="en-IN" sz="1100">
+                        <a:effectLst/>
+                      </a:endParaRPr>
+                    </a:p>
+                  </a:txBody>
+                  <a:tcPr marL="47985" marR="47985" marT="23993" marB="23993" anchor="ctr"/>
+                </a:tc>
+                <a:tc>
+                  <a:txBody>
+                    <a:bodyPr/>
+                    <a:lstStyle/>
+                    <a:p>
+                      <a:pPr fontAlgn="base"/>
+                      <a:r>
+                        <a:rPr lang="en-IN" sz="1100">
+                          <a:effectLst/>
+                        </a:rPr>
+                        <a:t>Annotation Tools/Services</a:t>
+                      </a:r>
+                    </a:p>
+                  </a:txBody>
+                  <a:tcPr marL="47985" marR="47985" marT="23993" marB="23993" anchor="ctr"/>
+                </a:tc>
+                <a:tc>
+                  <a:txBody>
+                    <a:bodyPr/>
+                    <a:lstStyle/>
+                    <a:p>
+                      <a:pPr fontAlgn="base"/>
+                      <a:r>
+                        <a:rPr lang="en-IN" sz="1100">
+                          <a:effectLst/>
+                        </a:rPr>
+                        <a:t>$3,000 - $5,000 (crowdsourced platforms)</a:t>
+                      </a:r>
+                    </a:p>
+                  </a:txBody>
+                  <a:tcPr marL="47985" marR="47985" marT="23993" marB="23993" anchor="ctr"/>
+                </a:tc>
+                <a:extLst>
+                  <a:ext uri="{0D108BD9-81ED-4DB2-BD59-A6C34878D82A}">
+                    <a16:rowId xmlns:a16="http://schemas.microsoft.com/office/drawing/2014/main" val="2112538898"/>
+                  </a:ext>
+                </a:extLst>
+              </a:tr>
+              <a:tr h="470298">
+                <a:tc>
+                  <a:txBody>
+                    <a:bodyPr/>
+                    <a:lstStyle/>
+                    <a:p>
+                      <a:pPr fontAlgn="base"/>
+                      <a:endParaRPr lang="en-IN" sz="1100">
+                        <a:effectLst/>
+                      </a:endParaRPr>
+                    </a:p>
+                  </a:txBody>
+                  <a:tcPr marL="47985" marR="47985" marT="23993" marB="23993" anchor="ctr"/>
+                </a:tc>
+                <a:tc>
+                  <a:txBody>
+                    <a:bodyPr/>
+                    <a:lstStyle/>
+                    <a:p>
+                      <a:pPr fontAlgn="base"/>
+                      <a:r>
+                        <a:rPr lang="en-IN" sz="1100">
+                          <a:effectLst/>
+                        </a:rPr>
+                        <a:t>Training Infrastructure</a:t>
+                      </a:r>
+                    </a:p>
+                  </a:txBody>
+                  <a:tcPr marL="47985" marR="47985" marT="23993" marB="23993" anchor="ctr"/>
+                </a:tc>
+                <a:tc>
+                  <a:txBody>
+                    <a:bodyPr/>
+                    <a:lstStyle/>
+                    <a:p>
+                      <a:pPr fontAlgn="base"/>
+                      <a:r>
+                        <a:rPr lang="en-GB" sz="1100">
+                          <a:effectLst/>
+                        </a:rPr>
+                        <a:t>$1,000 - $3,000/month (use Google Colab Pro or shared GPUs)</a:t>
+                      </a:r>
+                    </a:p>
+                  </a:txBody>
+                  <a:tcPr marL="47985" marR="47985" marT="23993" marB="23993" anchor="ctr"/>
+                </a:tc>
+                <a:extLst>
+                  <a:ext uri="{0D108BD9-81ED-4DB2-BD59-A6C34878D82A}">
+                    <a16:rowId xmlns:a16="http://schemas.microsoft.com/office/drawing/2014/main" val="3061574799"/>
+                  </a:ext>
+                </a:extLst>
+              </a:tr>
+              <a:tr h="364101">
+                <a:tc>
+                  <a:txBody>
+                    <a:bodyPr/>
+                    <a:lstStyle/>
+                    <a:p>
+                      <a:pPr fontAlgn="base"/>
+                      <a:endParaRPr lang="en-IN" sz="1100">
+                        <a:effectLst/>
+                      </a:endParaRPr>
+                    </a:p>
+                  </a:txBody>
+                  <a:tcPr marL="47985" marR="47985" marT="23993" marB="23993" anchor="ctr"/>
+                </a:tc>
+                <a:tc>
+                  <a:txBody>
+                    <a:bodyPr/>
+                    <a:lstStyle/>
+                    <a:p>
+                      <a:pPr fontAlgn="base"/>
+                      <a:r>
+                        <a:rPr lang="en-IN" sz="1100">
+                          <a:effectLst/>
+                        </a:rPr>
+                        <a:t>Fine-Tuning Models</a:t>
+                      </a:r>
+                    </a:p>
+                  </a:txBody>
+                  <a:tcPr marL="47985" marR="47985" marT="23993" marB="23993" anchor="ctr"/>
+                </a:tc>
+                <a:tc>
+                  <a:txBody>
+                    <a:bodyPr/>
+                    <a:lstStyle/>
+                    <a:p>
+                      <a:pPr fontAlgn="base"/>
+                      <a:r>
+                        <a:rPr lang="it-IT" sz="1100">
+                          <a:effectLst/>
+                        </a:rPr>
+                        <a:t>$3,000 - $5,000 (per model, optimize data usage)</a:t>
+                      </a:r>
+                    </a:p>
+                  </a:txBody>
+                  <a:tcPr marL="47985" marR="47985" marT="23993" marB="23993" anchor="ctr"/>
+                </a:tc>
+                <a:extLst>
+                  <a:ext uri="{0D108BD9-81ED-4DB2-BD59-A6C34878D82A}">
+                    <a16:rowId xmlns:a16="http://schemas.microsoft.com/office/drawing/2014/main" val="2821909465"/>
+                  </a:ext>
+                </a:extLst>
+              </a:tr>
+              <a:tr h="257905">
+                <a:tc>
+                  <a:txBody>
+                    <a:bodyPr/>
+                    <a:lstStyle/>
+                    <a:p>
+                      <a:pPr fontAlgn="base"/>
+                      <a:endParaRPr lang="en-IN" sz="1100">
+                        <a:effectLst/>
+                      </a:endParaRPr>
+                    </a:p>
+                  </a:txBody>
+                  <a:tcPr marL="47985" marR="47985" marT="23993" marB="23993" anchor="ctr"/>
+                </a:tc>
+                <a:tc>
+                  <a:txBody>
+                    <a:bodyPr/>
+                    <a:lstStyle/>
+                    <a:p>
+                      <a:pPr fontAlgn="base"/>
+                      <a:r>
+                        <a:rPr lang="en-IN" sz="1100">
+                          <a:effectLst/>
+                        </a:rPr>
+                        <a:t>API and System Integration</a:t>
+                      </a:r>
+                    </a:p>
+                  </a:txBody>
+                  <a:tcPr marL="47985" marR="47985" marT="23993" marB="23993" anchor="ctr"/>
+                </a:tc>
+                <a:tc>
+                  <a:txBody>
+                    <a:bodyPr/>
+                    <a:lstStyle/>
+                    <a:p>
+                      <a:pPr fontAlgn="base"/>
+                      <a:r>
+                        <a:rPr lang="en-IN" sz="1100" dirty="0">
+                          <a:effectLst/>
+                        </a:rPr>
+                        <a:t>$3,000 - $5,000</a:t>
+                      </a:r>
+                    </a:p>
+                  </a:txBody>
+                  <a:tcPr marL="47985" marR="47985" marT="23993" marB="23993" anchor="ctr"/>
+                </a:tc>
+                <a:extLst>
+                  <a:ext uri="{0D108BD9-81ED-4DB2-BD59-A6C34878D82A}">
+                    <a16:rowId xmlns:a16="http://schemas.microsoft.com/office/drawing/2014/main" val="3089455579"/>
+                  </a:ext>
+                </a:extLst>
+              </a:tr>
+              <a:tr h="204516">
+                <a:tc>
+                  <a:txBody>
+                    <a:bodyPr/>
+                    <a:lstStyle/>
+                    <a:p>
+                      <a:pPr fontAlgn="base"/>
+                      <a:endParaRPr lang="en-IN" sz="1100">
+                        <a:effectLst/>
+                      </a:endParaRPr>
+                    </a:p>
+                  </a:txBody>
+                  <a:tcPr marL="47985" marR="47985" marT="23993" marB="23993" anchor="ctr"/>
+                </a:tc>
+                <a:tc>
+                  <a:txBody>
+                    <a:bodyPr/>
+                    <a:lstStyle/>
+                    <a:p>
+                      <a:pPr fontAlgn="base"/>
+                      <a:r>
+                        <a:rPr lang="en-IN" sz="1100">
+                          <a:effectLst/>
+                        </a:rPr>
+                        <a:t>Validation and Testing</a:t>
+                      </a:r>
+                    </a:p>
+                  </a:txBody>
+                  <a:tcPr marL="47985" marR="47985" marT="23993" marB="23993" anchor="ctr"/>
+                </a:tc>
+                <a:tc>
+                  <a:txBody>
+                    <a:bodyPr/>
+                    <a:lstStyle/>
+                    <a:p>
+                      <a:pPr fontAlgn="base"/>
+                      <a:r>
+                        <a:rPr lang="en-IN" sz="1100">
+                          <a:effectLst/>
+                        </a:rPr>
+                        <a:t>$2,000 - $3,000</a:t>
+                      </a:r>
+                    </a:p>
+                  </a:txBody>
+                  <a:tcPr marL="47985" marR="47985" marT="23993" marB="23993" anchor="ctr"/>
+                </a:tc>
+                <a:extLst>
+                  <a:ext uri="{0D108BD9-81ED-4DB2-BD59-A6C34878D82A}">
+                    <a16:rowId xmlns:a16="http://schemas.microsoft.com/office/drawing/2014/main" val="1664916793"/>
+                  </a:ext>
+                </a:extLst>
+              </a:tr>
+              <a:tr h="470298">
+                <a:tc>
+                  <a:txBody>
+                    <a:bodyPr/>
+                    <a:lstStyle/>
+                    <a:p>
+                      <a:pPr fontAlgn="base"/>
+                      <a:r>
+                        <a:rPr lang="en-IN" sz="1100" b="1">
+                          <a:effectLst/>
+                        </a:rPr>
+                        <a:t>Deployment Costs</a:t>
+                      </a:r>
+                      <a:endParaRPr lang="en-IN" sz="1100">
+                        <a:effectLst/>
+                      </a:endParaRPr>
+                    </a:p>
+                  </a:txBody>
+                  <a:tcPr marL="47985" marR="47985" marT="23993" marB="23993" anchor="ctr"/>
+                </a:tc>
+                <a:tc>
+                  <a:txBody>
+                    <a:bodyPr/>
+                    <a:lstStyle/>
+                    <a:p>
+                      <a:pPr fontAlgn="base"/>
+                      <a:r>
+                        <a:rPr lang="en-IN" sz="1100">
+                          <a:effectLst/>
+                        </a:rPr>
+                        <a:t>Model Deployment (Cloud)</a:t>
+                      </a:r>
+                    </a:p>
+                  </a:txBody>
+                  <a:tcPr marL="47985" marR="47985" marT="23993" marB="23993" anchor="ctr"/>
+                </a:tc>
+                <a:tc>
+                  <a:txBody>
+                    <a:bodyPr/>
+                    <a:lstStyle/>
+                    <a:p>
+                      <a:pPr fontAlgn="base"/>
+                      <a:r>
+                        <a:rPr lang="en-GB" sz="1100">
+                          <a:effectLst/>
+                        </a:rPr>
+                        <a:t>$1,000 - $2,000/month (use serverless architecture)</a:t>
+                      </a:r>
+                    </a:p>
+                  </a:txBody>
+                  <a:tcPr marL="47985" marR="47985" marT="23993" marB="23993" anchor="ctr"/>
+                </a:tc>
+                <a:extLst>
+                  <a:ext uri="{0D108BD9-81ED-4DB2-BD59-A6C34878D82A}">
+                    <a16:rowId xmlns:a16="http://schemas.microsoft.com/office/drawing/2014/main" val="1222008290"/>
+                  </a:ext>
+                </a:extLst>
+              </a:tr>
+              <a:tr h="204516">
+                <a:tc>
+                  <a:txBody>
+                    <a:bodyPr/>
+                    <a:lstStyle/>
+                    <a:p>
+                      <a:pPr fontAlgn="base"/>
+                      <a:endParaRPr lang="en-IN" sz="1100">
+                        <a:effectLst/>
+                      </a:endParaRPr>
+                    </a:p>
+                  </a:txBody>
+                  <a:tcPr marL="47985" marR="47985" marT="23993" marB="23993" anchor="ctr"/>
+                </a:tc>
+                <a:tc>
+                  <a:txBody>
+                    <a:bodyPr/>
+                    <a:lstStyle/>
+                    <a:p>
+                      <a:pPr fontAlgn="base"/>
+                      <a:r>
+                        <a:rPr lang="en-IN" sz="1100">
+                          <a:effectLst/>
+                        </a:rPr>
+                        <a:t>Data/Model Storage</a:t>
+                      </a:r>
+                    </a:p>
+                  </a:txBody>
+                  <a:tcPr marL="47985" marR="47985" marT="23993" marB="23993" anchor="ctr"/>
+                </a:tc>
+                <a:tc>
+                  <a:txBody>
+                    <a:bodyPr/>
+                    <a:lstStyle/>
+                    <a:p>
+                      <a:pPr fontAlgn="base"/>
+                      <a:r>
+                        <a:rPr lang="en-IN" sz="1100">
+                          <a:effectLst/>
+                        </a:rPr>
+                        <a:t>$300 - $500/month</a:t>
+                      </a:r>
+                    </a:p>
+                  </a:txBody>
+                  <a:tcPr marL="47985" marR="47985" marT="23993" marB="23993" anchor="ctr"/>
+                </a:tc>
+                <a:extLst>
+                  <a:ext uri="{0D108BD9-81ED-4DB2-BD59-A6C34878D82A}">
+                    <a16:rowId xmlns:a16="http://schemas.microsoft.com/office/drawing/2014/main" val="1328640930"/>
+                  </a:ext>
+                </a:extLst>
+              </a:tr>
+              <a:tr h="204516">
+                <a:tc>
+                  <a:txBody>
+                    <a:bodyPr/>
+                    <a:lstStyle/>
+                    <a:p>
+                      <a:pPr fontAlgn="base"/>
+                      <a:endParaRPr lang="en-IN" sz="1100">
+                        <a:effectLst/>
+                      </a:endParaRPr>
+                    </a:p>
+                  </a:txBody>
+                  <a:tcPr marL="47985" marR="47985" marT="23993" marB="23993" anchor="ctr"/>
+                </a:tc>
+                <a:tc>
+                  <a:txBody>
+                    <a:bodyPr/>
+                    <a:lstStyle/>
+                    <a:p>
+                      <a:pPr fontAlgn="base"/>
+                      <a:r>
+                        <a:rPr lang="en-IN" sz="1100">
+                          <a:effectLst/>
+                        </a:rPr>
+                        <a:t>Edge AI Optimization</a:t>
+                      </a:r>
+                    </a:p>
+                  </a:txBody>
+                  <a:tcPr marL="47985" marR="47985" marT="23993" marB="23993" anchor="ctr"/>
+                </a:tc>
+                <a:tc>
+                  <a:txBody>
+                    <a:bodyPr/>
+                    <a:lstStyle/>
+                    <a:p>
+                      <a:pPr fontAlgn="base"/>
+                      <a:r>
+                        <a:rPr lang="en-IN" sz="1100">
+                          <a:effectLst/>
+                        </a:rPr>
+                        <a:t>$3,000</a:t>
+                      </a:r>
+                    </a:p>
+                  </a:txBody>
+                  <a:tcPr marL="47985" marR="47985" marT="23993" marB="23993" anchor="ctr"/>
+                </a:tc>
+                <a:extLst>
+                  <a:ext uri="{0D108BD9-81ED-4DB2-BD59-A6C34878D82A}">
+                    <a16:rowId xmlns:a16="http://schemas.microsoft.com/office/drawing/2014/main" val="3507247470"/>
+                  </a:ext>
+                </a:extLst>
+              </a:tr>
+              <a:tr h="257905">
+                <a:tc>
+                  <a:txBody>
+                    <a:bodyPr/>
+                    <a:lstStyle/>
+                    <a:p>
+                      <a:pPr fontAlgn="base"/>
+                      <a:r>
+                        <a:rPr lang="en-IN" sz="1100" b="1">
+                          <a:effectLst/>
+                        </a:rPr>
+                        <a:t>Maintenance Costs</a:t>
+                      </a:r>
+                      <a:endParaRPr lang="en-IN" sz="1100">
+                        <a:effectLst/>
+                      </a:endParaRPr>
+                    </a:p>
+                  </a:txBody>
+                  <a:tcPr marL="47985" marR="47985" marT="23993" marB="23993" anchor="ctr"/>
+                </a:tc>
+                <a:tc>
+                  <a:txBody>
+                    <a:bodyPr/>
+                    <a:lstStyle/>
+                    <a:p>
+                      <a:pPr fontAlgn="base"/>
+                      <a:r>
+                        <a:rPr lang="en-IN" sz="1100">
+                          <a:effectLst/>
+                        </a:rPr>
+                        <a:t>Retraining with Feedback</a:t>
+                      </a:r>
+                    </a:p>
+                  </a:txBody>
+                  <a:tcPr marL="47985" marR="47985" marT="23993" marB="23993" anchor="ctr"/>
+                </a:tc>
+                <a:tc>
+                  <a:txBody>
+                    <a:bodyPr/>
+                    <a:lstStyle/>
+                    <a:p>
+                      <a:pPr fontAlgn="base"/>
+                      <a:r>
+                        <a:rPr lang="en-IN" sz="1100">
+                          <a:effectLst/>
+                        </a:rPr>
+                        <a:t>$1,000 - $2,000/cycle</a:t>
+                      </a:r>
+                    </a:p>
+                  </a:txBody>
+                  <a:tcPr marL="47985" marR="47985" marT="23993" marB="23993" anchor="ctr"/>
+                </a:tc>
+                <a:extLst>
+                  <a:ext uri="{0D108BD9-81ED-4DB2-BD59-A6C34878D82A}">
+                    <a16:rowId xmlns:a16="http://schemas.microsoft.com/office/drawing/2014/main" val="2616728048"/>
+                  </a:ext>
+                </a:extLst>
+              </a:tr>
+              <a:tr h="257905">
+                <a:tc>
+                  <a:txBody>
+                    <a:bodyPr/>
+                    <a:lstStyle/>
+                    <a:p>
+                      <a:pPr fontAlgn="base"/>
+                      <a:endParaRPr lang="en-IN" sz="1100">
+                        <a:effectLst/>
+                      </a:endParaRPr>
+                    </a:p>
+                  </a:txBody>
+                  <a:tcPr marL="47985" marR="47985" marT="23993" marB="23993" anchor="ctr"/>
+                </a:tc>
+                <a:tc>
+                  <a:txBody>
+                    <a:bodyPr/>
+                    <a:lstStyle/>
+                    <a:p>
+                      <a:pPr fontAlgn="base"/>
+                      <a:r>
+                        <a:rPr lang="en-IN" sz="1100">
+                          <a:effectLst/>
+                        </a:rPr>
+                        <a:t>Monitoring and Scalability</a:t>
+                      </a:r>
+                    </a:p>
+                  </a:txBody>
+                  <a:tcPr marL="47985" marR="47985" marT="23993" marB="23993" anchor="ctr"/>
+                </a:tc>
+                <a:tc>
+                  <a:txBody>
+                    <a:bodyPr/>
+                    <a:lstStyle/>
+                    <a:p>
+                      <a:pPr fontAlgn="base"/>
+                      <a:r>
+                        <a:rPr lang="en-IN" sz="1100">
+                          <a:effectLst/>
+                        </a:rPr>
+                        <a:t>$300 - $500/month</a:t>
+                      </a:r>
+                    </a:p>
+                  </a:txBody>
+                  <a:tcPr marL="47985" marR="47985" marT="23993" marB="23993" anchor="ctr"/>
+                </a:tc>
+                <a:extLst>
+                  <a:ext uri="{0D108BD9-81ED-4DB2-BD59-A6C34878D82A}">
+                    <a16:rowId xmlns:a16="http://schemas.microsoft.com/office/drawing/2014/main" val="3837854975"/>
+                  </a:ext>
+                </a:extLst>
+              </a:tr>
+              <a:tr h="204516">
+                <a:tc>
+                  <a:txBody>
+                    <a:bodyPr/>
+                    <a:lstStyle/>
+                    <a:p>
+                      <a:pPr fontAlgn="base"/>
+                      <a:r>
+                        <a:rPr lang="en-IN" sz="1100" b="1">
+                          <a:effectLst/>
+                        </a:rPr>
+                        <a:t>Total Estimate</a:t>
+                      </a:r>
+                      <a:endParaRPr lang="en-IN" sz="1100">
+                        <a:effectLst/>
+                      </a:endParaRPr>
+                    </a:p>
+                  </a:txBody>
+                  <a:tcPr marL="47985" marR="47985" marT="23993" marB="23993" anchor="ctr"/>
+                </a:tc>
+                <a:tc>
+                  <a:txBody>
+                    <a:bodyPr/>
+                    <a:lstStyle/>
+                    <a:p>
+                      <a:pPr fontAlgn="base"/>
+                      <a:r>
+                        <a:rPr lang="en-IN" sz="1100">
+                          <a:effectLst/>
+                        </a:rPr>
+                        <a:t>Initial Development</a:t>
+                      </a:r>
+                    </a:p>
+                  </a:txBody>
+                  <a:tcPr marL="47985" marR="47985" marT="23993" marB="23993" anchor="ctr"/>
+                </a:tc>
+                <a:tc>
+                  <a:txBody>
+                    <a:bodyPr/>
+                    <a:lstStyle/>
+                    <a:p>
+                      <a:pPr fontAlgn="base"/>
+                      <a:r>
+                        <a:rPr lang="en-IN" sz="1100" b="1">
+                          <a:effectLst/>
+                        </a:rPr>
+                        <a:t>$15,000 - $30,000</a:t>
+                      </a:r>
+                      <a:endParaRPr lang="en-IN" sz="1100">
+                        <a:effectLst/>
+                      </a:endParaRPr>
+                    </a:p>
+                  </a:txBody>
+                  <a:tcPr marL="47985" marR="47985" marT="23993" marB="23993" anchor="ctr"/>
+                </a:tc>
+                <a:extLst>
+                  <a:ext uri="{0D108BD9-81ED-4DB2-BD59-A6C34878D82A}">
+                    <a16:rowId xmlns:a16="http://schemas.microsoft.com/office/drawing/2014/main" val="718103515"/>
+                  </a:ext>
+                </a:extLst>
+              </a:tr>
+              <a:tr h="204516">
+                <a:tc>
+                  <a:txBody>
+                    <a:bodyPr/>
+                    <a:lstStyle/>
+                    <a:p>
+                      <a:pPr fontAlgn="base"/>
+                      <a:endParaRPr lang="en-IN" sz="1100">
+                        <a:effectLst/>
+                      </a:endParaRPr>
+                    </a:p>
+                  </a:txBody>
+                  <a:tcPr marL="47985" marR="47985" marT="23993" marB="23993" anchor="ctr"/>
+                </a:tc>
+                <a:tc>
+                  <a:txBody>
+                    <a:bodyPr/>
+                    <a:lstStyle/>
+                    <a:p>
+                      <a:pPr fontAlgn="base"/>
+                      <a:r>
+                        <a:rPr lang="en-IN" sz="1100">
+                          <a:effectLst/>
+                        </a:rPr>
+                        <a:t>Monthly Maintenance</a:t>
+                      </a:r>
+                    </a:p>
+                  </a:txBody>
+                  <a:tcPr marL="47985" marR="47985" marT="23993" marB="23993" anchor="ctr"/>
+                </a:tc>
+                <a:tc>
+                  <a:txBody>
+                    <a:bodyPr/>
+                    <a:lstStyle/>
+                    <a:p>
+                      <a:pPr fontAlgn="base"/>
+                      <a:r>
+                        <a:rPr lang="en-IN" sz="1100" b="1" dirty="0">
+                          <a:effectLst/>
+                        </a:rPr>
+                        <a:t>$3,000 - $5,000</a:t>
+                      </a:r>
+                      <a:endParaRPr lang="en-IN" sz="1100" dirty="0">
+                        <a:effectLst/>
+                      </a:endParaRPr>
+                    </a:p>
+                  </a:txBody>
+                  <a:tcPr marL="47985" marR="47985" marT="23993" marB="23993" anchor="ctr"/>
+                </a:tc>
+                <a:extLst>
+                  <a:ext uri="{0D108BD9-81ED-4DB2-BD59-A6C34878D82A}">
+                    <a16:rowId xmlns:a16="http://schemas.microsoft.com/office/drawing/2014/main" val="2234880034"/>
+                  </a:ext>
+                </a:extLst>
+              </a:tr>
+            </a:tbl>
+          </a:graphicData>
+        </a:graphic>
+      </p:graphicFrame>
     </p:spTree>
     <p:extLst>
       <p:ext uri="{BB962C8B-B14F-4D97-AF65-F5344CB8AC3E}">
-        <p14:creationId xmlns:p14="http://schemas.microsoft.com/office/powerpoint/2010/main" val="4115636624"/>
+        <p14:creationId xmlns:p14="http://schemas.microsoft.com/office/powerpoint/2010/main" val="3120119541"/>
       </p:ext>
     </p:extLst>
   </p:cSld>

--- a/ai_content_modration/PPT/PID_0000_TG08001947_PresentationRound.pptx
+++ b/ai_content_modration/PPT/PID_0000_TG08001947_PresentationRound.pptx
@@ -5,22 +5,23 @@
     <p:sldMasterId id="2147483652" r:id="rId1"/>
   </p:sldMasterIdLst>
   <p:notesMasterIdLst>
-    <p:notesMasterId r:id="rId15"/>
+    <p:notesMasterId r:id="rId16"/>
   </p:notesMasterIdLst>
   <p:sldIdLst>
     <p:sldId id="735" r:id="rId2"/>
     <p:sldId id="736" r:id="rId3"/>
-    <p:sldId id="737" r:id="rId4"/>
-    <p:sldId id="738" r:id="rId5"/>
-    <p:sldId id="739" r:id="rId6"/>
-    <p:sldId id="747" r:id="rId7"/>
-    <p:sldId id="741" r:id="rId8"/>
-    <p:sldId id="742" r:id="rId9"/>
-    <p:sldId id="743" r:id="rId10"/>
-    <p:sldId id="744" r:id="rId11"/>
-    <p:sldId id="745" r:id="rId12"/>
-    <p:sldId id="740" r:id="rId13"/>
-    <p:sldId id="746" r:id="rId14"/>
+    <p:sldId id="749" r:id="rId4"/>
+    <p:sldId id="750" r:id="rId5"/>
+    <p:sldId id="738" r:id="rId6"/>
+    <p:sldId id="739" r:id="rId7"/>
+    <p:sldId id="747" r:id="rId8"/>
+    <p:sldId id="741" r:id="rId9"/>
+    <p:sldId id="748" r:id="rId10"/>
+    <p:sldId id="742" r:id="rId11"/>
+    <p:sldId id="743" r:id="rId12"/>
+    <p:sldId id="744" r:id="rId13"/>
+    <p:sldId id="745" r:id="rId14"/>
+    <p:sldId id="740" r:id="rId15"/>
   </p:sldIdLst>
   <p:sldSz cx="9144000" cy="5143500" type="screen16x9"/>
   <p:notesSz cx="6858000" cy="9144000"/>
@@ -220,7 +221,7 @@
           <a:p>
             <a:fld id="{D9EDC9C4-A5A9-47A1-92BC-326DCF573043}" type="datetimeFigureOut">
               <a:rPr lang="en-US" smtClean="0"/>
-              <a:t>11/30/2024</a:t>
+              <a:t>12/2/2024</a:t>
             </a:fld>
             <a:endParaRPr lang="en-US"/>
           </a:p>
@@ -28117,7 +28118,6 @@
                   <a:srgbClr val="222222"/>
                 </a:solidFill>
                 <a:effectLst/>
-                <a:latin typeface="Open Sans" panose="020B0606030504020204" pitchFamily="34" charset="0"/>
               </a:rPr>
               <a:t>AI </a:t>
             </a:r>
@@ -28126,7 +28126,6 @@
                 <a:solidFill>
                   <a:srgbClr val="222222"/>
                 </a:solidFill>
-                <a:latin typeface="Open Sans" panose="020B0606030504020204" pitchFamily="34" charset="0"/>
               </a:rPr>
               <a:t>P</a:t>
             </a:r>
@@ -28136,7 +28135,6 @@
                   <a:srgbClr val="222222"/>
                 </a:solidFill>
                 <a:effectLst/>
-                <a:latin typeface="Open Sans" panose="020B0606030504020204" pitchFamily="34" charset="0"/>
               </a:rPr>
               <a:t>owered </a:t>
             </a:r>
@@ -28145,7 +28143,6 @@
                 <a:solidFill>
                   <a:srgbClr val="222222"/>
                 </a:solidFill>
-                <a:latin typeface="Open Sans" panose="020B0606030504020204" pitchFamily="34" charset="0"/>
               </a:rPr>
               <a:t>C</a:t>
             </a:r>
@@ -28155,7 +28152,6 @@
                   <a:srgbClr val="222222"/>
                 </a:solidFill>
                 <a:effectLst/>
-                <a:latin typeface="Open Sans" panose="020B0606030504020204" pitchFamily="34" charset="0"/>
               </a:rPr>
               <a:t>ontent Moderation</a:t>
             </a:r>
@@ -28894,10 +28890,8 @@
           <a:lstStyle/>
           <a:p>
             <a:r>
-              <a:rPr lang="en-US" dirty="0">
-                <a:latin typeface="Calibri" panose="020F0502020204030204" pitchFamily="34" charset="0"/>
-              </a:rPr>
-              <a:t>Assumptions</a:t>
+              <a:rPr lang="en-US" dirty="0"/>
+              <a:t>Validation / Testing / Analysis</a:t>
             </a:r>
             <a:endParaRPr lang="en-IN" dirty="0"/>
           </a:p>
@@ -28921,8 +28915,8 @@
         </p:nvSpPr>
         <p:spPr/>
         <p:txBody>
-          <a:bodyPr>
-            <a:normAutofit fontScale="77500" lnSpcReduction="20000"/>
+          <a:bodyPr numCol="1">
+            <a:normAutofit lnSpcReduction="10000"/>
           </a:bodyPr>
           <a:lstStyle/>
           <a:p>
@@ -28938,7 +28932,7 @@
                 <a:effectLst/>
                 <a:latin typeface="ui-sans-serif"/>
               </a:rPr>
-              <a:t>Improved Content Quality</a:t>
+              <a:t>Validation</a:t>
             </a:r>
             <a:r>
               <a:rPr lang="en-GB" b="0" i="0" dirty="0">
@@ -28952,9 +28946,9 @@
             </a:r>
           </a:p>
           <a:p>
-            <a:pPr marL="742950" lvl="1" indent="-285750" algn="l">
+            <a:pPr marL="857250" lvl="1" indent="-400050" algn="l">
               <a:buFont typeface="+mj-lt"/>
-              <a:buAutoNum type="arabicPeriod"/>
+              <a:buAutoNum type="romanLcPeriod"/>
             </a:pPr>
             <a:r>
               <a:rPr lang="en-GB" b="0" i="0" dirty="0">
@@ -28964,7 +28958,23 @@
                 <a:effectLst/>
                 <a:latin typeface="ui-sans-serif"/>
               </a:rPr>
-              <a:t>Reduction in harmful, offensive, or misleading content across the platform.</a:t>
+              <a:t>Use metrics like Precision, Recall, F1-Score, and Accuracy.</a:t>
+            </a:r>
+          </a:p>
+          <a:p>
+            <a:pPr marL="857250" lvl="1" indent="-400050" algn="l">
+              <a:buFont typeface="+mj-lt"/>
+              <a:buAutoNum type="romanLcPeriod"/>
+            </a:pPr>
+            <a:r>
+              <a:rPr lang="en-GB" b="0" i="0" dirty="0">
+                <a:solidFill>
+                  <a:schemeClr val="tx1"/>
+                </a:solidFill>
+                <a:effectLst/>
+                <a:latin typeface="ui-sans-serif"/>
+              </a:rPr>
+              <a:t>Validate models on 20% unseen data to ensure accuracy and reliability.</a:t>
             </a:r>
           </a:p>
           <a:p>
@@ -28980,7 +28990,7 @@
                 <a:effectLst/>
                 <a:latin typeface="ui-sans-serif"/>
               </a:rPr>
-              <a:t>Enhanced User Experience</a:t>
+              <a:t>Testing</a:t>
             </a:r>
             <a:r>
               <a:rPr lang="en-GB" b="0" i="0" dirty="0">
@@ -28994,19 +29004,133 @@
             </a:r>
           </a:p>
           <a:p>
-            <a:pPr marL="742950" lvl="1" indent="-285750" algn="l">
+            <a:pPr marL="857250" lvl="1" indent="-400050" algn="l">
               <a:buFont typeface="+mj-lt"/>
-              <a:buAutoNum type="arabicPeriod"/>
+              <a:buAutoNum type="romanLcPeriod"/>
             </a:pPr>
             <a:r>
-              <a:rPr lang="en-GB" b="0" i="0" dirty="0">
+              <a:rPr lang="en-GB" b="1" i="0" dirty="0">
                 <a:solidFill>
                   <a:schemeClr val="tx1"/>
                 </a:solidFill>
                 <a:effectLst/>
                 <a:latin typeface="ui-sans-serif"/>
               </a:rPr>
-              <a:t>Clean, positive, and inclusive media fosters a safe and engaging environment for users.</a:t>
+              <a:t>Unit Testing</a:t>
+            </a:r>
+            <a:r>
+              <a:rPr lang="en-GB" b="0" i="0" dirty="0">
+                <a:solidFill>
+                  <a:schemeClr val="tx1"/>
+                </a:solidFill>
+                <a:effectLst/>
+                <a:latin typeface="ui-sans-serif"/>
+              </a:rPr>
+              <a:t>: Test individual components (e.g., text, image, audio, video models).</a:t>
+            </a:r>
+          </a:p>
+          <a:p>
+            <a:pPr marL="857250" lvl="1" indent="-400050" algn="l">
+              <a:buFont typeface="+mj-lt"/>
+              <a:buAutoNum type="romanLcPeriod"/>
+            </a:pPr>
+            <a:r>
+              <a:rPr lang="en-GB" b="1" i="0" dirty="0">
+                <a:solidFill>
+                  <a:schemeClr val="tx1"/>
+                </a:solidFill>
+                <a:effectLst/>
+                <a:latin typeface="ui-sans-serif"/>
+              </a:rPr>
+              <a:t>Integration Testing</a:t>
+            </a:r>
+            <a:r>
+              <a:rPr lang="en-GB" b="0" i="0" dirty="0">
+                <a:solidFill>
+                  <a:schemeClr val="tx1"/>
+                </a:solidFill>
+                <a:effectLst/>
+                <a:latin typeface="ui-sans-serif"/>
+              </a:rPr>
+              <a:t>: Verify interaction between AI models and APIs.</a:t>
+            </a:r>
+          </a:p>
+          <a:p>
+            <a:pPr marL="857250" lvl="1" indent="-400050" algn="l">
+              <a:buFont typeface="+mj-lt"/>
+              <a:buAutoNum type="romanLcPeriod"/>
+            </a:pPr>
+            <a:r>
+              <a:rPr lang="en-GB" b="1" i="0" dirty="0">
+                <a:solidFill>
+                  <a:schemeClr val="tx1"/>
+                </a:solidFill>
+                <a:effectLst/>
+                <a:latin typeface="ui-sans-serif"/>
+              </a:rPr>
+              <a:t>System Testing</a:t>
+            </a:r>
+            <a:r>
+              <a:rPr lang="en-GB" b="0" i="0" dirty="0">
+                <a:solidFill>
+                  <a:schemeClr val="tx1"/>
+                </a:solidFill>
+                <a:effectLst/>
+                <a:latin typeface="ui-sans-serif"/>
+              </a:rPr>
+              <a:t>: Check the full moderation workflow from upload to decision-making.</a:t>
+            </a:r>
+          </a:p>
+          <a:p>
+            <a:pPr marL="857250" lvl="1" indent="-400050" algn="l">
+              <a:buFont typeface="+mj-lt"/>
+              <a:buAutoNum type="romanLcPeriod"/>
+            </a:pPr>
+            <a:r>
+              <a:rPr lang="en-GB" b="1" i="0" dirty="0">
+                <a:solidFill>
+                  <a:schemeClr val="tx1"/>
+                </a:solidFill>
+                <a:effectLst/>
+                <a:latin typeface="ui-sans-serif"/>
+              </a:rPr>
+              <a:t>Stress Testing</a:t>
+            </a:r>
+            <a:r>
+              <a:rPr lang="en-GB" b="0" i="0" dirty="0">
+                <a:solidFill>
+                  <a:schemeClr val="tx1"/>
+                </a:solidFill>
+                <a:effectLst/>
+                <a:latin typeface="ui-sans-serif"/>
+              </a:rPr>
+              <a:t>: Simulate high upload volumes to evaluate scalability.</a:t>
+            </a:r>
+          </a:p>
+          <a:p>
+            <a:pPr marL="857250" lvl="1" indent="-400050" algn="l">
+              <a:buFont typeface="+mj-lt"/>
+              <a:buAutoNum type="romanLcPeriod"/>
+            </a:pPr>
+            <a:r>
+              <a:rPr lang="en-GB" b="1" i="0" dirty="0">
+                <a:solidFill>
+                  <a:schemeClr val="tx1"/>
+                </a:solidFill>
+                <a:effectLst/>
+                <a:latin typeface="ui-sans-serif"/>
+              </a:rPr>
+              <a:t>Edge Case Testing</a:t>
+            </a:r>
+            <a:r>
+              <a:rPr lang="en-GB" b="0" i="0" dirty="0">
+                <a:solidFill>
+                  <a:schemeClr val="tx1"/>
+                </a:solidFill>
+                <a:effectLst/>
+                <a:latin typeface="ui-sans-serif"/>
+              </a:rPr>
+              <a:t>: Test ambiguous or borderline content for robustness.</a:t>
             </a:r>
           </a:p>
           <a:p>
@@ -29022,7 +29146,7 @@
                 <a:effectLst/>
                 <a:latin typeface="ui-sans-serif"/>
               </a:rPr>
-              <a:t>Higher Moderation Efficiency</a:t>
+              <a:t>Analysis</a:t>
             </a:r>
             <a:r>
               <a:rPr lang="en-GB" b="0" i="0" dirty="0">
@@ -29036,9 +29160,9 @@
             </a:r>
           </a:p>
           <a:p>
-            <a:pPr marL="742950" lvl="1" indent="-285750" algn="l">
+            <a:pPr marL="857250" lvl="1" indent="-400050" algn="l">
               <a:buFont typeface="+mj-lt"/>
-              <a:buAutoNum type="arabicPeriod"/>
+              <a:buAutoNum type="romanLcPeriod"/>
             </a:pPr>
             <a:r>
               <a:rPr lang="en-GB" b="0" i="0" dirty="0">
@@ -29048,24 +29172,30 @@
                 <a:effectLst/>
                 <a:latin typeface="ui-sans-serif"/>
               </a:rPr>
-              <a:t>AI automates bulk moderation, reducing manual effort and speeding up content review.</a:t>
-            </a:r>
-          </a:p>
-          <a:p>
-            <a:pPr algn="l">
+              <a:t>Review False Positives/Negatives and refine thresholds.</a:t>
+            </a:r>
+          </a:p>
+          <a:p>
+            <a:pPr marL="857250" lvl="1" indent="-400050" algn="l">
               <a:buFont typeface="+mj-lt"/>
-              <a:buAutoNum type="arabicPeriod"/>
+              <a:buAutoNum type="romanLcPeriod"/>
             </a:pPr>
             <a:r>
-              <a:rPr lang="en-GB" b="1" i="0" dirty="0">
+              <a:rPr lang="en-GB" b="0" i="0" dirty="0">
                 <a:solidFill>
                   <a:schemeClr val="tx1"/>
                 </a:solidFill>
                 <a:effectLst/>
                 <a:latin typeface="ui-sans-serif"/>
               </a:rPr>
-              <a:t>Better Compliance</a:t>
-            </a:r>
+              <a:t>Incorporate flagged content for retraining models.</a:t>
+            </a:r>
+          </a:p>
+          <a:p>
+            <a:pPr marL="857250" lvl="1" indent="-400050" algn="l">
+              <a:buFont typeface="+mj-lt"/>
+              <a:buAutoNum type="romanLcPeriod"/>
+            </a:pPr>
             <a:r>
               <a:rPr lang="en-GB" b="0" i="0" dirty="0">
                 <a:solidFill>
@@ -29074,15 +29204,9 @@
                 <a:effectLst/>
                 <a:latin typeface="ui-sans-serif"/>
               </a:rPr>
-              <a:t>:</a:t>
-            </a:r>
-          </a:p>
-          <a:p>
-            <a:pPr marL="742950" lvl="1" indent="-285750" algn="l">
-              <a:buFont typeface="+mj-lt"/>
-              <a:buAutoNum type="arabicPeriod"/>
-            </a:pPr>
-            <a:r>
+              <a:t>Monitor and analyse performance trends to enhance future iterations.</a:t>
+            </a:r>
+            <a:br>
               <a:rPr lang="en-GB" b="0" i="0" dirty="0">
                 <a:solidFill>
                   <a:schemeClr val="tx1"/>
@@ -29090,182 +29214,13 @@
                 <a:effectLst/>
                 <a:latin typeface="ui-sans-serif"/>
               </a:rPr>
-              <a:t>Adherence to legal and ethical standards like GDPR ensures regulatory compliance.</a:t>
-            </a:r>
-          </a:p>
-          <a:p>
-            <a:pPr algn="l">
-              <a:buFont typeface="+mj-lt"/>
-              <a:buAutoNum type="arabicPeriod"/>
-            </a:pPr>
-            <a:r>
-              <a:rPr lang="en-GB" b="1" i="0" dirty="0">
-                <a:solidFill>
-                  <a:schemeClr val="tx1"/>
-                </a:solidFill>
-                <a:effectLst/>
-                <a:latin typeface="ui-sans-serif"/>
-              </a:rPr>
-              <a:t>Adaptability</a:t>
-            </a:r>
-            <a:r>
-              <a:rPr lang="en-GB" b="0" i="0" dirty="0">
-                <a:solidFill>
-                  <a:schemeClr val="tx1"/>
-                </a:solidFill>
-                <a:effectLst/>
-                <a:latin typeface="ui-sans-serif"/>
-              </a:rPr>
-              <a:t>:</a:t>
-            </a:r>
-          </a:p>
-          <a:p>
-            <a:pPr marL="742950" lvl="1" indent="-285750" algn="l">
-              <a:buFont typeface="+mj-lt"/>
-              <a:buAutoNum type="arabicPeriod"/>
-            </a:pPr>
-            <a:r>
-              <a:rPr lang="en-GB" b="0" i="0" dirty="0">
-                <a:solidFill>
-                  <a:schemeClr val="tx1"/>
-                </a:solidFill>
-                <a:effectLst/>
-                <a:latin typeface="ui-sans-serif"/>
-              </a:rPr>
-              <a:t>Continuous learning models keep the system effective against new threats like deepfakes or emerging harmful trends.</a:t>
-            </a:r>
-          </a:p>
-          <a:p>
-            <a:pPr algn="l">
-              <a:buFont typeface="+mj-lt"/>
-              <a:buAutoNum type="arabicPeriod"/>
-            </a:pPr>
-            <a:r>
-              <a:rPr lang="en-GB" b="1" i="0" dirty="0">
-                <a:solidFill>
-                  <a:schemeClr val="tx1"/>
-                </a:solidFill>
-                <a:effectLst/>
-                <a:latin typeface="ui-sans-serif"/>
-              </a:rPr>
-              <a:t>Increased Trust</a:t>
-            </a:r>
-            <a:r>
-              <a:rPr lang="en-GB" b="0" i="0" dirty="0">
-                <a:solidFill>
-                  <a:schemeClr val="tx1"/>
-                </a:solidFill>
-                <a:effectLst/>
-                <a:latin typeface="ui-sans-serif"/>
-              </a:rPr>
-              <a:t>:</a:t>
-            </a:r>
-          </a:p>
-          <a:p>
-            <a:pPr marL="742950" lvl="1" indent="-285750" algn="l">
-              <a:buFont typeface="+mj-lt"/>
-              <a:buAutoNum type="arabicPeriod"/>
-            </a:pPr>
-            <a:r>
-              <a:rPr lang="en-GB" b="0" i="0" dirty="0">
-                <a:solidFill>
-                  <a:schemeClr val="tx1"/>
-                </a:solidFill>
-                <a:effectLst/>
-                <a:latin typeface="ui-sans-serif"/>
-              </a:rPr>
-              <a:t>Transparent and explainable AI builds user trust in moderation decisions.</a:t>
-            </a:r>
-          </a:p>
-          <a:p>
-            <a:pPr algn="l">
-              <a:buFont typeface="+mj-lt"/>
-              <a:buAutoNum type="arabicPeriod"/>
-            </a:pPr>
-            <a:r>
-              <a:rPr lang="en-GB" b="1" i="0" dirty="0">
-                <a:solidFill>
-                  <a:schemeClr val="tx1"/>
-                </a:solidFill>
-                <a:effectLst/>
-                <a:latin typeface="ui-sans-serif"/>
-              </a:rPr>
-              <a:t>Cost Efficiency</a:t>
-            </a:r>
-            <a:r>
-              <a:rPr lang="en-GB" b="0" i="0" dirty="0">
-                <a:solidFill>
-                  <a:schemeClr val="tx1"/>
-                </a:solidFill>
-                <a:effectLst/>
-                <a:latin typeface="ui-sans-serif"/>
-              </a:rPr>
-              <a:t>:</a:t>
-            </a:r>
-          </a:p>
-          <a:p>
-            <a:pPr marL="742950" lvl="1" indent="-285750" algn="l">
-              <a:buFont typeface="+mj-lt"/>
-              <a:buAutoNum type="arabicPeriod"/>
-            </a:pPr>
-            <a:r>
-              <a:rPr lang="en-GB" b="0" i="0" dirty="0">
-                <a:solidFill>
-                  <a:schemeClr val="tx1"/>
-                </a:solidFill>
-                <a:effectLst/>
-                <a:latin typeface="ui-sans-serif"/>
-              </a:rPr>
-              <a:t>Automated moderation reduces long-term operational costs compared to manual-only systems.</a:t>
-            </a:r>
-          </a:p>
-          <a:p>
-            <a:pPr algn="l">
-              <a:buFont typeface="+mj-lt"/>
-              <a:buAutoNum type="arabicPeriod"/>
-            </a:pPr>
-            <a:r>
-              <a:rPr lang="en-GB" b="1" i="0" dirty="0">
-                <a:solidFill>
-                  <a:schemeClr val="tx1"/>
-                </a:solidFill>
-                <a:effectLst/>
-                <a:latin typeface="ui-sans-serif"/>
-              </a:rPr>
-              <a:t>Scalability</a:t>
-            </a:r>
-            <a:r>
-              <a:rPr lang="en-GB" b="0" i="0" dirty="0">
-                <a:solidFill>
-                  <a:schemeClr val="tx1"/>
-                </a:solidFill>
-                <a:effectLst/>
-                <a:latin typeface="ui-sans-serif"/>
-              </a:rPr>
-              <a:t>:</a:t>
-            </a:r>
-          </a:p>
-          <a:p>
-            <a:pPr marL="742950" lvl="1" indent="-285750" algn="l">
-              <a:buFont typeface="+mj-lt"/>
-              <a:buAutoNum type="arabicPeriod"/>
-            </a:pPr>
-            <a:r>
-              <a:rPr lang="en-GB" b="0" i="0" dirty="0">
-                <a:solidFill>
-                  <a:schemeClr val="tx1"/>
-                </a:solidFill>
-                <a:effectLst/>
-                <a:latin typeface="ui-sans-serif"/>
-              </a:rPr>
-              <a:t>The system efficiently handles growing content volumes, ensuring platform sustainability.</a:t>
-            </a:r>
-          </a:p>
-          <a:p>
-            <a:endParaRPr lang="en-IN" dirty="0">
+            </a:br>
+            <a:endParaRPr lang="en-GB" b="0" i="0" dirty="0">
               <a:solidFill>
                 <a:schemeClr val="tx1"/>
               </a:solidFill>
+              <a:effectLst/>
+              <a:latin typeface="ui-sans-serif"/>
             </a:endParaRPr>
           </a:p>
         </p:txBody>
@@ -29273,7 +29228,7 @@
     </p:spTree>
     <p:extLst>
       <p:ext uri="{BB962C8B-B14F-4D97-AF65-F5344CB8AC3E}">
-        <p14:creationId xmlns:p14="http://schemas.microsoft.com/office/powerpoint/2010/main" val="4115636624"/>
+        <p14:creationId xmlns:p14="http://schemas.microsoft.com/office/powerpoint/2010/main" val="2288670748"/>
       </p:ext>
     </p:extLst>
   </p:cSld>
@@ -29322,41 +29277,550 @@
           <a:lstStyle/>
           <a:p>
             <a:r>
-              <a:rPr lang="en-IN" dirty="0"/>
-              <a:t>References</a:t>
-            </a:r>
+              <a:rPr lang="en-US" dirty="0">
+                <a:latin typeface="Calibri" panose="020F0502020204030204" pitchFamily="34" charset="0"/>
+              </a:rPr>
+              <a:t>Cost Estimate</a:t>
+            </a:r>
+            <a:endParaRPr lang="en-IN" dirty="0"/>
           </a:p>
         </p:txBody>
       </p:sp>
-      <p:sp>
-        <p:nvSpPr>
-          <p:cNvPr id="3" name="Content Placeholder 2">
+      <p:graphicFrame>
+        <p:nvGraphicFramePr>
+          <p:cNvPr id="10" name="Content Placeholder 9">
             <a:extLst>
               <a:ext uri="{FF2B5EF4-FFF2-40B4-BE49-F238E27FC236}">
-                <a16:creationId xmlns:a16="http://schemas.microsoft.com/office/drawing/2014/main" id="{E9BCFC67-F5AA-8E05-39EC-73CBF3865066}"/>
+                <a16:creationId xmlns:a16="http://schemas.microsoft.com/office/drawing/2014/main" id="{DCB2FF2C-0593-E03B-C4E4-65752E1230D8}"/>
               </a:ext>
             </a:extLst>
           </p:cNvPr>
-          <p:cNvSpPr>
-            <a:spLocks noGrp="1"/>
-          </p:cNvSpPr>
+          <p:cNvGraphicFramePr>
+            <a:graphicFrameLocks noGrp="1"/>
+          </p:cNvGraphicFramePr>
           <p:nvPr>
             <p:ph idx="1"/>
+            <p:extLst>
+              <p:ext uri="{D42A27DB-BD31-4B8C-83A1-F6EECF244321}">
+                <p14:modId xmlns:p14="http://schemas.microsoft.com/office/powerpoint/2010/main" val="2607037585"/>
+              </p:ext>
+            </p:extLst>
           </p:nvPr>
-        </p:nvSpPr>
-        <p:spPr/>
-        <p:txBody>
-          <a:bodyPr/>
-          <a:lstStyle/>
-          <a:p>
-            <a:endParaRPr lang="en-IN"/>
-          </a:p>
-        </p:txBody>
-      </p:sp>
+        </p:nvGraphicFramePr>
+        <p:xfrm>
+          <a:off x="464457" y="985258"/>
+          <a:ext cx="8417943" cy="3899487"/>
+        </p:xfrm>
+        <a:graphic>
+          <a:graphicData uri="http://schemas.openxmlformats.org/drawingml/2006/table">
+            <a:tbl>
+              <a:tblPr>
+                <a:tableStyleId>{5940675A-B579-460E-94D1-54222C63F5DA}</a:tableStyleId>
+              </a:tblPr>
+              <a:tblGrid>
+                <a:gridCol w="2805981">
+                  <a:extLst>
+                    <a:ext uri="{9D8B030D-6E8A-4147-A177-3AD203B41FA5}">
+                      <a16:colId xmlns:a16="http://schemas.microsoft.com/office/drawing/2014/main" val="2272646629"/>
+                    </a:ext>
+                  </a:extLst>
+                </a:gridCol>
+                <a:gridCol w="2805981">
+                  <a:extLst>
+                    <a:ext uri="{9D8B030D-6E8A-4147-A177-3AD203B41FA5}">
+                      <a16:colId xmlns:a16="http://schemas.microsoft.com/office/drawing/2014/main" val="3463642914"/>
+                    </a:ext>
+                  </a:extLst>
+                </a:gridCol>
+                <a:gridCol w="2805981">
+                  <a:extLst>
+                    <a:ext uri="{9D8B030D-6E8A-4147-A177-3AD203B41FA5}">
+                      <a16:colId xmlns:a16="http://schemas.microsoft.com/office/drawing/2014/main" val="2269552683"/>
+                    </a:ext>
+                  </a:extLst>
+                </a:gridCol>
+              </a:tblGrid>
+              <a:tr h="167702">
+                <a:tc>
+                  <a:txBody>
+                    <a:bodyPr/>
+                    <a:lstStyle/>
+                    <a:p>
+                      <a:pPr fontAlgn="b"/>
+                      <a:r>
+                        <a:rPr lang="en-IN" sz="1200" b="1">
+                          <a:effectLst/>
+                        </a:rPr>
+                        <a:t>Cost Component</a:t>
+                      </a:r>
+                    </a:p>
+                  </a:txBody>
+                  <a:tcPr marL="50310" marR="50310" marT="25155" marB="25155" anchor="b"/>
+                </a:tc>
+                <a:tc>
+                  <a:txBody>
+                    <a:bodyPr/>
+                    <a:lstStyle/>
+                    <a:p>
+                      <a:pPr fontAlgn="b"/>
+                      <a:r>
+                        <a:rPr lang="en-IN" sz="1200" b="1">
+                          <a:effectLst/>
+                        </a:rPr>
+                        <a:t>Description</a:t>
+                      </a:r>
+                    </a:p>
+                  </a:txBody>
+                  <a:tcPr marL="50310" marR="50310" marT="25155" marB="25155" anchor="b"/>
+                </a:tc>
+                <a:tc>
+                  <a:txBody>
+                    <a:bodyPr/>
+                    <a:lstStyle/>
+                    <a:p>
+                      <a:pPr fontAlgn="b"/>
+                      <a:r>
+                        <a:rPr lang="en-IN" sz="1200" b="1">
+                          <a:effectLst/>
+                        </a:rPr>
+                        <a:t>Estimated Cost (INR)</a:t>
+                      </a:r>
+                    </a:p>
+                  </a:txBody>
+                  <a:tcPr marL="50310" marR="50310" marT="25155" marB="25155" anchor="b"/>
+                </a:tc>
+                <a:extLst>
+                  <a:ext uri="{0D108BD9-81ED-4DB2-BD59-A6C34878D82A}">
+                    <a16:rowId xmlns:a16="http://schemas.microsoft.com/office/drawing/2014/main" val="360616606"/>
+                  </a:ext>
+                </a:extLst>
+              </a:tr>
+              <a:tr h="519875">
+                <a:tc>
+                  <a:txBody>
+                    <a:bodyPr/>
+                    <a:lstStyle/>
+                    <a:p>
+                      <a:pPr fontAlgn="base"/>
+                      <a:r>
+                        <a:rPr lang="en-IN" sz="1200" b="1">
+                          <a:effectLst/>
+                        </a:rPr>
+                        <a:t>Data Collection</a:t>
+                      </a:r>
+                      <a:endParaRPr lang="en-IN" sz="1200">
+                        <a:effectLst/>
+                      </a:endParaRPr>
+                    </a:p>
+                  </a:txBody>
+                  <a:tcPr marL="50310" marR="50310" marT="25155" marB="25155" anchor="ctr"/>
+                </a:tc>
+                <a:tc>
+                  <a:txBody>
+                    <a:bodyPr/>
+                    <a:lstStyle/>
+                    <a:p>
+                      <a:pPr fontAlgn="base"/>
+                      <a:r>
+                        <a:rPr lang="en-GB" sz="1200">
+                          <a:effectLst/>
+                        </a:rPr>
+                        <a:t>Using open-source datasets like Jigsaw Toxicity or Open Images for free.</a:t>
+                      </a:r>
+                    </a:p>
+                  </a:txBody>
+                  <a:tcPr marL="50310" marR="50310" marT="25155" marB="25155" anchor="ctr"/>
+                </a:tc>
+                <a:tc>
+                  <a:txBody>
+                    <a:bodyPr/>
+                    <a:lstStyle/>
+                    <a:p>
+                      <a:pPr fontAlgn="base"/>
+                      <a:r>
+                        <a:rPr lang="en-IN" sz="1200">
+                          <a:effectLst/>
+                        </a:rPr>
+                        <a:t>₹0 (Assume free)</a:t>
+                      </a:r>
+                    </a:p>
+                  </a:txBody>
+                  <a:tcPr marL="50310" marR="50310" marT="25155" marB="25155" anchor="ctr"/>
+                </a:tc>
+                <a:extLst>
+                  <a:ext uri="{0D108BD9-81ED-4DB2-BD59-A6C34878D82A}">
+                    <a16:rowId xmlns:a16="http://schemas.microsoft.com/office/drawing/2014/main" val="952347228"/>
+                  </a:ext>
+                </a:extLst>
+              </a:tr>
+              <a:tr h="754657">
+                <a:tc>
+                  <a:txBody>
+                    <a:bodyPr/>
+                    <a:lstStyle/>
+                    <a:p>
+                      <a:pPr fontAlgn="base"/>
+                      <a:r>
+                        <a:rPr lang="en-IN" sz="1200" b="1">
+                          <a:effectLst/>
+                        </a:rPr>
+                        <a:t>Model Fine-tuning</a:t>
+                      </a:r>
+                      <a:endParaRPr lang="en-IN" sz="1200">
+                        <a:effectLst/>
+                      </a:endParaRPr>
+                    </a:p>
+                  </a:txBody>
+                  <a:tcPr marL="50310" marR="50310" marT="25155" marB="25155" anchor="ctr"/>
+                </a:tc>
+                <a:tc>
+                  <a:txBody>
+                    <a:bodyPr/>
+                    <a:lstStyle/>
+                    <a:p>
+                      <a:pPr fontAlgn="base"/>
+                      <a:r>
+                        <a:rPr lang="en-GB" sz="1200" dirty="0">
+                          <a:effectLst/>
+                        </a:rPr>
+                        <a:t>Leveraging free tiers of cloud platforms (Google </a:t>
+                      </a:r>
+                      <a:r>
+                        <a:rPr lang="en-GB" sz="1200" dirty="0" err="1">
+                          <a:effectLst/>
+                        </a:rPr>
+                        <a:t>Colab</a:t>
+                      </a:r>
+                      <a:r>
+                        <a:rPr lang="en-GB" sz="1200" dirty="0">
+                          <a:effectLst/>
+                        </a:rPr>
+                        <a:t> or Hugging Face) for small-scale fine-tuning.</a:t>
+                      </a:r>
+                    </a:p>
+                  </a:txBody>
+                  <a:tcPr marL="50310" marR="50310" marT="25155" marB="25155" anchor="ctr"/>
+                </a:tc>
+                <a:tc>
+                  <a:txBody>
+                    <a:bodyPr/>
+                    <a:lstStyle/>
+                    <a:p>
+                      <a:pPr fontAlgn="base"/>
+                      <a:r>
+                        <a:rPr lang="en-IN" sz="1200">
+                          <a:effectLst/>
+                        </a:rPr>
+                        <a:t>₹5,000 - ₹10,000</a:t>
+                      </a:r>
+                    </a:p>
+                  </a:txBody>
+                  <a:tcPr marL="50310" marR="50310" marT="25155" marB="25155" anchor="ctr"/>
+                </a:tc>
+                <a:extLst>
+                  <a:ext uri="{0D108BD9-81ED-4DB2-BD59-A6C34878D82A}">
+                    <a16:rowId xmlns:a16="http://schemas.microsoft.com/office/drawing/2014/main" val="179397258"/>
+                  </a:ext>
+                </a:extLst>
+              </a:tr>
+              <a:tr h="519875">
+                <a:tc>
+                  <a:txBody>
+                    <a:bodyPr/>
+                    <a:lstStyle/>
+                    <a:p>
+                      <a:pPr fontAlgn="base"/>
+                      <a:r>
+                        <a:rPr lang="en-IN" sz="1200" b="1">
+                          <a:effectLst/>
+                        </a:rPr>
+                        <a:t>API Integration</a:t>
+                      </a:r>
+                      <a:endParaRPr lang="en-IN" sz="1200">
+                        <a:effectLst/>
+                      </a:endParaRPr>
+                    </a:p>
+                  </a:txBody>
+                  <a:tcPr marL="50310" marR="50310" marT="25155" marB="25155" anchor="ctr"/>
+                </a:tc>
+                <a:tc>
+                  <a:txBody>
+                    <a:bodyPr/>
+                    <a:lstStyle/>
+                    <a:p>
+                      <a:pPr fontAlgn="base"/>
+                      <a:r>
+                        <a:rPr lang="en-GB" sz="1200">
+                          <a:effectLst/>
+                        </a:rPr>
+                        <a:t>Using free or open-source libraries for integration (Flask, FastAPI).</a:t>
+                      </a:r>
+                    </a:p>
+                  </a:txBody>
+                  <a:tcPr marL="50310" marR="50310" marT="25155" marB="25155" anchor="ctr"/>
+                </a:tc>
+                <a:tc>
+                  <a:txBody>
+                    <a:bodyPr/>
+                    <a:lstStyle/>
+                    <a:p>
+                      <a:pPr fontAlgn="base"/>
+                      <a:r>
+                        <a:rPr lang="en-IN" sz="1200">
+                          <a:effectLst/>
+                        </a:rPr>
+                        <a:t>₹2,000 - ₹5,000</a:t>
+                      </a:r>
+                    </a:p>
+                  </a:txBody>
+                  <a:tcPr marL="50310" marR="50310" marT="25155" marB="25155" anchor="ctr"/>
+                </a:tc>
+                <a:extLst>
+                  <a:ext uri="{0D108BD9-81ED-4DB2-BD59-A6C34878D82A}">
+                    <a16:rowId xmlns:a16="http://schemas.microsoft.com/office/drawing/2014/main" val="2460324483"/>
+                  </a:ext>
+                </a:extLst>
+              </a:tr>
+              <a:tr h="519875">
+                <a:tc>
+                  <a:txBody>
+                    <a:bodyPr/>
+                    <a:lstStyle/>
+                    <a:p>
+                      <a:pPr fontAlgn="base"/>
+                      <a:r>
+                        <a:rPr lang="en-IN" sz="1200" b="1">
+                          <a:effectLst/>
+                        </a:rPr>
+                        <a:t>Cloud Hosting</a:t>
+                      </a:r>
+                      <a:endParaRPr lang="en-IN" sz="1200">
+                        <a:effectLst/>
+                      </a:endParaRPr>
+                    </a:p>
+                  </a:txBody>
+                  <a:tcPr marL="50310" marR="50310" marT="25155" marB="25155" anchor="ctr"/>
+                </a:tc>
+                <a:tc>
+                  <a:txBody>
+                    <a:bodyPr/>
+                    <a:lstStyle/>
+                    <a:p>
+                      <a:pPr fontAlgn="base"/>
+                      <a:r>
+                        <a:rPr lang="en-GB" sz="1200">
+                          <a:effectLst/>
+                        </a:rPr>
+                        <a:t>Utilizing free credits from cloud providers (AWS, GCP, Azure) for hosting.</a:t>
+                      </a:r>
+                    </a:p>
+                  </a:txBody>
+                  <a:tcPr marL="50310" marR="50310" marT="25155" marB="25155" anchor="ctr"/>
+                </a:tc>
+                <a:tc>
+                  <a:txBody>
+                    <a:bodyPr/>
+                    <a:lstStyle/>
+                    <a:p>
+                      <a:pPr fontAlgn="base"/>
+                      <a:r>
+                        <a:rPr lang="en-IN" sz="1200">
+                          <a:effectLst/>
+                        </a:rPr>
+                        <a:t>₹0 - ₹5,000</a:t>
+                      </a:r>
+                    </a:p>
+                  </a:txBody>
+                  <a:tcPr marL="50310" marR="50310" marT="25155" marB="25155" anchor="ctr"/>
+                </a:tc>
+                <a:extLst>
+                  <a:ext uri="{0D108BD9-81ED-4DB2-BD59-A6C34878D82A}">
+                    <a16:rowId xmlns:a16="http://schemas.microsoft.com/office/drawing/2014/main" val="3448946287"/>
+                  </a:ext>
+                </a:extLst>
+              </a:tr>
+              <a:tr h="402484">
+                <a:tc>
+                  <a:txBody>
+                    <a:bodyPr/>
+                    <a:lstStyle/>
+                    <a:p>
+                      <a:pPr fontAlgn="base"/>
+                      <a:r>
+                        <a:rPr lang="en-IN" sz="1200" b="1">
+                          <a:effectLst/>
+                        </a:rPr>
+                        <a:t>Testing &amp; Validation</a:t>
+                      </a:r>
+                      <a:endParaRPr lang="en-IN" sz="1200">
+                        <a:effectLst/>
+                      </a:endParaRPr>
+                    </a:p>
+                  </a:txBody>
+                  <a:tcPr marL="50310" marR="50310" marT="25155" marB="25155" anchor="ctr"/>
+                </a:tc>
+                <a:tc>
+                  <a:txBody>
+                    <a:bodyPr/>
+                    <a:lstStyle/>
+                    <a:p>
+                      <a:pPr fontAlgn="base"/>
+                      <a:r>
+                        <a:rPr lang="en-GB" sz="1200">
+                          <a:effectLst/>
+                        </a:rPr>
+                        <a:t>Manual testing using small, curated datasets.</a:t>
+                      </a:r>
+                    </a:p>
+                  </a:txBody>
+                  <a:tcPr marL="50310" marR="50310" marT="25155" marB="25155" anchor="ctr"/>
+                </a:tc>
+                <a:tc>
+                  <a:txBody>
+                    <a:bodyPr/>
+                    <a:lstStyle/>
+                    <a:p>
+                      <a:pPr fontAlgn="base"/>
+                      <a:r>
+                        <a:rPr lang="en-IN" sz="1200">
+                          <a:effectLst/>
+                        </a:rPr>
+                        <a:t>₹1,000 - ₹2,000</a:t>
+                      </a:r>
+                    </a:p>
+                  </a:txBody>
+                  <a:tcPr marL="50310" marR="50310" marT="25155" marB="25155" anchor="ctr"/>
+                </a:tc>
+                <a:extLst>
+                  <a:ext uri="{0D108BD9-81ED-4DB2-BD59-A6C34878D82A}">
+                    <a16:rowId xmlns:a16="http://schemas.microsoft.com/office/drawing/2014/main" val="2141749080"/>
+                  </a:ext>
+                </a:extLst>
+              </a:tr>
+              <a:tr h="519875">
+                <a:tc>
+                  <a:txBody>
+                    <a:bodyPr/>
+                    <a:lstStyle/>
+                    <a:p>
+                      <a:pPr fontAlgn="base"/>
+                      <a:r>
+                        <a:rPr lang="en-IN" sz="1200" b="1">
+                          <a:effectLst/>
+                        </a:rPr>
+                        <a:t>Miscellaneous Costs</a:t>
+                      </a:r>
+                      <a:endParaRPr lang="en-IN" sz="1200">
+                        <a:effectLst/>
+                      </a:endParaRPr>
+                    </a:p>
+                  </a:txBody>
+                  <a:tcPr marL="50310" marR="50310" marT="25155" marB="25155" anchor="ctr"/>
+                </a:tc>
+                <a:tc>
+                  <a:txBody>
+                    <a:bodyPr/>
+                    <a:lstStyle/>
+                    <a:p>
+                      <a:pPr fontAlgn="base"/>
+                      <a:r>
+                        <a:rPr lang="en-GB" sz="1200">
+                          <a:effectLst/>
+                        </a:rPr>
+                        <a:t>Internet, minor hardware expenses, or other unforeseen costs.</a:t>
+                      </a:r>
+                    </a:p>
+                  </a:txBody>
+                  <a:tcPr marL="50310" marR="50310" marT="25155" marB="25155" anchor="ctr"/>
+                </a:tc>
+                <a:tc>
+                  <a:txBody>
+                    <a:bodyPr/>
+                    <a:lstStyle/>
+                    <a:p>
+                      <a:pPr fontAlgn="base"/>
+                      <a:r>
+                        <a:rPr lang="en-IN" sz="1200">
+                          <a:effectLst/>
+                        </a:rPr>
+                        <a:t>₹2,000</a:t>
+                      </a:r>
+                    </a:p>
+                  </a:txBody>
+                  <a:tcPr marL="50310" marR="50310" marT="25155" marB="25155" anchor="ctr"/>
+                </a:tc>
+                <a:extLst>
+                  <a:ext uri="{0D108BD9-81ED-4DB2-BD59-A6C34878D82A}">
+                    <a16:rowId xmlns:a16="http://schemas.microsoft.com/office/drawing/2014/main" val="3804028799"/>
+                  </a:ext>
+                </a:extLst>
+              </a:tr>
+              <a:tr h="402484">
+                <a:tc>
+                  <a:txBody>
+                    <a:bodyPr/>
+                    <a:lstStyle/>
+                    <a:p>
+                      <a:pPr fontAlgn="base"/>
+                      <a:r>
+                        <a:rPr lang="en-IN" sz="1200" b="1">
+                          <a:effectLst/>
+                        </a:rPr>
+                        <a:t>Total Estimated Cost</a:t>
+                      </a:r>
+                      <a:endParaRPr lang="en-IN" sz="1200">
+                        <a:effectLst/>
+                      </a:endParaRPr>
+                    </a:p>
+                  </a:txBody>
+                  <a:tcPr marL="50310" marR="50310" marT="25155" marB="25155" anchor="ctr"/>
+                </a:tc>
+                <a:tc>
+                  <a:txBody>
+                    <a:bodyPr/>
+                    <a:lstStyle/>
+                    <a:p>
+                      <a:pPr fontAlgn="base"/>
+                      <a:r>
+                        <a:rPr lang="en-GB" sz="1200">
+                          <a:effectLst/>
+                        </a:rPr>
+                        <a:t>Approximate cost to build and test the prototype.</a:t>
+                      </a:r>
+                    </a:p>
+                  </a:txBody>
+                  <a:tcPr marL="50310" marR="50310" marT="25155" marB="25155" anchor="ctr"/>
+                </a:tc>
+                <a:tc>
+                  <a:txBody>
+                    <a:bodyPr/>
+                    <a:lstStyle/>
+                    <a:p>
+                      <a:pPr fontAlgn="base"/>
+                      <a:r>
+                        <a:rPr lang="en-IN" sz="1200" dirty="0">
+                          <a:effectLst/>
+                        </a:rPr>
+                        <a:t>₹10,000 - ₹20,000</a:t>
+                      </a:r>
+                    </a:p>
+                  </a:txBody>
+                  <a:tcPr marL="50310" marR="50310" marT="25155" marB="25155" anchor="ctr"/>
+                </a:tc>
+                <a:extLst>
+                  <a:ext uri="{0D108BD9-81ED-4DB2-BD59-A6C34878D82A}">
+                    <a16:rowId xmlns:a16="http://schemas.microsoft.com/office/drawing/2014/main" val="3796584715"/>
+                  </a:ext>
+                </a:extLst>
+              </a:tr>
+            </a:tbl>
+          </a:graphicData>
+        </a:graphic>
+      </p:graphicFrame>
     </p:spTree>
     <p:extLst>
       <p:ext uri="{BB962C8B-B14F-4D97-AF65-F5344CB8AC3E}">
-        <p14:creationId xmlns:p14="http://schemas.microsoft.com/office/powerpoint/2010/main" val="1767080051"/>
+        <p14:creationId xmlns:p14="http://schemas.microsoft.com/office/powerpoint/2010/main" val="3120119541"/>
       </p:ext>
     </p:extLst>
   </p:cSld>
@@ -29385,35 +29849,10 @@
       </p:grpSpPr>
       <p:sp>
         <p:nvSpPr>
-          <p:cNvPr id="2" name="Picture Placeholder 1">
+          <p:cNvPr id="2" name="Title 1">
             <a:extLst>
               <a:ext uri="{FF2B5EF4-FFF2-40B4-BE49-F238E27FC236}">
-                <a16:creationId xmlns:a16="http://schemas.microsoft.com/office/drawing/2014/main" id="{BF3578FD-E730-6981-C940-AF1C47115D9A}"/>
-              </a:ext>
-            </a:extLst>
-          </p:cNvPr>
-          <p:cNvSpPr>
-            <a:spLocks noGrp="1"/>
-          </p:cNvSpPr>
-          <p:nvPr>
-            <p:ph type="pic" sz="quarter" idx="14"/>
-          </p:nvPr>
-        </p:nvSpPr>
-        <p:spPr/>
-        <p:txBody>
-          <a:bodyPr/>
-          <a:lstStyle/>
-          <a:p>
-            <a:endParaRPr lang="en-IN" dirty="0"/>
-          </a:p>
-        </p:txBody>
-      </p:sp>
-      <p:sp>
-        <p:nvSpPr>
-          <p:cNvPr id="3" name="Title 2">
-            <a:extLst>
-              <a:ext uri="{FF2B5EF4-FFF2-40B4-BE49-F238E27FC236}">
-                <a16:creationId xmlns:a16="http://schemas.microsoft.com/office/drawing/2014/main" id="{0E1A26A0-C98A-8EE3-14BD-685125221C18}"/>
+                <a16:creationId xmlns:a16="http://schemas.microsoft.com/office/drawing/2014/main" id="{8F7C98D4-CF48-00EA-1E5E-14178BC62886}"/>
               </a:ext>
             </a:extLst>
           </p:cNvPr>
@@ -29429,14 +29868,252 @@
           <a:bodyPr/>
           <a:lstStyle/>
           <a:p>
+            <a:r>
+              <a:rPr lang="en-US" dirty="0">
+                <a:latin typeface="Calibri" panose="020F0502020204030204" pitchFamily="34" charset="0"/>
+              </a:rPr>
+              <a:t>Assumptions</a:t>
+            </a:r>
             <a:endParaRPr lang="en-IN" dirty="0"/>
+          </a:p>
+        </p:txBody>
+      </p:sp>
+      <p:sp>
+        <p:nvSpPr>
+          <p:cNvPr id="3" name="Content Placeholder 2">
+            <a:extLst>
+              <a:ext uri="{FF2B5EF4-FFF2-40B4-BE49-F238E27FC236}">
+                <a16:creationId xmlns:a16="http://schemas.microsoft.com/office/drawing/2014/main" id="{E9BCFC67-F5AA-8E05-39EC-73CBF3865066}"/>
+              </a:ext>
+            </a:extLst>
+          </p:cNvPr>
+          <p:cNvSpPr>
+            <a:spLocks noGrp="1"/>
+          </p:cNvSpPr>
+          <p:nvPr>
+            <p:ph idx="1"/>
+          </p:nvPr>
+        </p:nvSpPr>
+        <p:spPr/>
+        <p:txBody>
+          <a:bodyPr>
+            <a:normAutofit/>
+          </a:bodyPr>
+          <a:lstStyle/>
+          <a:p>
+            <a:pPr algn="l">
+              <a:buFont typeface="Arial" panose="020B0604020202020204" pitchFamily="34" charset="0"/>
+              <a:buChar char="•"/>
+            </a:pPr>
+            <a:r>
+              <a:rPr lang="en-GB" sz="2000" b="1" i="0" dirty="0">
+                <a:solidFill>
+                  <a:schemeClr val="tx1"/>
+                </a:solidFill>
+                <a:effectLst/>
+                <a:latin typeface="ui-sans-serif"/>
+              </a:rPr>
+              <a:t>Improved Content Quality:</a:t>
+            </a:r>
+            <a:r>
+              <a:rPr lang="en-GB" sz="2000" b="0" i="0" dirty="0">
+                <a:solidFill>
+                  <a:schemeClr val="tx1"/>
+                </a:solidFill>
+                <a:effectLst/>
+                <a:latin typeface="ui-sans-serif"/>
+              </a:rPr>
+              <a:t> Reduces harmful, offensive, or misleading content.</a:t>
+            </a:r>
+          </a:p>
+          <a:p>
+            <a:pPr algn="l">
+              <a:buFont typeface="Arial" panose="020B0604020202020204" pitchFamily="34" charset="0"/>
+              <a:buChar char="•"/>
+            </a:pPr>
+            <a:r>
+              <a:rPr lang="en-GB" sz="2000" b="1" i="0" dirty="0">
+                <a:solidFill>
+                  <a:schemeClr val="tx1"/>
+                </a:solidFill>
+                <a:effectLst/>
+                <a:latin typeface="ui-sans-serif"/>
+              </a:rPr>
+              <a:t>Enhanced User Experience:</a:t>
+            </a:r>
+            <a:r>
+              <a:rPr lang="en-GB" sz="2000" b="0" i="0" dirty="0">
+                <a:solidFill>
+                  <a:schemeClr val="tx1"/>
+                </a:solidFill>
+                <a:effectLst/>
+                <a:latin typeface="ui-sans-serif"/>
+              </a:rPr>
+              <a:t> Ensures a clean, safe, and inclusive media environment.</a:t>
+            </a:r>
+          </a:p>
+          <a:p>
+            <a:pPr algn="l">
+              <a:buFont typeface="Arial" panose="020B0604020202020204" pitchFamily="34" charset="0"/>
+              <a:buChar char="•"/>
+            </a:pPr>
+            <a:r>
+              <a:rPr lang="en-GB" sz="2000" b="1" i="0" dirty="0">
+                <a:solidFill>
+                  <a:schemeClr val="tx1"/>
+                </a:solidFill>
+                <a:effectLst/>
+                <a:latin typeface="ui-sans-serif"/>
+              </a:rPr>
+              <a:t>Higher Moderation Efficiency:</a:t>
+            </a:r>
+            <a:r>
+              <a:rPr lang="en-GB" sz="2000" b="0" i="0" dirty="0">
+                <a:solidFill>
+                  <a:schemeClr val="tx1"/>
+                </a:solidFill>
+                <a:effectLst/>
+                <a:latin typeface="ui-sans-serif"/>
+              </a:rPr>
+              <a:t> Automates bulk moderation, speeding up reviews.</a:t>
+            </a:r>
+          </a:p>
+          <a:p>
+            <a:pPr algn="l">
+              <a:buFont typeface="Arial" panose="020B0604020202020204" pitchFamily="34" charset="0"/>
+              <a:buChar char="•"/>
+            </a:pPr>
+            <a:r>
+              <a:rPr lang="en-GB" sz="2000" b="1" i="0" dirty="0">
+                <a:solidFill>
+                  <a:schemeClr val="tx1"/>
+                </a:solidFill>
+                <a:effectLst/>
+                <a:latin typeface="ui-sans-serif"/>
+              </a:rPr>
+              <a:t>Better Compliance:</a:t>
+            </a:r>
+            <a:r>
+              <a:rPr lang="en-GB" sz="2000" b="0" i="0" dirty="0">
+                <a:solidFill>
+                  <a:schemeClr val="tx1"/>
+                </a:solidFill>
+                <a:effectLst/>
+                <a:latin typeface="ui-sans-serif"/>
+              </a:rPr>
+              <a:t> Adheres to legal and ethical standards like GDPR.</a:t>
+            </a:r>
+          </a:p>
+          <a:p>
+            <a:pPr algn="l">
+              <a:buFont typeface="Arial" panose="020B0604020202020204" pitchFamily="34" charset="0"/>
+              <a:buChar char="•"/>
+            </a:pPr>
+            <a:r>
+              <a:rPr lang="en-GB" sz="2000" b="1" i="0" dirty="0">
+                <a:solidFill>
+                  <a:schemeClr val="tx1"/>
+                </a:solidFill>
+                <a:effectLst/>
+                <a:latin typeface="ui-sans-serif"/>
+              </a:rPr>
+              <a:t>Adaptability:</a:t>
+            </a:r>
+            <a:r>
+              <a:rPr lang="en-GB" sz="2000" b="0" i="0" dirty="0">
+                <a:solidFill>
+                  <a:schemeClr val="tx1"/>
+                </a:solidFill>
+                <a:effectLst/>
+                <a:latin typeface="ui-sans-serif"/>
+              </a:rPr>
+              <a:t> Stays effective against threats like deepfakes with continuous learning.</a:t>
+            </a:r>
+          </a:p>
+          <a:p>
+            <a:pPr algn="l">
+              <a:buFont typeface="Arial" panose="020B0604020202020204" pitchFamily="34" charset="0"/>
+              <a:buChar char="•"/>
+            </a:pPr>
+            <a:r>
+              <a:rPr lang="en-GB" sz="2000" b="1" i="0" dirty="0">
+                <a:solidFill>
+                  <a:schemeClr val="tx1"/>
+                </a:solidFill>
+                <a:effectLst/>
+                <a:latin typeface="ui-sans-serif"/>
+              </a:rPr>
+              <a:t>Increased Trust:</a:t>
+            </a:r>
+            <a:r>
+              <a:rPr lang="en-GB" sz="2000" b="0" i="0" dirty="0">
+                <a:solidFill>
+                  <a:schemeClr val="tx1"/>
+                </a:solidFill>
+                <a:effectLst/>
+                <a:latin typeface="ui-sans-serif"/>
+              </a:rPr>
+              <a:t> Builds trust with transparent and explainable AI decisions.</a:t>
+            </a:r>
+          </a:p>
+          <a:p>
+            <a:pPr algn="l">
+              <a:buFont typeface="Arial" panose="020B0604020202020204" pitchFamily="34" charset="0"/>
+              <a:buChar char="•"/>
+            </a:pPr>
+            <a:r>
+              <a:rPr lang="en-GB" sz="2000" b="1" i="0" dirty="0">
+                <a:solidFill>
+                  <a:schemeClr val="tx1"/>
+                </a:solidFill>
+                <a:effectLst/>
+                <a:latin typeface="ui-sans-serif"/>
+              </a:rPr>
+              <a:t>Cost Efficiency:</a:t>
+            </a:r>
+            <a:r>
+              <a:rPr lang="en-GB" sz="2000" b="0" i="0" dirty="0">
+                <a:solidFill>
+                  <a:schemeClr val="tx1"/>
+                </a:solidFill>
+                <a:effectLst/>
+                <a:latin typeface="ui-sans-serif"/>
+              </a:rPr>
+              <a:t> Reduces long-term operational costs through automation.</a:t>
+            </a:r>
+          </a:p>
+          <a:p>
+            <a:pPr algn="l">
+              <a:buFont typeface="Arial" panose="020B0604020202020204" pitchFamily="34" charset="0"/>
+              <a:buChar char="•"/>
+            </a:pPr>
+            <a:r>
+              <a:rPr lang="en-GB" sz="2000" b="1" i="0" dirty="0">
+                <a:solidFill>
+                  <a:schemeClr val="tx1"/>
+                </a:solidFill>
+                <a:effectLst/>
+                <a:latin typeface="ui-sans-serif"/>
+              </a:rPr>
+              <a:t>Scalability:</a:t>
+            </a:r>
+            <a:r>
+              <a:rPr lang="en-GB" sz="2000" b="0" i="0" dirty="0">
+                <a:solidFill>
+                  <a:schemeClr val="tx1"/>
+                </a:solidFill>
+                <a:effectLst/>
+                <a:latin typeface="ui-sans-serif"/>
+              </a:rPr>
+              <a:t> Handles growing content volumes efficiently.</a:t>
+            </a:r>
           </a:p>
         </p:txBody>
       </p:sp>
     </p:spTree>
     <p:extLst>
       <p:ext uri="{BB962C8B-B14F-4D97-AF65-F5344CB8AC3E}">
-        <p14:creationId xmlns:p14="http://schemas.microsoft.com/office/powerpoint/2010/main" val="669049184"/>
+        <p14:creationId xmlns:p14="http://schemas.microsoft.com/office/powerpoint/2010/main" val="4115636624"/>
       </p:ext>
     </p:extLst>
   </p:cSld>
@@ -29486,7 +30163,7 @@
           <a:p>
             <a:r>
               <a:rPr lang="en-IN" dirty="0"/>
-              <a:t>Guidelines </a:t>
+              <a:t>References</a:t>
             </a:r>
           </a:p>
         </p:txBody>
@@ -29513,59 +30190,304 @@
           <a:lstStyle/>
           <a:p>
             <a:r>
-              <a:rPr lang="en-IN" dirty="0"/>
-              <a:t>Do not use more than 15 slides.</a:t>
-            </a:r>
-          </a:p>
-          <a:p>
-            <a:r>
-              <a:rPr lang="en-IN" dirty="0"/>
-              <a:t>Do not give any theoretical fundamentals.</a:t>
-            </a:r>
-          </a:p>
-          <a:p>
-            <a:r>
-              <a:rPr lang="en-US" dirty="0"/>
-              <a:t>Illustrate with suitable means such as drawings, examples, algorithms, flow chart etc.</a:t>
-            </a:r>
-          </a:p>
-          <a:p>
-            <a:r>
-              <a:rPr lang="en-IN" dirty="0"/>
-              <a:t>Use a consistent format.</a:t>
-            </a:r>
-          </a:p>
-          <a:p>
-            <a:r>
-              <a:rPr lang="en-US" dirty="0"/>
-              <a:t>Check for spelling and grammar – ensure no errors (spell check). </a:t>
-            </a:r>
-          </a:p>
-          <a:p>
-            <a:r>
-              <a:rPr lang="en-US" dirty="0"/>
-              <a:t>Highlight the major advantages of the technique/method  proposed when compared with other techniques or conventional techniques.</a:t>
-            </a:r>
-            <a:endParaRPr lang="en-IN" dirty="0"/>
-          </a:p>
-          <a:p>
-            <a:r>
-              <a:rPr lang="en-IN" dirty="0"/>
-              <a:t>While uploading the PPT file, rename first 4 letters (i.e., 0000) with your PID nos.</a:t>
-            </a:r>
-          </a:p>
-          <a:p>
-            <a:pPr marL="0" indent="0">
-              <a:buNone/>
-            </a:pPr>
-            <a:endParaRPr lang="en-IN" dirty="0"/>
+              <a:rPr lang="en-US" dirty="0">
+                <a:latin typeface="ui-sans-serif"/>
+              </a:rPr>
+              <a:t>Anchal Pandey, Sukumar </a:t>
+            </a:r>
+            <a:r>
+              <a:rPr lang="en-US" dirty="0" err="1">
+                <a:latin typeface="ui-sans-serif"/>
+              </a:rPr>
+              <a:t>Moharana</a:t>
+            </a:r>
+            <a:r>
+              <a:rPr lang="en-US" dirty="0">
+                <a:latin typeface="ui-sans-serif"/>
+              </a:rPr>
+              <a:t>, Debi Prasanna Mohanty, </a:t>
+            </a:r>
+            <a:r>
+              <a:rPr lang="en-US" dirty="0" err="1">
+                <a:latin typeface="ui-sans-serif"/>
+              </a:rPr>
+              <a:t>Archit</a:t>
+            </a:r>
+            <a:r>
+              <a:rPr lang="en-US" dirty="0">
+                <a:latin typeface="ui-sans-serif"/>
+              </a:rPr>
+              <a:t> Panwar, </a:t>
+            </a:r>
+            <a:r>
+              <a:rPr lang="en-US" dirty="0" err="1">
+                <a:latin typeface="ui-sans-serif"/>
+              </a:rPr>
+              <a:t>Dewang</a:t>
+            </a:r>
+            <a:r>
+              <a:rPr lang="en-US" dirty="0">
+                <a:latin typeface="ui-sans-serif"/>
+              </a:rPr>
+              <a:t> Agarwal, and Siva Prasad Thota: "On-Device Content Moderation.“</a:t>
+            </a:r>
+          </a:p>
+          <a:p>
+            <a:r>
+              <a:rPr lang="en-US" dirty="0">
+                <a:latin typeface="ui-sans-serif"/>
+              </a:rPr>
+              <a:t>K, </a:t>
+            </a:r>
+            <a:r>
+              <a:rPr lang="en-US" dirty="0" err="1">
+                <a:latin typeface="ui-sans-serif"/>
+              </a:rPr>
+              <a:t>Ananthajothi</a:t>
+            </a:r>
+            <a:r>
+              <a:rPr lang="en-US" dirty="0">
+                <a:latin typeface="ui-sans-serif"/>
+              </a:rPr>
+              <a:t>, Meenakshi R, and Monica S. </a:t>
+            </a:r>
+            <a:r>
+              <a:rPr lang="en-US" i="1" dirty="0">
+                <a:latin typeface="ui-sans-serif"/>
+              </a:rPr>
+              <a:t>Promoting Positive Discourse: Advancing AI-Powered Content Moderation with Explainability and User Rephrasing</a:t>
+            </a:r>
+            <a:r>
+              <a:rPr lang="en-US" dirty="0">
+                <a:latin typeface="ui-sans-serif"/>
+              </a:rPr>
+              <a:t>.</a:t>
+            </a:r>
+          </a:p>
+          <a:p>
+            <a:r>
+              <a:rPr lang="en-US" dirty="0">
+                <a:latin typeface="ui-sans-serif"/>
+              </a:rPr>
+              <a:t>Arjun </a:t>
+            </a:r>
+            <a:r>
+              <a:rPr lang="en-US" dirty="0" err="1">
+                <a:latin typeface="ui-sans-serif"/>
+              </a:rPr>
+              <a:t>Mantri:Real-Time</a:t>
+            </a:r>
+            <a:r>
+              <a:rPr lang="en-US" dirty="0">
+                <a:latin typeface="ui-sans-serif"/>
+              </a:rPr>
+              <a:t> Content Moderation Using Artificial Intelligence and Machine Learning </a:t>
+            </a:r>
+          </a:p>
+          <a:p>
+            <a:r>
+              <a:rPr lang="en-US" dirty="0">
+                <a:latin typeface="ui-sans-serif"/>
+              </a:rPr>
+              <a:t>Singhal, Mohit, Chen Ling, </a:t>
+            </a:r>
+            <a:r>
+              <a:rPr lang="en-US" dirty="0" err="1">
+                <a:latin typeface="ui-sans-serif"/>
+              </a:rPr>
+              <a:t>Pujan</a:t>
+            </a:r>
+            <a:r>
+              <a:rPr lang="en-US" dirty="0">
+                <a:latin typeface="ui-sans-serif"/>
+              </a:rPr>
+              <a:t> Paudel, </a:t>
+            </a:r>
+            <a:r>
+              <a:rPr lang="en-US" dirty="0" err="1">
+                <a:latin typeface="ui-sans-serif"/>
+              </a:rPr>
+              <a:t>Poojitha</a:t>
+            </a:r>
+            <a:r>
+              <a:rPr lang="en-US" dirty="0">
+                <a:latin typeface="ui-sans-serif"/>
+              </a:rPr>
+              <a:t> Thota, Nihal </a:t>
+            </a:r>
+            <a:r>
+              <a:rPr lang="en-US" dirty="0" err="1">
+                <a:latin typeface="ui-sans-serif"/>
+              </a:rPr>
+              <a:t>Kumarswamy</a:t>
+            </a:r>
+            <a:r>
+              <a:rPr lang="en-US" dirty="0">
+                <a:latin typeface="ui-sans-serif"/>
+              </a:rPr>
+              <a:t>, Gianluca </a:t>
+            </a:r>
+            <a:r>
+              <a:rPr lang="en-US" dirty="0" err="1">
+                <a:latin typeface="ui-sans-serif"/>
+              </a:rPr>
+              <a:t>Stringhini</a:t>
+            </a:r>
+            <a:r>
+              <a:rPr lang="en-US" dirty="0">
+                <a:latin typeface="ui-sans-serif"/>
+              </a:rPr>
+              <a:t>, and Shirin </a:t>
+            </a:r>
+            <a:r>
+              <a:rPr lang="en-US" dirty="0" err="1">
+                <a:latin typeface="ui-sans-serif"/>
+              </a:rPr>
+              <a:t>Nilizadeh</a:t>
+            </a:r>
+            <a:r>
+              <a:rPr lang="en-US" dirty="0">
+                <a:latin typeface="ui-sans-serif"/>
+              </a:rPr>
+              <a:t>. "</a:t>
+            </a:r>
+            <a:r>
+              <a:rPr lang="en-US" dirty="0" err="1">
+                <a:latin typeface="ui-sans-serif"/>
+              </a:rPr>
+              <a:t>SoK</a:t>
+            </a:r>
+            <a:r>
+              <a:rPr lang="en-US" dirty="0">
+                <a:latin typeface="ui-sans-serif"/>
+              </a:rPr>
+              <a:t>: Content Moderation in Social Media, from Guidelines to Enforcement, and Research to Practice."</a:t>
+            </a:r>
+          </a:p>
+          <a:p>
+            <a:r>
+              <a:rPr lang="en-US" dirty="0">
+                <a:latin typeface="ui-sans-serif"/>
+              </a:rPr>
+              <a:t> Heba </a:t>
+            </a:r>
+            <a:r>
+              <a:rPr lang="en-US" dirty="0" err="1">
+                <a:latin typeface="ui-sans-serif"/>
+              </a:rPr>
+              <a:t>Saleous</a:t>
+            </a:r>
+            <a:r>
+              <a:rPr lang="en-US" dirty="0">
+                <a:latin typeface="ui-sans-serif"/>
+              </a:rPr>
+              <a:t>, Marton Gergely, and Khaled Shuaib. "Utilization of Artificial Intelligence for Social Media and Gaming Moderation."</a:t>
+            </a:r>
+            <a:endParaRPr lang="en-IN" dirty="0">
+              <a:latin typeface="ui-sans-serif"/>
+            </a:endParaRPr>
           </a:p>
         </p:txBody>
       </p:sp>
     </p:spTree>
     <p:extLst>
       <p:ext uri="{BB962C8B-B14F-4D97-AF65-F5344CB8AC3E}">
-        <p14:creationId xmlns:p14="http://schemas.microsoft.com/office/powerpoint/2010/main" val="3254291949"/>
+        <p14:creationId xmlns:p14="http://schemas.microsoft.com/office/powerpoint/2010/main" val="1767080051"/>
+      </p:ext>
+    </p:extLst>
+  </p:cSld>
+  <p:clrMapOvr>
+    <a:masterClrMapping/>
+  </p:clrMapOvr>
+</p:sld>
+</file>
+
+<file path=ppt/slides/slide14.xml><?xml version="1.0" encoding="utf-8"?>
+<p:sld xmlns:a="http://schemas.openxmlformats.org/drawingml/2006/main" xmlns:r="http://schemas.openxmlformats.org/officeDocument/2006/relationships" xmlns:p="http://schemas.openxmlformats.org/presentationml/2006/main">
+  <p:cSld>
+    <p:spTree>
+      <p:nvGrpSpPr>
+        <p:cNvPr id="1" name=""/>
+        <p:cNvGrpSpPr/>
+        <p:nvPr/>
+      </p:nvGrpSpPr>
+      <p:grpSpPr>
+        <a:xfrm>
+          <a:off x="0" y="0"/>
+          <a:ext cx="0" cy="0"/>
+          <a:chOff x="0" y="0"/>
+          <a:chExt cx="0" cy="0"/>
+        </a:xfrm>
+      </p:grpSpPr>
+      <p:sp>
+        <p:nvSpPr>
+          <p:cNvPr id="2" name="Picture Placeholder 1">
+            <a:extLst>
+              <a:ext uri="{FF2B5EF4-FFF2-40B4-BE49-F238E27FC236}">
+                <a16:creationId xmlns:a16="http://schemas.microsoft.com/office/drawing/2014/main" id="{BF3578FD-E730-6981-C940-AF1C47115D9A}"/>
+              </a:ext>
+            </a:extLst>
+          </p:cNvPr>
+          <p:cNvSpPr>
+            <a:spLocks noGrp="1"/>
+          </p:cNvSpPr>
+          <p:nvPr>
+            <p:ph type="pic" sz="quarter" idx="14"/>
+          </p:nvPr>
+        </p:nvSpPr>
+        <p:spPr/>
+        <p:txBody>
+          <a:bodyPr/>
+          <a:lstStyle/>
+          <a:p>
+            <a:endParaRPr lang="en-IN" dirty="0"/>
+          </a:p>
+        </p:txBody>
+      </p:sp>
+      <p:sp>
+        <p:nvSpPr>
+          <p:cNvPr id="3" name="Title 2">
+            <a:extLst>
+              <a:ext uri="{FF2B5EF4-FFF2-40B4-BE49-F238E27FC236}">
+                <a16:creationId xmlns:a16="http://schemas.microsoft.com/office/drawing/2014/main" id="{0E1A26A0-C98A-8EE3-14BD-685125221C18}"/>
+              </a:ext>
+            </a:extLst>
+          </p:cNvPr>
+          <p:cNvSpPr>
+            <a:spLocks noGrp="1"/>
+          </p:cNvSpPr>
+          <p:nvPr>
+            <p:ph type="title"/>
+          </p:nvPr>
+        </p:nvSpPr>
+        <p:spPr>
+          <a:xfrm>
+            <a:off x="1041009" y="992953"/>
+            <a:ext cx="4375053" cy="1321181"/>
+          </a:xfrm>
+        </p:spPr>
+        <p:txBody>
+          <a:bodyPr/>
+          <a:lstStyle/>
+          <a:p>
+            <a:r>
+              <a:rPr lang="en-IN" dirty="0"/>
+              <a:t>THANK YOU </a:t>
+            </a:r>
+            <a:r>
+              <a:rPr lang="en-IN" dirty="0">
+                <a:sym typeface="Wingdings" panose="05000000000000000000" pitchFamily="2" charset="2"/>
+              </a:rPr>
+              <a:t></a:t>
+            </a:r>
+            <a:endParaRPr lang="en-IN" dirty="0"/>
+          </a:p>
+        </p:txBody>
+      </p:sp>
+    </p:spTree>
+    <p:extLst>
+      <p:ext uri="{BB962C8B-B14F-4D97-AF65-F5344CB8AC3E}">
+        <p14:creationId xmlns:p14="http://schemas.microsoft.com/office/powerpoint/2010/main" val="669049184"/>
       </p:ext>
     </p:extLst>
   </p:cSld>
@@ -29636,13 +30558,18 @@
             <p:ph idx="1"/>
           </p:nvPr>
         </p:nvSpPr>
-        <p:spPr/>
+        <p:spPr>
+          <a:xfrm>
+            <a:off x="348000" y="1051200"/>
+            <a:ext cx="4586857" cy="3806550"/>
+          </a:xfrm>
+        </p:spPr>
         <p:txBody>
           <a:bodyPr/>
           <a:lstStyle/>
           <a:p>
             <a:r>
-              <a:rPr lang="en-GB" b="0" i="0" dirty="0">
+              <a:rPr lang="en-GB" i="0" dirty="0">
                 <a:solidFill>
                   <a:schemeClr val="tx1"/>
                 </a:solidFill>
@@ -29659,17 +30586,17 @@
                 <a:effectLst/>
                 <a:latin typeface="ui-sans-serif"/>
               </a:rPr>
-              <a:t>AI-powered content moderation system</a:t>
-            </a:r>
-            <a:r>
-              <a:rPr lang="en-GB" b="0" i="0" dirty="0">
+              <a:t>AI-powered</a:t>
+            </a:r>
+            <a:r>
+              <a:rPr lang="en-GB" i="0" dirty="0">
                 <a:solidFill>
                   <a:schemeClr val="tx1"/>
                 </a:solidFill>
                 <a:effectLst/>
                 <a:latin typeface="ui-sans-serif"/>
               </a:rPr>
-              <a:t> capable of </a:t>
+              <a:t> </a:t>
             </a:r>
             <a:r>
               <a:rPr lang="en-GB" b="1" i="0" dirty="0">
@@ -29679,10 +30606,190 @@
                 <a:effectLst/>
                 <a:latin typeface="ui-sans-serif"/>
               </a:rPr>
-              <a:t>real-time detection, analysis, and management of inappropriate, harmful, or restricted content</a:t>
-            </a:r>
-            <a:r>
-              <a:rPr lang="en-GB" b="0" i="0" dirty="0">
+              <a:t>content</a:t>
+            </a:r>
+            <a:r>
+              <a:rPr lang="en-GB" i="0" dirty="0">
+                <a:solidFill>
+                  <a:schemeClr val="tx1"/>
+                </a:solidFill>
+                <a:effectLst/>
+                <a:latin typeface="ui-sans-serif"/>
+              </a:rPr>
+              <a:t> </a:t>
+            </a:r>
+            <a:r>
+              <a:rPr lang="en-GB" b="1" i="0" dirty="0">
+                <a:solidFill>
+                  <a:schemeClr val="tx1"/>
+                </a:solidFill>
+                <a:effectLst/>
+                <a:latin typeface="ui-sans-serif"/>
+              </a:rPr>
+              <a:t>moderation</a:t>
+            </a:r>
+            <a:r>
+              <a:rPr lang="en-GB" i="0" dirty="0">
+                <a:solidFill>
+                  <a:schemeClr val="tx1"/>
+                </a:solidFill>
+                <a:effectLst/>
+                <a:latin typeface="ui-sans-serif"/>
+              </a:rPr>
+              <a:t> system capable of </a:t>
+            </a:r>
+            <a:r>
+              <a:rPr lang="en-GB" b="1" i="0" dirty="0">
+                <a:solidFill>
+                  <a:schemeClr val="tx1"/>
+                </a:solidFill>
+                <a:effectLst/>
+                <a:latin typeface="ui-sans-serif"/>
+              </a:rPr>
+              <a:t>real-time</a:t>
+            </a:r>
+            <a:r>
+              <a:rPr lang="en-GB" i="0" dirty="0">
+                <a:solidFill>
+                  <a:schemeClr val="tx1"/>
+                </a:solidFill>
+                <a:effectLst/>
+                <a:latin typeface="ui-sans-serif"/>
+              </a:rPr>
+              <a:t> </a:t>
+            </a:r>
+            <a:r>
+              <a:rPr lang="en-GB" b="1" i="0" dirty="0">
+                <a:solidFill>
+                  <a:schemeClr val="tx1"/>
+                </a:solidFill>
+                <a:effectLst/>
+                <a:latin typeface="ui-sans-serif"/>
+              </a:rPr>
+              <a:t>detection</a:t>
+            </a:r>
+            <a:r>
+              <a:rPr lang="en-GB" i="0" dirty="0">
+                <a:solidFill>
+                  <a:schemeClr val="tx1"/>
+                </a:solidFill>
+                <a:effectLst/>
+                <a:latin typeface="ui-sans-serif"/>
+              </a:rPr>
+              <a:t>, </a:t>
+            </a:r>
+            <a:r>
+              <a:rPr lang="en-GB" b="1" i="0" dirty="0">
+                <a:solidFill>
+                  <a:schemeClr val="tx1"/>
+                </a:solidFill>
+                <a:effectLst/>
+                <a:latin typeface="ui-sans-serif"/>
+              </a:rPr>
+              <a:t>analysis</a:t>
+            </a:r>
+            <a:r>
+              <a:rPr lang="en-GB" i="0" dirty="0">
+                <a:solidFill>
+                  <a:schemeClr val="tx1"/>
+                </a:solidFill>
+                <a:effectLst/>
+                <a:latin typeface="ui-sans-serif"/>
+              </a:rPr>
+              <a:t>, and </a:t>
+            </a:r>
+            <a:r>
+              <a:rPr lang="en-GB" b="1" i="0" dirty="0">
+                <a:solidFill>
+                  <a:schemeClr val="tx1"/>
+                </a:solidFill>
+                <a:effectLst/>
+                <a:latin typeface="ui-sans-serif"/>
+              </a:rPr>
+              <a:t>management</a:t>
+            </a:r>
+            <a:r>
+              <a:rPr lang="en-GB" i="0" dirty="0">
+                <a:solidFill>
+                  <a:schemeClr val="tx1"/>
+                </a:solidFill>
+                <a:effectLst/>
+                <a:latin typeface="ui-sans-serif"/>
+              </a:rPr>
+              <a:t> of </a:t>
+            </a:r>
+            <a:r>
+              <a:rPr lang="en-GB" b="1" i="0" dirty="0">
+                <a:solidFill>
+                  <a:schemeClr val="tx1"/>
+                </a:solidFill>
+                <a:effectLst/>
+                <a:latin typeface="ui-sans-serif"/>
+              </a:rPr>
+              <a:t>inappropriate</a:t>
+            </a:r>
+            <a:r>
+              <a:rPr lang="en-GB" i="0" dirty="0">
+                <a:solidFill>
+                  <a:schemeClr val="tx1"/>
+                </a:solidFill>
+                <a:effectLst/>
+                <a:latin typeface="ui-sans-serif"/>
+              </a:rPr>
+              <a:t>, </a:t>
+            </a:r>
+            <a:r>
+              <a:rPr lang="en-GB" b="1" i="0" dirty="0">
+                <a:solidFill>
+                  <a:schemeClr val="tx1"/>
+                </a:solidFill>
+                <a:effectLst/>
+                <a:latin typeface="ui-sans-serif"/>
+              </a:rPr>
+              <a:t>harmful</a:t>
+            </a:r>
+            <a:r>
+              <a:rPr lang="en-GB" i="0" dirty="0">
+                <a:solidFill>
+                  <a:schemeClr val="tx1"/>
+                </a:solidFill>
+                <a:effectLst/>
+                <a:latin typeface="ui-sans-serif"/>
+              </a:rPr>
+              <a:t>, or </a:t>
+            </a:r>
+            <a:r>
+              <a:rPr lang="en-GB" b="1" i="0" dirty="0">
+                <a:solidFill>
+                  <a:schemeClr val="tx1"/>
+                </a:solidFill>
+                <a:effectLst/>
+                <a:latin typeface="ui-sans-serif"/>
+              </a:rPr>
+              <a:t>restricted</a:t>
+            </a:r>
+            <a:r>
+              <a:rPr lang="en-GB" i="0" dirty="0">
+                <a:solidFill>
+                  <a:schemeClr val="tx1"/>
+                </a:solidFill>
+                <a:effectLst/>
+                <a:latin typeface="ui-sans-serif"/>
+              </a:rPr>
+              <a:t> </a:t>
+            </a:r>
+            <a:r>
+              <a:rPr lang="en-GB" b="1" i="0" dirty="0">
+                <a:solidFill>
+                  <a:schemeClr val="tx1"/>
+                </a:solidFill>
+                <a:effectLst/>
+                <a:latin typeface="ui-sans-serif"/>
+              </a:rPr>
+              <a:t>content</a:t>
+            </a:r>
+            <a:r>
+              <a:rPr lang="en-GB" i="0" dirty="0">
                 <a:solidFill>
                   <a:schemeClr val="tx1"/>
                 </a:solidFill>
@@ -29699,17 +30806,17 @@
                 <a:effectLst/>
                 <a:latin typeface="ui-sans-serif"/>
               </a:rPr>
-              <a:t>text, image, and video formats</a:t>
-            </a:r>
-            <a:r>
-              <a:rPr lang="en-GB" b="0" i="0" dirty="0">
+              <a:t>text</a:t>
+            </a:r>
+            <a:r>
+              <a:rPr lang="en-GB" i="0" dirty="0">
                 <a:solidFill>
                   <a:schemeClr val="tx1"/>
                 </a:solidFill>
                 <a:effectLst/>
                 <a:latin typeface="ui-sans-serif"/>
               </a:rPr>
-              <a:t> on multimedia platforms. The system must harmonize the </a:t>
+              <a:t>, </a:t>
             </a:r>
             <a:r>
               <a:rPr lang="en-GB" b="1" i="0" dirty="0">
@@ -29719,17 +30826,17 @@
                 <a:effectLst/>
                 <a:latin typeface="ui-sans-serif"/>
               </a:rPr>
-              <a:t>precision of automated AI models</a:t>
-            </a:r>
-            <a:r>
-              <a:rPr lang="en-GB" b="0" i="0" dirty="0">
+              <a:t>image</a:t>
+            </a:r>
+            <a:r>
+              <a:rPr lang="en-GB" i="0" dirty="0">
                 <a:solidFill>
                   <a:schemeClr val="tx1"/>
                 </a:solidFill>
                 <a:effectLst/>
                 <a:latin typeface="ui-sans-serif"/>
               </a:rPr>
-              <a:t> with the </a:t>
+              <a:t>, and </a:t>
             </a:r>
             <a:r>
               <a:rPr lang="en-GB" b="1" i="0" dirty="0">
@@ -29739,17 +30846,17 @@
                 <a:effectLst/>
                 <a:latin typeface="ui-sans-serif"/>
               </a:rPr>
-              <a:t>contextual understanding of human oversight</a:t>
-            </a:r>
-            <a:r>
-              <a:rPr lang="en-GB" b="0" i="0" dirty="0">
+              <a:t>video</a:t>
+            </a:r>
+            <a:r>
+              <a:rPr lang="en-GB" i="0" dirty="0">
                 <a:solidFill>
                   <a:schemeClr val="tx1"/>
                 </a:solidFill>
                 <a:effectLst/>
                 <a:latin typeface="ui-sans-serif"/>
               </a:rPr>
-              <a:t>, ensuring </a:t>
+              <a:t> </a:t>
             </a:r>
             <a:r>
               <a:rPr lang="en-GB" b="1" i="0" dirty="0">
@@ -29759,17 +30866,49 @@
                 <a:effectLst/>
                 <a:latin typeface="ui-sans-serif"/>
               </a:rPr>
-              <a:t>compliance with international copyright laws, cultural norms, and community standards</a:t>
-            </a:r>
-            <a:r>
-              <a:rPr lang="en-GB" b="0" i="0" dirty="0">
+              <a:t>formats</a:t>
+            </a:r>
+            <a:r>
+              <a:rPr lang="en-GB" i="0" dirty="0">
                 <a:solidFill>
                   <a:schemeClr val="tx1"/>
                 </a:solidFill>
                 <a:effectLst/>
                 <a:latin typeface="ui-sans-serif"/>
               </a:rPr>
-              <a:t>.</a:t>
+              <a:t> on </a:t>
+            </a:r>
+            <a:r>
+              <a:rPr lang="en-GB" b="1" i="0" dirty="0">
+                <a:solidFill>
+                  <a:schemeClr val="tx1"/>
+                </a:solidFill>
+                <a:effectLst/>
+                <a:latin typeface="ui-sans-serif"/>
+              </a:rPr>
+              <a:t>multimedia</a:t>
+            </a:r>
+            <a:r>
+              <a:rPr lang="en-GB" i="0" dirty="0">
+                <a:solidFill>
+                  <a:schemeClr val="tx1"/>
+                </a:solidFill>
+                <a:effectLst/>
+                <a:latin typeface="ui-sans-serif"/>
+              </a:rPr>
+              <a:t> platforms.</a:t>
+            </a:r>
+          </a:p>
+          <a:p>
+            <a:r>
+              <a:rPr lang="en-GB" i="0" dirty="0">
+                <a:solidFill>
+                  <a:schemeClr val="tx1"/>
+                </a:solidFill>
+                <a:effectLst/>
+                <a:latin typeface="ui-sans-serif"/>
+              </a:rPr>
+              <a:t> The system must harmonize the precision of automated AI models with the contextual understanding of human oversight, ensuring compliance with international copyright laws, cultural norms, and community standards.</a:t>
             </a:r>
             <a:endParaRPr lang="en-IN" dirty="0">
               <a:solidFill>
@@ -29779,6 +30918,93 @@
           </a:p>
         </p:txBody>
       </p:sp>
+      <p:sp>
+        <p:nvSpPr>
+          <p:cNvPr id="4" name="AutoShape 2" descr="AI-Powered Content Moderation: Revolutionizing Online Safety!">
+            <a:extLst>
+              <a:ext uri="{FF2B5EF4-FFF2-40B4-BE49-F238E27FC236}">
+                <a16:creationId xmlns:a16="http://schemas.microsoft.com/office/drawing/2014/main" id="{07B894D5-660B-FFF3-71CE-43B344F7C7CA}"/>
+              </a:ext>
+            </a:extLst>
+          </p:cNvPr>
+          <p:cNvSpPr>
+            <a:spLocks noChangeAspect="1" noChangeArrowheads="1"/>
+          </p:cNvSpPr>
+          <p:nvPr/>
+        </p:nvSpPr>
+        <p:spPr bwMode="auto">
+          <a:xfrm>
+            <a:off x="4419600" y="2419350"/>
+            <a:ext cx="304800" cy="304800"/>
+          </a:xfrm>
+          <a:prstGeom prst="rect">
+            <a:avLst/>
+          </a:prstGeom>
+          <a:noFill/>
+          <a:extLst>
+            <a:ext uri="{909E8E84-426E-40DD-AFC4-6F175D3DCCD1}">
+              <a14:hiddenFill xmlns:a14="http://schemas.microsoft.com/office/drawing/2010/main">
+                <a:solidFill>
+                  <a:srgbClr val="FFFFFF"/>
+                </a:solidFill>
+              </a14:hiddenFill>
+            </a:ext>
+          </a:extLst>
+        </p:spPr>
+        <p:txBody>
+          <a:bodyPr vert="horz" wrap="square" lIns="91440" tIns="45720" rIns="91440" bIns="45720" numCol="1" anchor="t" anchorCtr="0" compatLnSpc="1">
+            <a:prstTxWarp prst="textNoShape">
+              <a:avLst/>
+            </a:prstTxWarp>
+          </a:bodyPr>
+          <a:lstStyle/>
+          <a:p>
+            <a:endParaRPr lang="en-IN"/>
+          </a:p>
+        </p:txBody>
+      </p:sp>
+      <p:pic>
+        <p:nvPicPr>
+          <p:cNvPr id="6" name="Picture 5">
+            <a:extLst>
+              <a:ext uri="{FF2B5EF4-FFF2-40B4-BE49-F238E27FC236}">
+                <a16:creationId xmlns:a16="http://schemas.microsoft.com/office/drawing/2014/main" id="{4C341AD9-2D51-519C-E070-5CD96AEB82ED}"/>
+              </a:ext>
+            </a:extLst>
+          </p:cNvPr>
+          <p:cNvPicPr>
+            <a:picLocks noChangeAspect="1"/>
+          </p:cNvPicPr>
+          <p:nvPr/>
+        </p:nvPicPr>
+        <p:blipFill>
+          <a:blip r:embed="rId2" cstate="print">
+            <a:extLst>
+              <a:ext uri="{28A0092B-C50C-407E-A947-70E740481C1C}">
+                <a14:useLocalDpi xmlns:a14="http://schemas.microsoft.com/office/drawing/2010/main" val="0"/>
+              </a:ext>
+            </a:extLst>
+          </a:blip>
+          <a:stretch>
+            <a:fillRect/>
+          </a:stretch>
+        </p:blipFill>
+        <p:spPr>
+          <a:xfrm>
+            <a:off x="4849442" y="1022350"/>
+            <a:ext cx="3764787" cy="2794000"/>
+          </a:xfrm>
+          <a:prstGeom prst="rect">
+            <a:avLst/>
+          </a:prstGeom>
+          <a:ln>
+            <a:noFill/>
+          </a:ln>
+          <a:effectLst>
+            <a:softEdge rad="112500"/>
+          </a:effectLst>
+        </p:spPr>
+      </p:pic>
     </p:spTree>
     <p:extLst>
       <p:ext uri="{BB962C8B-B14F-4D97-AF65-F5344CB8AC3E}">
@@ -29797,7 +31023,13 @@
   <p:cSld>
     <p:spTree>
       <p:nvGrpSpPr>
-        <p:cNvPr id="1" name=""/>
+        <p:cNvPr id="1" name="">
+          <a:extLst>
+            <a:ext uri="{FF2B5EF4-FFF2-40B4-BE49-F238E27FC236}">
+              <a16:creationId xmlns:a16="http://schemas.microsoft.com/office/drawing/2014/main" id="{0F37E460-C894-E9C2-ECD8-DBCCA29961E9}"/>
+            </a:ext>
+          </a:extLst>
+        </p:cNvPr>
         <p:cNvGrpSpPr/>
         <p:nvPr/>
       </p:nvGrpSpPr>
@@ -29814,7 +31046,7 @@
           <p:cNvPr id="2" name="Title 1">
             <a:extLst>
               <a:ext uri="{FF2B5EF4-FFF2-40B4-BE49-F238E27FC236}">
-                <a16:creationId xmlns:a16="http://schemas.microsoft.com/office/drawing/2014/main" id="{FB354204-4C63-665A-7B8E-A142EB73B3BF}"/>
+                <a16:creationId xmlns:a16="http://schemas.microsoft.com/office/drawing/2014/main" id="{C77CF598-FBD9-90BC-349C-85C37D25954C}"/>
               </a:ext>
             </a:extLst>
           </p:cNvPr>
@@ -29832,7 +31064,7 @@
           <a:p>
             <a:r>
               <a:rPr lang="en-IN" dirty="0"/>
-              <a:t>Concept / Solution</a:t>
+              <a:t>Concept / Solution - 1</a:t>
             </a:r>
           </a:p>
         </p:txBody>
@@ -29842,7 +31074,7 @@
           <p:cNvPr id="3" name="Content Placeholder 2">
             <a:extLst>
               <a:ext uri="{FF2B5EF4-FFF2-40B4-BE49-F238E27FC236}">
-                <a16:creationId xmlns:a16="http://schemas.microsoft.com/office/drawing/2014/main" id="{AFC9E5D7-7BA1-9D1F-5647-D6E0EC4E6BE7}"/>
+                <a16:creationId xmlns:a16="http://schemas.microsoft.com/office/drawing/2014/main" id="{C4A104CF-8F02-6832-9486-B9600A022E72}"/>
               </a:ext>
             </a:extLst>
           </p:cNvPr>
@@ -29860,262 +31092,19 @@
           </a:bodyPr>
           <a:lstStyle/>
           <a:p>
-            <a:pPr algn="l"/>
-            <a:r>
-              <a:rPr lang="en-GB" sz="1400" b="0" i="0" dirty="0">
-                <a:solidFill>
-                  <a:schemeClr val="tx1"/>
-                </a:solidFill>
-                <a:effectLst/>
-                <a:latin typeface="ui-sans-serif"/>
-              </a:rPr>
-              <a:t>The idea is to create a system that can automatically find and manage harmful or inappropriate content, like offensive language, violent images, or fake information, in posts, videos, and audio shared online. This system will also involve people for more complex decisions, ensuring fairness and understanding of cultural differences.</a:t>
-            </a:r>
-          </a:p>
-          <a:p>
-            <a:pPr lvl="1">
-              <a:buFont typeface="+mj-lt"/>
-              <a:buAutoNum type="arabicPeriod"/>
-            </a:pPr>
-            <a:r>
-              <a:rPr lang="en-GB" b="1" i="0" dirty="0">
-                <a:solidFill>
-                  <a:schemeClr val="tx1"/>
-                </a:solidFill>
-                <a:effectLst/>
-                <a:latin typeface="ui-sans-serif"/>
-              </a:rPr>
-              <a:t>What It Does</a:t>
-            </a:r>
-            <a:r>
-              <a:rPr lang="en-GB" b="0" i="0" dirty="0">
-                <a:solidFill>
-                  <a:schemeClr val="tx1"/>
-                </a:solidFill>
-                <a:effectLst/>
-                <a:latin typeface="ui-sans-serif"/>
-              </a:rPr>
-              <a:t>:</a:t>
-            </a:r>
-          </a:p>
-          <a:p>
-            <a:pPr marL="1085841" lvl="2" indent="-285750">
-              <a:buFont typeface="+mj-lt"/>
-              <a:buAutoNum type="arabicPeriod"/>
-            </a:pPr>
-            <a:r>
-              <a:rPr lang="en-GB" sz="1600" b="0" i="0" dirty="0">
-                <a:solidFill>
-                  <a:schemeClr val="tx1"/>
-                </a:solidFill>
-                <a:effectLst/>
-                <a:latin typeface="ui-sans-serif"/>
-              </a:rPr>
-              <a:t>The system reviews text to spot harmful words or misinformation.</a:t>
-            </a:r>
-          </a:p>
-          <a:p>
-            <a:pPr marL="1085841" lvl="2" indent="-285750">
-              <a:buFont typeface="+mj-lt"/>
-              <a:buAutoNum type="arabicPeriod"/>
-            </a:pPr>
-            <a:r>
-              <a:rPr lang="en-GB" sz="1600" b="0" i="0" dirty="0">
-                <a:solidFill>
-                  <a:schemeClr val="tx1"/>
-                </a:solidFill>
-                <a:effectLst/>
-                <a:latin typeface="ui-sans-serif"/>
-              </a:rPr>
-              <a:t>It looks at pictures and videos to find inappropriate visuals or actions.</a:t>
-            </a:r>
-          </a:p>
-          <a:p>
-            <a:pPr marL="1085841" lvl="2" indent="-285750">
-              <a:buFont typeface="+mj-lt"/>
-              <a:buAutoNum type="arabicPeriod"/>
-            </a:pPr>
-            <a:r>
-              <a:rPr lang="en-GB" sz="1600" b="0" i="0" dirty="0">
-                <a:solidFill>
-                  <a:schemeClr val="tx1"/>
-                </a:solidFill>
-                <a:effectLst/>
-                <a:latin typeface="ui-sans-serif"/>
-              </a:rPr>
-              <a:t>It listens to audio to identify offensive or harmful speech.</a:t>
-            </a:r>
-          </a:p>
-          <a:p>
-            <a:pPr lvl="1">
-              <a:buFont typeface="+mj-lt"/>
-              <a:buAutoNum type="arabicPeriod"/>
-            </a:pPr>
-            <a:r>
-              <a:rPr lang="en-GB" b="1" i="0" dirty="0">
-                <a:solidFill>
-                  <a:schemeClr val="tx1"/>
-                </a:solidFill>
-                <a:effectLst/>
-                <a:latin typeface="ui-sans-serif"/>
-              </a:rPr>
-              <a:t>How It Works</a:t>
-            </a:r>
-            <a:r>
-              <a:rPr lang="en-GB" b="0" i="0" dirty="0">
-                <a:solidFill>
-                  <a:schemeClr val="tx1"/>
-                </a:solidFill>
-                <a:effectLst/>
-                <a:latin typeface="ui-sans-serif"/>
-              </a:rPr>
-              <a:t>:</a:t>
-            </a:r>
-          </a:p>
-          <a:p>
-            <a:pPr marL="1085841" lvl="2" indent="-285750">
-              <a:buFont typeface="+mj-lt"/>
-              <a:buAutoNum type="arabicPeriod"/>
-            </a:pPr>
-            <a:r>
-              <a:rPr lang="en-GB" sz="1600" b="0" i="0" dirty="0">
-                <a:solidFill>
-                  <a:schemeClr val="tx1"/>
-                </a:solidFill>
-                <a:effectLst/>
-                <a:latin typeface="ui-sans-serif"/>
-              </a:rPr>
-              <a:t>The system handles most content automatically, quickly flagging anything inappropriate.</a:t>
-            </a:r>
-          </a:p>
-          <a:p>
-            <a:pPr marL="1085841" lvl="2" indent="-285750">
-              <a:buFont typeface="+mj-lt"/>
-              <a:buAutoNum type="arabicPeriod"/>
-            </a:pPr>
-            <a:r>
-              <a:rPr lang="en-GB" sz="1600" b="0" i="0" dirty="0">
-                <a:solidFill>
-                  <a:schemeClr val="tx1"/>
-                </a:solidFill>
-                <a:effectLst/>
-                <a:latin typeface="ui-sans-serif"/>
-              </a:rPr>
-              <a:t>If the content is unclear, human reviewers will decide.</a:t>
-            </a:r>
-          </a:p>
-          <a:p>
-            <a:pPr marL="1085841" lvl="2" indent="-285750">
-              <a:buFont typeface="+mj-lt"/>
-              <a:buAutoNum type="arabicPeriod"/>
-            </a:pPr>
-            <a:r>
-              <a:rPr lang="en-GB" sz="1600" b="0" i="0" dirty="0">
-                <a:solidFill>
-                  <a:schemeClr val="tx1"/>
-                </a:solidFill>
-                <a:effectLst/>
-                <a:latin typeface="ui-sans-serif"/>
-              </a:rPr>
-              <a:t>The system learns from human feedback to get better over time.</a:t>
-            </a:r>
-          </a:p>
-          <a:p>
-            <a:pPr lvl="1">
-              <a:buFont typeface="+mj-lt"/>
-              <a:buAutoNum type="arabicPeriod"/>
-            </a:pPr>
-            <a:r>
-              <a:rPr lang="en-GB" b="1" i="0" dirty="0">
-                <a:solidFill>
-                  <a:schemeClr val="tx1"/>
-                </a:solidFill>
-                <a:effectLst/>
-                <a:latin typeface="ui-sans-serif"/>
-              </a:rPr>
-              <a:t>Why It’s Better</a:t>
-            </a:r>
-            <a:r>
-              <a:rPr lang="en-GB" b="0" i="0" dirty="0">
-                <a:solidFill>
-                  <a:schemeClr val="tx1"/>
-                </a:solidFill>
-                <a:effectLst/>
-                <a:latin typeface="ui-sans-serif"/>
-              </a:rPr>
-              <a:t>:</a:t>
-            </a:r>
-          </a:p>
-          <a:p>
-            <a:pPr marL="1085841" lvl="2" indent="-285750">
-              <a:buFont typeface="+mj-lt"/>
-              <a:buAutoNum type="arabicPeriod"/>
-            </a:pPr>
-            <a:r>
-              <a:rPr lang="en-GB" sz="1600" b="0" i="0" dirty="0">
-                <a:solidFill>
-                  <a:schemeClr val="tx1"/>
-                </a:solidFill>
-                <a:effectLst/>
-                <a:latin typeface="ui-sans-serif"/>
-              </a:rPr>
-              <a:t>It explains why something is flagged, helping users understand and build trust.</a:t>
-            </a:r>
-          </a:p>
-          <a:p>
-            <a:pPr marL="1085841" lvl="2" indent="-285750">
-              <a:buFont typeface="+mj-lt"/>
-              <a:buAutoNum type="arabicPeriod"/>
-            </a:pPr>
-            <a:r>
-              <a:rPr lang="en-GB" sz="1600" b="0" i="0" dirty="0">
-                <a:solidFill>
-                  <a:schemeClr val="tx1"/>
-                </a:solidFill>
-                <a:effectLst/>
-                <a:latin typeface="ui-sans-serif"/>
-              </a:rPr>
-              <a:t>It suggests changes to flagged content so users can fix issues instead of just deleting it.</a:t>
-            </a:r>
-          </a:p>
-          <a:p>
-            <a:pPr marL="1085841" lvl="2" indent="-285750">
-              <a:buFont typeface="+mj-lt"/>
-              <a:buAutoNum type="arabicPeriod"/>
-            </a:pPr>
-            <a:r>
-              <a:rPr lang="en-GB" sz="1600" b="0" i="0" dirty="0">
-                <a:solidFill>
-                  <a:schemeClr val="tx1"/>
-                </a:solidFill>
-                <a:effectLst/>
-                <a:latin typeface="ui-sans-serif"/>
-              </a:rPr>
-              <a:t>It can also identify fake or edited content like deepfakes to ensure authenticity</a:t>
-            </a:r>
-            <a:r>
-              <a:rPr lang="en-GB" sz="1200" b="0" i="0" dirty="0">
-                <a:solidFill>
-                  <a:schemeClr val="tx1"/>
-                </a:solidFill>
-                <a:effectLst/>
-                <a:latin typeface="ui-sans-serif"/>
-              </a:rPr>
-              <a:t>.</a:t>
-            </a:r>
-          </a:p>
-          <a:p>
             <a:pPr marL="0" indent="0">
               <a:buNone/>
             </a:pPr>
-            <a:br>
-              <a:rPr lang="en-IN" sz="1400" dirty="0">
+            <a:r>
+              <a:rPr lang="en-GB" sz="1600" b="1" i="0" dirty="0">
                 <a:solidFill>
                   <a:schemeClr val="tx1"/>
                 </a:solidFill>
+                <a:effectLst/>
               </a:rPr>
-            </a:br>
-            <a:endParaRPr lang="en-GB" sz="1400" b="0" i="0" dirty="0">
+              <a:t>Concept</a:t>
+            </a:r>
+            <a:endParaRPr lang="en-GB" sz="1600" b="0" i="0" dirty="0">
               <a:solidFill>
                 <a:schemeClr val="tx1"/>
               </a:solidFill>
@@ -30124,7 +31113,126 @@
             </a:endParaRPr>
           </a:p>
           <a:p>
-            <a:endParaRPr lang="en-IN" sz="1400" dirty="0">
+            <a:pPr algn="l"/>
+            <a:r>
+              <a:rPr lang="en-GB" sz="1600" b="0" i="0" dirty="0">
+                <a:solidFill>
+                  <a:schemeClr val="tx1"/>
+                </a:solidFill>
+                <a:effectLst/>
+                <a:latin typeface="ui-sans-serif"/>
+              </a:rPr>
+              <a:t>The </a:t>
+            </a:r>
+            <a:r>
+              <a:rPr lang="en-GB" sz="1600" b="1" i="0" dirty="0">
+                <a:solidFill>
+                  <a:schemeClr val="tx1"/>
+                </a:solidFill>
+                <a:effectLst/>
+                <a:latin typeface="ui-sans-serif"/>
+              </a:rPr>
+              <a:t>AI-Powered Content Moderation System</a:t>
+            </a:r>
+            <a:r>
+              <a:rPr lang="en-GB" sz="1600" b="0" i="0" dirty="0">
+                <a:solidFill>
+                  <a:schemeClr val="tx1"/>
+                </a:solidFill>
+                <a:effectLst/>
+                <a:latin typeface="ui-sans-serif"/>
+              </a:rPr>
+              <a:t> addresses the growing challenge of managing harmful and inappropriate online content through an advanced, technology-driven approach.</a:t>
+            </a:r>
+          </a:p>
+          <a:p>
+            <a:pPr algn="l"/>
+            <a:r>
+              <a:rPr lang="en-GB" sz="1600" b="0" i="0" dirty="0">
+                <a:solidFill>
+                  <a:schemeClr val="tx1"/>
+                </a:solidFill>
+                <a:effectLst/>
+                <a:latin typeface="ui-sans-serif"/>
+              </a:rPr>
+              <a:t>It integrates </a:t>
+            </a:r>
+            <a:r>
+              <a:rPr lang="en-GB" sz="1600" b="1" i="0" dirty="0">
+                <a:solidFill>
+                  <a:schemeClr val="tx1"/>
+                </a:solidFill>
+                <a:effectLst/>
+                <a:latin typeface="ui-sans-serif"/>
+              </a:rPr>
+              <a:t>real-time detection</a:t>
+            </a:r>
+            <a:r>
+              <a:rPr lang="en-GB" sz="1600" b="0" i="0" dirty="0">
+                <a:solidFill>
+                  <a:schemeClr val="tx1"/>
+                </a:solidFill>
+                <a:effectLst/>
+                <a:latin typeface="ui-sans-serif"/>
+              </a:rPr>
+              <a:t>, </a:t>
+            </a:r>
+            <a:r>
+              <a:rPr lang="en-GB" sz="1600" b="1" i="0" dirty="0">
+                <a:solidFill>
+                  <a:schemeClr val="tx1"/>
+                </a:solidFill>
+                <a:effectLst/>
+                <a:latin typeface="ui-sans-serif"/>
+              </a:rPr>
+              <a:t>human oversight</a:t>
+            </a:r>
+            <a:r>
+              <a:rPr lang="en-GB" sz="1600" b="0" i="0" dirty="0">
+                <a:solidFill>
+                  <a:schemeClr val="tx1"/>
+                </a:solidFill>
+                <a:effectLst/>
+                <a:latin typeface="ui-sans-serif"/>
+              </a:rPr>
+              <a:t>, and </a:t>
+            </a:r>
+            <a:r>
+              <a:rPr lang="en-GB" sz="1600" b="1" i="0" dirty="0">
+                <a:solidFill>
+                  <a:schemeClr val="tx1"/>
+                </a:solidFill>
+                <a:effectLst/>
+                <a:latin typeface="ui-sans-serif"/>
+              </a:rPr>
+              <a:t>adaptive learning</a:t>
+            </a:r>
+            <a:r>
+              <a:rPr lang="en-GB" sz="1600" b="0" i="0" dirty="0">
+                <a:solidFill>
+                  <a:schemeClr val="tx1"/>
+                </a:solidFill>
+                <a:effectLst/>
+                <a:latin typeface="ui-sans-serif"/>
+              </a:rPr>
+              <a:t> to effectively filter and manage content across text, images, audio, and video.</a:t>
+            </a:r>
+          </a:p>
+          <a:p>
+            <a:pPr algn="l"/>
+            <a:r>
+              <a:rPr lang="en-GB" sz="1600" b="0" i="0" dirty="0">
+                <a:solidFill>
+                  <a:schemeClr val="tx1"/>
+                </a:solidFill>
+                <a:effectLst/>
+                <a:latin typeface="ui-sans-serif"/>
+              </a:rPr>
+              <a:t>The system ensures fairness, cultural sensitivity, and global compliance by leveraging cutting-edge AI techniques, human collaboration, and robust analytics tools. It promotes transparency, user trust, and safer digital environments while supporting content creators with actionable insights and solutions.</a:t>
+            </a:r>
+          </a:p>
+          <a:p>
+            <a:endParaRPr lang="en-IN" sz="1600" dirty="0">
               <a:solidFill>
                 <a:schemeClr val="tx1"/>
               </a:solidFill>
@@ -30132,10 +31240,46 @@
           </a:p>
         </p:txBody>
       </p:sp>
+      <p:pic>
+        <p:nvPicPr>
+          <p:cNvPr id="11" name="Picture 10">
+            <a:extLst>
+              <a:ext uri="{FF2B5EF4-FFF2-40B4-BE49-F238E27FC236}">
+                <a16:creationId xmlns:a16="http://schemas.microsoft.com/office/drawing/2014/main" id="{9739E433-B131-D0F5-9AB1-83A775906A7A}"/>
+              </a:ext>
+            </a:extLst>
+          </p:cNvPr>
+          <p:cNvPicPr>
+            <a:picLocks noChangeAspect="1"/>
+          </p:cNvPicPr>
+          <p:nvPr/>
+        </p:nvPicPr>
+        <p:blipFill>
+          <a:blip r:embed="rId2">
+            <a:extLst>
+              <a:ext uri="{28A0092B-C50C-407E-A947-70E740481C1C}">
+                <a14:useLocalDpi xmlns:a14="http://schemas.microsoft.com/office/drawing/2010/main" val="0"/>
+              </a:ext>
+            </a:extLst>
+          </a:blip>
+          <a:stretch>
+            <a:fillRect/>
+          </a:stretch>
+        </p:blipFill>
+        <p:spPr>
+          <a:xfrm>
+            <a:off x="2460854" y="3122720"/>
+            <a:ext cx="4222292" cy="1939159"/>
+          </a:xfrm>
+          <a:prstGeom prst="rect">
+            <a:avLst/>
+          </a:prstGeom>
+        </p:spPr>
+      </p:pic>
     </p:spTree>
     <p:extLst>
       <p:ext uri="{BB962C8B-B14F-4D97-AF65-F5344CB8AC3E}">
-        <p14:creationId xmlns:p14="http://schemas.microsoft.com/office/powerpoint/2010/main" val="1840231920"/>
+        <p14:creationId xmlns:p14="http://schemas.microsoft.com/office/powerpoint/2010/main" val="900520974"/>
       </p:ext>
     </p:extLst>
   </p:cSld>
@@ -30146,6 +31290,366 @@
 </file>
 
 <file path=ppt/slides/slide4.xml><?xml version="1.0" encoding="utf-8"?>
+<p:sld xmlns:a="http://schemas.openxmlformats.org/drawingml/2006/main" xmlns:r="http://schemas.openxmlformats.org/officeDocument/2006/relationships" xmlns:p="http://schemas.openxmlformats.org/presentationml/2006/main">
+  <p:cSld>
+    <p:spTree>
+      <p:nvGrpSpPr>
+        <p:cNvPr id="1" name="">
+          <a:extLst>
+            <a:ext uri="{FF2B5EF4-FFF2-40B4-BE49-F238E27FC236}">
+              <a16:creationId xmlns:a16="http://schemas.microsoft.com/office/drawing/2014/main" id="{A59C731C-3541-9968-4D96-AA4F64A33E60}"/>
+            </a:ext>
+          </a:extLst>
+        </p:cNvPr>
+        <p:cNvGrpSpPr/>
+        <p:nvPr/>
+      </p:nvGrpSpPr>
+      <p:grpSpPr>
+        <a:xfrm>
+          <a:off x="0" y="0"/>
+          <a:ext cx="0" cy="0"/>
+          <a:chOff x="0" y="0"/>
+          <a:chExt cx="0" cy="0"/>
+        </a:xfrm>
+      </p:grpSpPr>
+      <p:sp>
+        <p:nvSpPr>
+          <p:cNvPr id="2" name="Title 1">
+            <a:extLst>
+              <a:ext uri="{FF2B5EF4-FFF2-40B4-BE49-F238E27FC236}">
+                <a16:creationId xmlns:a16="http://schemas.microsoft.com/office/drawing/2014/main" id="{2B1DBD98-5109-6BDB-0666-5DBEB4EBEBD1}"/>
+              </a:ext>
+            </a:extLst>
+          </p:cNvPr>
+          <p:cNvSpPr>
+            <a:spLocks noGrp="1"/>
+          </p:cNvSpPr>
+          <p:nvPr>
+            <p:ph type="title"/>
+          </p:nvPr>
+        </p:nvSpPr>
+        <p:spPr/>
+        <p:txBody>
+          <a:bodyPr/>
+          <a:lstStyle/>
+          <a:p>
+            <a:r>
+              <a:rPr lang="en-IN" dirty="0"/>
+              <a:t>Concept / Solution - 2</a:t>
+            </a:r>
+          </a:p>
+        </p:txBody>
+      </p:sp>
+      <p:sp>
+        <p:nvSpPr>
+          <p:cNvPr id="3" name="Content Placeholder 2">
+            <a:extLst>
+              <a:ext uri="{FF2B5EF4-FFF2-40B4-BE49-F238E27FC236}">
+                <a16:creationId xmlns:a16="http://schemas.microsoft.com/office/drawing/2014/main" id="{EED9D572-8C34-B88A-FE88-DE615A0B685D}"/>
+              </a:ext>
+            </a:extLst>
+          </p:cNvPr>
+          <p:cNvSpPr>
+            <a:spLocks noGrp="1"/>
+          </p:cNvSpPr>
+          <p:nvPr>
+            <p:ph idx="1"/>
+          </p:nvPr>
+        </p:nvSpPr>
+        <p:spPr>
+          <a:xfrm>
+            <a:off x="217890" y="878686"/>
+            <a:ext cx="8352796" cy="3806550"/>
+          </a:xfrm>
+        </p:spPr>
+        <p:txBody>
+          <a:bodyPr>
+            <a:noAutofit/>
+          </a:bodyPr>
+          <a:lstStyle/>
+          <a:p>
+            <a:pPr algn="l"/>
+            <a:r>
+              <a:rPr lang="en-GB" b="1" i="0" dirty="0">
+                <a:solidFill>
+                  <a:schemeClr val="tx1"/>
+                </a:solidFill>
+                <a:effectLst/>
+                <a:latin typeface="ui-sans-serif"/>
+              </a:rPr>
+              <a:t>Solution:</a:t>
+            </a:r>
+            <a:br>
+              <a:rPr lang="en-GB" b="0" i="0" dirty="0">
+                <a:solidFill>
+                  <a:schemeClr val="tx1"/>
+                </a:solidFill>
+                <a:effectLst/>
+                <a:latin typeface="ui-sans-serif"/>
+              </a:rPr>
+            </a:br>
+            <a:r>
+              <a:rPr lang="en-GB" b="1" i="0" dirty="0">
+                <a:solidFill>
+                  <a:schemeClr val="tx1"/>
+                </a:solidFill>
+                <a:effectLst/>
+                <a:latin typeface="ui-sans-serif"/>
+              </a:rPr>
+              <a:t>Features:</a:t>
+            </a:r>
+            <a:endParaRPr lang="en-GB" b="0" i="0" dirty="0">
+              <a:solidFill>
+                <a:schemeClr val="tx1"/>
+              </a:solidFill>
+              <a:effectLst/>
+              <a:latin typeface="ui-sans-serif"/>
+            </a:endParaRPr>
+          </a:p>
+          <a:p>
+            <a:pPr lvl="1">
+              <a:buFont typeface="Arial" panose="020B0604020202020204" pitchFamily="34" charset="0"/>
+              <a:buChar char="•"/>
+            </a:pPr>
+            <a:r>
+              <a:rPr lang="en-GB" b="1" i="0" dirty="0">
+                <a:solidFill>
+                  <a:schemeClr val="tx1"/>
+                </a:solidFill>
+                <a:effectLst/>
+                <a:latin typeface="ui-sans-serif"/>
+              </a:rPr>
+              <a:t>Input Moderation:</a:t>
+            </a:r>
+            <a:r>
+              <a:rPr lang="en-GB" b="0" i="0" dirty="0">
+                <a:solidFill>
+                  <a:schemeClr val="tx1"/>
+                </a:solidFill>
+                <a:effectLst/>
+                <a:latin typeface="ui-sans-serif"/>
+              </a:rPr>
+              <a:t> Detects harmful text, visuals, audio, and video content.</a:t>
+            </a:r>
+          </a:p>
+          <a:p>
+            <a:pPr lvl="1">
+              <a:buFont typeface="Arial" panose="020B0604020202020204" pitchFamily="34" charset="0"/>
+              <a:buChar char="•"/>
+            </a:pPr>
+            <a:r>
+              <a:rPr lang="en-GB" b="1" i="0" dirty="0">
+                <a:solidFill>
+                  <a:schemeClr val="tx1"/>
+                </a:solidFill>
+                <a:effectLst/>
+                <a:latin typeface="ui-sans-serif"/>
+              </a:rPr>
+              <a:t>Reason for Removal:</a:t>
+            </a:r>
+            <a:r>
+              <a:rPr lang="en-GB" b="0" i="0" dirty="0">
+                <a:solidFill>
+                  <a:schemeClr val="tx1"/>
+                </a:solidFill>
+                <a:effectLst/>
+                <a:latin typeface="ui-sans-serif"/>
+              </a:rPr>
+              <a:t> Clearly explains why content is flagged, detailing specific issues (e.g., offensive language or violent imagery).</a:t>
+            </a:r>
+          </a:p>
+          <a:p>
+            <a:pPr lvl="1">
+              <a:buFont typeface="Arial" panose="020B0604020202020204" pitchFamily="34" charset="0"/>
+              <a:buChar char="•"/>
+            </a:pPr>
+            <a:r>
+              <a:rPr lang="en-GB" b="1" i="0" dirty="0">
+                <a:solidFill>
+                  <a:schemeClr val="tx1"/>
+                </a:solidFill>
+                <a:effectLst/>
+                <a:latin typeface="ui-sans-serif"/>
+              </a:rPr>
+              <a:t>Deepfake Detection:</a:t>
+            </a:r>
+            <a:r>
+              <a:rPr lang="en-GB" b="0" i="0" dirty="0">
+                <a:solidFill>
+                  <a:schemeClr val="tx1"/>
+                </a:solidFill>
+                <a:effectLst/>
+                <a:latin typeface="ui-sans-serif"/>
+              </a:rPr>
+              <a:t> Identifies and flags manipulated or fake content.</a:t>
+            </a:r>
+          </a:p>
+          <a:p>
+            <a:pPr lvl="1">
+              <a:buFont typeface="Arial" panose="020B0604020202020204" pitchFamily="34" charset="0"/>
+              <a:buChar char="•"/>
+            </a:pPr>
+            <a:r>
+              <a:rPr lang="en-GB" b="1" i="0" dirty="0">
+                <a:solidFill>
+                  <a:schemeClr val="tx1"/>
+                </a:solidFill>
+                <a:effectLst/>
+                <a:latin typeface="ui-sans-serif"/>
+              </a:rPr>
+              <a:t>Content Refinement:</a:t>
+            </a:r>
+            <a:r>
+              <a:rPr lang="en-GB" b="0" i="0" dirty="0">
+                <a:solidFill>
+                  <a:schemeClr val="tx1"/>
+                </a:solidFill>
+                <a:effectLst/>
+                <a:latin typeface="ui-sans-serif"/>
+              </a:rPr>
+              <a:t> Suggests compliant edits using generative AI, helping users revise content.</a:t>
+            </a:r>
+          </a:p>
+          <a:p>
+            <a:pPr algn="l"/>
+            <a:r>
+              <a:rPr lang="en-GB" b="1" i="0" dirty="0">
+                <a:solidFill>
+                  <a:schemeClr val="tx1"/>
+                </a:solidFill>
+                <a:effectLst/>
+                <a:latin typeface="ui-sans-serif"/>
+              </a:rPr>
+              <a:t>How It Works:</a:t>
+            </a:r>
+            <a:endParaRPr lang="en-GB" b="0" i="0" dirty="0">
+              <a:solidFill>
+                <a:schemeClr val="tx1"/>
+              </a:solidFill>
+              <a:effectLst/>
+              <a:latin typeface="ui-sans-serif"/>
+            </a:endParaRPr>
+          </a:p>
+          <a:p>
+            <a:pPr lvl="1">
+              <a:buFont typeface="Arial" panose="020B0604020202020204" pitchFamily="34" charset="0"/>
+              <a:buChar char="•"/>
+            </a:pPr>
+            <a:r>
+              <a:rPr lang="en-GB" b="1" i="0" dirty="0">
+                <a:solidFill>
+                  <a:schemeClr val="tx1"/>
+                </a:solidFill>
+                <a:effectLst/>
+                <a:latin typeface="ui-sans-serif"/>
+              </a:rPr>
+              <a:t>Generative AI:</a:t>
+            </a:r>
+            <a:r>
+              <a:rPr lang="en-GB" b="0" i="0" dirty="0">
+                <a:solidFill>
+                  <a:schemeClr val="tx1"/>
+                </a:solidFill>
+                <a:effectLst/>
+                <a:latin typeface="ui-sans-serif"/>
+              </a:rPr>
+              <a:t> Simulates complex cases and enhances detection accuracy.</a:t>
+            </a:r>
+          </a:p>
+          <a:p>
+            <a:pPr lvl="1">
+              <a:buFont typeface="Arial" panose="020B0604020202020204" pitchFamily="34" charset="0"/>
+              <a:buChar char="•"/>
+            </a:pPr>
+            <a:r>
+              <a:rPr lang="en-GB" b="1" i="0" dirty="0">
+                <a:solidFill>
+                  <a:schemeClr val="tx1"/>
+                </a:solidFill>
+                <a:effectLst/>
+                <a:latin typeface="ui-sans-serif"/>
+              </a:rPr>
+              <a:t>Multi-Modal Analysis:</a:t>
+            </a:r>
+            <a:r>
+              <a:rPr lang="en-GB" b="0" i="0" dirty="0">
+                <a:solidFill>
+                  <a:schemeClr val="tx1"/>
+                </a:solidFill>
+                <a:effectLst/>
+                <a:latin typeface="ui-sans-serif"/>
+              </a:rPr>
+              <a:t> Integrates text, images, and audio for context-aware decisions.</a:t>
+            </a:r>
+          </a:p>
+          <a:p>
+            <a:pPr lvl="1">
+              <a:buFont typeface="Arial" panose="020B0604020202020204" pitchFamily="34" charset="0"/>
+              <a:buChar char="•"/>
+            </a:pPr>
+            <a:r>
+              <a:rPr lang="en-GB" b="1" i="0" dirty="0">
+                <a:solidFill>
+                  <a:schemeClr val="tx1"/>
+                </a:solidFill>
+                <a:effectLst/>
+                <a:latin typeface="ui-sans-serif"/>
+              </a:rPr>
+              <a:t>Explainable AI:</a:t>
+            </a:r>
+            <a:r>
+              <a:rPr lang="en-GB" b="0" i="0" dirty="0">
+                <a:solidFill>
+                  <a:schemeClr val="tx1"/>
+                </a:solidFill>
+                <a:effectLst/>
+                <a:latin typeface="ui-sans-serif"/>
+              </a:rPr>
+              <a:t> Provides transparent reasons for flagged content.</a:t>
+            </a:r>
+          </a:p>
+          <a:p>
+            <a:pPr lvl="1">
+              <a:buFont typeface="Arial" panose="020B0604020202020204" pitchFamily="34" charset="0"/>
+              <a:buChar char="•"/>
+            </a:pPr>
+            <a:r>
+              <a:rPr lang="en-GB" b="1" i="0" dirty="0">
+                <a:solidFill>
+                  <a:schemeClr val="tx1"/>
+                </a:solidFill>
+                <a:effectLst/>
+                <a:latin typeface="ui-sans-serif"/>
+              </a:rPr>
+              <a:t>Human Oversight:</a:t>
+            </a:r>
+            <a:r>
+              <a:rPr lang="en-GB" b="0" i="0" dirty="0">
+                <a:solidFill>
+                  <a:schemeClr val="tx1"/>
+                </a:solidFill>
+                <a:effectLst/>
+                <a:latin typeface="ui-sans-serif"/>
+              </a:rPr>
+              <a:t> Moderators handle complex cases and refine models with feedback.</a:t>
+            </a:r>
+          </a:p>
+        </p:txBody>
+      </p:sp>
+    </p:spTree>
+    <p:extLst>
+      <p:ext uri="{BB962C8B-B14F-4D97-AF65-F5344CB8AC3E}">
+        <p14:creationId xmlns:p14="http://schemas.microsoft.com/office/powerpoint/2010/main" val="70263301"/>
+      </p:ext>
+    </p:extLst>
+  </p:cSld>
+  <p:clrMapOvr>
+    <a:masterClrMapping/>
+  </p:clrMapOvr>
+</p:sld>
+</file>
+
+<file path=ppt/slides/slide5.xml><?xml version="1.0" encoding="utf-8"?>
 <p:sld xmlns:a="http://schemas.openxmlformats.org/drawingml/2006/main" xmlns:r="http://schemas.openxmlformats.org/officeDocument/2006/relationships" xmlns:p="http://schemas.openxmlformats.org/presentationml/2006/main">
   <p:cSld>
     <p:spTree>
@@ -30193,199 +31697,298 @@
       </p:sp>
       <p:sp>
         <p:nvSpPr>
-          <p:cNvPr id="18" name="Content Placeholder 17">
+          <p:cNvPr id="6" name="TextBox 5">
             <a:extLst>
               <a:ext uri="{FF2B5EF4-FFF2-40B4-BE49-F238E27FC236}">
-                <a16:creationId xmlns:a16="http://schemas.microsoft.com/office/drawing/2014/main" id="{6F88D76C-6C23-3D56-7DD3-79A23C848AFF}"/>
+                <a16:creationId xmlns:a16="http://schemas.microsoft.com/office/drawing/2014/main" id="{0E0345AD-6E98-5C88-5AF9-1812A6E380D5}"/>
               </a:ext>
             </a:extLst>
           </p:cNvPr>
-          <p:cNvSpPr>
-            <a:spLocks noGrp="1"/>
-          </p:cNvSpPr>
-          <p:nvPr>
-            <p:ph idx="1"/>
-          </p:nvPr>
+          <p:cNvSpPr txBox="1"/>
+          <p:nvPr/>
         </p:nvSpPr>
         <p:spPr>
           <a:xfrm>
-            <a:off x="348000" y="1051199"/>
-            <a:ext cx="8534400" cy="3999771"/>
+            <a:off x="268172" y="1073059"/>
+            <a:ext cx="8448000" cy="3970318"/>
           </a:xfrm>
+          <a:prstGeom prst="rect">
+            <a:avLst/>
+          </a:prstGeom>
+          <a:noFill/>
         </p:spPr>
         <p:txBody>
-          <a:bodyPr numCol="2">
-            <a:noAutofit/>
+          <a:bodyPr wrap="square">
+            <a:spAutoFit/>
           </a:bodyPr>
           <a:lstStyle/>
           <a:p>
-            <a:r>
-              <a:rPr lang="en-GB" sz="1200" b="1" dirty="0"/>
+            <a:pPr algn="l"/>
+            <a:r>
+              <a:rPr lang="en-IN" sz="1800" b="1" i="0" dirty="0">
+                <a:effectLst/>
+                <a:latin typeface="ui-sans-serif"/>
+              </a:rPr>
               <a:t>Pros:</a:t>
             </a:r>
-          </a:p>
-          <a:p>
-            <a:r>
-              <a:rPr lang="en-GB" sz="1200" dirty="0"/>
+            <a:endParaRPr lang="en-IN" sz="1800" b="0" i="0" dirty="0">
+              <a:effectLst/>
+              <a:latin typeface="ui-sans-serif"/>
+            </a:endParaRPr>
+          </a:p>
+          <a:p>
+            <a:pPr lvl="1">
+              <a:buFont typeface="Arial" panose="020B0604020202020204" pitchFamily="34" charset="0"/>
+              <a:buChar char="•"/>
+            </a:pPr>
+            <a:r>
+              <a:rPr lang="en-IN" sz="1800" b="1" i="0" dirty="0">
+                <a:effectLst/>
+                <a:latin typeface="ui-sans-serif"/>
+              </a:rPr>
               <a:t>Real-Time Efficiency:</a:t>
             </a:r>
-          </a:p>
-          <a:p>
-            <a:pPr lvl="1"/>
-            <a:r>
-              <a:rPr lang="en-GB" sz="1000" dirty="0"/>
-              <a:t>Quickly detects and responds to inappropriate content.</a:t>
-            </a:r>
-          </a:p>
-          <a:p>
-            <a:r>
-              <a:rPr lang="en-GB" sz="1200" dirty="0"/>
-              <a:t>Multimodal Analysis:</a:t>
-            </a:r>
-          </a:p>
-          <a:p>
-            <a:pPr lvl="1"/>
-            <a:r>
-              <a:rPr lang="en-GB" sz="1000" dirty="0"/>
-              <a:t>Supports text, images, videos, and audio for comprehensive moderation.</a:t>
-            </a:r>
-          </a:p>
-          <a:p>
-            <a:r>
-              <a:rPr lang="en-GB" sz="1200" dirty="0"/>
+            <a:r>
+              <a:rPr lang="en-IN" sz="1800" b="0" i="0" dirty="0">
+                <a:effectLst/>
+                <a:latin typeface="ui-sans-serif"/>
+              </a:rPr>
+              <a:t> Quick content detection and response.</a:t>
+            </a:r>
+          </a:p>
+          <a:p>
+            <a:pPr lvl="1">
+              <a:buFont typeface="Arial" panose="020B0604020202020204" pitchFamily="34" charset="0"/>
+              <a:buChar char="•"/>
+            </a:pPr>
+            <a:r>
+              <a:rPr lang="en-IN" sz="1800" b="1" i="0" dirty="0">
+                <a:effectLst/>
+                <a:latin typeface="ui-sans-serif"/>
+              </a:rPr>
+              <a:t>Comprehensive Moderation:</a:t>
+            </a:r>
+            <a:r>
+              <a:rPr lang="en-IN" sz="1800" b="0" i="0" dirty="0">
+                <a:effectLst/>
+                <a:latin typeface="ui-sans-serif"/>
+              </a:rPr>
+              <a:t> Supports text, visuals, audio, and video.</a:t>
+            </a:r>
+          </a:p>
+          <a:p>
+            <a:pPr lvl="1">
+              <a:buFont typeface="Arial" panose="020B0604020202020204" pitchFamily="34" charset="0"/>
+              <a:buChar char="•"/>
+            </a:pPr>
+            <a:r>
+              <a:rPr lang="en-IN" sz="1800" b="1" i="0" dirty="0">
+                <a:effectLst/>
+                <a:latin typeface="ui-sans-serif"/>
+              </a:rPr>
+              <a:t>Transparency:</a:t>
+            </a:r>
+            <a:r>
+              <a:rPr lang="en-IN" sz="1800" b="0" i="0" dirty="0">
+                <a:effectLst/>
+                <a:latin typeface="ui-sans-serif"/>
+              </a:rPr>
+              <a:t> Explains flagged content clearly.</a:t>
+            </a:r>
+          </a:p>
+          <a:p>
+            <a:pPr lvl="1">
+              <a:buFont typeface="Arial" panose="020B0604020202020204" pitchFamily="34" charset="0"/>
+              <a:buChar char="•"/>
+            </a:pPr>
+            <a:r>
+              <a:rPr lang="en-IN" sz="1800" b="1" i="0" dirty="0">
+                <a:effectLst/>
+                <a:latin typeface="ui-sans-serif"/>
+              </a:rPr>
               <a:t>Scalability:</a:t>
             </a:r>
-          </a:p>
-          <a:p>
-            <a:pPr lvl="1"/>
-            <a:r>
-              <a:rPr lang="en-GB" sz="1000" dirty="0"/>
-              <a:t>Handles high volumes of content across global platforms.</a:t>
-            </a:r>
-          </a:p>
-          <a:p>
-            <a:r>
-              <a:rPr lang="en-GB" sz="1200" dirty="0"/>
-              <a:t>Transparency:</a:t>
-            </a:r>
-          </a:p>
-          <a:p>
-            <a:pPr lvl="1"/>
-            <a:r>
-              <a:rPr lang="en-GB" sz="1000" dirty="0"/>
-              <a:t>Explainable AI provides clear reasons for flagged content, building trust.</a:t>
-            </a:r>
-          </a:p>
-          <a:p>
-            <a:r>
-              <a:rPr lang="en-GB" sz="1200" dirty="0"/>
+            <a:r>
+              <a:rPr lang="en-IN" sz="1800" b="0" i="0" dirty="0">
+                <a:effectLst/>
+                <a:latin typeface="ui-sans-serif"/>
+              </a:rPr>
+              <a:t> Handles large content volumes globally.</a:t>
+            </a:r>
+          </a:p>
+          <a:p>
+            <a:pPr lvl="1">
+              <a:buFont typeface="Arial" panose="020B0604020202020204" pitchFamily="34" charset="0"/>
+              <a:buChar char="•"/>
+            </a:pPr>
+            <a:r>
+              <a:rPr lang="en-IN" sz="1800" b="1" i="0" dirty="0">
+                <a:effectLst/>
+                <a:latin typeface="ui-sans-serif"/>
+              </a:rPr>
+              <a:t>Adaptability:</a:t>
+            </a:r>
+            <a:r>
+              <a:rPr lang="en-IN" sz="1800" b="0" i="0" dirty="0">
+                <a:effectLst/>
+                <a:latin typeface="ui-sans-serif"/>
+              </a:rPr>
+              <a:t> Customizable for cultural and regional norms.</a:t>
+            </a:r>
+          </a:p>
+          <a:p>
+            <a:pPr lvl="1">
+              <a:buFont typeface="Arial" panose="020B0604020202020204" pitchFamily="34" charset="0"/>
+              <a:buChar char="•"/>
+            </a:pPr>
+            <a:r>
+              <a:rPr lang="en-IN" sz="1800" b="1" i="0" dirty="0">
+                <a:effectLst/>
+                <a:latin typeface="ui-sans-serif"/>
+              </a:rPr>
               <a:t>Human-AI Collaboration:</a:t>
             </a:r>
-          </a:p>
-          <a:p>
-            <a:pPr lvl="1"/>
-            <a:r>
-              <a:rPr lang="en-GB" sz="1000" dirty="0"/>
-              <a:t>Reduces workload while leveraging human expertise for nuanced cases.</a:t>
-            </a:r>
-          </a:p>
-          <a:p>
-            <a:r>
-              <a:rPr lang="en-GB" sz="1200" dirty="0"/>
-              <a:t>Adaptability:</a:t>
-            </a:r>
-          </a:p>
-          <a:p>
-            <a:pPr lvl="1"/>
-            <a:r>
-              <a:rPr lang="en-GB" sz="1000" dirty="0"/>
-              <a:t>Customizable to cultural and regional standards.</a:t>
-            </a:r>
-          </a:p>
-          <a:p>
-            <a:r>
-              <a:rPr lang="en-GB" sz="1200" dirty="0"/>
+            <a:r>
+              <a:rPr lang="en-IN" sz="1800" b="0" i="0" dirty="0">
+                <a:effectLst/>
+                <a:latin typeface="ui-sans-serif"/>
+              </a:rPr>
+              <a:t> Blends automation with expert oversight.</a:t>
+            </a:r>
+          </a:p>
+          <a:p>
+            <a:pPr lvl="1">
+              <a:buFont typeface="Arial" panose="020B0604020202020204" pitchFamily="34" charset="0"/>
+              <a:buChar char="•"/>
+            </a:pPr>
+            <a:r>
+              <a:rPr lang="en-IN" sz="1800" b="1" i="0" dirty="0">
+                <a:effectLst/>
+                <a:latin typeface="ui-sans-serif"/>
+              </a:rPr>
               <a:t>Generative AI:</a:t>
             </a:r>
-          </a:p>
-          <a:p>
-            <a:pPr lvl="1"/>
-            <a:r>
-              <a:rPr lang="en-GB" sz="1000" dirty="0"/>
-              <a:t>Suggests corrective edits and detects synthetic media like deepfakes.</a:t>
-            </a:r>
-          </a:p>
-          <a:p>
-            <a:r>
-              <a:rPr lang="en-GB" sz="1200" b="1" dirty="0"/>
+            <a:r>
+              <a:rPr lang="en-IN" sz="1800" b="0" i="0" dirty="0">
+                <a:effectLst/>
+                <a:latin typeface="ui-sans-serif"/>
+              </a:rPr>
+              <a:t> Suggests fixes and detects deepfakes.</a:t>
+            </a:r>
+          </a:p>
+          <a:p>
+            <a:pPr algn="l"/>
+            <a:r>
+              <a:rPr lang="en-IN" sz="1800" b="1" i="0" dirty="0">
+                <a:effectLst/>
+                <a:latin typeface="ui-sans-serif"/>
+              </a:rPr>
               <a:t>Cons:</a:t>
             </a:r>
-          </a:p>
-          <a:p>
-            <a:r>
-              <a:rPr lang="en-GB" sz="1200" dirty="0"/>
-              <a:t>False Positives/Negatives:</a:t>
-            </a:r>
-          </a:p>
-          <a:p>
-            <a:pPr lvl="1"/>
-            <a:r>
-              <a:rPr lang="en-GB" sz="1000" dirty="0"/>
-              <a:t>Automated systems may misclassify content, requiring refinement.</a:t>
-            </a:r>
-          </a:p>
-          <a:p>
-            <a:r>
-              <a:rPr lang="en-GB" sz="1200" dirty="0"/>
+            <a:endParaRPr lang="en-IN" sz="1800" b="0" i="0" dirty="0">
+              <a:effectLst/>
+              <a:latin typeface="ui-sans-serif"/>
+            </a:endParaRPr>
+          </a:p>
+          <a:p>
+            <a:pPr lvl="1">
+              <a:buFont typeface="Arial" panose="020B0604020202020204" pitchFamily="34" charset="0"/>
+              <a:buChar char="•"/>
+            </a:pPr>
+            <a:r>
+              <a:rPr lang="en-IN" sz="1800" b="1" i="0" dirty="0">
+                <a:effectLst/>
+                <a:latin typeface="ui-sans-serif"/>
+              </a:rPr>
+              <a:t>False Flags:</a:t>
+            </a:r>
+            <a:r>
+              <a:rPr lang="en-IN" sz="1800" b="0" i="0" dirty="0">
+                <a:effectLst/>
+                <a:latin typeface="ui-sans-serif"/>
+              </a:rPr>
+              <a:t> Misclassifications require refinement.</a:t>
+            </a:r>
+          </a:p>
+          <a:p>
+            <a:pPr lvl="1">
+              <a:buFont typeface="Arial" panose="020B0604020202020204" pitchFamily="34" charset="0"/>
+              <a:buChar char="•"/>
+            </a:pPr>
+            <a:r>
+              <a:rPr lang="en-IN" sz="1800" b="1" i="0" dirty="0">
+                <a:effectLst/>
+                <a:latin typeface="ui-sans-serif"/>
+              </a:rPr>
               <a:t>High Costs:</a:t>
             </a:r>
-          </a:p>
-          <a:p>
-            <a:pPr lvl="1"/>
-            <a:r>
-              <a:rPr lang="en-GB" sz="1000" dirty="0"/>
-              <a:t>Developing and maintaining AI infrastructure is expensive.</a:t>
-            </a:r>
-          </a:p>
-          <a:p>
-            <a:r>
-              <a:rPr lang="en-GB" sz="1200" dirty="0"/>
-              <a:t>Complex Cultural Sensitivity:</a:t>
-            </a:r>
-          </a:p>
-          <a:p>
-            <a:pPr lvl="1"/>
-            <a:r>
-              <a:rPr lang="en-GB" sz="1000" dirty="0"/>
-              <a:t>Adapting to diverse norms and laws is challenging.</a:t>
-            </a:r>
-          </a:p>
-          <a:p>
-            <a:r>
-              <a:rPr lang="en-GB" sz="1200" dirty="0"/>
-              <a:t>Computational Demands:</a:t>
-            </a:r>
-          </a:p>
-          <a:p>
-            <a:pPr lvl="1"/>
-            <a:r>
-              <a:rPr lang="en-GB" sz="1000" dirty="0"/>
-              <a:t>Requires significant resources for real-time analysis.</a:t>
-            </a:r>
-          </a:p>
-          <a:p>
-            <a:r>
-              <a:rPr lang="en-GB" sz="1200" dirty="0"/>
+            <a:r>
+              <a:rPr lang="en-IN" sz="1800" b="0" i="0" dirty="0">
+                <a:effectLst/>
+                <a:latin typeface="ui-sans-serif"/>
+              </a:rPr>
+              <a:t> Expensive AI infrastructure.</a:t>
+            </a:r>
+          </a:p>
+          <a:p>
+            <a:pPr lvl="1">
+              <a:buFont typeface="Arial" panose="020B0604020202020204" pitchFamily="34" charset="0"/>
+              <a:buChar char="•"/>
+            </a:pPr>
+            <a:r>
+              <a:rPr lang="en-IN" sz="1800" b="1" i="0" dirty="0">
+                <a:effectLst/>
+                <a:latin typeface="ui-sans-serif"/>
+              </a:rPr>
+              <a:t>Cultural Complexity:</a:t>
+            </a:r>
+            <a:r>
+              <a:rPr lang="en-IN" sz="1800" b="0" i="0" dirty="0">
+                <a:effectLst/>
+                <a:latin typeface="ui-sans-serif"/>
+              </a:rPr>
+              <a:t> Challenging to adapt to diverse norms.</a:t>
+            </a:r>
+          </a:p>
+          <a:p>
+            <a:pPr lvl="1">
+              <a:buFont typeface="Arial" panose="020B0604020202020204" pitchFamily="34" charset="0"/>
+              <a:buChar char="•"/>
+            </a:pPr>
+            <a:r>
+              <a:rPr lang="en-IN" sz="1800" b="1" i="0" dirty="0">
+                <a:effectLst/>
+                <a:latin typeface="ui-sans-serif"/>
+              </a:rPr>
+              <a:t>Resource Demands:</a:t>
+            </a:r>
+            <a:r>
+              <a:rPr lang="en-IN" sz="1800" b="0" i="0" dirty="0">
+                <a:effectLst/>
+                <a:latin typeface="ui-sans-serif"/>
+              </a:rPr>
+              <a:t> Requires significant computing power.</a:t>
+            </a:r>
+          </a:p>
+          <a:p>
+            <a:pPr lvl="1">
+              <a:buFont typeface="Arial" panose="020B0604020202020204" pitchFamily="34" charset="0"/>
+              <a:buChar char="•"/>
+            </a:pPr>
+            <a:r>
+              <a:rPr lang="en-IN" sz="1800" b="1" i="0" dirty="0">
+                <a:effectLst/>
+                <a:latin typeface="ui-sans-serif"/>
+              </a:rPr>
               <a:t>User Backlash:</a:t>
             </a:r>
-          </a:p>
-          <a:p>
-            <a:pPr lvl="1"/>
-            <a:r>
-              <a:rPr lang="en-GB" sz="1000" dirty="0"/>
-              <a:t>Users may feel unfairly targeted by automated decisions.</a:t>
-            </a:r>
-            <a:endParaRPr lang="en-IN" sz="1000" dirty="0"/>
+            <a:r>
+              <a:rPr lang="en-IN" sz="1800" b="0" i="0" dirty="0">
+                <a:effectLst/>
+                <a:latin typeface="ui-sans-serif"/>
+              </a:rPr>
+              <a:t> Risk of dissatisfaction with automated decisions.</a:t>
+            </a:r>
           </a:p>
         </p:txBody>
       </p:sp>
@@ -30402,7 +32005,7 @@
 </p:sld>
 </file>
 
-<file path=ppt/slides/slide5.xml><?xml version="1.0" encoding="utf-8"?>
+<file path=ppt/slides/slide6.xml><?xml version="1.0" encoding="utf-8"?>
 <p:sld xmlns:a="http://schemas.openxmlformats.org/drawingml/2006/main" xmlns:r="http://schemas.openxmlformats.org/officeDocument/2006/relationships" xmlns:p="http://schemas.openxmlformats.org/presentationml/2006/main">
   <p:cSld>
     <p:spTree>
@@ -30476,8 +32079,8 @@
           <a:lstStyle/>
           <a:p>
             <a:pPr algn="l">
-              <a:buFont typeface="+mj-lt"/>
-              <a:buAutoNum type="arabicPeriod"/>
+              <a:buFont typeface="Arial" panose="020B0604020202020204" pitchFamily="34" charset="0"/>
+              <a:buChar char="•"/>
             </a:pPr>
             <a:r>
               <a:rPr lang="en-IN" b="1" i="0" dirty="0">
@@ -30501,9 +32104,9 @@
             </a:r>
           </a:p>
           <a:p>
-            <a:pPr marL="742950" lvl="1" indent="-285750" algn="l">
+            <a:pPr marL="857250" lvl="1" indent="-400050" algn="l">
               <a:buFont typeface="+mj-lt"/>
-              <a:buAutoNum type="arabicPeriod"/>
+              <a:buAutoNum type="romanLcPeriod"/>
             </a:pPr>
             <a:r>
               <a:rPr lang="en-IN" b="1" i="0" dirty="0">
@@ -30527,9 +32130,9 @@
             </a:r>
           </a:p>
           <a:p>
-            <a:pPr marL="742950" lvl="1" indent="-285750" algn="l">
+            <a:pPr marL="857250" lvl="1" indent="-400050" algn="l">
               <a:buFont typeface="+mj-lt"/>
-              <a:buAutoNum type="arabicPeriod"/>
+              <a:buAutoNum type="romanLcPeriod"/>
             </a:pPr>
             <a:r>
               <a:rPr lang="en-IN" b="1" i="0" dirty="0">
@@ -30553,9 +32156,9 @@
             </a:r>
           </a:p>
           <a:p>
-            <a:pPr marL="742950" lvl="1" indent="-285750" algn="l">
+            <a:pPr marL="857250" lvl="1" indent="-400050" algn="l">
               <a:buFont typeface="+mj-lt"/>
-              <a:buAutoNum type="arabicPeriod"/>
+              <a:buAutoNum type="romanLcPeriod"/>
             </a:pPr>
             <a:r>
               <a:rPr lang="en-IN" b="1" i="0" dirty="0">
@@ -30579,9 +32182,9 @@
             </a:r>
           </a:p>
           <a:p>
-            <a:pPr marL="742950" lvl="1" indent="-285750" algn="l">
+            <a:pPr marL="857250" lvl="1" indent="-400050" algn="l">
               <a:buFont typeface="+mj-lt"/>
-              <a:buAutoNum type="arabicPeriod"/>
+              <a:buAutoNum type="romanLcPeriod"/>
             </a:pPr>
             <a:r>
               <a:rPr lang="en-IN" b="1" i="0" dirty="0">
@@ -30606,8 +32209,8 @@
           </a:p>
           <a:p>
             <a:pPr algn="l">
-              <a:buFont typeface="+mj-lt"/>
-              <a:buAutoNum type="arabicPeriod"/>
+              <a:buFont typeface="Arial" panose="020B0604020202020204" pitchFamily="34" charset="0"/>
+              <a:buChar char="•"/>
             </a:pPr>
             <a:r>
               <a:rPr lang="en-IN" b="1" i="0" dirty="0">
@@ -30631,9 +32234,9 @@
             </a:r>
           </a:p>
           <a:p>
-            <a:pPr marL="742950" lvl="1" indent="-285750" algn="l">
+            <a:pPr marL="857250" lvl="1" indent="-400050" algn="l">
               <a:buFont typeface="+mj-lt"/>
-              <a:buAutoNum type="arabicPeriod"/>
+              <a:buAutoNum type="romanLcPeriod"/>
             </a:pPr>
             <a:r>
               <a:rPr lang="en-IN" b="0" i="0" dirty="0">
@@ -30647,9 +32250,9 @@
             </a:r>
           </a:p>
           <a:p>
-            <a:pPr marL="742950" lvl="1" indent="-285750" algn="l">
+            <a:pPr marL="857250" lvl="1" indent="-400050" algn="l">
               <a:buFont typeface="+mj-lt"/>
-              <a:buAutoNum type="arabicPeriod"/>
+              <a:buAutoNum type="romanLcPeriod"/>
             </a:pPr>
             <a:r>
               <a:rPr lang="en-IN" b="0" i="0" dirty="0">
@@ -30663,9 +32266,9 @@
             </a:r>
           </a:p>
           <a:p>
-            <a:pPr marL="742950" lvl="1" indent="-285750" algn="l">
+            <a:pPr marL="857250" lvl="1" indent="-400050" algn="l">
               <a:buFont typeface="+mj-lt"/>
-              <a:buAutoNum type="arabicPeriod"/>
+              <a:buAutoNum type="romanLcPeriod"/>
             </a:pPr>
             <a:r>
               <a:rPr lang="en-IN" b="0" i="0" dirty="0">
@@ -30680,8 +32283,8 @@
           </a:p>
           <a:p>
             <a:pPr algn="l">
-              <a:buFont typeface="+mj-lt"/>
-              <a:buAutoNum type="arabicPeriod"/>
+              <a:buFont typeface="Arial" panose="020B0604020202020204" pitchFamily="34" charset="0"/>
+              <a:buChar char="•"/>
             </a:pPr>
             <a:r>
               <a:rPr lang="en-IN" b="1" i="0" dirty="0">
@@ -30691,27 +32294,7 @@
                 <a:effectLst/>
                 <a:latin typeface="ui-sans-serif"/>
               </a:rPr>
-              <a:t>Explainable AI (</a:t>
-            </a:r>
-            <a:r>
-              <a:rPr lang="en-IN" b="1" i="0" dirty="0" err="1">
-                <a:solidFill>
-                  <a:schemeClr val="tx1"/>
-                </a:solidFill>
-                <a:effectLst/>
-                <a:latin typeface="ui-sans-serif"/>
-              </a:rPr>
-              <a:t>XAI</a:t>
-            </a:r>
-            <a:r>
-              <a:rPr lang="en-IN" b="1" i="0" dirty="0">
-                <a:solidFill>
-                  <a:schemeClr val="tx1"/>
-                </a:solidFill>
-                <a:effectLst/>
-                <a:latin typeface="ui-sans-serif"/>
-              </a:rPr>
-              <a:t>)</a:t>
+              <a:t>Explainable AI (X-AI)</a:t>
             </a:r>
             <a:r>
               <a:rPr lang="en-IN" b="0" i="0" dirty="0">
@@ -30725,9 +32308,9 @@
             </a:r>
           </a:p>
           <a:p>
-            <a:pPr marL="742950" lvl="1" indent="-285750" algn="l">
+            <a:pPr marL="857250" lvl="1" indent="-400050" algn="l">
               <a:buFont typeface="+mj-lt"/>
-              <a:buAutoNum type="arabicPeriod"/>
+              <a:buAutoNum type="romanLcPeriod"/>
             </a:pPr>
             <a:r>
               <a:rPr lang="en-IN" b="0" i="0" dirty="0">
@@ -30741,9 +32324,9 @@
             </a:r>
           </a:p>
           <a:p>
-            <a:pPr marL="742950" lvl="1" indent="-285750" algn="l">
+            <a:pPr marL="857250" lvl="1" indent="-400050" algn="l">
               <a:buFont typeface="+mj-lt"/>
-              <a:buAutoNum type="arabicPeriod"/>
+              <a:buAutoNum type="romanLcPeriod"/>
             </a:pPr>
             <a:r>
               <a:rPr lang="en-IN" b="0" i="0" dirty="0">
@@ -30758,8 +32341,8 @@
           </a:p>
           <a:p>
             <a:pPr algn="l">
-              <a:buFont typeface="+mj-lt"/>
-              <a:buAutoNum type="arabicPeriod"/>
+              <a:buFont typeface="Arial" panose="020B0604020202020204" pitchFamily="34" charset="0"/>
+              <a:buChar char="•"/>
             </a:pPr>
             <a:r>
               <a:rPr lang="en-IN" b="1" i="0" dirty="0">
@@ -30783,9 +32366,9 @@
             </a:r>
           </a:p>
           <a:p>
-            <a:pPr marL="742950" lvl="1" indent="-285750" algn="l">
+            <a:pPr marL="857250" lvl="1" indent="-400050" algn="l">
               <a:buFont typeface="+mj-lt"/>
-              <a:buAutoNum type="arabicPeriod"/>
+              <a:buAutoNum type="romanLcPeriod"/>
             </a:pPr>
             <a:r>
               <a:rPr lang="en-IN" b="0" i="0" dirty="0">
@@ -30799,9 +32382,9 @@
             </a:r>
           </a:p>
           <a:p>
-            <a:pPr marL="742950" lvl="1" indent="-285750" algn="l">
+            <a:pPr marL="857250" lvl="1" indent="-400050" algn="l">
               <a:buFont typeface="+mj-lt"/>
-              <a:buAutoNum type="arabicPeriod"/>
+              <a:buAutoNum type="romanLcPeriod"/>
             </a:pPr>
             <a:r>
               <a:rPr lang="en-IN" b="0" i="0" dirty="0">
@@ -31303,7 +32886,7 @@
 </p:sld>
 </file>
 
-<file path=ppt/slides/slide6.xml><?xml version="1.0" encoding="utf-8"?>
+<file path=ppt/slides/slide7.xml><?xml version="1.0" encoding="utf-8"?>
 <p:sld xmlns:a="http://schemas.openxmlformats.org/drawingml/2006/main" xmlns:r="http://schemas.openxmlformats.org/officeDocument/2006/relationships" xmlns:p="http://schemas.openxmlformats.org/presentationml/2006/main">
   <p:cSld>
     <p:spTree>
@@ -31377,335 +32960,301 @@
           </a:xfrm>
         </p:spPr>
         <p:txBody>
-          <a:bodyPr numCol="2">
+          <a:bodyPr numCol="1">
             <a:noAutofit/>
           </a:bodyPr>
           <a:lstStyle/>
           <a:p>
-            <a:pPr marL="0" indent="0">
-              <a:lnSpc>
-                <a:spcPct val="100000"/>
-              </a:lnSpc>
-              <a:buNone/>
+            <a:pPr algn="l">
+              <a:buFont typeface="Arial" panose="020B0604020202020204" pitchFamily="34" charset="0"/>
+              <a:buChar char="•"/>
             </a:pPr>
             <a:r>
-              <a:rPr lang="en-IN" sz="1050" b="1" dirty="0">
+              <a:rPr lang="en-IN" sz="1600" b="1" i="0" dirty="0">
                 <a:solidFill>
                   <a:schemeClr val="tx1"/>
                 </a:solidFill>
+                <a:effectLst/>
+                <a:latin typeface="ui-sans-serif"/>
               </a:rPr>
-              <a:t>1. Video Upload</a:t>
-            </a:r>
-          </a:p>
-          <a:p>
-            <a:pPr marL="0" indent="0">
-              <a:lnSpc>
-                <a:spcPct val="100000"/>
-              </a:lnSpc>
-              <a:buNone/>
+              <a:t>Upload:</a:t>
+            </a:r>
+            <a:r>
+              <a:rPr lang="en-IN" sz="1600" b="0" i="0" dirty="0">
+                <a:solidFill>
+                  <a:schemeClr val="tx1"/>
+                </a:solidFill>
+                <a:effectLst/>
+                <a:latin typeface="ui-sans-serif"/>
+              </a:rPr>
+              <a:t> Users submit content (text, images, audio, video).</a:t>
+            </a:r>
+          </a:p>
+          <a:p>
+            <a:pPr algn="l">
+              <a:buFont typeface="Arial" panose="020B0604020202020204" pitchFamily="34" charset="0"/>
+              <a:buChar char="•"/>
             </a:pPr>
             <a:r>
-              <a:rPr lang="en-IN" sz="1050" dirty="0">
+              <a:rPr lang="en-IN" sz="1600" b="1" i="0" dirty="0">
                 <a:solidFill>
                   <a:schemeClr val="tx1"/>
                 </a:solidFill>
+                <a:effectLst/>
+                <a:latin typeface="ui-sans-serif"/>
               </a:rPr>
-              <a:t>Users upload videos via a frontend interface (React/Next.js).</a:t>
-            </a:r>
-          </a:p>
-          <a:p>
-            <a:pPr marL="0" indent="0">
-              <a:lnSpc>
-                <a:spcPct val="100000"/>
-              </a:lnSpc>
-              <a:buNone/>
-            </a:pPr>
-            <a:r>
-              <a:rPr lang="en-IN" sz="1050" dirty="0">
-                <a:solidFill>
-                  <a:schemeClr val="tx1"/>
-                </a:solidFill>
-              </a:rPr>
-              <a:t>Files are handled by APIs (Django/Flask or Node.js) and stored in cloud storage (e.g., AWS S3).</a:t>
-            </a:r>
-          </a:p>
-          <a:p>
-            <a:pPr marL="0" indent="0">
-              <a:lnSpc>
-                <a:spcPct val="100000"/>
-              </a:lnSpc>
-              <a:buNone/>
-            </a:pPr>
-            <a:r>
-              <a:rPr lang="en-IN" sz="1050" b="1" dirty="0">
-                <a:solidFill>
-                  <a:schemeClr val="tx1"/>
-                </a:solidFill>
-              </a:rPr>
-              <a:t>2. AI-Powered Analysis</a:t>
-            </a:r>
-          </a:p>
-          <a:p>
-            <a:pPr marL="0" indent="0">
-              <a:lnSpc>
-                <a:spcPct val="100000"/>
-              </a:lnSpc>
-              <a:buNone/>
-            </a:pPr>
-            <a:r>
-              <a:rPr lang="en-IN" sz="1050" dirty="0">
-                <a:solidFill>
-                  <a:schemeClr val="tx1"/>
-                </a:solidFill>
-              </a:rPr>
-              <a:t>Object Recognition: Detects inappropriate visuals (e.g., violence, explicit imagery) using YOLO or Vision Transformers.</a:t>
-            </a:r>
-          </a:p>
-          <a:p>
-            <a:pPr marL="0" indent="0">
-              <a:lnSpc>
-                <a:spcPct val="100000"/>
-              </a:lnSpc>
-              <a:buNone/>
-            </a:pPr>
-            <a:r>
-              <a:rPr lang="en-IN" sz="1050" dirty="0">
-                <a:solidFill>
-                  <a:schemeClr val="tx1"/>
-                </a:solidFill>
-              </a:rPr>
-              <a:t>Audio Analysis: Converts speech to text and identifies harmful language using tools like Whisper.</a:t>
-            </a:r>
-          </a:p>
-          <a:p>
-            <a:pPr marL="0" indent="0">
-              <a:lnSpc>
-                <a:spcPct val="100000"/>
-              </a:lnSpc>
-              <a:buNone/>
-            </a:pPr>
-            <a:r>
-              <a:rPr lang="en-IN" sz="1050" dirty="0">
-                <a:solidFill>
-                  <a:schemeClr val="tx1"/>
-                </a:solidFill>
-              </a:rPr>
-              <a:t>Cultural and Legal Adaptation: Customizes AI thresholds for regional compliance.</a:t>
-            </a:r>
-          </a:p>
-          <a:p>
-            <a:pPr marL="0" indent="0">
-              <a:lnSpc>
-                <a:spcPct val="100000"/>
-              </a:lnSpc>
-              <a:buNone/>
-            </a:pPr>
-            <a:r>
-              <a:rPr lang="en-IN" sz="1050" b="1" dirty="0">
-                <a:solidFill>
-                  <a:schemeClr val="tx1"/>
-                </a:solidFill>
-              </a:rPr>
-              <a:t>3. Content Flagging</a:t>
-            </a:r>
-          </a:p>
-          <a:p>
-            <a:pPr marL="0" indent="0">
-              <a:lnSpc>
-                <a:spcPct val="100000"/>
-              </a:lnSpc>
-              <a:buNone/>
-            </a:pPr>
-            <a:r>
-              <a:rPr lang="en-IN" sz="1050" dirty="0">
-                <a:solidFill>
-                  <a:schemeClr val="tx1"/>
-                </a:solidFill>
-              </a:rPr>
-              <a:t>Automated flagging based on AI confidence levels.</a:t>
-            </a:r>
-          </a:p>
-          <a:p>
-            <a:pPr marL="0" indent="0">
-              <a:lnSpc>
-                <a:spcPct val="100000"/>
-              </a:lnSpc>
-              <a:buNone/>
-            </a:pPr>
-            <a:r>
-              <a:rPr lang="en-IN" sz="1050" dirty="0">
-                <a:solidFill>
-                  <a:schemeClr val="tx1"/>
-                </a:solidFill>
-              </a:rPr>
-              <a:t>Content flagged for potential violations proceeds to human review.</a:t>
-            </a:r>
-          </a:p>
-          <a:p>
-            <a:pPr marL="0" indent="0">
-              <a:lnSpc>
-                <a:spcPct val="100000"/>
-              </a:lnSpc>
-              <a:buNone/>
-            </a:pPr>
-            <a:r>
-              <a:rPr lang="en-IN" sz="1050" b="1" dirty="0">
-                <a:solidFill>
-                  <a:schemeClr val="tx1"/>
-                </a:solidFill>
-              </a:rPr>
-              <a:t>4. Human Review</a:t>
-            </a:r>
-          </a:p>
-          <a:p>
-            <a:pPr marL="0" indent="0">
-              <a:lnSpc>
-                <a:spcPct val="100000"/>
-              </a:lnSpc>
-              <a:buNone/>
-            </a:pPr>
-            <a:r>
-              <a:rPr lang="en-IN" sz="1050" dirty="0">
-                <a:solidFill>
-                  <a:schemeClr val="tx1"/>
-                </a:solidFill>
-              </a:rPr>
-              <a:t>Ambiguous cases are reviewed by moderators via a dashboard (React/Next.js).</a:t>
-            </a:r>
-          </a:p>
-          <a:p>
-            <a:pPr marL="0" indent="0">
-              <a:lnSpc>
-                <a:spcPct val="100000"/>
-              </a:lnSpc>
-              <a:buNone/>
-            </a:pPr>
-            <a:r>
-              <a:rPr lang="en-IN" sz="1050" dirty="0">
-                <a:solidFill>
-                  <a:schemeClr val="tx1"/>
-                </a:solidFill>
-              </a:rPr>
-              <a:t>Decisions are logged for feedback and model refinement.</a:t>
-            </a:r>
-          </a:p>
-          <a:p>
-            <a:pPr marL="0" indent="0">
-              <a:lnSpc>
-                <a:spcPct val="100000"/>
-              </a:lnSpc>
-              <a:buNone/>
-            </a:pPr>
-            <a:r>
-              <a:rPr lang="en-IN" sz="1050" b="1" dirty="0">
-                <a:solidFill>
-                  <a:schemeClr val="tx1"/>
-                </a:solidFill>
-              </a:rPr>
-              <a:t>5. Feedback Loop</a:t>
-            </a:r>
-          </a:p>
-          <a:p>
-            <a:pPr marL="0" indent="0">
-              <a:lnSpc>
-                <a:spcPct val="100000"/>
-              </a:lnSpc>
-              <a:buNone/>
-            </a:pPr>
-            <a:r>
-              <a:rPr lang="en-IN" sz="1050" dirty="0">
-                <a:solidFill>
-                  <a:schemeClr val="tx1"/>
-                </a:solidFill>
-              </a:rPr>
-              <a:t>Human inputs refine AI models to improve accuracy and reduce false flags.</a:t>
-            </a:r>
-          </a:p>
-          <a:p>
-            <a:pPr marL="0" indent="0">
-              <a:lnSpc>
-                <a:spcPct val="100000"/>
-              </a:lnSpc>
-              <a:buNone/>
-            </a:pPr>
-            <a:r>
-              <a:rPr lang="en-IN" sz="1050" b="1" dirty="0">
-                <a:solidFill>
-                  <a:schemeClr val="tx1"/>
-                </a:solidFill>
-              </a:rPr>
-              <a:t>6. Decision Making</a:t>
-            </a:r>
-          </a:p>
-          <a:p>
-            <a:pPr marL="0" indent="0">
-              <a:lnSpc>
-                <a:spcPct val="100000"/>
-              </a:lnSpc>
-              <a:buNone/>
-            </a:pPr>
-            <a:r>
-              <a:rPr lang="en-IN" sz="1050" dirty="0">
-                <a:solidFill>
-                  <a:schemeClr val="tx1"/>
-                </a:solidFill>
-              </a:rPr>
-              <a:t>Final decisions route content for approval or removal based on AI and human inputs.</a:t>
-            </a:r>
-          </a:p>
-          <a:p>
-            <a:pPr marL="0" indent="0">
-              <a:lnSpc>
-                <a:spcPct val="100000"/>
-              </a:lnSpc>
-              <a:buNone/>
-            </a:pPr>
-            <a:r>
-              <a:rPr lang="en-IN" sz="1050" b="1" dirty="0">
-                <a:solidFill>
-                  <a:schemeClr val="tx1"/>
-                </a:solidFill>
-              </a:rPr>
-              <a:t>7. Reporting and Analytics</a:t>
-            </a:r>
-          </a:p>
-          <a:p>
-            <a:pPr marL="0" indent="0">
-              <a:lnSpc>
-                <a:spcPct val="100000"/>
-              </a:lnSpc>
-              <a:buNone/>
-            </a:pPr>
-            <a:r>
-              <a:rPr lang="en-IN" sz="1050" dirty="0">
-                <a:solidFill>
-                  <a:schemeClr val="tx1"/>
-                </a:solidFill>
-              </a:rPr>
-              <a:t>Dashboards (Tableau/Power BI) track flagged content trends, system performance, and reviewer efficiency.</a:t>
-            </a:r>
-          </a:p>
-          <a:p>
-            <a:pPr marL="0" indent="0">
-              <a:lnSpc>
-                <a:spcPct val="100000"/>
-              </a:lnSpc>
-              <a:buNone/>
-            </a:pPr>
-            <a:endParaRPr lang="en-IN" sz="1050" dirty="0">
+              <a:t>AI Analysis:</a:t>
+            </a:r>
+            <a:endParaRPr lang="en-IN" sz="1600" b="0" i="0" dirty="0">
               <a:solidFill>
                 <a:schemeClr val="tx1"/>
               </a:solidFill>
+              <a:effectLst/>
+              <a:latin typeface="ui-sans-serif"/>
             </a:endParaRPr>
+          </a:p>
+          <a:p>
+            <a:pPr marL="857250" lvl="1" indent="-400050" algn="l">
+              <a:buFont typeface="+mj-lt"/>
+              <a:buAutoNum type="romanLcPeriod"/>
+            </a:pPr>
+            <a:r>
+              <a:rPr lang="en-IN" b="1" i="0" dirty="0">
+                <a:solidFill>
+                  <a:schemeClr val="tx1"/>
+                </a:solidFill>
+                <a:effectLst/>
+                <a:latin typeface="ui-sans-serif"/>
+              </a:rPr>
+              <a:t>Object Recognition:</a:t>
+            </a:r>
+            <a:r>
+              <a:rPr lang="en-IN" b="0" i="0" dirty="0">
+                <a:solidFill>
+                  <a:schemeClr val="tx1"/>
+                </a:solidFill>
+                <a:effectLst/>
+                <a:latin typeface="ui-sans-serif"/>
+              </a:rPr>
+              <a:t> Flags inappropriate visuals.</a:t>
+            </a:r>
+          </a:p>
+          <a:p>
+            <a:pPr marL="857250" lvl="1" indent="-400050" algn="l">
+              <a:buFont typeface="+mj-lt"/>
+              <a:buAutoNum type="romanLcPeriod"/>
+            </a:pPr>
+            <a:r>
+              <a:rPr lang="en-IN" b="1" i="0" dirty="0">
+                <a:solidFill>
+                  <a:schemeClr val="tx1"/>
+                </a:solidFill>
+                <a:effectLst/>
+                <a:latin typeface="ui-sans-serif"/>
+              </a:rPr>
+              <a:t>Audio Analysis:</a:t>
+            </a:r>
+            <a:r>
+              <a:rPr lang="en-IN" b="0" i="0" dirty="0">
+                <a:solidFill>
+                  <a:schemeClr val="tx1"/>
+                </a:solidFill>
+                <a:effectLst/>
+                <a:latin typeface="ui-sans-serif"/>
+              </a:rPr>
+              <a:t> Detects harmful speech.</a:t>
+            </a:r>
+          </a:p>
+          <a:p>
+            <a:pPr marL="857250" lvl="1" indent="-400050" algn="l">
+              <a:buFont typeface="+mj-lt"/>
+              <a:buAutoNum type="romanLcPeriod"/>
+            </a:pPr>
+            <a:r>
+              <a:rPr lang="en-IN" b="1" i="0" dirty="0">
+                <a:solidFill>
+                  <a:schemeClr val="tx1"/>
+                </a:solidFill>
+                <a:effectLst/>
+                <a:latin typeface="ui-sans-serif"/>
+              </a:rPr>
+              <a:t>Cultural Adaptation:</a:t>
+            </a:r>
+            <a:r>
+              <a:rPr lang="en-IN" b="0" i="0" dirty="0">
+                <a:solidFill>
+                  <a:schemeClr val="tx1"/>
+                </a:solidFill>
+                <a:effectLst/>
+                <a:latin typeface="ui-sans-serif"/>
+              </a:rPr>
+              <a:t> Ensures regional compliance.</a:t>
+            </a:r>
+          </a:p>
+          <a:p>
+            <a:pPr algn="l">
+              <a:buFont typeface="Arial" panose="020B0604020202020204" pitchFamily="34" charset="0"/>
+              <a:buChar char="•"/>
+            </a:pPr>
+            <a:r>
+              <a:rPr lang="en-IN" sz="1600" b="1" i="0" dirty="0">
+                <a:solidFill>
+                  <a:schemeClr val="tx1"/>
+                </a:solidFill>
+                <a:effectLst/>
+                <a:latin typeface="ui-sans-serif"/>
+              </a:rPr>
+              <a:t>Content Flagging:</a:t>
+            </a:r>
+            <a:r>
+              <a:rPr lang="en-IN" sz="1600" b="0" i="0" dirty="0">
+                <a:solidFill>
+                  <a:schemeClr val="tx1"/>
+                </a:solidFill>
+                <a:effectLst/>
+                <a:latin typeface="ui-sans-serif"/>
+              </a:rPr>
+              <a:t> AI flags content for review or approves it.</a:t>
+            </a:r>
+          </a:p>
+          <a:p>
+            <a:pPr algn="l">
+              <a:buFont typeface="Arial" panose="020B0604020202020204" pitchFamily="34" charset="0"/>
+              <a:buChar char="•"/>
+            </a:pPr>
+            <a:r>
+              <a:rPr lang="en-IN" sz="1600" b="1" i="0" dirty="0">
+                <a:solidFill>
+                  <a:schemeClr val="tx1"/>
+                </a:solidFill>
+                <a:effectLst/>
+                <a:latin typeface="ui-sans-serif"/>
+              </a:rPr>
+              <a:t>Human Review:</a:t>
+            </a:r>
+            <a:r>
+              <a:rPr lang="en-IN" sz="1600" b="0" i="0" dirty="0">
+                <a:solidFill>
+                  <a:schemeClr val="tx1"/>
+                </a:solidFill>
+                <a:effectLst/>
+                <a:latin typeface="ui-sans-serif"/>
+              </a:rPr>
+              <a:t> Moderators handle flagged content, providing decisions and feedback.</a:t>
+            </a:r>
+          </a:p>
+          <a:p>
+            <a:pPr algn="l">
+              <a:buFont typeface="Arial" panose="020B0604020202020204" pitchFamily="34" charset="0"/>
+              <a:buChar char="•"/>
+            </a:pPr>
+            <a:r>
+              <a:rPr lang="en-IN" sz="1600" b="1" i="0" dirty="0">
+                <a:solidFill>
+                  <a:schemeClr val="tx1"/>
+                </a:solidFill>
+                <a:effectLst/>
+                <a:latin typeface="ui-sans-serif"/>
+              </a:rPr>
+              <a:t>Feedback Loop:</a:t>
+            </a:r>
+            <a:r>
+              <a:rPr lang="en-IN" sz="1600" b="0" i="0" dirty="0">
+                <a:solidFill>
+                  <a:schemeClr val="tx1"/>
+                </a:solidFill>
+                <a:effectLst/>
+                <a:latin typeface="ui-sans-serif"/>
+              </a:rPr>
+              <a:t> Human inputs improve AI accuracy.</a:t>
+            </a:r>
+          </a:p>
+          <a:p>
+            <a:pPr algn="l">
+              <a:buFont typeface="Arial" panose="020B0604020202020204" pitchFamily="34" charset="0"/>
+              <a:buChar char="•"/>
+            </a:pPr>
+            <a:r>
+              <a:rPr lang="en-IN" sz="1600" b="1" i="0" dirty="0">
+                <a:solidFill>
+                  <a:schemeClr val="tx1"/>
+                </a:solidFill>
+                <a:effectLst/>
+                <a:latin typeface="ui-sans-serif"/>
+              </a:rPr>
+              <a:t>Decision Making:</a:t>
+            </a:r>
+            <a:r>
+              <a:rPr lang="en-IN" sz="1600" b="0" i="0" dirty="0">
+                <a:solidFill>
+                  <a:schemeClr val="tx1"/>
+                </a:solidFill>
+                <a:effectLst/>
+                <a:latin typeface="ui-sans-serif"/>
+              </a:rPr>
+              <a:t> Content is either approved or removed.</a:t>
+            </a:r>
+          </a:p>
+          <a:p>
+            <a:pPr algn="l">
+              <a:buFont typeface="Arial" panose="020B0604020202020204" pitchFamily="34" charset="0"/>
+              <a:buChar char="•"/>
+            </a:pPr>
+            <a:r>
+              <a:rPr lang="en-IN" sz="1600" b="1" i="0" dirty="0">
+                <a:solidFill>
+                  <a:schemeClr val="tx1"/>
+                </a:solidFill>
+                <a:effectLst/>
+                <a:latin typeface="ui-sans-serif"/>
+              </a:rPr>
+              <a:t>Reporting &amp; Analytics:</a:t>
+            </a:r>
+            <a:r>
+              <a:rPr lang="en-IN" sz="1600" b="0" i="0" dirty="0">
+                <a:solidFill>
+                  <a:schemeClr val="tx1"/>
+                </a:solidFill>
+                <a:effectLst/>
+                <a:latin typeface="ui-sans-serif"/>
+              </a:rPr>
+              <a:t> Dashboards monitor flagged trends and system performance.</a:t>
+            </a:r>
+          </a:p>
+          <a:p>
+            <a:pPr algn="l">
+              <a:buFont typeface="Arial" panose="020B0604020202020204" pitchFamily="34" charset="0"/>
+              <a:buChar char="•"/>
+            </a:pPr>
+            <a:r>
+              <a:rPr lang="en-IN" sz="1600" b="1" i="0" dirty="0">
+                <a:solidFill>
+                  <a:schemeClr val="tx1"/>
+                </a:solidFill>
+                <a:effectLst/>
+                <a:latin typeface="ui-sans-serif"/>
+              </a:rPr>
+              <a:t>Continuous Improvement:</a:t>
+            </a:r>
+            <a:r>
+              <a:rPr lang="en-IN" sz="1600" b="0" i="0" dirty="0">
+                <a:solidFill>
+                  <a:schemeClr val="tx1"/>
+                </a:solidFill>
+                <a:effectLst/>
+                <a:latin typeface="ui-sans-serif"/>
+              </a:rPr>
+              <a:t> Feedback refines AI models and processes.</a:t>
+            </a:r>
           </a:p>
         </p:txBody>
       </p:sp>
       <p:pic>
         <p:nvPicPr>
-          <p:cNvPr id="46" name="Picture 45">
+          <p:cNvPr id="7" name="Picture 6">
             <a:extLst>
               <a:ext uri="{FF2B5EF4-FFF2-40B4-BE49-F238E27FC236}">
-                <a16:creationId xmlns:a16="http://schemas.microsoft.com/office/drawing/2014/main" id="{8346058A-F565-5816-94BD-9EF3CF9D51F7}"/>
+                <a16:creationId xmlns:a16="http://schemas.microsoft.com/office/drawing/2014/main" id="{E5DDB1F6-7C23-E7A2-201F-B96369ECF5AA}"/>
               </a:ext>
             </a:extLst>
           </p:cNvPr>
@@ -31715,678 +33264,31 @@
           <p:nvPr/>
         </p:nvPicPr>
         <p:blipFill>
-          <a:blip r:embed="rId2">
+          <a:blip r:embed="rId2" cstate="print">
             <a:extLst>
               <a:ext uri="{28A0092B-C50C-407E-A947-70E740481C1C}">
                 <a14:useLocalDpi xmlns:a14="http://schemas.microsoft.com/office/drawing/2010/main" val="0"/>
               </a:ext>
             </a:extLst>
           </a:blip>
-          <a:srcRect/>
           <a:stretch>
             <a:fillRect/>
           </a:stretch>
         </p:blipFill>
-        <p:spPr bwMode="auto">
+        <p:spPr>
           <a:xfrm>
-            <a:off x="6368878" y="0"/>
-            <a:ext cx="2630342" cy="5143500"/>
+            <a:off x="6261256" y="0"/>
+            <a:ext cx="2253029" cy="5143500"/>
           </a:xfrm>
           <a:prstGeom prst="rect">
             <a:avLst/>
           </a:prstGeom>
-          <a:noFill/>
-          <a:ln>
-            <a:noFill/>
-          </a:ln>
         </p:spPr>
       </p:pic>
     </p:spTree>
     <p:extLst>
       <p:ext uri="{BB962C8B-B14F-4D97-AF65-F5344CB8AC3E}">
         <p14:creationId xmlns:p14="http://schemas.microsoft.com/office/powerpoint/2010/main" val="247499714"/>
-      </p:ext>
-    </p:extLst>
-  </p:cSld>
-  <p:clrMapOvr>
-    <a:masterClrMapping/>
-  </p:clrMapOvr>
-</p:sld>
-</file>
-
-<file path=ppt/slides/slide7.xml><?xml version="1.0" encoding="utf-8"?>
-<p:sld xmlns:a="http://schemas.openxmlformats.org/drawingml/2006/main" xmlns:r="http://schemas.openxmlformats.org/officeDocument/2006/relationships" xmlns:p="http://schemas.openxmlformats.org/presentationml/2006/main">
-  <p:cSld>
-    <p:spTree>
-      <p:nvGrpSpPr>
-        <p:cNvPr id="1" name=""/>
-        <p:cNvGrpSpPr/>
-        <p:nvPr/>
-      </p:nvGrpSpPr>
-      <p:grpSpPr>
-        <a:xfrm>
-          <a:off x="0" y="0"/>
-          <a:ext cx="0" cy="0"/>
-          <a:chOff x="0" y="0"/>
-          <a:chExt cx="0" cy="0"/>
-        </a:xfrm>
-      </p:grpSpPr>
-      <p:sp>
-        <p:nvSpPr>
-          <p:cNvPr id="2" name="Title 1">
-            <a:extLst>
-              <a:ext uri="{FF2B5EF4-FFF2-40B4-BE49-F238E27FC236}">
-                <a16:creationId xmlns:a16="http://schemas.microsoft.com/office/drawing/2014/main" id="{8F7C98D4-CF48-00EA-1E5E-14178BC62886}"/>
-              </a:ext>
-            </a:extLst>
-          </p:cNvPr>
-          <p:cNvSpPr>
-            <a:spLocks noGrp="1"/>
-          </p:cNvSpPr>
-          <p:nvPr>
-            <p:ph type="title"/>
-          </p:nvPr>
-        </p:nvSpPr>
-        <p:spPr/>
-        <p:txBody>
-          <a:bodyPr/>
-          <a:lstStyle/>
-          <a:p>
-            <a:r>
-              <a:rPr lang="en-IN" dirty="0"/>
-              <a:t>Implementation Plan</a:t>
-            </a:r>
-          </a:p>
-        </p:txBody>
-      </p:sp>
-      <p:sp>
-        <p:nvSpPr>
-          <p:cNvPr id="3" name="Content Placeholder 2">
-            <a:extLst>
-              <a:ext uri="{FF2B5EF4-FFF2-40B4-BE49-F238E27FC236}">
-                <a16:creationId xmlns:a16="http://schemas.microsoft.com/office/drawing/2014/main" id="{E9BCFC67-F5AA-8E05-39EC-73CBF3865066}"/>
-              </a:ext>
-            </a:extLst>
-          </p:cNvPr>
-          <p:cNvSpPr>
-            <a:spLocks noGrp="1"/>
-          </p:cNvSpPr>
-          <p:nvPr>
-            <p:ph idx="1"/>
-          </p:nvPr>
-        </p:nvSpPr>
-        <p:spPr>
-          <a:xfrm>
-            <a:off x="348000" y="982620"/>
-            <a:ext cx="8534400" cy="4092300"/>
-          </a:xfrm>
-        </p:spPr>
-        <p:txBody>
-          <a:bodyPr>
-            <a:normAutofit fontScale="92500" lnSpcReduction="20000"/>
-          </a:bodyPr>
-          <a:lstStyle/>
-          <a:p>
-            <a:pPr algn="l">
-              <a:buFont typeface="+mj-lt"/>
-              <a:buAutoNum type="arabicPeriod"/>
-            </a:pPr>
-            <a:r>
-              <a:rPr lang="en-IN" sz="1600" b="1" i="0" dirty="0">
-                <a:solidFill>
-                  <a:schemeClr val="tx1"/>
-                </a:solidFill>
-                <a:effectLst/>
-                <a:latin typeface="ui-sans-serif"/>
-              </a:rPr>
-              <a:t>Planning</a:t>
-            </a:r>
-            <a:r>
-              <a:rPr lang="en-IN" sz="1600" b="0" i="0" dirty="0">
-                <a:solidFill>
-                  <a:schemeClr val="tx1"/>
-                </a:solidFill>
-                <a:effectLst/>
-                <a:latin typeface="ui-sans-serif"/>
-              </a:rPr>
-              <a:t>:</a:t>
-            </a:r>
-          </a:p>
-          <a:p>
-            <a:pPr marL="742950" lvl="1" indent="-285750" algn="l">
-              <a:buFont typeface="+mj-lt"/>
-              <a:buAutoNum type="arabicPeriod"/>
-            </a:pPr>
-            <a:r>
-              <a:rPr lang="en-IN" sz="1400" b="0" i="0" dirty="0">
-                <a:solidFill>
-                  <a:schemeClr val="tx1"/>
-                </a:solidFill>
-                <a:effectLst/>
-                <a:latin typeface="ui-sans-serif"/>
-              </a:rPr>
-              <a:t>Define objectives (e.g., detecting hate speech, violence).</a:t>
-            </a:r>
-          </a:p>
-          <a:p>
-            <a:pPr marL="742950" lvl="1" indent="-285750" algn="l">
-              <a:buFont typeface="+mj-lt"/>
-              <a:buAutoNum type="arabicPeriod"/>
-            </a:pPr>
-            <a:r>
-              <a:rPr lang="en-IN" sz="1400" b="0" i="0" dirty="0">
-                <a:solidFill>
-                  <a:schemeClr val="tx1"/>
-                </a:solidFill>
-                <a:effectLst/>
-                <a:latin typeface="ui-sans-serif"/>
-              </a:rPr>
-              <a:t>Identify AI model needs and set ethical guidelines with stakeholders.</a:t>
-            </a:r>
-          </a:p>
-          <a:p>
-            <a:pPr algn="l">
-              <a:buFont typeface="+mj-lt"/>
-              <a:buAutoNum type="arabicPeriod"/>
-            </a:pPr>
-            <a:r>
-              <a:rPr lang="en-IN" sz="1600" b="1" i="0" dirty="0">
-                <a:solidFill>
-                  <a:schemeClr val="tx1"/>
-                </a:solidFill>
-                <a:effectLst/>
-                <a:latin typeface="ui-sans-serif"/>
-              </a:rPr>
-              <a:t>Data Collection</a:t>
-            </a:r>
-            <a:r>
-              <a:rPr lang="en-IN" sz="1600" b="0" i="0" dirty="0">
-                <a:solidFill>
-                  <a:schemeClr val="tx1"/>
-                </a:solidFill>
-                <a:effectLst/>
-                <a:latin typeface="ui-sans-serif"/>
-              </a:rPr>
-              <a:t>:</a:t>
-            </a:r>
-          </a:p>
-          <a:p>
-            <a:pPr marL="742950" lvl="1" indent="-285750" algn="l">
-              <a:buFont typeface="+mj-lt"/>
-              <a:buAutoNum type="arabicPeriod"/>
-            </a:pPr>
-            <a:r>
-              <a:rPr lang="en-IN" sz="1400" b="0" i="0" dirty="0">
-                <a:solidFill>
-                  <a:schemeClr val="tx1"/>
-                </a:solidFill>
-                <a:effectLst/>
-                <a:latin typeface="ui-sans-serif"/>
-              </a:rPr>
-              <a:t>Gather public datasets and anonymized user content.</a:t>
-            </a:r>
-          </a:p>
-          <a:p>
-            <a:pPr marL="742950" lvl="1" indent="-285750" algn="l">
-              <a:buFont typeface="+mj-lt"/>
-              <a:buAutoNum type="arabicPeriod"/>
-            </a:pPr>
-            <a:r>
-              <a:rPr lang="en-IN" sz="1400" b="0" i="0" dirty="0">
-                <a:solidFill>
-                  <a:schemeClr val="tx1"/>
-                </a:solidFill>
-                <a:effectLst/>
-                <a:latin typeface="ui-sans-serif"/>
-              </a:rPr>
-              <a:t>Categorize (text, images, videos, audio) and annotate using tools like Label box.</a:t>
-            </a:r>
-          </a:p>
-          <a:p>
-            <a:pPr algn="l">
-              <a:buFont typeface="+mj-lt"/>
-              <a:buAutoNum type="arabicPeriod"/>
-            </a:pPr>
-            <a:r>
-              <a:rPr lang="en-IN" sz="1600" b="1" i="0" dirty="0">
-                <a:solidFill>
-                  <a:schemeClr val="tx1"/>
-                </a:solidFill>
-                <a:effectLst/>
-                <a:latin typeface="ui-sans-serif"/>
-              </a:rPr>
-              <a:t>Preprocessing</a:t>
-            </a:r>
-            <a:r>
-              <a:rPr lang="en-IN" sz="1600" b="0" i="0" dirty="0">
-                <a:solidFill>
-                  <a:schemeClr val="tx1"/>
-                </a:solidFill>
-                <a:effectLst/>
-                <a:latin typeface="ui-sans-serif"/>
-              </a:rPr>
-              <a:t>:</a:t>
-            </a:r>
-          </a:p>
-          <a:p>
-            <a:pPr marL="742950" lvl="1" indent="-285750" algn="l">
-              <a:buFont typeface="+mj-lt"/>
-              <a:buAutoNum type="arabicPeriod"/>
-            </a:pPr>
-            <a:r>
-              <a:rPr lang="en-IN" sz="1400" b="0" i="0" dirty="0">
-                <a:solidFill>
-                  <a:schemeClr val="tx1"/>
-                </a:solidFill>
-                <a:effectLst/>
-                <a:latin typeface="ui-sans-serif"/>
-              </a:rPr>
-              <a:t>Clean, normalize, and split data (70% training, 20% validation, 10% testing).</a:t>
-            </a:r>
-          </a:p>
-          <a:p>
-            <a:pPr algn="l">
-              <a:buFont typeface="+mj-lt"/>
-              <a:buAutoNum type="arabicPeriod"/>
-            </a:pPr>
-            <a:r>
-              <a:rPr lang="en-IN" sz="1600" b="1" i="0" dirty="0">
-                <a:solidFill>
-                  <a:schemeClr val="tx1"/>
-                </a:solidFill>
-                <a:effectLst/>
-                <a:latin typeface="ui-sans-serif"/>
-              </a:rPr>
-              <a:t>Model Training</a:t>
-            </a:r>
-            <a:r>
-              <a:rPr lang="en-IN" sz="1600" b="0" i="0" dirty="0">
-                <a:solidFill>
-                  <a:schemeClr val="tx1"/>
-                </a:solidFill>
-                <a:effectLst/>
-                <a:latin typeface="ui-sans-serif"/>
-              </a:rPr>
-              <a:t>:</a:t>
-            </a:r>
-          </a:p>
-          <a:p>
-            <a:pPr lvl="1">
-              <a:buFont typeface="Arial" panose="020B0604020202020204" pitchFamily="34" charset="0"/>
-              <a:buChar char="•"/>
-            </a:pPr>
-            <a:r>
-              <a:rPr lang="en-IN" sz="1400" b="1" i="0" dirty="0">
-                <a:solidFill>
-                  <a:schemeClr val="tx1"/>
-                </a:solidFill>
-                <a:effectLst/>
-                <a:latin typeface="ui-sans-serif"/>
-              </a:rPr>
-              <a:t>Text Analysis</a:t>
-            </a:r>
-            <a:r>
-              <a:rPr lang="en-IN" sz="1400" b="0" i="0" dirty="0">
-                <a:solidFill>
-                  <a:schemeClr val="tx1"/>
-                </a:solidFill>
-                <a:effectLst/>
-                <a:latin typeface="ui-sans-serif"/>
-              </a:rPr>
-              <a:t>: Fine-tune </a:t>
-            </a:r>
-            <a:r>
-              <a:rPr lang="en-IN" sz="1400" b="0" i="0" dirty="0" err="1">
-                <a:solidFill>
-                  <a:schemeClr val="tx1"/>
-                </a:solidFill>
-                <a:effectLst/>
-                <a:latin typeface="ui-sans-serif"/>
-              </a:rPr>
-              <a:t>GPT</a:t>
-            </a:r>
-            <a:r>
-              <a:rPr lang="en-IN" sz="1400" b="0" i="0" dirty="0">
-                <a:solidFill>
-                  <a:schemeClr val="tx1"/>
-                </a:solidFill>
-                <a:effectLst/>
-                <a:latin typeface="ui-sans-serif"/>
-              </a:rPr>
-              <a:t>/BERT on </a:t>
-            </a:r>
-            <a:r>
-              <a:rPr lang="en-IN" sz="1400" b="0" i="0" dirty="0" err="1">
-                <a:solidFill>
-                  <a:schemeClr val="tx1"/>
-                </a:solidFill>
-                <a:effectLst/>
-                <a:latin typeface="ui-sans-serif"/>
-              </a:rPr>
-              <a:t>labeled</a:t>
-            </a:r>
-            <a:r>
-              <a:rPr lang="en-IN" sz="1400" b="0" i="0" dirty="0">
-                <a:solidFill>
-                  <a:schemeClr val="tx1"/>
-                </a:solidFill>
-                <a:effectLst/>
-                <a:latin typeface="ui-sans-serif"/>
-              </a:rPr>
-              <a:t> datasets for offensive language and misinformation detection.</a:t>
-            </a:r>
-          </a:p>
-          <a:p>
-            <a:pPr lvl="1">
-              <a:buFont typeface="Arial" panose="020B0604020202020204" pitchFamily="34" charset="0"/>
-              <a:buChar char="•"/>
-            </a:pPr>
-            <a:r>
-              <a:rPr lang="en-IN" sz="1400" b="1" i="0" dirty="0">
-                <a:solidFill>
-                  <a:schemeClr val="tx1"/>
-                </a:solidFill>
-                <a:effectLst/>
-                <a:latin typeface="ui-sans-serif"/>
-              </a:rPr>
-              <a:t>Image Analysis</a:t>
-            </a:r>
-            <a:r>
-              <a:rPr lang="en-IN" sz="1400" b="0" i="0" dirty="0">
-                <a:solidFill>
-                  <a:schemeClr val="tx1"/>
-                </a:solidFill>
-                <a:effectLst/>
-                <a:latin typeface="ui-sans-serif"/>
-              </a:rPr>
-              <a:t>: Fine-tune YOLO on custom image datasets for explicit content and violence detection.</a:t>
-            </a:r>
-          </a:p>
-          <a:p>
-            <a:pPr lvl="1">
-              <a:buFont typeface="Arial" panose="020B0604020202020204" pitchFamily="34" charset="0"/>
-              <a:buChar char="•"/>
-            </a:pPr>
-            <a:r>
-              <a:rPr lang="en-IN" sz="1400" b="1" i="0" dirty="0">
-                <a:solidFill>
-                  <a:schemeClr val="tx1"/>
-                </a:solidFill>
-                <a:effectLst/>
-                <a:latin typeface="ui-sans-serif"/>
-              </a:rPr>
-              <a:t>Audio Analysis</a:t>
-            </a:r>
-            <a:r>
-              <a:rPr lang="en-IN" sz="1400" b="0" i="0" dirty="0">
-                <a:solidFill>
-                  <a:schemeClr val="tx1"/>
-                </a:solidFill>
-                <a:effectLst/>
-                <a:latin typeface="ui-sans-serif"/>
-              </a:rPr>
-              <a:t>: Fine-tune Whisper with harmful speech and transcription datasets.</a:t>
-            </a:r>
-          </a:p>
-          <a:p>
-            <a:pPr lvl="1">
-              <a:buFont typeface="Arial" panose="020B0604020202020204" pitchFamily="34" charset="0"/>
-              <a:buChar char="•"/>
-            </a:pPr>
-            <a:r>
-              <a:rPr lang="en-IN" sz="1400" b="1" i="0" dirty="0">
-                <a:solidFill>
-                  <a:schemeClr val="tx1"/>
-                </a:solidFill>
-                <a:effectLst/>
-                <a:latin typeface="ui-sans-serif"/>
-              </a:rPr>
-              <a:t>Video Analysis</a:t>
-            </a:r>
-            <a:r>
-              <a:rPr lang="en-IN" sz="1400" b="0" i="0" dirty="0">
-                <a:solidFill>
-                  <a:schemeClr val="tx1"/>
-                </a:solidFill>
-                <a:effectLst/>
-                <a:latin typeface="ui-sans-serif"/>
-              </a:rPr>
-              <a:t>: Fine-tune 3D </a:t>
-            </a:r>
-            <a:r>
-              <a:rPr lang="en-IN" sz="1400" b="0" i="0" dirty="0" err="1">
-                <a:solidFill>
-                  <a:schemeClr val="tx1"/>
-                </a:solidFill>
-                <a:effectLst/>
-                <a:latin typeface="ui-sans-serif"/>
-              </a:rPr>
-              <a:t>CNNs</a:t>
-            </a:r>
-            <a:r>
-              <a:rPr lang="en-IN" sz="1400" b="0" i="0" dirty="0">
-                <a:solidFill>
-                  <a:schemeClr val="tx1"/>
-                </a:solidFill>
-                <a:effectLst/>
-                <a:latin typeface="ui-sans-serif"/>
-              </a:rPr>
-              <a:t> (I3D/C3D) using objectionable video sequences for frame-level detection.</a:t>
-            </a:r>
-          </a:p>
-          <a:p>
-            <a:pPr lvl="1">
-              <a:buFont typeface="Arial" panose="020B0604020202020204" pitchFamily="34" charset="0"/>
-              <a:buChar char="•"/>
-            </a:pPr>
-            <a:r>
-              <a:rPr lang="en-IN" sz="1400" b="0" i="0" dirty="0">
-                <a:solidFill>
-                  <a:schemeClr val="tx1"/>
-                </a:solidFill>
-                <a:effectLst/>
-                <a:latin typeface="ui-sans-serif"/>
-              </a:rPr>
-              <a:t>Train all models on </a:t>
-            </a:r>
-            <a:r>
-              <a:rPr lang="en-IN" sz="1400" b="1" i="0" dirty="0">
-                <a:solidFill>
-                  <a:schemeClr val="tx1"/>
-                </a:solidFill>
-                <a:effectLst/>
-                <a:latin typeface="ui-sans-serif"/>
-              </a:rPr>
-              <a:t>GPUs/TPUs</a:t>
-            </a:r>
-            <a:r>
-              <a:rPr lang="en-IN" sz="1400" b="0" i="0" dirty="0">
-                <a:solidFill>
-                  <a:schemeClr val="tx1"/>
-                </a:solidFill>
-                <a:effectLst/>
-                <a:latin typeface="ui-sans-serif"/>
-              </a:rPr>
-              <a:t> and validate with </a:t>
-            </a:r>
-            <a:r>
-              <a:rPr lang="en-IN" sz="1400" b="1" i="0" dirty="0">
-                <a:solidFill>
-                  <a:schemeClr val="tx1"/>
-                </a:solidFill>
-                <a:effectLst/>
-                <a:latin typeface="ui-sans-serif"/>
-              </a:rPr>
-              <a:t>F1-score</a:t>
-            </a:r>
-            <a:r>
-              <a:rPr lang="en-IN" sz="1400" b="0" i="0" dirty="0">
-                <a:solidFill>
-                  <a:schemeClr val="tx1"/>
-                </a:solidFill>
-                <a:effectLst/>
-                <a:latin typeface="ui-sans-serif"/>
-              </a:rPr>
-              <a:t>, </a:t>
-            </a:r>
-            <a:r>
-              <a:rPr lang="en-IN" sz="1400" b="1" i="0" dirty="0">
-                <a:solidFill>
-                  <a:schemeClr val="tx1"/>
-                </a:solidFill>
-                <a:effectLst/>
-                <a:latin typeface="ui-sans-serif"/>
-              </a:rPr>
-              <a:t>precision</a:t>
-            </a:r>
-            <a:r>
-              <a:rPr lang="en-IN" sz="1400" b="0" i="0" dirty="0">
-                <a:solidFill>
-                  <a:schemeClr val="tx1"/>
-                </a:solidFill>
-                <a:effectLst/>
-                <a:latin typeface="ui-sans-serif"/>
-              </a:rPr>
-              <a:t>, and </a:t>
-            </a:r>
-            <a:r>
-              <a:rPr lang="en-IN" sz="1400" b="1" i="0" dirty="0">
-                <a:solidFill>
-                  <a:schemeClr val="tx1"/>
-                </a:solidFill>
-                <a:effectLst/>
-                <a:latin typeface="ui-sans-serif"/>
-              </a:rPr>
-              <a:t>recall</a:t>
-            </a:r>
-            <a:r>
-              <a:rPr lang="en-IN" sz="1400" b="0" i="0" dirty="0">
-                <a:solidFill>
-                  <a:schemeClr val="tx1"/>
-                </a:solidFill>
-                <a:effectLst/>
-                <a:latin typeface="ui-sans-serif"/>
-              </a:rPr>
-              <a:t> metrics.</a:t>
-            </a:r>
-          </a:p>
-          <a:p>
-            <a:pPr algn="l">
-              <a:buFont typeface="+mj-lt"/>
-              <a:buAutoNum type="arabicPeriod"/>
-            </a:pPr>
-            <a:r>
-              <a:rPr lang="en-IN" sz="1600" b="1" i="0" dirty="0">
-                <a:solidFill>
-                  <a:schemeClr val="tx1"/>
-                </a:solidFill>
-                <a:effectLst/>
-                <a:latin typeface="ui-sans-serif"/>
-              </a:rPr>
-              <a:t>Deployment</a:t>
-            </a:r>
-            <a:r>
-              <a:rPr lang="en-IN" sz="1600" b="0" i="0" dirty="0">
-                <a:solidFill>
-                  <a:schemeClr val="tx1"/>
-                </a:solidFill>
-                <a:effectLst/>
-                <a:latin typeface="ui-sans-serif"/>
-              </a:rPr>
-              <a:t>:</a:t>
-            </a:r>
-          </a:p>
-          <a:p>
-            <a:pPr marL="742950" lvl="1" indent="-285750" algn="l">
-              <a:buFont typeface="+mj-lt"/>
-              <a:buAutoNum type="arabicPeriod"/>
-            </a:pPr>
-            <a:r>
-              <a:rPr lang="en-IN" sz="1400" b="0" i="0" dirty="0">
-                <a:solidFill>
-                  <a:schemeClr val="tx1"/>
-                </a:solidFill>
-                <a:effectLst/>
-                <a:latin typeface="ui-sans-serif"/>
-              </a:rPr>
-              <a:t>Deploy models using TensorFlow or </a:t>
-            </a:r>
-            <a:r>
-              <a:rPr lang="en-IN" sz="1400" b="0" i="0" dirty="0" err="1">
-                <a:solidFill>
-                  <a:schemeClr val="tx1"/>
-                </a:solidFill>
-                <a:effectLst/>
-                <a:latin typeface="ui-sans-serif"/>
-              </a:rPr>
-              <a:t>PyTorch</a:t>
-            </a:r>
-            <a:r>
-              <a:rPr lang="en-IN" sz="1400" b="0" i="0" dirty="0">
-                <a:solidFill>
-                  <a:schemeClr val="tx1"/>
-                </a:solidFill>
-                <a:effectLst/>
-                <a:latin typeface="ui-sans-serif"/>
-              </a:rPr>
-              <a:t> and scale with AWS/Kubernetes.</a:t>
-            </a:r>
-          </a:p>
-          <a:p>
-            <a:pPr algn="l">
-              <a:buFont typeface="+mj-lt"/>
-              <a:buAutoNum type="arabicPeriod"/>
-            </a:pPr>
-            <a:r>
-              <a:rPr lang="en-IN" sz="1600" b="1" i="0" dirty="0">
-                <a:solidFill>
-                  <a:schemeClr val="tx1"/>
-                </a:solidFill>
-                <a:effectLst/>
-                <a:latin typeface="ui-sans-serif"/>
-              </a:rPr>
-              <a:t>Continuous Improvement</a:t>
-            </a:r>
-            <a:r>
-              <a:rPr lang="en-IN" sz="1600" b="0" i="0" dirty="0">
-                <a:solidFill>
-                  <a:schemeClr val="tx1"/>
-                </a:solidFill>
-                <a:effectLst/>
-                <a:latin typeface="ui-sans-serif"/>
-              </a:rPr>
-              <a:t>:</a:t>
-            </a:r>
-          </a:p>
-          <a:p>
-            <a:pPr marL="742950" lvl="1" indent="-285750" algn="l">
-              <a:buFont typeface="+mj-lt"/>
-              <a:buAutoNum type="arabicPeriod"/>
-            </a:pPr>
-            <a:r>
-              <a:rPr lang="en-IN" sz="1400" b="0" i="0" dirty="0">
-                <a:solidFill>
-                  <a:schemeClr val="tx1"/>
-                </a:solidFill>
-                <a:effectLst/>
-                <a:latin typeface="ui-sans-serif"/>
-              </a:rPr>
-              <a:t>Retrain models using feedback and monitor performance for updates.</a:t>
-            </a:r>
-          </a:p>
-          <a:p>
-            <a:endParaRPr lang="en-IN" sz="1600" dirty="0">
-              <a:solidFill>
-                <a:schemeClr val="tx1"/>
-              </a:solidFill>
-            </a:endParaRPr>
-          </a:p>
-        </p:txBody>
-      </p:sp>
-    </p:spTree>
-    <p:extLst>
-      <p:ext uri="{BB962C8B-B14F-4D97-AF65-F5344CB8AC3E}">
-        <p14:creationId xmlns:p14="http://schemas.microsoft.com/office/powerpoint/2010/main" val="1503041079"/>
       </p:ext>
     </p:extLst>
   </p:cSld>
@@ -32435,10 +33337,9 @@
           <a:lstStyle/>
           <a:p>
             <a:r>
-              <a:rPr lang="en-US" dirty="0"/>
-              <a:t>Validation / Testing / Analysis</a:t>
-            </a:r>
-            <a:endParaRPr lang="en-IN" dirty="0"/>
+              <a:rPr lang="en-IN" dirty="0"/>
+              <a:t>Implementation Plan</a:t>
+            </a:r>
           </a:p>
         </p:txBody>
       </p:sp>
@@ -32458,10 +33359,15 @@
             <p:ph idx="1"/>
           </p:nvPr>
         </p:nvSpPr>
-        <p:spPr/>
+        <p:spPr>
+          <a:xfrm>
+            <a:off x="348000" y="982620"/>
+            <a:ext cx="8534400" cy="4092300"/>
+          </a:xfrm>
+        </p:spPr>
         <p:txBody>
-          <a:bodyPr numCol="1">
-            <a:normAutofit/>
+          <a:bodyPr>
+            <a:normAutofit fontScale="92500" lnSpcReduction="20000"/>
           </a:bodyPr>
           <a:lstStyle/>
           <a:p>
@@ -32470,17 +33376,17 @@
               <a:buAutoNum type="arabicPeriod"/>
             </a:pPr>
             <a:r>
-              <a:rPr lang="en-GB" b="1" i="0" dirty="0">
+              <a:rPr lang="en-IN" sz="1600" b="1" i="0" dirty="0">
                 <a:solidFill>
                   <a:schemeClr val="tx1"/>
                 </a:solidFill>
                 <a:effectLst/>
                 <a:latin typeface="ui-sans-serif"/>
               </a:rPr>
-              <a:t>Validation</a:t>
-            </a:r>
-            <a:r>
-              <a:rPr lang="en-GB" b="0" i="0" dirty="0">
+              <a:t>Planning</a:t>
+            </a:r>
+            <a:r>
+              <a:rPr lang="en-IN" sz="1600" b="0" i="0" dirty="0">
                 <a:solidFill>
                   <a:schemeClr val="tx1"/>
                 </a:solidFill>
@@ -32491,35 +33397,35 @@
             </a:r>
           </a:p>
           <a:p>
-            <a:pPr marL="742950" lvl="1" indent="-285750" algn="l">
+            <a:pPr marL="857250" lvl="1" indent="-400050" algn="l">
               <a:buFont typeface="+mj-lt"/>
-              <a:buAutoNum type="arabicPeriod"/>
+              <a:buAutoNum type="romanLcPeriod"/>
             </a:pPr>
             <a:r>
-              <a:rPr lang="en-GB" b="0" i="0" dirty="0">
+              <a:rPr lang="en-IN" sz="1400" b="0" i="0" dirty="0">
                 <a:solidFill>
                   <a:schemeClr val="tx1"/>
                 </a:solidFill>
                 <a:effectLst/>
                 <a:latin typeface="ui-sans-serif"/>
               </a:rPr>
-              <a:t>Use metrics like Precision, Recall, F1-Score, and Accuracy.</a:t>
-            </a:r>
-          </a:p>
-          <a:p>
-            <a:pPr marL="742950" lvl="1" indent="-285750" algn="l">
+              <a:t>Define objectives (e.g., detecting hate speech, violence).</a:t>
+            </a:r>
+          </a:p>
+          <a:p>
+            <a:pPr marL="857250" lvl="1" indent="-400050" algn="l">
               <a:buFont typeface="+mj-lt"/>
-              <a:buAutoNum type="arabicPeriod"/>
+              <a:buAutoNum type="romanLcPeriod"/>
             </a:pPr>
             <a:r>
-              <a:rPr lang="en-GB" b="0" i="0" dirty="0">
+              <a:rPr lang="en-IN" sz="1400" b="0" i="0" dirty="0">
                 <a:solidFill>
                   <a:schemeClr val="tx1"/>
                 </a:solidFill>
                 <a:effectLst/>
                 <a:latin typeface="ui-sans-serif"/>
               </a:rPr>
-              <a:t>Validate models on 20% unseen data to ensure accuracy and reliability.</a:t>
+              <a:t>Identify AI model needs and set ethical guidelines with stakeholders.</a:t>
             </a:r>
           </a:p>
           <a:p>
@@ -32528,17 +33434,17 @@
               <a:buAutoNum type="arabicPeriod"/>
             </a:pPr>
             <a:r>
-              <a:rPr lang="en-GB" b="1" i="0" dirty="0">
+              <a:rPr lang="en-IN" sz="1600" b="1" i="0" dirty="0">
                 <a:solidFill>
                   <a:schemeClr val="tx1"/>
                 </a:solidFill>
                 <a:effectLst/>
                 <a:latin typeface="ui-sans-serif"/>
               </a:rPr>
-              <a:t>Testing</a:t>
-            </a:r>
-            <a:r>
-              <a:rPr lang="en-GB" b="0" i="0" dirty="0">
+              <a:t>Data Collection</a:t>
+            </a:r>
+            <a:r>
+              <a:rPr lang="en-IN" sz="1600" b="0" i="0" dirty="0">
                 <a:solidFill>
                   <a:schemeClr val="tx1"/>
                 </a:solidFill>
@@ -32549,133 +33455,35 @@
             </a:r>
           </a:p>
           <a:p>
-            <a:pPr marL="742950" lvl="1" indent="-285750" algn="l">
+            <a:pPr marL="857250" lvl="1" indent="-400050" algn="l">
               <a:buFont typeface="+mj-lt"/>
-              <a:buAutoNum type="arabicPeriod"/>
+              <a:buAutoNum type="romanLcPeriod"/>
             </a:pPr>
             <a:r>
-              <a:rPr lang="en-GB" b="1" i="0" dirty="0">
+              <a:rPr lang="en-IN" sz="1400" b="0" i="0" dirty="0">
                 <a:solidFill>
                   <a:schemeClr val="tx1"/>
                 </a:solidFill>
                 <a:effectLst/>
                 <a:latin typeface="ui-sans-serif"/>
               </a:rPr>
-              <a:t>Unit Testing</a:t>
-            </a:r>
-            <a:r>
-              <a:rPr lang="en-GB" b="0" i="0" dirty="0">
+              <a:t>Gather public datasets and anonymized user content.</a:t>
+            </a:r>
+          </a:p>
+          <a:p>
+            <a:pPr marL="857250" lvl="1" indent="-400050" algn="l">
+              <a:buFont typeface="+mj-lt"/>
+              <a:buAutoNum type="romanLcPeriod"/>
+            </a:pPr>
+            <a:r>
+              <a:rPr lang="en-IN" sz="1400" b="0" i="0" dirty="0">
                 <a:solidFill>
                   <a:schemeClr val="tx1"/>
                 </a:solidFill>
                 <a:effectLst/>
                 <a:latin typeface="ui-sans-serif"/>
               </a:rPr>
-              <a:t>: Test individual components (e.g., text, image, audio, video models).</a:t>
-            </a:r>
-          </a:p>
-          <a:p>
-            <a:pPr marL="742950" lvl="1" indent="-285750" algn="l">
-              <a:buFont typeface="+mj-lt"/>
-              <a:buAutoNum type="arabicPeriod"/>
-            </a:pPr>
-            <a:r>
-              <a:rPr lang="en-GB" b="1" i="0" dirty="0">
-                <a:solidFill>
-                  <a:schemeClr val="tx1"/>
-                </a:solidFill>
-                <a:effectLst/>
-                <a:latin typeface="ui-sans-serif"/>
-              </a:rPr>
-              <a:t>Integration Testing</a:t>
-            </a:r>
-            <a:r>
-              <a:rPr lang="en-GB" b="0" i="0" dirty="0">
-                <a:solidFill>
-                  <a:schemeClr val="tx1"/>
-                </a:solidFill>
-                <a:effectLst/>
-                <a:latin typeface="ui-sans-serif"/>
-              </a:rPr>
-              <a:t>: Verify interaction between AI models and APIs.</a:t>
-            </a:r>
-          </a:p>
-          <a:p>
-            <a:pPr marL="742950" lvl="1" indent="-285750" algn="l">
-              <a:buFont typeface="+mj-lt"/>
-              <a:buAutoNum type="arabicPeriod"/>
-            </a:pPr>
-            <a:r>
-              <a:rPr lang="en-GB" b="1" i="0" dirty="0">
-                <a:solidFill>
-                  <a:schemeClr val="tx1"/>
-                </a:solidFill>
-                <a:effectLst/>
-                <a:latin typeface="ui-sans-serif"/>
-              </a:rPr>
-              <a:t>System Testing</a:t>
-            </a:r>
-            <a:r>
-              <a:rPr lang="en-GB" b="0" i="0" dirty="0">
-                <a:solidFill>
-                  <a:schemeClr val="tx1"/>
-                </a:solidFill>
-                <a:effectLst/>
-                <a:latin typeface="ui-sans-serif"/>
-              </a:rPr>
-              <a:t>: Check the full moderation workflow from upload to decision-making.</a:t>
-            </a:r>
-          </a:p>
-          <a:p>
-            <a:pPr marL="742950" lvl="1" indent="-285750" algn="l">
-              <a:buFont typeface="+mj-lt"/>
-              <a:buAutoNum type="arabicPeriod"/>
-            </a:pPr>
-            <a:r>
-              <a:rPr lang="en-GB" b="1" i="0" dirty="0">
-                <a:solidFill>
-                  <a:schemeClr val="tx1"/>
-                </a:solidFill>
-                <a:effectLst/>
-                <a:latin typeface="ui-sans-serif"/>
-              </a:rPr>
-              <a:t>Stress Testing</a:t>
-            </a:r>
-            <a:r>
-              <a:rPr lang="en-GB" b="0" i="0" dirty="0">
-                <a:solidFill>
-                  <a:schemeClr val="tx1"/>
-                </a:solidFill>
-                <a:effectLst/>
-                <a:latin typeface="ui-sans-serif"/>
-              </a:rPr>
-              <a:t>: Simulate high upload volumes to evaluate scalability.</a:t>
-            </a:r>
-          </a:p>
-          <a:p>
-            <a:pPr marL="742950" lvl="1" indent="-285750" algn="l">
-              <a:buFont typeface="+mj-lt"/>
-              <a:buAutoNum type="arabicPeriod"/>
-            </a:pPr>
-            <a:r>
-              <a:rPr lang="en-GB" b="1" i="0" dirty="0">
-                <a:solidFill>
-                  <a:schemeClr val="tx1"/>
-                </a:solidFill>
-                <a:effectLst/>
-                <a:latin typeface="ui-sans-serif"/>
-              </a:rPr>
-              <a:t>Edge Case Testing</a:t>
-            </a:r>
-            <a:r>
-              <a:rPr lang="en-GB" b="0" i="0" dirty="0">
-                <a:solidFill>
-                  <a:schemeClr val="tx1"/>
-                </a:solidFill>
-                <a:effectLst/>
-                <a:latin typeface="ui-sans-serif"/>
-              </a:rPr>
-              <a:t>: Test ambiguous or borderline content for robustness.</a:t>
+              <a:t>Categorize (text, images, videos, audio) and annotate using tools like Label box.</a:t>
             </a:r>
           </a:p>
           <a:p>
@@ -32684,17 +33492,17 @@
               <a:buAutoNum type="arabicPeriod"/>
             </a:pPr>
             <a:r>
-              <a:rPr lang="en-GB" b="1" i="0" dirty="0">
+              <a:rPr lang="en-IN" sz="1600" b="1" i="0" dirty="0">
                 <a:solidFill>
                   <a:schemeClr val="tx1"/>
                 </a:solidFill>
                 <a:effectLst/>
                 <a:latin typeface="ui-sans-serif"/>
               </a:rPr>
-              <a:t>Analysis</a:t>
-            </a:r>
-            <a:r>
-              <a:rPr lang="en-GB" b="0" i="0" dirty="0">
+              <a:t>Preprocessing</a:t>
+            </a:r>
+            <a:r>
+              <a:rPr lang="en-IN" sz="1600" b="0" i="0" dirty="0">
                 <a:solidFill>
                   <a:schemeClr val="tx1"/>
                 </a:solidFill>
@@ -32705,79 +33513,384 @@
             </a:r>
           </a:p>
           <a:p>
-            <a:pPr marL="742950" lvl="1" indent="-285750" algn="l">
+            <a:pPr marL="857250" lvl="1" indent="-400050" algn="l">
+              <a:buFont typeface="+mj-lt"/>
+              <a:buAutoNum type="romanLcPeriod"/>
+            </a:pPr>
+            <a:r>
+              <a:rPr lang="en-IN" sz="1400" b="0" i="0" dirty="0">
+                <a:solidFill>
+                  <a:schemeClr val="tx1"/>
+                </a:solidFill>
+                <a:effectLst/>
+                <a:latin typeface="ui-sans-serif"/>
+              </a:rPr>
+              <a:t>Clean, normalize, and split data (70% training, 20% validation, 10% testing).</a:t>
+            </a:r>
+          </a:p>
+          <a:p>
+            <a:pPr algn="l">
               <a:buFont typeface="+mj-lt"/>
               <a:buAutoNum type="arabicPeriod"/>
             </a:pPr>
             <a:r>
-              <a:rPr lang="en-GB" b="0" i="0" dirty="0">
+              <a:rPr lang="en-IN" sz="1600" b="1" i="0" dirty="0">
                 <a:solidFill>
                   <a:schemeClr val="tx1"/>
                 </a:solidFill>
                 <a:effectLst/>
                 <a:latin typeface="ui-sans-serif"/>
               </a:rPr>
-              <a:t>Review False Positives/Negatives and refine thresholds.</a:t>
-            </a:r>
-          </a:p>
-          <a:p>
-            <a:pPr marL="742950" lvl="1" indent="-285750" algn="l">
+              <a:t>Model Training</a:t>
+            </a:r>
+            <a:r>
+              <a:rPr lang="en-IN" sz="1600" b="0" i="0" dirty="0">
+                <a:solidFill>
+                  <a:schemeClr val="tx1"/>
+                </a:solidFill>
+                <a:effectLst/>
+                <a:latin typeface="ui-sans-serif"/>
+              </a:rPr>
+              <a:t>:</a:t>
+            </a:r>
+          </a:p>
+          <a:p>
+            <a:pPr lvl="1">
+              <a:buFont typeface="Arial" panose="020B0604020202020204" pitchFamily="34" charset="0"/>
+              <a:buChar char="•"/>
+            </a:pPr>
+            <a:r>
+              <a:rPr lang="en-IN" sz="1400" b="1" i="0" dirty="0">
+                <a:solidFill>
+                  <a:schemeClr val="tx1"/>
+                </a:solidFill>
+                <a:effectLst/>
+                <a:latin typeface="ui-sans-serif"/>
+              </a:rPr>
+              <a:t>Text Analysis</a:t>
+            </a:r>
+            <a:r>
+              <a:rPr lang="en-IN" sz="1400" b="0" i="0" dirty="0">
+                <a:solidFill>
+                  <a:schemeClr val="tx1"/>
+                </a:solidFill>
+                <a:effectLst/>
+                <a:latin typeface="ui-sans-serif"/>
+              </a:rPr>
+              <a:t>: Fine-tune </a:t>
+            </a:r>
+            <a:r>
+              <a:rPr lang="en-IN" sz="1400" b="0" i="0" dirty="0" err="1">
+                <a:solidFill>
+                  <a:schemeClr val="tx1"/>
+                </a:solidFill>
+                <a:effectLst/>
+                <a:latin typeface="ui-sans-serif"/>
+              </a:rPr>
+              <a:t>GPT</a:t>
+            </a:r>
+            <a:r>
+              <a:rPr lang="en-IN" sz="1400" b="0" i="0" dirty="0">
+                <a:solidFill>
+                  <a:schemeClr val="tx1"/>
+                </a:solidFill>
+                <a:effectLst/>
+                <a:latin typeface="ui-sans-serif"/>
+              </a:rPr>
+              <a:t>/BERT on labelled datasets for offensive language and misinformation detection.</a:t>
+            </a:r>
+          </a:p>
+          <a:p>
+            <a:pPr lvl="1">
+              <a:buFont typeface="Arial" panose="020B0604020202020204" pitchFamily="34" charset="0"/>
+              <a:buChar char="•"/>
+            </a:pPr>
+            <a:r>
+              <a:rPr lang="en-IN" sz="1400" b="1" i="0" dirty="0">
+                <a:solidFill>
+                  <a:schemeClr val="tx1"/>
+                </a:solidFill>
+                <a:effectLst/>
+                <a:latin typeface="ui-sans-serif"/>
+              </a:rPr>
+              <a:t>Image Analysis</a:t>
+            </a:r>
+            <a:r>
+              <a:rPr lang="en-IN" sz="1400" b="0" i="0" dirty="0">
+                <a:solidFill>
+                  <a:schemeClr val="tx1"/>
+                </a:solidFill>
+                <a:effectLst/>
+                <a:latin typeface="ui-sans-serif"/>
+              </a:rPr>
+              <a:t>: Fine-tune YOLO on custom image datasets for explicit content and violence detection.</a:t>
+            </a:r>
+          </a:p>
+          <a:p>
+            <a:pPr lvl="1">
+              <a:buFont typeface="Arial" panose="020B0604020202020204" pitchFamily="34" charset="0"/>
+              <a:buChar char="•"/>
+            </a:pPr>
+            <a:r>
+              <a:rPr lang="en-IN" sz="1400" b="1" i="0" dirty="0">
+                <a:solidFill>
+                  <a:schemeClr val="tx1"/>
+                </a:solidFill>
+                <a:effectLst/>
+                <a:latin typeface="ui-sans-serif"/>
+              </a:rPr>
+              <a:t>Audio Analysis</a:t>
+            </a:r>
+            <a:r>
+              <a:rPr lang="en-IN" sz="1400" b="0" i="0" dirty="0">
+                <a:solidFill>
+                  <a:schemeClr val="tx1"/>
+                </a:solidFill>
+                <a:effectLst/>
+                <a:latin typeface="ui-sans-serif"/>
+              </a:rPr>
+              <a:t>: Fine-tune Whisper with harmful speech and transcription datasets.</a:t>
+            </a:r>
+          </a:p>
+          <a:p>
+            <a:pPr lvl="1">
+              <a:buFont typeface="Arial" panose="020B0604020202020204" pitchFamily="34" charset="0"/>
+              <a:buChar char="•"/>
+            </a:pPr>
+            <a:r>
+              <a:rPr lang="en-IN" sz="1400" b="1" i="0" dirty="0">
+                <a:solidFill>
+                  <a:schemeClr val="tx1"/>
+                </a:solidFill>
+                <a:effectLst/>
+                <a:latin typeface="ui-sans-serif"/>
+              </a:rPr>
+              <a:t>Video Analysis</a:t>
+            </a:r>
+            <a:r>
+              <a:rPr lang="en-IN" sz="1400" b="0" i="0" dirty="0">
+                <a:solidFill>
+                  <a:schemeClr val="tx1"/>
+                </a:solidFill>
+                <a:effectLst/>
+                <a:latin typeface="ui-sans-serif"/>
+              </a:rPr>
+              <a:t>: Fine-tune 3D CNN's (I3D/C3D) using objectionable video sequences for frame-level detection.</a:t>
+            </a:r>
+          </a:p>
+          <a:p>
+            <a:pPr lvl="1">
+              <a:buFont typeface="Arial" panose="020B0604020202020204" pitchFamily="34" charset="0"/>
+              <a:buChar char="•"/>
+            </a:pPr>
+            <a:r>
+              <a:rPr lang="en-IN" sz="1400" b="0" i="0" dirty="0">
+                <a:solidFill>
+                  <a:schemeClr val="tx1"/>
+                </a:solidFill>
+                <a:effectLst/>
+                <a:latin typeface="ui-sans-serif"/>
+              </a:rPr>
+              <a:t>Train all models on </a:t>
+            </a:r>
+            <a:r>
+              <a:rPr lang="en-IN" sz="1400" b="1" i="0" dirty="0">
+                <a:solidFill>
+                  <a:schemeClr val="tx1"/>
+                </a:solidFill>
+                <a:effectLst/>
+                <a:latin typeface="ui-sans-serif"/>
+              </a:rPr>
+              <a:t>GPUs/TPUs</a:t>
+            </a:r>
+            <a:r>
+              <a:rPr lang="en-IN" sz="1400" b="0" i="0" dirty="0">
+                <a:solidFill>
+                  <a:schemeClr val="tx1"/>
+                </a:solidFill>
+                <a:effectLst/>
+                <a:latin typeface="ui-sans-serif"/>
+              </a:rPr>
+              <a:t> and validate with </a:t>
+            </a:r>
+            <a:r>
+              <a:rPr lang="en-IN" sz="1400" b="1" i="0" dirty="0">
+                <a:solidFill>
+                  <a:schemeClr val="tx1"/>
+                </a:solidFill>
+                <a:effectLst/>
+                <a:latin typeface="ui-sans-serif"/>
+              </a:rPr>
+              <a:t>F1-score</a:t>
+            </a:r>
+            <a:r>
+              <a:rPr lang="en-IN" sz="1400" b="0" i="0" dirty="0">
+                <a:solidFill>
+                  <a:schemeClr val="tx1"/>
+                </a:solidFill>
+                <a:effectLst/>
+                <a:latin typeface="ui-sans-serif"/>
+              </a:rPr>
+              <a:t>, </a:t>
+            </a:r>
+            <a:r>
+              <a:rPr lang="en-IN" sz="1400" b="1" i="0" dirty="0">
+                <a:solidFill>
+                  <a:schemeClr val="tx1"/>
+                </a:solidFill>
+                <a:effectLst/>
+                <a:latin typeface="ui-sans-serif"/>
+              </a:rPr>
+              <a:t>precision</a:t>
+            </a:r>
+            <a:r>
+              <a:rPr lang="en-IN" sz="1400" b="0" i="0" dirty="0">
+                <a:solidFill>
+                  <a:schemeClr val="tx1"/>
+                </a:solidFill>
+                <a:effectLst/>
+                <a:latin typeface="ui-sans-serif"/>
+              </a:rPr>
+              <a:t>, and </a:t>
+            </a:r>
+            <a:r>
+              <a:rPr lang="en-IN" sz="1400" b="1" i="0" dirty="0">
+                <a:solidFill>
+                  <a:schemeClr val="tx1"/>
+                </a:solidFill>
+                <a:effectLst/>
+                <a:latin typeface="ui-sans-serif"/>
+              </a:rPr>
+              <a:t>recall</a:t>
+            </a:r>
+            <a:r>
+              <a:rPr lang="en-IN" sz="1400" b="0" i="0" dirty="0">
+                <a:solidFill>
+                  <a:schemeClr val="tx1"/>
+                </a:solidFill>
+                <a:effectLst/>
+                <a:latin typeface="ui-sans-serif"/>
+              </a:rPr>
+              <a:t> metrics.</a:t>
+            </a:r>
+          </a:p>
+          <a:p>
+            <a:pPr algn="l">
               <a:buFont typeface="+mj-lt"/>
               <a:buAutoNum type="arabicPeriod"/>
             </a:pPr>
             <a:r>
-              <a:rPr lang="en-GB" b="0" i="0" dirty="0">
+              <a:rPr lang="en-IN" sz="1600" b="1" i="0" dirty="0">
                 <a:solidFill>
                   <a:schemeClr val="tx1"/>
                 </a:solidFill>
                 <a:effectLst/>
                 <a:latin typeface="ui-sans-serif"/>
               </a:rPr>
-              <a:t>Incorporate flagged content for retraining models.</a:t>
-            </a:r>
-          </a:p>
-          <a:p>
-            <a:pPr marL="742950" lvl="1" indent="-285750" algn="l">
+              <a:t>Deployment</a:t>
+            </a:r>
+            <a:r>
+              <a:rPr lang="en-IN" sz="1600" b="0" i="0" dirty="0">
+                <a:solidFill>
+                  <a:schemeClr val="tx1"/>
+                </a:solidFill>
+                <a:effectLst/>
+                <a:latin typeface="ui-sans-serif"/>
+              </a:rPr>
+              <a:t>:</a:t>
+            </a:r>
+          </a:p>
+          <a:p>
+            <a:pPr marL="857250" lvl="1" indent="-400050" algn="l">
+              <a:buFont typeface="+mj-lt"/>
+              <a:buAutoNum type="romanLcPeriod"/>
+            </a:pPr>
+            <a:r>
+              <a:rPr lang="en-IN" sz="1400" b="0" i="0" dirty="0">
+                <a:solidFill>
+                  <a:schemeClr val="tx1"/>
+                </a:solidFill>
+                <a:effectLst/>
+                <a:latin typeface="ui-sans-serif"/>
+              </a:rPr>
+              <a:t>Deploy models using TensorFlow or </a:t>
+            </a:r>
+            <a:r>
+              <a:rPr lang="en-IN" sz="1400" b="0" i="0" dirty="0" err="1">
+                <a:solidFill>
+                  <a:schemeClr val="tx1"/>
+                </a:solidFill>
+                <a:effectLst/>
+                <a:latin typeface="ui-sans-serif"/>
+              </a:rPr>
+              <a:t>PyTorch</a:t>
+            </a:r>
+            <a:r>
+              <a:rPr lang="en-IN" sz="1400" b="0" i="0" dirty="0">
+                <a:solidFill>
+                  <a:schemeClr val="tx1"/>
+                </a:solidFill>
+                <a:effectLst/>
+                <a:latin typeface="ui-sans-serif"/>
+              </a:rPr>
+              <a:t> and scale with AWS/Kubernetes.</a:t>
+            </a:r>
+          </a:p>
+          <a:p>
+            <a:pPr algn="l">
               <a:buFont typeface="+mj-lt"/>
               <a:buAutoNum type="arabicPeriod"/>
             </a:pPr>
             <a:r>
-              <a:rPr lang="en-GB" b="0" i="0" dirty="0">
+              <a:rPr lang="en-IN" sz="1600" b="1" i="0" dirty="0">
                 <a:solidFill>
                   <a:schemeClr val="tx1"/>
                 </a:solidFill>
                 <a:effectLst/>
                 <a:latin typeface="ui-sans-serif"/>
               </a:rPr>
-              <a:t>Monitor and </a:t>
-            </a:r>
-            <a:r>
-              <a:rPr lang="en-GB" b="0" i="0" dirty="0" err="1">
+              <a:t>Continuous Improvement</a:t>
+            </a:r>
+            <a:r>
+              <a:rPr lang="en-IN" sz="1600" b="0" i="0" dirty="0">
                 <a:solidFill>
                   <a:schemeClr val="tx1"/>
                 </a:solidFill>
                 <a:effectLst/>
                 <a:latin typeface="ui-sans-serif"/>
               </a:rPr>
-              <a:t>analyze</a:t>
-            </a:r>
-            <a:r>
-              <a:rPr lang="en-GB" b="0" i="0" dirty="0">
+              <a:t>:</a:t>
+            </a:r>
+          </a:p>
+          <a:p>
+            <a:pPr marL="857250" lvl="1" indent="-400050" algn="l">
+              <a:buFont typeface="+mj-lt"/>
+              <a:buAutoNum type="romanLcPeriod"/>
+            </a:pPr>
+            <a:r>
+              <a:rPr lang="en-IN" sz="1400" b="0" i="0" dirty="0">
                 <a:solidFill>
                   <a:schemeClr val="tx1"/>
                 </a:solidFill>
                 <a:effectLst/>
                 <a:latin typeface="ui-sans-serif"/>
               </a:rPr>
-              <a:t> performance trends to enhance future iterations.</a:t>
-            </a:r>
+              <a:t>Retrain models using feedback and monitor performance for updates.</a:t>
+            </a:r>
+          </a:p>
+          <a:p>
+            <a:endParaRPr lang="en-IN" sz="1600" dirty="0">
+              <a:solidFill>
+                <a:schemeClr val="tx1"/>
+              </a:solidFill>
+            </a:endParaRPr>
           </a:p>
         </p:txBody>
       </p:sp>
     </p:spTree>
     <p:extLst>
       <p:ext uri="{BB962C8B-B14F-4D97-AF65-F5344CB8AC3E}">
-        <p14:creationId xmlns:p14="http://schemas.microsoft.com/office/powerpoint/2010/main" val="2288670748"/>
+        <p14:creationId xmlns:p14="http://schemas.microsoft.com/office/powerpoint/2010/main" val="1503041079"/>
       </p:ext>
     </p:extLst>
   </p:cSld>
@@ -32792,7 +33905,13 @@
   <p:cSld>
     <p:spTree>
       <p:nvGrpSpPr>
-        <p:cNvPr id="1" name=""/>
+        <p:cNvPr id="1" name="">
+          <a:extLst>
+            <a:ext uri="{FF2B5EF4-FFF2-40B4-BE49-F238E27FC236}">
+              <a16:creationId xmlns:a16="http://schemas.microsoft.com/office/drawing/2014/main" id="{56604D25-14E7-1B3C-16C5-2FE5D3015B80}"/>
+            </a:ext>
+          </a:extLst>
+        </p:cNvPr>
         <p:cNvGrpSpPr/>
         <p:nvPr/>
       </p:nvGrpSpPr>
@@ -32809,7 +33928,7 @@
           <p:cNvPr id="2" name="Title 1">
             <a:extLst>
               <a:ext uri="{FF2B5EF4-FFF2-40B4-BE49-F238E27FC236}">
-                <a16:creationId xmlns:a16="http://schemas.microsoft.com/office/drawing/2014/main" id="{8F7C98D4-CF48-00EA-1E5E-14178BC62886}"/>
+                <a16:creationId xmlns:a16="http://schemas.microsoft.com/office/drawing/2014/main" id="{DBEF3718-146F-6257-8A48-5B8E71A2D886}"/>
               </a:ext>
             </a:extLst>
           </p:cNvPr>
@@ -32826,838 +33945,325 @@
           <a:lstStyle/>
           <a:p>
             <a:r>
-              <a:rPr lang="en-US" dirty="0">
-                <a:latin typeface="Calibri" panose="020F0502020204030204" pitchFamily="34" charset="0"/>
-              </a:rPr>
-              <a:t>Cost Estimate</a:t>
-            </a:r>
-            <a:endParaRPr lang="en-IN" dirty="0"/>
+              <a:rPr lang="en-IN" dirty="0"/>
+              <a:t>Implementation Plan</a:t>
+            </a:r>
           </a:p>
         </p:txBody>
       </p:sp>
-      <p:graphicFrame>
-        <p:nvGraphicFramePr>
-          <p:cNvPr id="4" name="Content Placeholder 3">
+      <p:sp>
+        <p:nvSpPr>
+          <p:cNvPr id="3" name="Content Placeholder 2">
             <a:extLst>
               <a:ext uri="{FF2B5EF4-FFF2-40B4-BE49-F238E27FC236}">
-                <a16:creationId xmlns:a16="http://schemas.microsoft.com/office/drawing/2014/main" id="{5E1C346C-8D1F-1452-8CEA-930ADEC80C28}"/>
+                <a16:creationId xmlns:a16="http://schemas.microsoft.com/office/drawing/2014/main" id="{19DBAD2E-B787-43A5-9607-E47896A710EB}"/>
               </a:ext>
             </a:extLst>
           </p:cNvPr>
-          <p:cNvGraphicFramePr>
-            <a:graphicFrameLocks noGrp="1"/>
-          </p:cNvGraphicFramePr>
+          <p:cNvSpPr>
+            <a:spLocks noGrp="1"/>
+          </p:cNvSpPr>
           <p:nvPr>
             <p:ph idx="1"/>
-            <p:extLst>
-              <p:ext uri="{D42A27DB-BD31-4B8C-83A1-F6EECF244321}">
-                <p14:modId xmlns:p14="http://schemas.microsoft.com/office/powerpoint/2010/main" val="3982113112"/>
-              </p:ext>
-            </p:extLst>
           </p:nvPr>
-        </p:nvGraphicFramePr>
-        <p:xfrm>
-          <a:off x="510540" y="1002624"/>
-          <a:ext cx="7703820" cy="4013339"/>
-        </p:xfrm>
-        <a:graphic>
-          <a:graphicData uri="http://schemas.openxmlformats.org/drawingml/2006/table">
-            <a:tbl>
-              <a:tblPr>
-                <a:tableStyleId>{5940675A-B579-460E-94D1-54222C63F5DA}</a:tableStyleId>
-              </a:tblPr>
-              <a:tblGrid>
-                <a:gridCol w="2567940">
-                  <a:extLst>
-                    <a:ext uri="{9D8B030D-6E8A-4147-A177-3AD203B41FA5}">
-                      <a16:colId xmlns:a16="http://schemas.microsoft.com/office/drawing/2014/main" val="3737103544"/>
-                    </a:ext>
-                  </a:extLst>
-                </a:gridCol>
-                <a:gridCol w="2567940">
-                  <a:extLst>
-                    <a:ext uri="{9D8B030D-6E8A-4147-A177-3AD203B41FA5}">
-                      <a16:colId xmlns:a16="http://schemas.microsoft.com/office/drawing/2014/main" val="3150753863"/>
-                    </a:ext>
-                  </a:extLst>
-                </a:gridCol>
-                <a:gridCol w="2567940">
-                  <a:extLst>
-                    <a:ext uri="{9D8B030D-6E8A-4147-A177-3AD203B41FA5}">
-                      <a16:colId xmlns:a16="http://schemas.microsoft.com/office/drawing/2014/main" val="2305210383"/>
-                    </a:ext>
-                  </a:extLst>
-                </a:gridCol>
-              </a:tblGrid>
-              <a:tr h="204516">
-                <a:tc>
-                  <a:txBody>
-                    <a:bodyPr/>
-                    <a:lstStyle/>
-                    <a:p>
-                      <a:pPr fontAlgn="b"/>
-                      <a:r>
-                        <a:rPr lang="en-IN" sz="1100" b="1">
-                          <a:effectLst/>
-                        </a:rPr>
-                        <a:t>Category</a:t>
-                      </a:r>
-                    </a:p>
-                  </a:txBody>
-                  <a:tcPr marL="47985" marR="47985" marT="23993" marB="23993" anchor="b"/>
-                </a:tc>
-                <a:tc>
-                  <a:txBody>
-                    <a:bodyPr/>
-                    <a:lstStyle/>
-                    <a:p>
-                      <a:pPr fontAlgn="b"/>
-                      <a:r>
-                        <a:rPr lang="en-IN" sz="1100" b="1">
-                          <a:effectLst/>
-                        </a:rPr>
-                        <a:t>Task</a:t>
-                      </a:r>
-                    </a:p>
-                  </a:txBody>
-                  <a:tcPr marL="47985" marR="47985" marT="23993" marB="23993" anchor="b"/>
-                </a:tc>
-                <a:tc>
-                  <a:txBody>
-                    <a:bodyPr/>
-                    <a:lstStyle/>
-                    <a:p>
-                      <a:pPr fontAlgn="b"/>
-                      <a:r>
-                        <a:rPr lang="en-IN" sz="1100" b="1">
-                          <a:effectLst/>
-                        </a:rPr>
-                        <a:t>Optimized Cost</a:t>
-                      </a:r>
-                    </a:p>
-                  </a:txBody>
-                  <a:tcPr marL="47985" marR="47985" marT="23993" marB="23993" anchor="b"/>
-                </a:tc>
-                <a:extLst>
-                  <a:ext uri="{0D108BD9-81ED-4DB2-BD59-A6C34878D82A}">
-                    <a16:rowId xmlns:a16="http://schemas.microsoft.com/office/drawing/2014/main" val="941654105"/>
-                  </a:ext>
-                </a:extLst>
-              </a:tr>
-              <a:tr h="257905">
-                <a:tc>
-                  <a:txBody>
-                    <a:bodyPr/>
-                    <a:lstStyle/>
-                    <a:p>
-                      <a:pPr fontAlgn="base"/>
-                      <a:r>
-                        <a:rPr lang="en-IN" sz="1100" b="1">
-                          <a:effectLst/>
-                        </a:rPr>
-                        <a:t>Development Costs</a:t>
-                      </a:r>
-                      <a:endParaRPr lang="en-IN" sz="1100">
-                        <a:effectLst/>
-                      </a:endParaRPr>
-                    </a:p>
-                  </a:txBody>
-                  <a:tcPr marL="47985" marR="47985" marT="23993" marB="23993" anchor="ctr"/>
-                </a:tc>
-                <a:tc>
-                  <a:txBody>
-                    <a:bodyPr/>
-                    <a:lstStyle/>
-                    <a:p>
-                      <a:pPr fontAlgn="base"/>
-                      <a:r>
-                        <a:rPr lang="en-IN" sz="1100">
-                          <a:effectLst/>
-                        </a:rPr>
-                        <a:t>Data Collection &amp; Annotation</a:t>
-                      </a:r>
-                    </a:p>
-                  </a:txBody>
-                  <a:tcPr marL="47985" marR="47985" marT="23993" marB="23993" anchor="ctr"/>
-                </a:tc>
-                <a:tc>
-                  <a:txBody>
-                    <a:bodyPr/>
-                    <a:lstStyle/>
-                    <a:p>
-                      <a:pPr fontAlgn="base"/>
-                      <a:r>
-                        <a:rPr lang="en-GB" sz="1100" dirty="0">
-                          <a:effectLst/>
-                        </a:rPr>
-                        <a:t>$2,000 - $5,000 (use open datasets)</a:t>
-                      </a:r>
-                    </a:p>
-                  </a:txBody>
-                  <a:tcPr marL="47985" marR="47985" marT="23993" marB="23993" anchor="ctr"/>
-                </a:tc>
-                <a:extLst>
-                  <a:ext uri="{0D108BD9-81ED-4DB2-BD59-A6C34878D82A}">
-                    <a16:rowId xmlns:a16="http://schemas.microsoft.com/office/drawing/2014/main" val="1784563593"/>
-                  </a:ext>
-                </a:extLst>
-              </a:tr>
-              <a:tr h="364101">
-                <a:tc>
-                  <a:txBody>
-                    <a:bodyPr/>
-                    <a:lstStyle/>
-                    <a:p>
-                      <a:pPr fontAlgn="base"/>
-                      <a:endParaRPr lang="en-IN" sz="1100">
-                        <a:effectLst/>
-                      </a:endParaRPr>
-                    </a:p>
-                  </a:txBody>
-                  <a:tcPr marL="47985" marR="47985" marT="23993" marB="23993" anchor="ctr"/>
-                </a:tc>
-                <a:tc>
-                  <a:txBody>
-                    <a:bodyPr/>
-                    <a:lstStyle/>
-                    <a:p>
-                      <a:pPr fontAlgn="base"/>
-                      <a:r>
-                        <a:rPr lang="en-IN" sz="1100">
-                          <a:effectLst/>
-                        </a:rPr>
-                        <a:t>Annotation Tools/Services</a:t>
-                      </a:r>
-                    </a:p>
-                  </a:txBody>
-                  <a:tcPr marL="47985" marR="47985" marT="23993" marB="23993" anchor="ctr"/>
-                </a:tc>
-                <a:tc>
-                  <a:txBody>
-                    <a:bodyPr/>
-                    <a:lstStyle/>
-                    <a:p>
-                      <a:pPr fontAlgn="base"/>
-                      <a:r>
-                        <a:rPr lang="en-IN" sz="1100">
-                          <a:effectLst/>
-                        </a:rPr>
-                        <a:t>$3,000 - $5,000 (crowdsourced platforms)</a:t>
-                      </a:r>
-                    </a:p>
-                  </a:txBody>
-                  <a:tcPr marL="47985" marR="47985" marT="23993" marB="23993" anchor="ctr"/>
-                </a:tc>
-                <a:extLst>
-                  <a:ext uri="{0D108BD9-81ED-4DB2-BD59-A6C34878D82A}">
-                    <a16:rowId xmlns:a16="http://schemas.microsoft.com/office/drawing/2014/main" val="2112538898"/>
-                  </a:ext>
-                </a:extLst>
-              </a:tr>
-              <a:tr h="470298">
-                <a:tc>
-                  <a:txBody>
-                    <a:bodyPr/>
-                    <a:lstStyle/>
-                    <a:p>
-                      <a:pPr fontAlgn="base"/>
-                      <a:endParaRPr lang="en-IN" sz="1100">
-                        <a:effectLst/>
-                      </a:endParaRPr>
-                    </a:p>
-                  </a:txBody>
-                  <a:tcPr marL="47985" marR="47985" marT="23993" marB="23993" anchor="ctr"/>
-                </a:tc>
-                <a:tc>
-                  <a:txBody>
-                    <a:bodyPr/>
-                    <a:lstStyle/>
-                    <a:p>
-                      <a:pPr fontAlgn="base"/>
-                      <a:r>
-                        <a:rPr lang="en-IN" sz="1100">
-                          <a:effectLst/>
-                        </a:rPr>
-                        <a:t>Training Infrastructure</a:t>
-                      </a:r>
-                    </a:p>
-                  </a:txBody>
-                  <a:tcPr marL="47985" marR="47985" marT="23993" marB="23993" anchor="ctr"/>
-                </a:tc>
-                <a:tc>
-                  <a:txBody>
-                    <a:bodyPr/>
-                    <a:lstStyle/>
-                    <a:p>
-                      <a:pPr fontAlgn="base"/>
-                      <a:r>
-                        <a:rPr lang="en-GB" sz="1100">
-                          <a:effectLst/>
-                        </a:rPr>
-                        <a:t>$1,000 - $3,000/month (use Google Colab Pro or shared GPUs)</a:t>
-                      </a:r>
-                    </a:p>
-                  </a:txBody>
-                  <a:tcPr marL="47985" marR="47985" marT="23993" marB="23993" anchor="ctr"/>
-                </a:tc>
-                <a:extLst>
-                  <a:ext uri="{0D108BD9-81ED-4DB2-BD59-A6C34878D82A}">
-                    <a16:rowId xmlns:a16="http://schemas.microsoft.com/office/drawing/2014/main" val="3061574799"/>
-                  </a:ext>
-                </a:extLst>
-              </a:tr>
-              <a:tr h="364101">
-                <a:tc>
-                  <a:txBody>
-                    <a:bodyPr/>
-                    <a:lstStyle/>
-                    <a:p>
-                      <a:pPr fontAlgn="base"/>
-                      <a:endParaRPr lang="en-IN" sz="1100">
-                        <a:effectLst/>
-                      </a:endParaRPr>
-                    </a:p>
-                  </a:txBody>
-                  <a:tcPr marL="47985" marR="47985" marT="23993" marB="23993" anchor="ctr"/>
-                </a:tc>
-                <a:tc>
-                  <a:txBody>
-                    <a:bodyPr/>
-                    <a:lstStyle/>
-                    <a:p>
-                      <a:pPr fontAlgn="base"/>
-                      <a:r>
-                        <a:rPr lang="en-IN" sz="1100">
-                          <a:effectLst/>
-                        </a:rPr>
-                        <a:t>Fine-Tuning Models</a:t>
-                      </a:r>
-                    </a:p>
-                  </a:txBody>
-                  <a:tcPr marL="47985" marR="47985" marT="23993" marB="23993" anchor="ctr"/>
-                </a:tc>
-                <a:tc>
-                  <a:txBody>
-                    <a:bodyPr/>
-                    <a:lstStyle/>
-                    <a:p>
-                      <a:pPr fontAlgn="base"/>
-                      <a:r>
-                        <a:rPr lang="it-IT" sz="1100">
-                          <a:effectLst/>
-                        </a:rPr>
-                        <a:t>$3,000 - $5,000 (per model, optimize data usage)</a:t>
-                      </a:r>
-                    </a:p>
-                  </a:txBody>
-                  <a:tcPr marL="47985" marR="47985" marT="23993" marB="23993" anchor="ctr"/>
-                </a:tc>
-                <a:extLst>
-                  <a:ext uri="{0D108BD9-81ED-4DB2-BD59-A6C34878D82A}">
-                    <a16:rowId xmlns:a16="http://schemas.microsoft.com/office/drawing/2014/main" val="2821909465"/>
-                  </a:ext>
-                </a:extLst>
-              </a:tr>
-              <a:tr h="257905">
-                <a:tc>
-                  <a:txBody>
-                    <a:bodyPr/>
-                    <a:lstStyle/>
-                    <a:p>
-                      <a:pPr fontAlgn="base"/>
-                      <a:endParaRPr lang="en-IN" sz="1100">
-                        <a:effectLst/>
-                      </a:endParaRPr>
-                    </a:p>
-                  </a:txBody>
-                  <a:tcPr marL="47985" marR="47985" marT="23993" marB="23993" anchor="ctr"/>
-                </a:tc>
-                <a:tc>
-                  <a:txBody>
-                    <a:bodyPr/>
-                    <a:lstStyle/>
-                    <a:p>
-                      <a:pPr fontAlgn="base"/>
-                      <a:r>
-                        <a:rPr lang="en-IN" sz="1100">
-                          <a:effectLst/>
-                        </a:rPr>
-                        <a:t>API and System Integration</a:t>
-                      </a:r>
-                    </a:p>
-                  </a:txBody>
-                  <a:tcPr marL="47985" marR="47985" marT="23993" marB="23993" anchor="ctr"/>
-                </a:tc>
-                <a:tc>
-                  <a:txBody>
-                    <a:bodyPr/>
-                    <a:lstStyle/>
-                    <a:p>
-                      <a:pPr fontAlgn="base"/>
-                      <a:r>
-                        <a:rPr lang="en-IN" sz="1100" dirty="0">
-                          <a:effectLst/>
-                        </a:rPr>
-                        <a:t>$3,000 - $5,000</a:t>
-                      </a:r>
-                    </a:p>
-                  </a:txBody>
-                  <a:tcPr marL="47985" marR="47985" marT="23993" marB="23993" anchor="ctr"/>
-                </a:tc>
-                <a:extLst>
-                  <a:ext uri="{0D108BD9-81ED-4DB2-BD59-A6C34878D82A}">
-                    <a16:rowId xmlns:a16="http://schemas.microsoft.com/office/drawing/2014/main" val="3089455579"/>
-                  </a:ext>
-                </a:extLst>
-              </a:tr>
-              <a:tr h="204516">
-                <a:tc>
-                  <a:txBody>
-                    <a:bodyPr/>
-                    <a:lstStyle/>
-                    <a:p>
-                      <a:pPr fontAlgn="base"/>
-                      <a:endParaRPr lang="en-IN" sz="1100">
-                        <a:effectLst/>
-                      </a:endParaRPr>
-                    </a:p>
-                  </a:txBody>
-                  <a:tcPr marL="47985" marR="47985" marT="23993" marB="23993" anchor="ctr"/>
-                </a:tc>
-                <a:tc>
-                  <a:txBody>
-                    <a:bodyPr/>
-                    <a:lstStyle/>
-                    <a:p>
-                      <a:pPr fontAlgn="base"/>
-                      <a:r>
-                        <a:rPr lang="en-IN" sz="1100">
-                          <a:effectLst/>
-                        </a:rPr>
-                        <a:t>Validation and Testing</a:t>
-                      </a:r>
-                    </a:p>
-                  </a:txBody>
-                  <a:tcPr marL="47985" marR="47985" marT="23993" marB="23993" anchor="ctr"/>
-                </a:tc>
-                <a:tc>
-                  <a:txBody>
-                    <a:bodyPr/>
-                    <a:lstStyle/>
-                    <a:p>
-                      <a:pPr fontAlgn="base"/>
-                      <a:r>
-                        <a:rPr lang="en-IN" sz="1100">
-                          <a:effectLst/>
-                        </a:rPr>
-                        <a:t>$2,000 - $3,000</a:t>
-                      </a:r>
-                    </a:p>
-                  </a:txBody>
-                  <a:tcPr marL="47985" marR="47985" marT="23993" marB="23993" anchor="ctr"/>
-                </a:tc>
-                <a:extLst>
-                  <a:ext uri="{0D108BD9-81ED-4DB2-BD59-A6C34878D82A}">
-                    <a16:rowId xmlns:a16="http://schemas.microsoft.com/office/drawing/2014/main" val="1664916793"/>
-                  </a:ext>
-                </a:extLst>
-              </a:tr>
-              <a:tr h="470298">
-                <a:tc>
-                  <a:txBody>
-                    <a:bodyPr/>
-                    <a:lstStyle/>
-                    <a:p>
-                      <a:pPr fontAlgn="base"/>
-                      <a:r>
-                        <a:rPr lang="en-IN" sz="1100" b="1">
-                          <a:effectLst/>
-                        </a:rPr>
-                        <a:t>Deployment Costs</a:t>
-                      </a:r>
-                      <a:endParaRPr lang="en-IN" sz="1100">
-                        <a:effectLst/>
-                      </a:endParaRPr>
-                    </a:p>
-                  </a:txBody>
-                  <a:tcPr marL="47985" marR="47985" marT="23993" marB="23993" anchor="ctr"/>
-                </a:tc>
-                <a:tc>
-                  <a:txBody>
-                    <a:bodyPr/>
-                    <a:lstStyle/>
-                    <a:p>
-                      <a:pPr fontAlgn="base"/>
-                      <a:r>
-                        <a:rPr lang="en-IN" sz="1100">
-                          <a:effectLst/>
-                        </a:rPr>
-                        <a:t>Model Deployment (Cloud)</a:t>
-                      </a:r>
-                    </a:p>
-                  </a:txBody>
-                  <a:tcPr marL="47985" marR="47985" marT="23993" marB="23993" anchor="ctr"/>
-                </a:tc>
-                <a:tc>
-                  <a:txBody>
-                    <a:bodyPr/>
-                    <a:lstStyle/>
-                    <a:p>
-                      <a:pPr fontAlgn="base"/>
-                      <a:r>
-                        <a:rPr lang="en-GB" sz="1100">
-                          <a:effectLst/>
-                        </a:rPr>
-                        <a:t>$1,000 - $2,000/month (use serverless architecture)</a:t>
-                      </a:r>
-                    </a:p>
-                  </a:txBody>
-                  <a:tcPr marL="47985" marR="47985" marT="23993" marB="23993" anchor="ctr"/>
-                </a:tc>
-                <a:extLst>
-                  <a:ext uri="{0D108BD9-81ED-4DB2-BD59-A6C34878D82A}">
-                    <a16:rowId xmlns:a16="http://schemas.microsoft.com/office/drawing/2014/main" val="1222008290"/>
-                  </a:ext>
-                </a:extLst>
-              </a:tr>
-              <a:tr h="204516">
-                <a:tc>
-                  <a:txBody>
-                    <a:bodyPr/>
-                    <a:lstStyle/>
-                    <a:p>
-                      <a:pPr fontAlgn="base"/>
-                      <a:endParaRPr lang="en-IN" sz="1100">
-                        <a:effectLst/>
-                      </a:endParaRPr>
-                    </a:p>
-                  </a:txBody>
-                  <a:tcPr marL="47985" marR="47985" marT="23993" marB="23993" anchor="ctr"/>
-                </a:tc>
-                <a:tc>
-                  <a:txBody>
-                    <a:bodyPr/>
-                    <a:lstStyle/>
-                    <a:p>
-                      <a:pPr fontAlgn="base"/>
-                      <a:r>
-                        <a:rPr lang="en-IN" sz="1100">
-                          <a:effectLst/>
-                        </a:rPr>
-                        <a:t>Data/Model Storage</a:t>
-                      </a:r>
-                    </a:p>
-                  </a:txBody>
-                  <a:tcPr marL="47985" marR="47985" marT="23993" marB="23993" anchor="ctr"/>
-                </a:tc>
-                <a:tc>
-                  <a:txBody>
-                    <a:bodyPr/>
-                    <a:lstStyle/>
-                    <a:p>
-                      <a:pPr fontAlgn="base"/>
-                      <a:r>
-                        <a:rPr lang="en-IN" sz="1100">
-                          <a:effectLst/>
-                        </a:rPr>
-                        <a:t>$300 - $500/month</a:t>
-                      </a:r>
-                    </a:p>
-                  </a:txBody>
-                  <a:tcPr marL="47985" marR="47985" marT="23993" marB="23993" anchor="ctr"/>
-                </a:tc>
-                <a:extLst>
-                  <a:ext uri="{0D108BD9-81ED-4DB2-BD59-A6C34878D82A}">
-                    <a16:rowId xmlns:a16="http://schemas.microsoft.com/office/drawing/2014/main" val="1328640930"/>
-                  </a:ext>
-                </a:extLst>
-              </a:tr>
-              <a:tr h="204516">
-                <a:tc>
-                  <a:txBody>
-                    <a:bodyPr/>
-                    <a:lstStyle/>
-                    <a:p>
-                      <a:pPr fontAlgn="base"/>
-                      <a:endParaRPr lang="en-IN" sz="1100">
-                        <a:effectLst/>
-                      </a:endParaRPr>
-                    </a:p>
-                  </a:txBody>
-                  <a:tcPr marL="47985" marR="47985" marT="23993" marB="23993" anchor="ctr"/>
-                </a:tc>
-                <a:tc>
-                  <a:txBody>
-                    <a:bodyPr/>
-                    <a:lstStyle/>
-                    <a:p>
-                      <a:pPr fontAlgn="base"/>
-                      <a:r>
-                        <a:rPr lang="en-IN" sz="1100">
-                          <a:effectLst/>
-                        </a:rPr>
-                        <a:t>Edge AI Optimization</a:t>
-                      </a:r>
-                    </a:p>
-                  </a:txBody>
-                  <a:tcPr marL="47985" marR="47985" marT="23993" marB="23993" anchor="ctr"/>
-                </a:tc>
-                <a:tc>
-                  <a:txBody>
-                    <a:bodyPr/>
-                    <a:lstStyle/>
-                    <a:p>
-                      <a:pPr fontAlgn="base"/>
-                      <a:r>
-                        <a:rPr lang="en-IN" sz="1100">
-                          <a:effectLst/>
-                        </a:rPr>
-                        <a:t>$3,000</a:t>
-                      </a:r>
-                    </a:p>
-                  </a:txBody>
-                  <a:tcPr marL="47985" marR="47985" marT="23993" marB="23993" anchor="ctr"/>
-                </a:tc>
-                <a:extLst>
-                  <a:ext uri="{0D108BD9-81ED-4DB2-BD59-A6C34878D82A}">
-                    <a16:rowId xmlns:a16="http://schemas.microsoft.com/office/drawing/2014/main" val="3507247470"/>
-                  </a:ext>
-                </a:extLst>
-              </a:tr>
-              <a:tr h="257905">
-                <a:tc>
-                  <a:txBody>
-                    <a:bodyPr/>
-                    <a:lstStyle/>
-                    <a:p>
-                      <a:pPr fontAlgn="base"/>
-                      <a:r>
-                        <a:rPr lang="en-IN" sz="1100" b="1">
-                          <a:effectLst/>
-                        </a:rPr>
-                        <a:t>Maintenance Costs</a:t>
-                      </a:r>
-                      <a:endParaRPr lang="en-IN" sz="1100">
-                        <a:effectLst/>
-                      </a:endParaRPr>
-                    </a:p>
-                  </a:txBody>
-                  <a:tcPr marL="47985" marR="47985" marT="23993" marB="23993" anchor="ctr"/>
-                </a:tc>
-                <a:tc>
-                  <a:txBody>
-                    <a:bodyPr/>
-                    <a:lstStyle/>
-                    <a:p>
-                      <a:pPr fontAlgn="base"/>
-                      <a:r>
-                        <a:rPr lang="en-IN" sz="1100">
-                          <a:effectLst/>
-                        </a:rPr>
-                        <a:t>Retraining with Feedback</a:t>
-                      </a:r>
-                    </a:p>
-                  </a:txBody>
-                  <a:tcPr marL="47985" marR="47985" marT="23993" marB="23993" anchor="ctr"/>
-                </a:tc>
-                <a:tc>
-                  <a:txBody>
-                    <a:bodyPr/>
-                    <a:lstStyle/>
-                    <a:p>
-                      <a:pPr fontAlgn="base"/>
-                      <a:r>
-                        <a:rPr lang="en-IN" sz="1100">
-                          <a:effectLst/>
-                        </a:rPr>
-                        <a:t>$1,000 - $2,000/cycle</a:t>
-                      </a:r>
-                    </a:p>
-                  </a:txBody>
-                  <a:tcPr marL="47985" marR="47985" marT="23993" marB="23993" anchor="ctr"/>
-                </a:tc>
-                <a:extLst>
-                  <a:ext uri="{0D108BD9-81ED-4DB2-BD59-A6C34878D82A}">
-                    <a16:rowId xmlns:a16="http://schemas.microsoft.com/office/drawing/2014/main" val="2616728048"/>
-                  </a:ext>
-                </a:extLst>
-              </a:tr>
-              <a:tr h="257905">
-                <a:tc>
-                  <a:txBody>
-                    <a:bodyPr/>
-                    <a:lstStyle/>
-                    <a:p>
-                      <a:pPr fontAlgn="base"/>
-                      <a:endParaRPr lang="en-IN" sz="1100">
-                        <a:effectLst/>
-                      </a:endParaRPr>
-                    </a:p>
-                  </a:txBody>
-                  <a:tcPr marL="47985" marR="47985" marT="23993" marB="23993" anchor="ctr"/>
-                </a:tc>
-                <a:tc>
-                  <a:txBody>
-                    <a:bodyPr/>
-                    <a:lstStyle/>
-                    <a:p>
-                      <a:pPr fontAlgn="base"/>
-                      <a:r>
-                        <a:rPr lang="en-IN" sz="1100">
-                          <a:effectLst/>
-                        </a:rPr>
-                        <a:t>Monitoring and Scalability</a:t>
-                      </a:r>
-                    </a:p>
-                  </a:txBody>
-                  <a:tcPr marL="47985" marR="47985" marT="23993" marB="23993" anchor="ctr"/>
-                </a:tc>
-                <a:tc>
-                  <a:txBody>
-                    <a:bodyPr/>
-                    <a:lstStyle/>
-                    <a:p>
-                      <a:pPr fontAlgn="base"/>
-                      <a:r>
-                        <a:rPr lang="en-IN" sz="1100">
-                          <a:effectLst/>
-                        </a:rPr>
-                        <a:t>$300 - $500/month</a:t>
-                      </a:r>
-                    </a:p>
-                  </a:txBody>
-                  <a:tcPr marL="47985" marR="47985" marT="23993" marB="23993" anchor="ctr"/>
-                </a:tc>
-                <a:extLst>
-                  <a:ext uri="{0D108BD9-81ED-4DB2-BD59-A6C34878D82A}">
-                    <a16:rowId xmlns:a16="http://schemas.microsoft.com/office/drawing/2014/main" val="3837854975"/>
-                  </a:ext>
-                </a:extLst>
-              </a:tr>
-              <a:tr h="204516">
-                <a:tc>
-                  <a:txBody>
-                    <a:bodyPr/>
-                    <a:lstStyle/>
-                    <a:p>
-                      <a:pPr fontAlgn="base"/>
-                      <a:r>
-                        <a:rPr lang="en-IN" sz="1100" b="1">
-                          <a:effectLst/>
-                        </a:rPr>
-                        <a:t>Total Estimate</a:t>
-                      </a:r>
-                      <a:endParaRPr lang="en-IN" sz="1100">
-                        <a:effectLst/>
-                      </a:endParaRPr>
-                    </a:p>
-                  </a:txBody>
-                  <a:tcPr marL="47985" marR="47985" marT="23993" marB="23993" anchor="ctr"/>
-                </a:tc>
-                <a:tc>
-                  <a:txBody>
-                    <a:bodyPr/>
-                    <a:lstStyle/>
-                    <a:p>
-                      <a:pPr fontAlgn="base"/>
-                      <a:r>
-                        <a:rPr lang="en-IN" sz="1100">
-                          <a:effectLst/>
-                        </a:rPr>
-                        <a:t>Initial Development</a:t>
-                      </a:r>
-                    </a:p>
-                  </a:txBody>
-                  <a:tcPr marL="47985" marR="47985" marT="23993" marB="23993" anchor="ctr"/>
-                </a:tc>
-                <a:tc>
-                  <a:txBody>
-                    <a:bodyPr/>
-                    <a:lstStyle/>
-                    <a:p>
-                      <a:pPr fontAlgn="base"/>
-                      <a:r>
-                        <a:rPr lang="en-IN" sz="1100" b="1">
-                          <a:effectLst/>
-                        </a:rPr>
-                        <a:t>$15,000 - $30,000</a:t>
-                      </a:r>
-                      <a:endParaRPr lang="en-IN" sz="1100">
-                        <a:effectLst/>
-                      </a:endParaRPr>
-                    </a:p>
-                  </a:txBody>
-                  <a:tcPr marL="47985" marR="47985" marT="23993" marB="23993" anchor="ctr"/>
-                </a:tc>
-                <a:extLst>
-                  <a:ext uri="{0D108BD9-81ED-4DB2-BD59-A6C34878D82A}">
-                    <a16:rowId xmlns:a16="http://schemas.microsoft.com/office/drawing/2014/main" val="718103515"/>
-                  </a:ext>
-                </a:extLst>
-              </a:tr>
-              <a:tr h="204516">
-                <a:tc>
-                  <a:txBody>
-                    <a:bodyPr/>
-                    <a:lstStyle/>
-                    <a:p>
-                      <a:pPr fontAlgn="base"/>
-                      <a:endParaRPr lang="en-IN" sz="1100">
-                        <a:effectLst/>
-                      </a:endParaRPr>
-                    </a:p>
-                  </a:txBody>
-                  <a:tcPr marL="47985" marR="47985" marT="23993" marB="23993" anchor="ctr"/>
-                </a:tc>
-                <a:tc>
-                  <a:txBody>
-                    <a:bodyPr/>
-                    <a:lstStyle/>
-                    <a:p>
-                      <a:pPr fontAlgn="base"/>
-                      <a:r>
-                        <a:rPr lang="en-IN" sz="1100">
-                          <a:effectLst/>
-                        </a:rPr>
-                        <a:t>Monthly Maintenance</a:t>
-                      </a:r>
-                    </a:p>
-                  </a:txBody>
-                  <a:tcPr marL="47985" marR="47985" marT="23993" marB="23993" anchor="ctr"/>
-                </a:tc>
-                <a:tc>
-                  <a:txBody>
-                    <a:bodyPr/>
-                    <a:lstStyle/>
-                    <a:p>
-                      <a:pPr fontAlgn="base"/>
-                      <a:r>
-                        <a:rPr lang="en-IN" sz="1100" b="1" dirty="0">
-                          <a:effectLst/>
-                        </a:rPr>
-                        <a:t>$3,000 - $5,000</a:t>
-                      </a:r>
-                      <a:endParaRPr lang="en-IN" sz="1100" dirty="0">
-                        <a:effectLst/>
-                      </a:endParaRPr>
-                    </a:p>
-                  </a:txBody>
-                  <a:tcPr marL="47985" marR="47985" marT="23993" marB="23993" anchor="ctr"/>
-                </a:tc>
-                <a:extLst>
-                  <a:ext uri="{0D108BD9-81ED-4DB2-BD59-A6C34878D82A}">
-                    <a16:rowId xmlns:a16="http://schemas.microsoft.com/office/drawing/2014/main" val="2234880034"/>
-                  </a:ext>
-                </a:extLst>
-              </a:tr>
-            </a:tbl>
-          </a:graphicData>
-        </a:graphic>
-      </p:graphicFrame>
+        </p:nvSpPr>
+        <p:spPr>
+          <a:xfrm>
+            <a:off x="348000" y="982620"/>
+            <a:ext cx="8534400" cy="4092300"/>
+          </a:xfrm>
+        </p:spPr>
+        <p:txBody>
+          <a:bodyPr>
+            <a:normAutofit lnSpcReduction="10000"/>
+          </a:bodyPr>
+          <a:lstStyle/>
+          <a:p>
+            <a:pPr algn="l"/>
+            <a:r>
+              <a:rPr lang="en-IN" sz="2000" b="1" i="0" dirty="0">
+                <a:solidFill>
+                  <a:schemeClr val="tx1"/>
+                </a:solidFill>
+                <a:effectLst/>
+                <a:latin typeface="ui-sans-serif"/>
+              </a:rPr>
+              <a:t>Areas of Implementation:</a:t>
+            </a:r>
+            <a:endParaRPr lang="en-IN" sz="2000" b="0" i="0" dirty="0">
+              <a:solidFill>
+                <a:schemeClr val="tx1"/>
+              </a:solidFill>
+              <a:effectLst/>
+              <a:latin typeface="ui-sans-serif"/>
+            </a:endParaRPr>
+          </a:p>
+          <a:p>
+            <a:pPr lvl="1">
+              <a:buFont typeface="Arial" panose="020B0604020202020204" pitchFamily="34" charset="0"/>
+              <a:buChar char="•"/>
+            </a:pPr>
+            <a:r>
+              <a:rPr lang="en-IN" sz="1800" b="1" i="0" dirty="0">
+                <a:solidFill>
+                  <a:schemeClr val="tx1"/>
+                </a:solidFill>
+                <a:effectLst/>
+                <a:latin typeface="ui-sans-serif"/>
+              </a:rPr>
+              <a:t>Social Media Platforms:</a:t>
+            </a:r>
+            <a:r>
+              <a:rPr lang="en-IN" sz="1800" b="0" i="0" dirty="0">
+                <a:solidFill>
+                  <a:schemeClr val="tx1"/>
+                </a:solidFill>
+                <a:effectLst/>
+                <a:latin typeface="ui-sans-serif"/>
+              </a:rPr>
+              <a:t> Moderate content on Facebook, Instagram, Twitter, and TikTok.</a:t>
+            </a:r>
+          </a:p>
+          <a:p>
+            <a:pPr lvl="1">
+              <a:buFont typeface="Arial" panose="020B0604020202020204" pitchFamily="34" charset="0"/>
+              <a:buChar char="•"/>
+            </a:pPr>
+            <a:r>
+              <a:rPr lang="en-IN" sz="1800" b="1" i="0" dirty="0">
+                <a:solidFill>
+                  <a:schemeClr val="tx1"/>
+                </a:solidFill>
+                <a:effectLst/>
+                <a:latin typeface="ui-sans-serif"/>
+              </a:rPr>
+              <a:t>Video Streaming Services:</a:t>
+            </a:r>
+            <a:r>
+              <a:rPr lang="en-IN" sz="1800" b="0" i="0" dirty="0">
+                <a:solidFill>
+                  <a:schemeClr val="tx1"/>
+                </a:solidFill>
+                <a:effectLst/>
+                <a:latin typeface="ui-sans-serif"/>
+              </a:rPr>
+              <a:t> Ensure guideline compliance on YouTube, Netflix, and Twitch.</a:t>
+            </a:r>
+          </a:p>
+          <a:p>
+            <a:pPr lvl="1">
+              <a:buFont typeface="Arial" panose="020B0604020202020204" pitchFamily="34" charset="0"/>
+              <a:buChar char="•"/>
+            </a:pPr>
+            <a:r>
+              <a:rPr lang="en-IN" sz="1800" b="1" i="0" dirty="0">
+                <a:solidFill>
+                  <a:schemeClr val="tx1"/>
+                </a:solidFill>
+                <a:effectLst/>
+                <a:latin typeface="ui-sans-serif"/>
+              </a:rPr>
+              <a:t>E-Commerce Sites:</a:t>
+            </a:r>
+            <a:r>
+              <a:rPr lang="en-IN" sz="1800" b="0" i="0" dirty="0">
+                <a:solidFill>
+                  <a:schemeClr val="tx1"/>
+                </a:solidFill>
+                <a:effectLst/>
+                <a:latin typeface="ui-sans-serif"/>
+              </a:rPr>
+              <a:t> Review user content on Amazon, eBay, and similar platforms.</a:t>
+            </a:r>
+          </a:p>
+          <a:p>
+            <a:pPr lvl="1">
+              <a:buFont typeface="Arial" panose="020B0604020202020204" pitchFamily="34" charset="0"/>
+              <a:buChar char="•"/>
+            </a:pPr>
+            <a:r>
+              <a:rPr lang="en-IN" sz="1800" b="1" i="0" dirty="0">
+                <a:solidFill>
+                  <a:schemeClr val="tx1"/>
+                </a:solidFill>
+                <a:effectLst/>
+                <a:latin typeface="ui-sans-serif"/>
+              </a:rPr>
+              <a:t>Educational Platforms:</a:t>
+            </a:r>
+            <a:r>
+              <a:rPr lang="en-IN" sz="1800" b="0" i="0" dirty="0">
+                <a:solidFill>
+                  <a:schemeClr val="tx1"/>
+                </a:solidFill>
+                <a:effectLst/>
+                <a:latin typeface="ui-sans-serif"/>
+              </a:rPr>
+              <a:t> Moderate resources on Coursera, Udemy, and Khan Academy.</a:t>
+            </a:r>
+          </a:p>
+          <a:p>
+            <a:pPr lvl="1">
+              <a:buFont typeface="Arial" panose="020B0604020202020204" pitchFamily="34" charset="0"/>
+              <a:buChar char="•"/>
+            </a:pPr>
+            <a:r>
+              <a:rPr lang="en-IN" sz="1800" b="1" i="0" dirty="0">
+                <a:solidFill>
+                  <a:schemeClr val="tx1"/>
+                </a:solidFill>
+                <a:effectLst/>
+                <a:latin typeface="ui-sans-serif"/>
+              </a:rPr>
+              <a:t>Gaming Platforms:</a:t>
+            </a:r>
+            <a:r>
+              <a:rPr lang="en-IN" sz="1800" b="0" i="0" dirty="0">
+                <a:solidFill>
+                  <a:schemeClr val="tx1"/>
+                </a:solidFill>
+                <a:effectLst/>
+                <a:latin typeface="ui-sans-serif"/>
+              </a:rPr>
+              <a:t> Filter chats and uploads on Discord, Steam, and PlayStation Network.</a:t>
+            </a:r>
+          </a:p>
+          <a:p>
+            <a:pPr lvl="1">
+              <a:buFont typeface="Arial" panose="020B0604020202020204" pitchFamily="34" charset="0"/>
+              <a:buChar char="•"/>
+            </a:pPr>
+            <a:r>
+              <a:rPr lang="en-IN" sz="1800" b="1" i="0" dirty="0">
+                <a:solidFill>
+                  <a:schemeClr val="tx1"/>
+                </a:solidFill>
+                <a:effectLst/>
+                <a:latin typeface="ui-sans-serif"/>
+              </a:rPr>
+              <a:t>News Portals:</a:t>
+            </a:r>
+            <a:r>
+              <a:rPr lang="en-IN" sz="1800" b="0" i="0" dirty="0">
+                <a:solidFill>
+                  <a:schemeClr val="tx1"/>
+                </a:solidFill>
+                <a:effectLst/>
+                <a:latin typeface="ui-sans-serif"/>
+              </a:rPr>
+              <a:t> Detect fake news and filter harmful comments.</a:t>
+            </a:r>
+          </a:p>
+          <a:p>
+            <a:pPr lvl="1">
+              <a:buFont typeface="Arial" panose="020B0604020202020204" pitchFamily="34" charset="0"/>
+              <a:buChar char="•"/>
+            </a:pPr>
+            <a:r>
+              <a:rPr lang="en-IN" sz="1800" b="1" i="0" dirty="0">
+                <a:solidFill>
+                  <a:schemeClr val="tx1"/>
+                </a:solidFill>
+                <a:effectLst/>
+                <a:latin typeface="ui-sans-serif"/>
+              </a:rPr>
+              <a:t>Corporate Tools:</a:t>
+            </a:r>
+            <a:r>
+              <a:rPr lang="en-IN" sz="1800" b="0" i="0" dirty="0">
+                <a:solidFill>
+                  <a:schemeClr val="tx1"/>
+                </a:solidFill>
+                <a:effectLst/>
+                <a:latin typeface="ui-sans-serif"/>
+              </a:rPr>
+              <a:t> Moderate messages and files on Slack, Teams, and Zoom.</a:t>
+            </a:r>
+          </a:p>
+          <a:p>
+            <a:pPr lvl="1">
+              <a:buFont typeface="Arial" panose="020B0604020202020204" pitchFamily="34" charset="0"/>
+              <a:buChar char="•"/>
+            </a:pPr>
+            <a:r>
+              <a:rPr lang="en-IN" sz="1800" b="1" i="0" dirty="0">
+                <a:solidFill>
+                  <a:schemeClr val="tx1"/>
+                </a:solidFill>
+                <a:effectLst/>
+                <a:latin typeface="ui-sans-serif"/>
+              </a:rPr>
+              <a:t>Online Forums:</a:t>
+            </a:r>
+            <a:r>
+              <a:rPr lang="en-IN" sz="1800" b="0" i="0" dirty="0">
+                <a:solidFill>
+                  <a:schemeClr val="tx1"/>
+                </a:solidFill>
+                <a:effectLst/>
+                <a:latin typeface="ui-sans-serif"/>
+              </a:rPr>
+              <a:t> Ensure respectful discussions on Reddit and Quora.</a:t>
+            </a:r>
+          </a:p>
+          <a:p>
+            <a:pPr lvl="1">
+              <a:buFont typeface="Arial" panose="020B0604020202020204" pitchFamily="34" charset="0"/>
+              <a:buChar char="•"/>
+            </a:pPr>
+            <a:r>
+              <a:rPr lang="en-IN" sz="1800" b="1" i="0" dirty="0">
+                <a:solidFill>
+                  <a:schemeClr val="tx1"/>
+                </a:solidFill>
+                <a:effectLst/>
+                <a:latin typeface="ui-sans-serif"/>
+              </a:rPr>
+              <a:t>Customer Support:</a:t>
+            </a:r>
+            <a:r>
+              <a:rPr lang="en-IN" sz="1800" b="0" i="0" dirty="0">
+                <a:solidFill>
+                  <a:schemeClr val="tx1"/>
+                </a:solidFill>
+                <a:effectLst/>
+                <a:latin typeface="ui-sans-serif"/>
+              </a:rPr>
+              <a:t> Automate offensive language removal in chatbots and emails.</a:t>
+            </a:r>
+          </a:p>
+          <a:p>
+            <a:pPr lvl="1">
+              <a:buFont typeface="Arial" panose="020B0604020202020204" pitchFamily="34" charset="0"/>
+              <a:buChar char="•"/>
+            </a:pPr>
+            <a:r>
+              <a:rPr lang="en-IN" sz="1800" b="1" i="0" dirty="0">
+                <a:solidFill>
+                  <a:schemeClr val="tx1"/>
+                </a:solidFill>
+                <a:effectLst/>
+                <a:latin typeface="ui-sans-serif"/>
+              </a:rPr>
+              <a:t>Government Use:</a:t>
+            </a:r>
+            <a:r>
+              <a:rPr lang="en-IN" sz="1800" b="0" i="0" dirty="0">
+                <a:solidFill>
+                  <a:schemeClr val="tx1"/>
+                </a:solidFill>
+                <a:effectLst/>
+                <a:latin typeface="ui-sans-serif"/>
+              </a:rPr>
+              <a:t> Monitor public platforms for legal and cultural compliance.</a:t>
+            </a:r>
+          </a:p>
+        </p:txBody>
+      </p:sp>
     </p:spTree>
     <p:extLst>
       <p:ext uri="{BB962C8B-B14F-4D97-AF65-F5344CB8AC3E}">
-        <p14:creationId xmlns:p14="http://schemas.microsoft.com/office/powerpoint/2010/main" val="3120119541"/>
+        <p14:creationId xmlns:p14="http://schemas.microsoft.com/office/powerpoint/2010/main" val="4220339283"/>
       </p:ext>
     </p:extLst>
   </p:cSld>
